--- a/2019/IV. Утилитарные библиотеки/2.1 Lodash/Lodash.pptx
+++ b/2019/IV. Утилитарные библиотеки/2.1 Lodash/Lodash.pptx
@@ -1,29 +1,126 @@
 
 <file path=ppt/presentation.xml><?xml version="1.0" encoding="utf-8"?>
-<p:presentation xmlns:a="http://schemas.openxmlformats.org/drawingml/2006/main" xmlns:p="http://schemas.openxmlformats.org/presentationml/2006/main" xmlns:r="http://schemas.openxmlformats.org/officeDocument/2006/relationships" xmlns:p14="http://schemas.microsoft.com/office/powerpoint/2010/main" xmlns:p15="http://schemas.microsoft.com/office/powerpoint/2012/main" xmlns:mc="http://schemas.openxmlformats.org/markup-compatibility/2006">
+<p:presentation xmlns:a="http://schemas.openxmlformats.org/drawingml/2006/main" xmlns:r="http://schemas.openxmlformats.org/officeDocument/2006/relationships" xmlns:p="http://schemas.openxmlformats.org/presentationml/2006/main">
   <p:sldMasterIdLst>
-    <p:sldMasterId id="2147483648" r:id="rId2"/>
-    <p:sldMasterId id="2147483661" r:id="rId3"/>
-    <p:sldMasterId id="2147483674" r:id="rId4"/>
+    <p:sldMasterId id="2147483648" r:id="rId1"/>
+    <p:sldMasterId id="2147483661" r:id="rId2"/>
+    <p:sldMasterId id="2147483674" r:id="rId3"/>
   </p:sldMasterIdLst>
   <p:sldIdLst>
-    <p:sldId id="256" r:id="rId5"/>
-    <p:sldId id="257" r:id="rId6"/>
-    <p:sldId id="258" r:id="rId7"/>
-    <p:sldId id="259" r:id="rId8"/>
-    <p:sldId id="260" r:id="rId9"/>
-    <p:sldId id="261" r:id="rId10"/>
-    <p:sldId id="262" r:id="rId11"/>
-    <p:sldId id="263" r:id="rId12"/>
-    <p:sldId id="264" r:id="rId13"/>
+    <p:sldId id="256" r:id="rId4"/>
+    <p:sldId id="273" r:id="rId5"/>
+    <p:sldId id="275" r:id="rId6"/>
+    <p:sldId id="274" r:id="rId7"/>
+    <p:sldId id="258" r:id="rId8"/>
+    <p:sldId id="259" r:id="rId9"/>
+    <p:sldId id="260" r:id="rId10"/>
+    <p:sldId id="261" r:id="rId11"/>
+    <p:sldId id="262" r:id="rId12"/>
+    <p:sldId id="263" r:id="rId13"/>
+    <p:sldId id="264" r:id="rId14"/>
   </p:sldIdLst>
-  <p:sldSz cx="9144000" cy="5143500"/>
-  <p:notesSz cx="7559675" cy="10691812"/>
+  <p:sldSz cx="9144000" cy="5143500" type="screen16x9"/>
+  <p:notesSz cx="7559675" cy="10691813"/>
+  <p:defaultTextStyle>
+    <a:defPPr>
+      <a:defRPr lang="ru-RU"/>
+    </a:defPPr>
+    <a:lvl1pPr marL="0" algn="l" defTabSz="914400" rtl="0" eaLnBrk="1" latinLnBrk="0" hangingPunct="1">
+      <a:defRPr sz="1800" kern="1200">
+        <a:solidFill>
+          <a:schemeClr val="tx1"/>
+        </a:solidFill>
+        <a:latin typeface="+mn-lt"/>
+        <a:ea typeface="+mn-ea"/>
+        <a:cs typeface="+mn-cs"/>
+      </a:defRPr>
+    </a:lvl1pPr>
+    <a:lvl2pPr marL="457200" algn="l" defTabSz="914400" rtl="0" eaLnBrk="1" latinLnBrk="0" hangingPunct="1">
+      <a:defRPr sz="1800" kern="1200">
+        <a:solidFill>
+          <a:schemeClr val="tx1"/>
+        </a:solidFill>
+        <a:latin typeface="+mn-lt"/>
+        <a:ea typeface="+mn-ea"/>
+        <a:cs typeface="+mn-cs"/>
+      </a:defRPr>
+    </a:lvl2pPr>
+    <a:lvl3pPr marL="914400" algn="l" defTabSz="914400" rtl="0" eaLnBrk="1" latinLnBrk="0" hangingPunct="1">
+      <a:defRPr sz="1800" kern="1200">
+        <a:solidFill>
+          <a:schemeClr val="tx1"/>
+        </a:solidFill>
+        <a:latin typeface="+mn-lt"/>
+        <a:ea typeface="+mn-ea"/>
+        <a:cs typeface="+mn-cs"/>
+      </a:defRPr>
+    </a:lvl3pPr>
+    <a:lvl4pPr marL="1371600" algn="l" defTabSz="914400" rtl="0" eaLnBrk="1" latinLnBrk="0" hangingPunct="1">
+      <a:defRPr sz="1800" kern="1200">
+        <a:solidFill>
+          <a:schemeClr val="tx1"/>
+        </a:solidFill>
+        <a:latin typeface="+mn-lt"/>
+        <a:ea typeface="+mn-ea"/>
+        <a:cs typeface="+mn-cs"/>
+      </a:defRPr>
+    </a:lvl4pPr>
+    <a:lvl5pPr marL="1828800" algn="l" defTabSz="914400" rtl="0" eaLnBrk="1" latinLnBrk="0" hangingPunct="1">
+      <a:defRPr sz="1800" kern="1200">
+        <a:solidFill>
+          <a:schemeClr val="tx1"/>
+        </a:solidFill>
+        <a:latin typeface="+mn-lt"/>
+        <a:ea typeface="+mn-ea"/>
+        <a:cs typeface="+mn-cs"/>
+      </a:defRPr>
+    </a:lvl5pPr>
+    <a:lvl6pPr marL="2286000" algn="l" defTabSz="914400" rtl="0" eaLnBrk="1" latinLnBrk="0" hangingPunct="1">
+      <a:defRPr sz="1800" kern="1200">
+        <a:solidFill>
+          <a:schemeClr val="tx1"/>
+        </a:solidFill>
+        <a:latin typeface="+mn-lt"/>
+        <a:ea typeface="+mn-ea"/>
+        <a:cs typeface="+mn-cs"/>
+      </a:defRPr>
+    </a:lvl6pPr>
+    <a:lvl7pPr marL="2743200" algn="l" defTabSz="914400" rtl="0" eaLnBrk="1" latinLnBrk="0" hangingPunct="1">
+      <a:defRPr sz="1800" kern="1200">
+        <a:solidFill>
+          <a:schemeClr val="tx1"/>
+        </a:solidFill>
+        <a:latin typeface="+mn-lt"/>
+        <a:ea typeface="+mn-ea"/>
+        <a:cs typeface="+mn-cs"/>
+      </a:defRPr>
+    </a:lvl7pPr>
+    <a:lvl8pPr marL="3200400" algn="l" defTabSz="914400" rtl="0" eaLnBrk="1" latinLnBrk="0" hangingPunct="1">
+      <a:defRPr sz="1800" kern="1200">
+        <a:solidFill>
+          <a:schemeClr val="tx1"/>
+        </a:solidFill>
+        <a:latin typeface="+mn-lt"/>
+        <a:ea typeface="+mn-ea"/>
+        <a:cs typeface="+mn-cs"/>
+      </a:defRPr>
+    </a:lvl8pPr>
+    <a:lvl9pPr marL="3657600" algn="l" defTabSz="914400" rtl="0" eaLnBrk="1" latinLnBrk="0" hangingPunct="1">
+      <a:defRPr sz="1800" kern="1200">
+        <a:solidFill>
+          <a:schemeClr val="tx1"/>
+        </a:solidFill>
+        <a:latin typeface="+mn-lt"/>
+        <a:ea typeface="+mn-ea"/>
+        <a:cs typeface="+mn-cs"/>
+      </a:defRPr>
+    </a:lvl9pPr>
+  </p:defaultTextStyle>
 </p:presentation>
 </file>
 
 <file path=ppt/slideLayouts/slideLayout1.xml><?xml version="1.0" encoding="utf-8"?>
-<p:sldLayout xmlns:a="http://schemas.openxmlformats.org/drawingml/2006/main" xmlns:p="http://schemas.openxmlformats.org/presentationml/2006/main" xmlns:r="http://schemas.openxmlformats.org/officeDocument/2006/relationships" xmlns:p14="http://schemas.microsoft.com/office/powerpoint/2010/main" xmlns:p15="http://schemas.microsoft.com/office/powerpoint/2012/main" xmlns:mc="http://schemas.openxmlformats.org/markup-compatibility/2006" type="blank" preserve="1">
+<p:sldLayout xmlns:a="http://schemas.openxmlformats.org/drawingml/2006/main" xmlns:r="http://schemas.openxmlformats.org/officeDocument/2006/relationships" xmlns:p="http://schemas.openxmlformats.org/presentationml/2006/main" type="blank" preserve="1">
   <p:cSld name="Blank Slide">
     <p:spTree>
       <p:nvGrpSpPr>
@@ -41,11 +138,14 @@
       </p:grpSpPr>
     </p:spTree>
   </p:cSld>
+  <p:clrMapOvr>
+    <a:masterClrMapping/>
+  </p:clrMapOvr>
 </p:sldLayout>
 </file>
 
 <file path=ppt/slideLayouts/slideLayout10.xml><?xml version="1.0" encoding="utf-8"?>
-<p:sldLayout xmlns:a="http://schemas.openxmlformats.org/drawingml/2006/main" xmlns:p="http://schemas.openxmlformats.org/presentationml/2006/main" xmlns:r="http://schemas.openxmlformats.org/officeDocument/2006/relationships" xmlns:p14="http://schemas.microsoft.com/office/powerpoint/2010/main" xmlns:p15="http://schemas.microsoft.com/office/powerpoint/2012/main" xmlns:mc="http://schemas.openxmlformats.org/markup-compatibility/2006" type="objOverTx" preserve="1">
+<p:sldLayout xmlns:a="http://schemas.openxmlformats.org/drawingml/2006/main" xmlns:r="http://schemas.openxmlformats.org/officeDocument/2006/relationships" xmlns:p="http://schemas.openxmlformats.org/presentationml/2006/main" type="objOverTx" preserve="1">
   <p:cSld name="Title, Content over Content">
     <p:spTree>
       <p:nvGrpSpPr>
@@ -81,10 +181,11 @@
           </a:prstGeom>
         </p:spPr>
         <p:txBody>
-          <a:bodyPr lIns="0" rIns="0" tIns="0" bIns="0" anchor="ctr"/>
+          <a:bodyPr lIns="0" tIns="0" rIns="0" bIns="0" anchor="ctr"/>
+          <a:lstStyle/>
           <a:p>
             <a:pPr algn="ctr"/>
-            <a:endParaRPr b="0" lang="ru-RU" sz="4400" spc="-1" strike="noStrike">
+            <a:endParaRPr lang="ru-RU" sz="4400" b="0" strike="noStrike" spc="-1">
               <a:latin typeface="Arial"/>
             </a:endParaRPr>
           </a:p>
@@ -110,11 +211,12 @@
           </a:prstGeom>
         </p:spPr>
         <p:txBody>
-          <a:bodyPr lIns="0" rIns="0" tIns="0" bIns="0">
+          <a:bodyPr lIns="0" tIns="0" rIns="0" bIns="0">
             <a:normAutofit/>
           </a:bodyPr>
-          <a:p>
-            <a:endParaRPr b="0" lang="ru-RU" sz="3200" spc="-1" strike="noStrike">
+          <a:lstStyle/>
+          <a:p>
+            <a:endParaRPr lang="ru-RU" sz="3200" b="0" strike="noStrike" spc="-1">
               <a:latin typeface="Arial"/>
             </a:endParaRPr>
           </a:p>
@@ -140,11 +242,12 @@
           </a:prstGeom>
         </p:spPr>
         <p:txBody>
-          <a:bodyPr lIns="0" rIns="0" tIns="0" bIns="0">
+          <a:bodyPr lIns="0" tIns="0" rIns="0" bIns="0">
             <a:normAutofit/>
           </a:bodyPr>
-          <a:p>
-            <a:endParaRPr b="0" lang="ru-RU" sz="3200" spc="-1" strike="noStrike">
+          <a:lstStyle/>
+          <a:p>
+            <a:endParaRPr lang="ru-RU" sz="3200" b="0" strike="noStrike" spc="-1">
               <a:latin typeface="Arial"/>
             </a:endParaRPr>
           </a:p>
@@ -152,11 +255,14 @@
       </p:sp>
     </p:spTree>
   </p:cSld>
+  <p:clrMapOvr>
+    <a:masterClrMapping/>
+  </p:clrMapOvr>
 </p:sldLayout>
 </file>
 
 <file path=ppt/slideLayouts/slideLayout11.xml><?xml version="1.0" encoding="utf-8"?>
-<p:sldLayout xmlns:a="http://schemas.openxmlformats.org/drawingml/2006/main" xmlns:p="http://schemas.openxmlformats.org/presentationml/2006/main" xmlns:r="http://schemas.openxmlformats.org/officeDocument/2006/relationships" xmlns:p14="http://schemas.microsoft.com/office/powerpoint/2010/main" xmlns:p15="http://schemas.microsoft.com/office/powerpoint/2012/main" xmlns:mc="http://schemas.openxmlformats.org/markup-compatibility/2006" type="fourObj" preserve="1">
+<p:sldLayout xmlns:a="http://schemas.openxmlformats.org/drawingml/2006/main" xmlns:r="http://schemas.openxmlformats.org/officeDocument/2006/relationships" xmlns:p="http://schemas.openxmlformats.org/presentationml/2006/main" type="fourObj" preserve="1">
   <p:cSld name="Title, 4 Content">
     <p:spTree>
       <p:nvGrpSpPr>
@@ -192,10 +298,11 @@
           </a:prstGeom>
         </p:spPr>
         <p:txBody>
-          <a:bodyPr lIns="0" rIns="0" tIns="0" bIns="0" anchor="ctr"/>
+          <a:bodyPr lIns="0" tIns="0" rIns="0" bIns="0" anchor="ctr"/>
+          <a:lstStyle/>
           <a:p>
             <a:pPr algn="ctr"/>
-            <a:endParaRPr b="0" lang="ru-RU" sz="4400" spc="-1" strike="noStrike">
+            <a:endParaRPr lang="ru-RU" sz="4400" b="0" strike="noStrike" spc="-1">
               <a:latin typeface="Arial"/>
             </a:endParaRPr>
           </a:p>
@@ -221,11 +328,12 @@
           </a:prstGeom>
         </p:spPr>
         <p:txBody>
-          <a:bodyPr lIns="0" rIns="0" tIns="0" bIns="0">
+          <a:bodyPr lIns="0" tIns="0" rIns="0" bIns="0">
             <a:normAutofit/>
           </a:bodyPr>
-          <a:p>
-            <a:endParaRPr b="0" lang="ru-RU" sz="3200" spc="-1" strike="noStrike">
+          <a:lstStyle/>
+          <a:p>
+            <a:endParaRPr lang="ru-RU" sz="3200" b="0" strike="noStrike" spc="-1">
               <a:latin typeface="Arial"/>
             </a:endParaRPr>
           </a:p>
@@ -251,11 +359,12 @@
           </a:prstGeom>
         </p:spPr>
         <p:txBody>
-          <a:bodyPr lIns="0" rIns="0" tIns="0" bIns="0">
+          <a:bodyPr lIns="0" tIns="0" rIns="0" bIns="0">
             <a:normAutofit/>
           </a:bodyPr>
-          <a:p>
-            <a:endParaRPr b="0" lang="ru-RU" sz="3200" spc="-1" strike="noStrike">
+          <a:lstStyle/>
+          <a:p>
+            <a:endParaRPr lang="ru-RU" sz="3200" b="0" strike="noStrike" spc="-1">
               <a:latin typeface="Arial"/>
             </a:endParaRPr>
           </a:p>
@@ -281,11 +390,12 @@
           </a:prstGeom>
         </p:spPr>
         <p:txBody>
-          <a:bodyPr lIns="0" rIns="0" tIns="0" bIns="0">
+          <a:bodyPr lIns="0" tIns="0" rIns="0" bIns="0">
             <a:normAutofit/>
           </a:bodyPr>
-          <a:p>
-            <a:endParaRPr b="0" lang="ru-RU" sz="3200" spc="-1" strike="noStrike">
+          <a:lstStyle/>
+          <a:p>
+            <a:endParaRPr lang="ru-RU" sz="3200" b="0" strike="noStrike" spc="-1">
               <a:latin typeface="Arial"/>
             </a:endParaRPr>
           </a:p>
@@ -311,11 +421,12 @@
           </a:prstGeom>
         </p:spPr>
         <p:txBody>
-          <a:bodyPr lIns="0" rIns="0" tIns="0" bIns="0">
+          <a:bodyPr lIns="0" tIns="0" rIns="0" bIns="0">
             <a:normAutofit/>
           </a:bodyPr>
-          <a:p>
-            <a:endParaRPr b="0" lang="ru-RU" sz="3200" spc="-1" strike="noStrike">
+          <a:lstStyle/>
+          <a:p>
+            <a:endParaRPr lang="ru-RU" sz="3200" b="0" strike="noStrike" spc="-1">
               <a:latin typeface="Arial"/>
             </a:endParaRPr>
           </a:p>
@@ -323,11 +434,14 @@
       </p:sp>
     </p:spTree>
   </p:cSld>
+  <p:clrMapOvr>
+    <a:masterClrMapping/>
+  </p:clrMapOvr>
 </p:sldLayout>
 </file>
 
 <file path=ppt/slideLayouts/slideLayout12.xml><?xml version="1.0" encoding="utf-8"?>
-<p:sldLayout xmlns:a="http://schemas.openxmlformats.org/drawingml/2006/main" xmlns:p="http://schemas.openxmlformats.org/presentationml/2006/main" xmlns:r="http://schemas.openxmlformats.org/officeDocument/2006/relationships" xmlns:p14="http://schemas.microsoft.com/office/powerpoint/2010/main" xmlns:p15="http://schemas.microsoft.com/office/powerpoint/2012/main" xmlns:mc="http://schemas.openxmlformats.org/markup-compatibility/2006" type="blank" preserve="1">
+<p:sldLayout xmlns:a="http://schemas.openxmlformats.org/drawingml/2006/main" xmlns:r="http://schemas.openxmlformats.org/officeDocument/2006/relationships" xmlns:p="http://schemas.openxmlformats.org/presentationml/2006/main" type="blank" preserve="1">
   <p:cSld name="Title, 6 Content">
     <p:spTree>
       <p:nvGrpSpPr>
@@ -363,10 +477,11 @@
           </a:prstGeom>
         </p:spPr>
         <p:txBody>
-          <a:bodyPr lIns="0" rIns="0" tIns="0" bIns="0" anchor="ctr"/>
+          <a:bodyPr lIns="0" tIns="0" rIns="0" bIns="0" anchor="ctr"/>
+          <a:lstStyle/>
           <a:p>
             <a:pPr algn="ctr"/>
-            <a:endParaRPr b="0" lang="ru-RU" sz="4400" spc="-1" strike="noStrike">
+            <a:endParaRPr lang="ru-RU" sz="4400" b="0" strike="noStrike" spc="-1">
               <a:latin typeface="Arial"/>
             </a:endParaRPr>
           </a:p>
@@ -392,11 +507,12 @@
           </a:prstGeom>
         </p:spPr>
         <p:txBody>
-          <a:bodyPr lIns="0" rIns="0" tIns="0" bIns="0">
+          <a:bodyPr lIns="0" tIns="0" rIns="0" bIns="0">
             <a:normAutofit/>
           </a:bodyPr>
-          <a:p>
-            <a:endParaRPr b="0" lang="ru-RU" sz="3200" spc="-1" strike="noStrike">
+          <a:lstStyle/>
+          <a:p>
+            <a:endParaRPr lang="ru-RU" sz="3200" b="0" strike="noStrike" spc="-1">
               <a:latin typeface="Arial"/>
             </a:endParaRPr>
           </a:p>
@@ -422,11 +538,12 @@
           </a:prstGeom>
         </p:spPr>
         <p:txBody>
-          <a:bodyPr lIns="0" rIns="0" tIns="0" bIns="0">
+          <a:bodyPr lIns="0" tIns="0" rIns="0" bIns="0">
             <a:normAutofit/>
           </a:bodyPr>
-          <a:p>
-            <a:endParaRPr b="0" lang="ru-RU" sz="3200" spc="-1" strike="noStrike">
+          <a:lstStyle/>
+          <a:p>
+            <a:endParaRPr lang="ru-RU" sz="3200" b="0" strike="noStrike" spc="-1">
               <a:latin typeface="Arial"/>
             </a:endParaRPr>
           </a:p>
@@ -452,11 +569,12 @@
           </a:prstGeom>
         </p:spPr>
         <p:txBody>
-          <a:bodyPr lIns="0" rIns="0" tIns="0" bIns="0">
+          <a:bodyPr lIns="0" tIns="0" rIns="0" bIns="0">
             <a:normAutofit/>
           </a:bodyPr>
-          <a:p>
-            <a:endParaRPr b="0" lang="ru-RU" sz="3200" spc="-1" strike="noStrike">
+          <a:lstStyle/>
+          <a:p>
+            <a:endParaRPr lang="ru-RU" sz="3200" b="0" strike="noStrike" spc="-1">
               <a:latin typeface="Arial"/>
             </a:endParaRPr>
           </a:p>
@@ -482,11 +600,12 @@
           </a:prstGeom>
         </p:spPr>
         <p:txBody>
-          <a:bodyPr lIns="0" rIns="0" tIns="0" bIns="0">
+          <a:bodyPr lIns="0" tIns="0" rIns="0" bIns="0">
             <a:normAutofit/>
           </a:bodyPr>
-          <a:p>
-            <a:endParaRPr b="0" lang="ru-RU" sz="3200" spc="-1" strike="noStrike">
+          <a:lstStyle/>
+          <a:p>
+            <a:endParaRPr lang="ru-RU" sz="3200" b="0" strike="noStrike" spc="-1">
               <a:latin typeface="Arial"/>
             </a:endParaRPr>
           </a:p>
@@ -512,11 +631,12 @@
           </a:prstGeom>
         </p:spPr>
         <p:txBody>
-          <a:bodyPr lIns="0" rIns="0" tIns="0" bIns="0">
+          <a:bodyPr lIns="0" tIns="0" rIns="0" bIns="0">
             <a:normAutofit/>
           </a:bodyPr>
-          <a:p>
-            <a:endParaRPr b="0" lang="ru-RU" sz="3200" spc="-1" strike="noStrike">
+          <a:lstStyle/>
+          <a:p>
+            <a:endParaRPr lang="ru-RU" sz="3200" b="0" strike="noStrike" spc="-1">
               <a:latin typeface="Arial"/>
             </a:endParaRPr>
           </a:p>
@@ -542,11 +662,12 @@
           </a:prstGeom>
         </p:spPr>
         <p:txBody>
-          <a:bodyPr lIns="0" rIns="0" tIns="0" bIns="0">
+          <a:bodyPr lIns="0" tIns="0" rIns="0" bIns="0">
             <a:normAutofit/>
           </a:bodyPr>
-          <a:p>
-            <a:endParaRPr b="0" lang="ru-RU" sz="3200" spc="-1" strike="noStrike">
+          <a:lstStyle/>
+          <a:p>
+            <a:endParaRPr lang="ru-RU" sz="3200" b="0" strike="noStrike" spc="-1">
               <a:latin typeface="Arial"/>
             </a:endParaRPr>
           </a:p>
@@ -554,11 +675,14 @@
       </p:sp>
     </p:spTree>
   </p:cSld>
+  <p:clrMapOvr>
+    <a:masterClrMapping/>
+  </p:clrMapOvr>
 </p:sldLayout>
 </file>
 
 <file path=ppt/slideLayouts/slideLayout13.xml><?xml version="1.0" encoding="utf-8"?>
-<p:sldLayout xmlns:a="http://schemas.openxmlformats.org/drawingml/2006/main" xmlns:p="http://schemas.openxmlformats.org/presentationml/2006/main" xmlns:r="http://schemas.openxmlformats.org/officeDocument/2006/relationships" xmlns:p14="http://schemas.microsoft.com/office/powerpoint/2010/main" xmlns:p15="http://schemas.microsoft.com/office/powerpoint/2012/main" xmlns:mc="http://schemas.openxmlformats.org/markup-compatibility/2006" type="blank" preserve="1">
+<p:sldLayout xmlns:a="http://schemas.openxmlformats.org/drawingml/2006/main" xmlns:r="http://schemas.openxmlformats.org/officeDocument/2006/relationships" xmlns:p="http://schemas.openxmlformats.org/presentationml/2006/main" type="blank" preserve="1">
   <p:cSld name="Blank Slide">
     <p:spTree>
       <p:nvGrpSpPr>
@@ -576,11 +700,14 @@
       </p:grpSpPr>
     </p:spTree>
   </p:cSld>
+  <p:clrMapOvr>
+    <a:masterClrMapping/>
+  </p:clrMapOvr>
 </p:sldLayout>
 </file>
 
 <file path=ppt/slideLayouts/slideLayout14.xml><?xml version="1.0" encoding="utf-8"?>
-<p:sldLayout xmlns:a="http://schemas.openxmlformats.org/drawingml/2006/main" xmlns:p="http://schemas.openxmlformats.org/presentationml/2006/main" xmlns:r="http://schemas.openxmlformats.org/officeDocument/2006/relationships" xmlns:p14="http://schemas.microsoft.com/office/powerpoint/2010/main" xmlns:p15="http://schemas.microsoft.com/office/powerpoint/2012/main" xmlns:mc="http://schemas.openxmlformats.org/markup-compatibility/2006" type="tx" preserve="1">
+<p:sldLayout xmlns:a="http://schemas.openxmlformats.org/drawingml/2006/main" xmlns:r="http://schemas.openxmlformats.org/officeDocument/2006/relationships" xmlns:p="http://schemas.openxmlformats.org/presentationml/2006/main" type="tx" preserve="1">
   <p:cSld name="Title Slide">
     <p:spTree>
       <p:nvGrpSpPr>
@@ -616,10 +743,11 @@
           </a:prstGeom>
         </p:spPr>
         <p:txBody>
-          <a:bodyPr lIns="0" rIns="0" tIns="0" bIns="0" anchor="ctr"/>
+          <a:bodyPr lIns="0" tIns="0" rIns="0" bIns="0" anchor="ctr"/>
+          <a:lstStyle/>
           <a:p>
             <a:pPr algn="ctr"/>
-            <a:endParaRPr b="0" lang="ru-RU" sz="4400" spc="-1" strike="noStrike">
+            <a:endParaRPr lang="ru-RU" sz="4400" b="0" strike="noStrike" spc="-1">
               <a:latin typeface="Arial"/>
             </a:endParaRPr>
           </a:p>
@@ -645,10 +773,11 @@
           </a:prstGeom>
         </p:spPr>
         <p:txBody>
-          <a:bodyPr lIns="0" rIns="0" tIns="0" bIns="0" anchor="ctr"/>
+          <a:bodyPr lIns="0" tIns="0" rIns="0" bIns="0" anchor="ctr"/>
+          <a:lstStyle/>
           <a:p>
             <a:pPr algn="ctr"/>
-            <a:endParaRPr b="0" lang="ru-RU" sz="3200" spc="-1" strike="noStrike">
+            <a:endParaRPr lang="ru-RU" sz="3200" b="0" strike="noStrike" spc="-1">
               <a:latin typeface="Arial"/>
             </a:endParaRPr>
           </a:p>
@@ -656,11 +785,14 @@
       </p:sp>
     </p:spTree>
   </p:cSld>
+  <p:clrMapOvr>
+    <a:masterClrMapping/>
+  </p:clrMapOvr>
 </p:sldLayout>
 </file>
 
 <file path=ppt/slideLayouts/slideLayout15.xml><?xml version="1.0" encoding="utf-8"?>
-<p:sldLayout xmlns:a="http://schemas.openxmlformats.org/drawingml/2006/main" xmlns:p="http://schemas.openxmlformats.org/presentationml/2006/main" xmlns:r="http://schemas.openxmlformats.org/officeDocument/2006/relationships" xmlns:p14="http://schemas.microsoft.com/office/powerpoint/2010/main" xmlns:p15="http://schemas.microsoft.com/office/powerpoint/2012/main" xmlns:mc="http://schemas.openxmlformats.org/markup-compatibility/2006" type="obj" preserve="1">
+<p:sldLayout xmlns:a="http://schemas.openxmlformats.org/drawingml/2006/main" xmlns:r="http://schemas.openxmlformats.org/officeDocument/2006/relationships" xmlns:p="http://schemas.openxmlformats.org/presentationml/2006/main" type="obj" preserve="1">
   <p:cSld name="Title, Content">
     <p:spTree>
       <p:nvGrpSpPr>
@@ -696,10 +828,11 @@
           </a:prstGeom>
         </p:spPr>
         <p:txBody>
-          <a:bodyPr lIns="0" rIns="0" tIns="0" bIns="0" anchor="ctr"/>
+          <a:bodyPr lIns="0" tIns="0" rIns="0" bIns="0" anchor="ctr"/>
+          <a:lstStyle/>
           <a:p>
             <a:pPr algn="ctr"/>
-            <a:endParaRPr b="0" lang="ru-RU" sz="4400" spc="-1" strike="noStrike">
+            <a:endParaRPr lang="ru-RU" sz="4400" b="0" strike="noStrike" spc="-1">
               <a:latin typeface="Arial"/>
             </a:endParaRPr>
           </a:p>
@@ -725,11 +858,12 @@
           </a:prstGeom>
         </p:spPr>
         <p:txBody>
-          <a:bodyPr lIns="0" rIns="0" tIns="0" bIns="0">
+          <a:bodyPr lIns="0" tIns="0" rIns="0" bIns="0">
             <a:normAutofit/>
           </a:bodyPr>
-          <a:p>
-            <a:endParaRPr b="0" lang="ru-RU" sz="3200" spc="-1" strike="noStrike">
+          <a:lstStyle/>
+          <a:p>
+            <a:endParaRPr lang="ru-RU" sz="3200" b="0" strike="noStrike" spc="-1">
               <a:latin typeface="Arial"/>
             </a:endParaRPr>
           </a:p>
@@ -737,11 +871,14 @@
       </p:sp>
     </p:spTree>
   </p:cSld>
+  <p:clrMapOvr>
+    <a:masterClrMapping/>
+  </p:clrMapOvr>
 </p:sldLayout>
 </file>
 
 <file path=ppt/slideLayouts/slideLayout16.xml><?xml version="1.0" encoding="utf-8"?>
-<p:sldLayout xmlns:a="http://schemas.openxmlformats.org/drawingml/2006/main" xmlns:p="http://schemas.openxmlformats.org/presentationml/2006/main" xmlns:r="http://schemas.openxmlformats.org/officeDocument/2006/relationships" xmlns:p14="http://schemas.microsoft.com/office/powerpoint/2010/main" xmlns:p15="http://schemas.microsoft.com/office/powerpoint/2012/main" xmlns:mc="http://schemas.openxmlformats.org/markup-compatibility/2006" type="twoObj" preserve="1">
+<p:sldLayout xmlns:a="http://schemas.openxmlformats.org/drawingml/2006/main" xmlns:r="http://schemas.openxmlformats.org/officeDocument/2006/relationships" xmlns:p="http://schemas.openxmlformats.org/presentationml/2006/main" type="twoObj" preserve="1">
   <p:cSld name="Title, 2 Content">
     <p:spTree>
       <p:nvGrpSpPr>
@@ -777,10 +914,11 @@
           </a:prstGeom>
         </p:spPr>
         <p:txBody>
-          <a:bodyPr lIns="0" rIns="0" tIns="0" bIns="0" anchor="ctr"/>
+          <a:bodyPr lIns="0" tIns="0" rIns="0" bIns="0" anchor="ctr"/>
+          <a:lstStyle/>
           <a:p>
             <a:pPr algn="ctr"/>
-            <a:endParaRPr b="0" lang="ru-RU" sz="4400" spc="-1" strike="noStrike">
+            <a:endParaRPr lang="ru-RU" sz="4400" b="0" strike="noStrike" spc="-1">
               <a:latin typeface="Arial"/>
             </a:endParaRPr>
           </a:p>
@@ -806,11 +944,12 @@
           </a:prstGeom>
         </p:spPr>
         <p:txBody>
-          <a:bodyPr lIns="0" rIns="0" tIns="0" bIns="0">
+          <a:bodyPr lIns="0" tIns="0" rIns="0" bIns="0">
             <a:normAutofit/>
           </a:bodyPr>
-          <a:p>
-            <a:endParaRPr b="0" lang="ru-RU" sz="3200" spc="-1" strike="noStrike">
+          <a:lstStyle/>
+          <a:p>
+            <a:endParaRPr lang="ru-RU" sz="3200" b="0" strike="noStrike" spc="-1">
               <a:latin typeface="Arial"/>
             </a:endParaRPr>
           </a:p>
@@ -836,11 +975,12 @@
           </a:prstGeom>
         </p:spPr>
         <p:txBody>
-          <a:bodyPr lIns="0" rIns="0" tIns="0" bIns="0">
+          <a:bodyPr lIns="0" tIns="0" rIns="0" bIns="0">
             <a:normAutofit/>
           </a:bodyPr>
-          <a:p>
-            <a:endParaRPr b="0" lang="ru-RU" sz="3200" spc="-1" strike="noStrike">
+          <a:lstStyle/>
+          <a:p>
+            <a:endParaRPr lang="ru-RU" sz="3200" b="0" strike="noStrike" spc="-1">
               <a:latin typeface="Arial"/>
             </a:endParaRPr>
           </a:p>
@@ -848,11 +988,14 @@
       </p:sp>
     </p:spTree>
   </p:cSld>
+  <p:clrMapOvr>
+    <a:masterClrMapping/>
+  </p:clrMapOvr>
 </p:sldLayout>
 </file>
 
 <file path=ppt/slideLayouts/slideLayout17.xml><?xml version="1.0" encoding="utf-8"?>
-<p:sldLayout xmlns:a="http://schemas.openxmlformats.org/drawingml/2006/main" xmlns:p="http://schemas.openxmlformats.org/presentationml/2006/main" xmlns:r="http://schemas.openxmlformats.org/officeDocument/2006/relationships" xmlns:p14="http://schemas.microsoft.com/office/powerpoint/2010/main" xmlns:p15="http://schemas.microsoft.com/office/powerpoint/2012/main" xmlns:mc="http://schemas.openxmlformats.org/markup-compatibility/2006" type="titleOnly" preserve="1">
+<p:sldLayout xmlns:a="http://schemas.openxmlformats.org/drawingml/2006/main" xmlns:r="http://schemas.openxmlformats.org/officeDocument/2006/relationships" xmlns:p="http://schemas.openxmlformats.org/presentationml/2006/main" type="titleOnly" preserve="1">
   <p:cSld name="Title Only">
     <p:spTree>
       <p:nvGrpSpPr>
@@ -888,10 +1031,11 @@
           </a:prstGeom>
         </p:spPr>
         <p:txBody>
-          <a:bodyPr lIns="0" rIns="0" tIns="0" bIns="0" anchor="ctr"/>
+          <a:bodyPr lIns="0" tIns="0" rIns="0" bIns="0" anchor="ctr"/>
+          <a:lstStyle/>
           <a:p>
             <a:pPr algn="ctr"/>
-            <a:endParaRPr b="0" lang="ru-RU" sz="4400" spc="-1" strike="noStrike">
+            <a:endParaRPr lang="ru-RU" sz="4400" b="0" strike="noStrike" spc="-1">
               <a:latin typeface="Arial"/>
             </a:endParaRPr>
           </a:p>
@@ -899,11 +1043,14 @@
       </p:sp>
     </p:spTree>
   </p:cSld>
+  <p:clrMapOvr>
+    <a:masterClrMapping/>
+  </p:clrMapOvr>
 </p:sldLayout>
 </file>
 
 <file path=ppt/slideLayouts/slideLayout18.xml><?xml version="1.0" encoding="utf-8"?>
-<p:sldLayout xmlns:a="http://schemas.openxmlformats.org/drawingml/2006/main" xmlns:p="http://schemas.openxmlformats.org/presentationml/2006/main" xmlns:r="http://schemas.openxmlformats.org/officeDocument/2006/relationships" xmlns:p14="http://schemas.microsoft.com/office/powerpoint/2010/main" xmlns:p15="http://schemas.microsoft.com/office/powerpoint/2012/main" xmlns:mc="http://schemas.openxmlformats.org/markup-compatibility/2006" type="objOnly" preserve="1">
+<p:sldLayout xmlns:a="http://schemas.openxmlformats.org/drawingml/2006/main" xmlns:r="http://schemas.openxmlformats.org/officeDocument/2006/relationships" xmlns:p="http://schemas.openxmlformats.org/presentationml/2006/main" type="objOnly" preserve="1">
   <p:cSld name="Centered Text">
     <p:spTree>
       <p:nvGrpSpPr>
@@ -939,10 +1086,11 @@
           </a:prstGeom>
         </p:spPr>
         <p:txBody>
-          <a:bodyPr lIns="0" rIns="0" tIns="0" bIns="0" anchor="ctr"/>
+          <a:bodyPr lIns="0" tIns="0" rIns="0" bIns="0" anchor="ctr"/>
+          <a:lstStyle/>
           <a:p>
             <a:pPr algn="ctr"/>
-            <a:endParaRPr b="0" lang="ru-RU" sz="3200" spc="-1" strike="noStrike">
+            <a:endParaRPr lang="ru-RU" sz="3200" b="0" strike="noStrike" spc="-1">
               <a:latin typeface="Arial"/>
             </a:endParaRPr>
           </a:p>
@@ -950,11 +1098,14 @@
       </p:sp>
     </p:spTree>
   </p:cSld>
+  <p:clrMapOvr>
+    <a:masterClrMapping/>
+  </p:clrMapOvr>
 </p:sldLayout>
 </file>
 
 <file path=ppt/slideLayouts/slideLayout19.xml><?xml version="1.0" encoding="utf-8"?>
-<p:sldLayout xmlns:a="http://schemas.openxmlformats.org/drawingml/2006/main" xmlns:p="http://schemas.openxmlformats.org/presentationml/2006/main" xmlns:r="http://schemas.openxmlformats.org/officeDocument/2006/relationships" xmlns:p14="http://schemas.microsoft.com/office/powerpoint/2010/main" xmlns:p15="http://schemas.microsoft.com/office/powerpoint/2012/main" xmlns:mc="http://schemas.openxmlformats.org/markup-compatibility/2006" type="twoObjAndObj" preserve="1">
+<p:sldLayout xmlns:a="http://schemas.openxmlformats.org/drawingml/2006/main" xmlns:r="http://schemas.openxmlformats.org/officeDocument/2006/relationships" xmlns:p="http://schemas.openxmlformats.org/presentationml/2006/main" type="twoObjAndObj" preserve="1">
   <p:cSld name="Title, 2 Content and Content">
     <p:spTree>
       <p:nvGrpSpPr>
@@ -990,10 +1141,11 @@
           </a:prstGeom>
         </p:spPr>
         <p:txBody>
-          <a:bodyPr lIns="0" rIns="0" tIns="0" bIns="0" anchor="ctr"/>
+          <a:bodyPr lIns="0" tIns="0" rIns="0" bIns="0" anchor="ctr"/>
+          <a:lstStyle/>
           <a:p>
             <a:pPr algn="ctr"/>
-            <a:endParaRPr b="0" lang="ru-RU" sz="4400" spc="-1" strike="noStrike">
+            <a:endParaRPr lang="ru-RU" sz="4400" b="0" strike="noStrike" spc="-1">
               <a:latin typeface="Arial"/>
             </a:endParaRPr>
           </a:p>
@@ -1019,11 +1171,12 @@
           </a:prstGeom>
         </p:spPr>
         <p:txBody>
-          <a:bodyPr lIns="0" rIns="0" tIns="0" bIns="0">
+          <a:bodyPr lIns="0" tIns="0" rIns="0" bIns="0">
             <a:normAutofit/>
           </a:bodyPr>
-          <a:p>
-            <a:endParaRPr b="0" lang="ru-RU" sz="3200" spc="-1" strike="noStrike">
+          <a:lstStyle/>
+          <a:p>
+            <a:endParaRPr lang="ru-RU" sz="3200" b="0" strike="noStrike" spc="-1">
               <a:latin typeface="Arial"/>
             </a:endParaRPr>
           </a:p>
@@ -1049,11 +1202,12 @@
           </a:prstGeom>
         </p:spPr>
         <p:txBody>
-          <a:bodyPr lIns="0" rIns="0" tIns="0" bIns="0">
+          <a:bodyPr lIns="0" tIns="0" rIns="0" bIns="0">
             <a:normAutofit/>
           </a:bodyPr>
-          <a:p>
-            <a:endParaRPr b="0" lang="ru-RU" sz="3200" spc="-1" strike="noStrike">
+          <a:lstStyle/>
+          <a:p>
+            <a:endParaRPr lang="ru-RU" sz="3200" b="0" strike="noStrike" spc="-1">
               <a:latin typeface="Arial"/>
             </a:endParaRPr>
           </a:p>
@@ -1079,11 +1233,12 @@
           </a:prstGeom>
         </p:spPr>
         <p:txBody>
-          <a:bodyPr lIns="0" rIns="0" tIns="0" bIns="0">
+          <a:bodyPr lIns="0" tIns="0" rIns="0" bIns="0">
             <a:normAutofit/>
           </a:bodyPr>
-          <a:p>
-            <a:endParaRPr b="0" lang="ru-RU" sz="3200" spc="-1" strike="noStrike">
+          <a:lstStyle/>
+          <a:p>
+            <a:endParaRPr lang="ru-RU" sz="3200" b="0" strike="noStrike" spc="-1">
               <a:latin typeface="Arial"/>
             </a:endParaRPr>
           </a:p>
@@ -1091,11 +1246,14 @@
       </p:sp>
     </p:spTree>
   </p:cSld>
+  <p:clrMapOvr>
+    <a:masterClrMapping/>
+  </p:clrMapOvr>
 </p:sldLayout>
 </file>
 
 <file path=ppt/slideLayouts/slideLayout2.xml><?xml version="1.0" encoding="utf-8"?>
-<p:sldLayout xmlns:a="http://schemas.openxmlformats.org/drawingml/2006/main" xmlns:p="http://schemas.openxmlformats.org/presentationml/2006/main" xmlns:r="http://schemas.openxmlformats.org/officeDocument/2006/relationships" xmlns:p14="http://schemas.microsoft.com/office/powerpoint/2010/main" xmlns:p15="http://schemas.microsoft.com/office/powerpoint/2012/main" xmlns:mc="http://schemas.openxmlformats.org/markup-compatibility/2006" type="tx" preserve="1">
+<p:sldLayout xmlns:a="http://schemas.openxmlformats.org/drawingml/2006/main" xmlns:r="http://schemas.openxmlformats.org/officeDocument/2006/relationships" xmlns:p="http://schemas.openxmlformats.org/presentationml/2006/main" type="tx" preserve="1">
   <p:cSld name="Title Slide">
     <p:spTree>
       <p:nvGrpSpPr>
@@ -1131,10 +1289,11 @@
           </a:prstGeom>
         </p:spPr>
         <p:txBody>
-          <a:bodyPr lIns="0" rIns="0" tIns="0" bIns="0" anchor="ctr"/>
+          <a:bodyPr lIns="0" tIns="0" rIns="0" bIns="0" anchor="ctr"/>
+          <a:lstStyle/>
           <a:p>
             <a:pPr algn="ctr"/>
-            <a:endParaRPr b="0" lang="ru-RU" sz="4400" spc="-1" strike="noStrike">
+            <a:endParaRPr lang="ru-RU" sz="4400" b="0" strike="noStrike" spc="-1">
               <a:latin typeface="Arial"/>
             </a:endParaRPr>
           </a:p>
@@ -1160,10 +1319,11 @@
           </a:prstGeom>
         </p:spPr>
         <p:txBody>
-          <a:bodyPr lIns="0" rIns="0" tIns="0" bIns="0" anchor="ctr"/>
+          <a:bodyPr lIns="0" tIns="0" rIns="0" bIns="0" anchor="ctr"/>
+          <a:lstStyle/>
           <a:p>
             <a:pPr algn="ctr"/>
-            <a:endParaRPr b="0" lang="ru-RU" sz="3200" spc="-1" strike="noStrike">
+            <a:endParaRPr lang="ru-RU" sz="3200" b="0" strike="noStrike" spc="-1">
               <a:latin typeface="Arial"/>
             </a:endParaRPr>
           </a:p>
@@ -1171,11 +1331,14 @@
       </p:sp>
     </p:spTree>
   </p:cSld>
+  <p:clrMapOvr>
+    <a:masterClrMapping/>
+  </p:clrMapOvr>
 </p:sldLayout>
 </file>
 
 <file path=ppt/slideLayouts/slideLayout20.xml><?xml version="1.0" encoding="utf-8"?>
-<p:sldLayout xmlns:a="http://schemas.openxmlformats.org/drawingml/2006/main" xmlns:p="http://schemas.openxmlformats.org/presentationml/2006/main" xmlns:r="http://schemas.openxmlformats.org/officeDocument/2006/relationships" xmlns:p14="http://schemas.microsoft.com/office/powerpoint/2010/main" xmlns:p15="http://schemas.microsoft.com/office/powerpoint/2012/main" xmlns:mc="http://schemas.openxmlformats.org/markup-compatibility/2006" type="objAndTwoObj" preserve="1">
+<p:sldLayout xmlns:a="http://schemas.openxmlformats.org/drawingml/2006/main" xmlns:r="http://schemas.openxmlformats.org/officeDocument/2006/relationships" xmlns:p="http://schemas.openxmlformats.org/presentationml/2006/main" type="objAndTwoObj" preserve="1">
   <p:cSld name="Title Content and 2 Content">
     <p:spTree>
       <p:nvGrpSpPr>
@@ -1211,10 +1374,11 @@
           </a:prstGeom>
         </p:spPr>
         <p:txBody>
-          <a:bodyPr lIns="0" rIns="0" tIns="0" bIns="0" anchor="ctr"/>
+          <a:bodyPr lIns="0" tIns="0" rIns="0" bIns="0" anchor="ctr"/>
+          <a:lstStyle/>
           <a:p>
             <a:pPr algn="ctr"/>
-            <a:endParaRPr b="0" lang="ru-RU" sz="4400" spc="-1" strike="noStrike">
+            <a:endParaRPr lang="ru-RU" sz="4400" b="0" strike="noStrike" spc="-1">
               <a:latin typeface="Arial"/>
             </a:endParaRPr>
           </a:p>
@@ -1240,11 +1404,12 @@
           </a:prstGeom>
         </p:spPr>
         <p:txBody>
-          <a:bodyPr lIns="0" rIns="0" tIns="0" bIns="0">
+          <a:bodyPr lIns="0" tIns="0" rIns="0" bIns="0">
             <a:normAutofit/>
           </a:bodyPr>
-          <a:p>
-            <a:endParaRPr b="0" lang="ru-RU" sz="3200" spc="-1" strike="noStrike">
+          <a:lstStyle/>
+          <a:p>
+            <a:endParaRPr lang="ru-RU" sz="3200" b="0" strike="noStrike" spc="-1">
               <a:latin typeface="Arial"/>
             </a:endParaRPr>
           </a:p>
@@ -1270,11 +1435,12 @@
           </a:prstGeom>
         </p:spPr>
         <p:txBody>
-          <a:bodyPr lIns="0" rIns="0" tIns="0" bIns="0">
+          <a:bodyPr lIns="0" tIns="0" rIns="0" bIns="0">
             <a:normAutofit/>
           </a:bodyPr>
-          <a:p>
-            <a:endParaRPr b="0" lang="ru-RU" sz="3200" spc="-1" strike="noStrike">
+          <a:lstStyle/>
+          <a:p>
+            <a:endParaRPr lang="ru-RU" sz="3200" b="0" strike="noStrike" spc="-1">
               <a:latin typeface="Arial"/>
             </a:endParaRPr>
           </a:p>
@@ -1300,11 +1466,12 @@
           </a:prstGeom>
         </p:spPr>
         <p:txBody>
-          <a:bodyPr lIns="0" rIns="0" tIns="0" bIns="0">
+          <a:bodyPr lIns="0" tIns="0" rIns="0" bIns="0">
             <a:normAutofit/>
           </a:bodyPr>
-          <a:p>
-            <a:endParaRPr b="0" lang="ru-RU" sz="3200" spc="-1" strike="noStrike">
+          <a:lstStyle/>
+          <a:p>
+            <a:endParaRPr lang="ru-RU" sz="3200" b="0" strike="noStrike" spc="-1">
               <a:latin typeface="Arial"/>
             </a:endParaRPr>
           </a:p>
@@ -1312,11 +1479,14 @@
       </p:sp>
     </p:spTree>
   </p:cSld>
+  <p:clrMapOvr>
+    <a:masterClrMapping/>
+  </p:clrMapOvr>
 </p:sldLayout>
 </file>
 
 <file path=ppt/slideLayouts/slideLayout21.xml><?xml version="1.0" encoding="utf-8"?>
-<p:sldLayout xmlns:a="http://schemas.openxmlformats.org/drawingml/2006/main" xmlns:p="http://schemas.openxmlformats.org/presentationml/2006/main" xmlns:r="http://schemas.openxmlformats.org/officeDocument/2006/relationships" xmlns:p14="http://schemas.microsoft.com/office/powerpoint/2010/main" xmlns:p15="http://schemas.microsoft.com/office/powerpoint/2012/main" xmlns:mc="http://schemas.openxmlformats.org/markup-compatibility/2006" type="twoObjOverTx" preserve="1">
+<p:sldLayout xmlns:a="http://schemas.openxmlformats.org/drawingml/2006/main" xmlns:r="http://schemas.openxmlformats.org/officeDocument/2006/relationships" xmlns:p="http://schemas.openxmlformats.org/presentationml/2006/main" type="twoObjOverTx" preserve="1">
   <p:cSld name="Title, 2 Content over Content">
     <p:spTree>
       <p:nvGrpSpPr>
@@ -1352,10 +1522,11 @@
           </a:prstGeom>
         </p:spPr>
         <p:txBody>
-          <a:bodyPr lIns="0" rIns="0" tIns="0" bIns="0" anchor="ctr"/>
+          <a:bodyPr lIns="0" tIns="0" rIns="0" bIns="0" anchor="ctr"/>
+          <a:lstStyle/>
           <a:p>
             <a:pPr algn="ctr"/>
-            <a:endParaRPr b="0" lang="ru-RU" sz="4400" spc="-1" strike="noStrike">
+            <a:endParaRPr lang="ru-RU" sz="4400" b="0" strike="noStrike" spc="-1">
               <a:latin typeface="Arial"/>
             </a:endParaRPr>
           </a:p>
@@ -1381,11 +1552,12 @@
           </a:prstGeom>
         </p:spPr>
         <p:txBody>
-          <a:bodyPr lIns="0" rIns="0" tIns="0" bIns="0">
+          <a:bodyPr lIns="0" tIns="0" rIns="0" bIns="0">
             <a:normAutofit/>
           </a:bodyPr>
-          <a:p>
-            <a:endParaRPr b="0" lang="ru-RU" sz="3200" spc="-1" strike="noStrike">
+          <a:lstStyle/>
+          <a:p>
+            <a:endParaRPr lang="ru-RU" sz="3200" b="0" strike="noStrike" spc="-1">
               <a:latin typeface="Arial"/>
             </a:endParaRPr>
           </a:p>
@@ -1411,11 +1583,12 @@
           </a:prstGeom>
         </p:spPr>
         <p:txBody>
-          <a:bodyPr lIns="0" rIns="0" tIns="0" bIns="0">
+          <a:bodyPr lIns="0" tIns="0" rIns="0" bIns="0">
             <a:normAutofit/>
           </a:bodyPr>
-          <a:p>
-            <a:endParaRPr b="0" lang="ru-RU" sz="3200" spc="-1" strike="noStrike">
+          <a:lstStyle/>
+          <a:p>
+            <a:endParaRPr lang="ru-RU" sz="3200" b="0" strike="noStrike" spc="-1">
               <a:latin typeface="Arial"/>
             </a:endParaRPr>
           </a:p>
@@ -1441,11 +1614,12 @@
           </a:prstGeom>
         </p:spPr>
         <p:txBody>
-          <a:bodyPr lIns="0" rIns="0" tIns="0" bIns="0">
+          <a:bodyPr lIns="0" tIns="0" rIns="0" bIns="0">
             <a:normAutofit/>
           </a:bodyPr>
-          <a:p>
-            <a:endParaRPr b="0" lang="ru-RU" sz="3200" spc="-1" strike="noStrike">
+          <a:lstStyle/>
+          <a:p>
+            <a:endParaRPr lang="ru-RU" sz="3200" b="0" strike="noStrike" spc="-1">
               <a:latin typeface="Arial"/>
             </a:endParaRPr>
           </a:p>
@@ -1453,11 +1627,14 @@
       </p:sp>
     </p:spTree>
   </p:cSld>
+  <p:clrMapOvr>
+    <a:masterClrMapping/>
+  </p:clrMapOvr>
 </p:sldLayout>
 </file>
 
 <file path=ppt/slideLayouts/slideLayout22.xml><?xml version="1.0" encoding="utf-8"?>
-<p:sldLayout xmlns:a="http://schemas.openxmlformats.org/drawingml/2006/main" xmlns:p="http://schemas.openxmlformats.org/presentationml/2006/main" xmlns:r="http://schemas.openxmlformats.org/officeDocument/2006/relationships" xmlns:p14="http://schemas.microsoft.com/office/powerpoint/2010/main" xmlns:p15="http://schemas.microsoft.com/office/powerpoint/2012/main" xmlns:mc="http://schemas.openxmlformats.org/markup-compatibility/2006" type="objOverTx" preserve="1">
+<p:sldLayout xmlns:a="http://schemas.openxmlformats.org/drawingml/2006/main" xmlns:r="http://schemas.openxmlformats.org/officeDocument/2006/relationships" xmlns:p="http://schemas.openxmlformats.org/presentationml/2006/main" type="objOverTx" preserve="1">
   <p:cSld name="Title, Content over Content">
     <p:spTree>
       <p:nvGrpSpPr>
@@ -1493,10 +1670,11 @@
           </a:prstGeom>
         </p:spPr>
         <p:txBody>
-          <a:bodyPr lIns="0" rIns="0" tIns="0" bIns="0" anchor="ctr"/>
+          <a:bodyPr lIns="0" tIns="0" rIns="0" bIns="0" anchor="ctr"/>
+          <a:lstStyle/>
           <a:p>
             <a:pPr algn="ctr"/>
-            <a:endParaRPr b="0" lang="ru-RU" sz="4400" spc="-1" strike="noStrike">
+            <a:endParaRPr lang="ru-RU" sz="4400" b="0" strike="noStrike" spc="-1">
               <a:latin typeface="Arial"/>
             </a:endParaRPr>
           </a:p>
@@ -1522,11 +1700,12 @@
           </a:prstGeom>
         </p:spPr>
         <p:txBody>
-          <a:bodyPr lIns="0" rIns="0" tIns="0" bIns="0">
+          <a:bodyPr lIns="0" tIns="0" rIns="0" bIns="0">
             <a:normAutofit/>
           </a:bodyPr>
-          <a:p>
-            <a:endParaRPr b="0" lang="ru-RU" sz="3200" spc="-1" strike="noStrike">
+          <a:lstStyle/>
+          <a:p>
+            <a:endParaRPr lang="ru-RU" sz="3200" b="0" strike="noStrike" spc="-1">
               <a:latin typeface="Arial"/>
             </a:endParaRPr>
           </a:p>
@@ -1552,11 +1731,12 @@
           </a:prstGeom>
         </p:spPr>
         <p:txBody>
-          <a:bodyPr lIns="0" rIns="0" tIns="0" bIns="0">
+          <a:bodyPr lIns="0" tIns="0" rIns="0" bIns="0">
             <a:normAutofit/>
           </a:bodyPr>
-          <a:p>
-            <a:endParaRPr b="0" lang="ru-RU" sz="3200" spc="-1" strike="noStrike">
+          <a:lstStyle/>
+          <a:p>
+            <a:endParaRPr lang="ru-RU" sz="3200" b="0" strike="noStrike" spc="-1">
               <a:latin typeface="Arial"/>
             </a:endParaRPr>
           </a:p>
@@ -1564,11 +1744,14 @@
       </p:sp>
     </p:spTree>
   </p:cSld>
+  <p:clrMapOvr>
+    <a:masterClrMapping/>
+  </p:clrMapOvr>
 </p:sldLayout>
 </file>
 
 <file path=ppt/slideLayouts/slideLayout23.xml><?xml version="1.0" encoding="utf-8"?>
-<p:sldLayout xmlns:a="http://schemas.openxmlformats.org/drawingml/2006/main" xmlns:p="http://schemas.openxmlformats.org/presentationml/2006/main" xmlns:r="http://schemas.openxmlformats.org/officeDocument/2006/relationships" xmlns:p14="http://schemas.microsoft.com/office/powerpoint/2010/main" xmlns:p15="http://schemas.microsoft.com/office/powerpoint/2012/main" xmlns:mc="http://schemas.openxmlformats.org/markup-compatibility/2006" type="fourObj" preserve="1">
+<p:sldLayout xmlns:a="http://schemas.openxmlformats.org/drawingml/2006/main" xmlns:r="http://schemas.openxmlformats.org/officeDocument/2006/relationships" xmlns:p="http://schemas.openxmlformats.org/presentationml/2006/main" type="fourObj" preserve="1">
   <p:cSld name="Title, 4 Content">
     <p:spTree>
       <p:nvGrpSpPr>
@@ -1604,10 +1787,11 @@
           </a:prstGeom>
         </p:spPr>
         <p:txBody>
-          <a:bodyPr lIns="0" rIns="0" tIns="0" bIns="0" anchor="ctr"/>
+          <a:bodyPr lIns="0" tIns="0" rIns="0" bIns="0" anchor="ctr"/>
+          <a:lstStyle/>
           <a:p>
             <a:pPr algn="ctr"/>
-            <a:endParaRPr b="0" lang="ru-RU" sz="4400" spc="-1" strike="noStrike">
+            <a:endParaRPr lang="ru-RU" sz="4400" b="0" strike="noStrike" spc="-1">
               <a:latin typeface="Arial"/>
             </a:endParaRPr>
           </a:p>
@@ -1633,11 +1817,12 @@
           </a:prstGeom>
         </p:spPr>
         <p:txBody>
-          <a:bodyPr lIns="0" rIns="0" tIns="0" bIns="0">
+          <a:bodyPr lIns="0" tIns="0" rIns="0" bIns="0">
             <a:normAutofit/>
           </a:bodyPr>
-          <a:p>
-            <a:endParaRPr b="0" lang="ru-RU" sz="3200" spc="-1" strike="noStrike">
+          <a:lstStyle/>
+          <a:p>
+            <a:endParaRPr lang="ru-RU" sz="3200" b="0" strike="noStrike" spc="-1">
               <a:latin typeface="Arial"/>
             </a:endParaRPr>
           </a:p>
@@ -1663,11 +1848,12 @@
           </a:prstGeom>
         </p:spPr>
         <p:txBody>
-          <a:bodyPr lIns="0" rIns="0" tIns="0" bIns="0">
+          <a:bodyPr lIns="0" tIns="0" rIns="0" bIns="0">
             <a:normAutofit/>
           </a:bodyPr>
-          <a:p>
-            <a:endParaRPr b="0" lang="ru-RU" sz="3200" spc="-1" strike="noStrike">
+          <a:lstStyle/>
+          <a:p>
+            <a:endParaRPr lang="ru-RU" sz="3200" b="0" strike="noStrike" spc="-1">
               <a:latin typeface="Arial"/>
             </a:endParaRPr>
           </a:p>
@@ -1693,11 +1879,12 @@
           </a:prstGeom>
         </p:spPr>
         <p:txBody>
-          <a:bodyPr lIns="0" rIns="0" tIns="0" bIns="0">
+          <a:bodyPr lIns="0" tIns="0" rIns="0" bIns="0">
             <a:normAutofit/>
           </a:bodyPr>
-          <a:p>
-            <a:endParaRPr b="0" lang="ru-RU" sz="3200" spc="-1" strike="noStrike">
+          <a:lstStyle/>
+          <a:p>
+            <a:endParaRPr lang="ru-RU" sz="3200" b="0" strike="noStrike" spc="-1">
               <a:latin typeface="Arial"/>
             </a:endParaRPr>
           </a:p>
@@ -1723,11 +1910,12 @@
           </a:prstGeom>
         </p:spPr>
         <p:txBody>
-          <a:bodyPr lIns="0" rIns="0" tIns="0" bIns="0">
+          <a:bodyPr lIns="0" tIns="0" rIns="0" bIns="0">
             <a:normAutofit/>
           </a:bodyPr>
-          <a:p>
-            <a:endParaRPr b="0" lang="ru-RU" sz="3200" spc="-1" strike="noStrike">
+          <a:lstStyle/>
+          <a:p>
+            <a:endParaRPr lang="ru-RU" sz="3200" b="0" strike="noStrike" spc="-1">
               <a:latin typeface="Arial"/>
             </a:endParaRPr>
           </a:p>
@@ -1735,11 +1923,14 @@
       </p:sp>
     </p:spTree>
   </p:cSld>
+  <p:clrMapOvr>
+    <a:masterClrMapping/>
+  </p:clrMapOvr>
 </p:sldLayout>
 </file>
 
 <file path=ppt/slideLayouts/slideLayout24.xml><?xml version="1.0" encoding="utf-8"?>
-<p:sldLayout xmlns:a="http://schemas.openxmlformats.org/drawingml/2006/main" xmlns:p="http://schemas.openxmlformats.org/presentationml/2006/main" xmlns:r="http://schemas.openxmlformats.org/officeDocument/2006/relationships" xmlns:p14="http://schemas.microsoft.com/office/powerpoint/2010/main" xmlns:p15="http://schemas.microsoft.com/office/powerpoint/2012/main" xmlns:mc="http://schemas.openxmlformats.org/markup-compatibility/2006" type="blank" preserve="1">
+<p:sldLayout xmlns:a="http://schemas.openxmlformats.org/drawingml/2006/main" xmlns:r="http://schemas.openxmlformats.org/officeDocument/2006/relationships" xmlns:p="http://schemas.openxmlformats.org/presentationml/2006/main" type="blank" preserve="1">
   <p:cSld name="Title, 6 Content">
     <p:spTree>
       <p:nvGrpSpPr>
@@ -1775,10 +1966,11 @@
           </a:prstGeom>
         </p:spPr>
         <p:txBody>
-          <a:bodyPr lIns="0" rIns="0" tIns="0" bIns="0" anchor="ctr"/>
+          <a:bodyPr lIns="0" tIns="0" rIns="0" bIns="0" anchor="ctr"/>
+          <a:lstStyle/>
           <a:p>
             <a:pPr algn="ctr"/>
-            <a:endParaRPr b="0" lang="ru-RU" sz="4400" spc="-1" strike="noStrike">
+            <a:endParaRPr lang="ru-RU" sz="4400" b="0" strike="noStrike" spc="-1">
               <a:latin typeface="Arial"/>
             </a:endParaRPr>
           </a:p>
@@ -1804,11 +1996,12 @@
           </a:prstGeom>
         </p:spPr>
         <p:txBody>
-          <a:bodyPr lIns="0" rIns="0" tIns="0" bIns="0">
+          <a:bodyPr lIns="0" tIns="0" rIns="0" bIns="0">
             <a:normAutofit/>
           </a:bodyPr>
-          <a:p>
-            <a:endParaRPr b="0" lang="ru-RU" sz="3200" spc="-1" strike="noStrike">
+          <a:lstStyle/>
+          <a:p>
+            <a:endParaRPr lang="ru-RU" sz="3200" b="0" strike="noStrike" spc="-1">
               <a:latin typeface="Arial"/>
             </a:endParaRPr>
           </a:p>
@@ -1834,11 +2027,12 @@
           </a:prstGeom>
         </p:spPr>
         <p:txBody>
-          <a:bodyPr lIns="0" rIns="0" tIns="0" bIns="0">
+          <a:bodyPr lIns="0" tIns="0" rIns="0" bIns="0">
             <a:normAutofit/>
           </a:bodyPr>
-          <a:p>
-            <a:endParaRPr b="0" lang="ru-RU" sz="3200" spc="-1" strike="noStrike">
+          <a:lstStyle/>
+          <a:p>
+            <a:endParaRPr lang="ru-RU" sz="3200" b="0" strike="noStrike" spc="-1">
               <a:latin typeface="Arial"/>
             </a:endParaRPr>
           </a:p>
@@ -1864,11 +2058,12 @@
           </a:prstGeom>
         </p:spPr>
         <p:txBody>
-          <a:bodyPr lIns="0" rIns="0" tIns="0" bIns="0">
+          <a:bodyPr lIns="0" tIns="0" rIns="0" bIns="0">
             <a:normAutofit/>
           </a:bodyPr>
-          <a:p>
-            <a:endParaRPr b="0" lang="ru-RU" sz="3200" spc="-1" strike="noStrike">
+          <a:lstStyle/>
+          <a:p>
+            <a:endParaRPr lang="ru-RU" sz="3200" b="0" strike="noStrike" spc="-1">
               <a:latin typeface="Arial"/>
             </a:endParaRPr>
           </a:p>
@@ -1894,11 +2089,12 @@
           </a:prstGeom>
         </p:spPr>
         <p:txBody>
-          <a:bodyPr lIns="0" rIns="0" tIns="0" bIns="0">
+          <a:bodyPr lIns="0" tIns="0" rIns="0" bIns="0">
             <a:normAutofit/>
           </a:bodyPr>
-          <a:p>
-            <a:endParaRPr b="0" lang="ru-RU" sz="3200" spc="-1" strike="noStrike">
+          <a:lstStyle/>
+          <a:p>
+            <a:endParaRPr lang="ru-RU" sz="3200" b="0" strike="noStrike" spc="-1">
               <a:latin typeface="Arial"/>
             </a:endParaRPr>
           </a:p>
@@ -1924,11 +2120,12 @@
           </a:prstGeom>
         </p:spPr>
         <p:txBody>
-          <a:bodyPr lIns="0" rIns="0" tIns="0" bIns="0">
+          <a:bodyPr lIns="0" tIns="0" rIns="0" bIns="0">
             <a:normAutofit/>
           </a:bodyPr>
-          <a:p>
-            <a:endParaRPr b="0" lang="ru-RU" sz="3200" spc="-1" strike="noStrike">
+          <a:lstStyle/>
+          <a:p>
+            <a:endParaRPr lang="ru-RU" sz="3200" b="0" strike="noStrike" spc="-1">
               <a:latin typeface="Arial"/>
             </a:endParaRPr>
           </a:p>
@@ -1954,11 +2151,12 @@
           </a:prstGeom>
         </p:spPr>
         <p:txBody>
-          <a:bodyPr lIns="0" rIns="0" tIns="0" bIns="0">
+          <a:bodyPr lIns="0" tIns="0" rIns="0" bIns="0">
             <a:normAutofit/>
           </a:bodyPr>
-          <a:p>
-            <a:endParaRPr b="0" lang="ru-RU" sz="3200" spc="-1" strike="noStrike">
+          <a:lstStyle/>
+          <a:p>
+            <a:endParaRPr lang="ru-RU" sz="3200" b="0" strike="noStrike" spc="-1">
               <a:latin typeface="Arial"/>
             </a:endParaRPr>
           </a:p>
@@ -1966,11 +2164,504 @@
       </p:sp>
     </p:spTree>
   </p:cSld>
+  <p:clrMapOvr>
+    <a:masterClrMapping/>
+  </p:clrMapOvr>
 </p:sldLayout>
 </file>
 
 <file path=ppt/slideLayouts/slideLayout25.xml><?xml version="1.0" encoding="utf-8"?>
-<p:sldLayout xmlns:a="http://schemas.openxmlformats.org/drawingml/2006/main" xmlns:p="http://schemas.openxmlformats.org/presentationml/2006/main" xmlns:r="http://schemas.openxmlformats.org/officeDocument/2006/relationships" xmlns:p14="http://schemas.microsoft.com/office/powerpoint/2010/main" xmlns:p15="http://schemas.microsoft.com/office/powerpoint/2012/main" xmlns:mc="http://schemas.openxmlformats.org/markup-compatibility/2006" type="blank" preserve="1">
+<p:sldLayout xmlns:a="http://schemas.openxmlformats.org/drawingml/2006/main" xmlns:r="http://schemas.openxmlformats.org/officeDocument/2006/relationships" xmlns:p="http://schemas.openxmlformats.org/presentationml/2006/main" matchingName="Title and two columns" type="twoColTx">
+  <p:cSld name="Title and two columns">
+    <p:spTree>
+      <p:nvGrpSpPr>
+        <p:cNvPr id="1" name="Shape 20"/>
+        <p:cNvGrpSpPr/>
+        <p:nvPr/>
+      </p:nvGrpSpPr>
+      <p:grpSpPr>
+        <a:xfrm>
+          <a:off x="0" y="0"/>
+          <a:ext cx="0" cy="0"/>
+          <a:chOff x="0" y="0"/>
+          <a:chExt cx="0" cy="0"/>
+        </a:xfrm>
+      </p:grpSpPr>
+      <p:sp>
+        <p:nvSpPr>
+          <p:cNvPr id="21" name="Google Shape;21;p5"/>
+          <p:cNvSpPr txBox="1">
+            <a:spLocks noGrp="1"/>
+          </p:cNvSpPr>
+          <p:nvPr>
+            <p:ph type="title"/>
+          </p:nvPr>
+        </p:nvSpPr>
+        <p:spPr>
+          <a:xfrm>
+            <a:off x="311700" y="445025"/>
+            <a:ext cx="8520600" cy="572700"/>
+          </a:xfrm>
+          <a:prstGeom prst="rect">
+            <a:avLst/>
+          </a:prstGeom>
+        </p:spPr>
+        <p:txBody>
+          <a:bodyPr spcFirstLastPara="1" wrap="square" lIns="91425" tIns="91425" rIns="91425" bIns="91425" anchor="t" anchorCtr="0"/>
+          <a:lstStyle>
+            <a:lvl1pPr lvl="0">
+              <a:spcBef>
+                <a:spcPts val="0"/>
+              </a:spcBef>
+              <a:spcAft>
+                <a:spcPts val="0"/>
+              </a:spcAft>
+              <a:buSzPts val="2800"/>
+              <a:buNone/>
+              <a:defRPr/>
+            </a:lvl1pPr>
+            <a:lvl2pPr lvl="1">
+              <a:spcBef>
+                <a:spcPts val="0"/>
+              </a:spcBef>
+              <a:spcAft>
+                <a:spcPts val="0"/>
+              </a:spcAft>
+              <a:buSzPts val="2800"/>
+              <a:buNone/>
+              <a:defRPr/>
+            </a:lvl2pPr>
+            <a:lvl3pPr lvl="2">
+              <a:spcBef>
+                <a:spcPts val="0"/>
+              </a:spcBef>
+              <a:spcAft>
+                <a:spcPts val="0"/>
+              </a:spcAft>
+              <a:buSzPts val="2800"/>
+              <a:buNone/>
+              <a:defRPr/>
+            </a:lvl3pPr>
+            <a:lvl4pPr lvl="3">
+              <a:spcBef>
+                <a:spcPts val="0"/>
+              </a:spcBef>
+              <a:spcAft>
+                <a:spcPts val="0"/>
+              </a:spcAft>
+              <a:buSzPts val="2800"/>
+              <a:buNone/>
+              <a:defRPr/>
+            </a:lvl4pPr>
+            <a:lvl5pPr lvl="4">
+              <a:spcBef>
+                <a:spcPts val="0"/>
+              </a:spcBef>
+              <a:spcAft>
+                <a:spcPts val="0"/>
+              </a:spcAft>
+              <a:buSzPts val="2800"/>
+              <a:buNone/>
+              <a:defRPr/>
+            </a:lvl5pPr>
+            <a:lvl6pPr lvl="5">
+              <a:spcBef>
+                <a:spcPts val="0"/>
+              </a:spcBef>
+              <a:spcAft>
+                <a:spcPts val="0"/>
+              </a:spcAft>
+              <a:buSzPts val="2800"/>
+              <a:buNone/>
+              <a:defRPr/>
+            </a:lvl6pPr>
+            <a:lvl7pPr lvl="6">
+              <a:spcBef>
+                <a:spcPts val="0"/>
+              </a:spcBef>
+              <a:spcAft>
+                <a:spcPts val="0"/>
+              </a:spcAft>
+              <a:buSzPts val="2800"/>
+              <a:buNone/>
+              <a:defRPr/>
+            </a:lvl7pPr>
+            <a:lvl8pPr lvl="7">
+              <a:spcBef>
+                <a:spcPts val="0"/>
+              </a:spcBef>
+              <a:spcAft>
+                <a:spcPts val="0"/>
+              </a:spcAft>
+              <a:buSzPts val="2800"/>
+              <a:buNone/>
+              <a:defRPr/>
+            </a:lvl8pPr>
+            <a:lvl9pPr lvl="8">
+              <a:spcBef>
+                <a:spcPts val="0"/>
+              </a:spcBef>
+              <a:spcAft>
+                <a:spcPts val="0"/>
+              </a:spcAft>
+              <a:buSzPts val="2800"/>
+              <a:buNone/>
+              <a:defRPr/>
+            </a:lvl9pPr>
+          </a:lstStyle>
+          <a:p>
+            <a:endParaRPr/>
+          </a:p>
+        </p:txBody>
+      </p:sp>
+      <p:sp>
+        <p:nvSpPr>
+          <p:cNvPr id="22" name="Google Shape;22;p5"/>
+          <p:cNvSpPr txBox="1">
+            <a:spLocks noGrp="1"/>
+          </p:cNvSpPr>
+          <p:nvPr>
+            <p:ph type="body" idx="1"/>
+          </p:nvPr>
+        </p:nvSpPr>
+        <p:spPr>
+          <a:xfrm>
+            <a:off x="311700" y="1152475"/>
+            <a:ext cx="3999900" cy="3416400"/>
+          </a:xfrm>
+          <a:prstGeom prst="rect">
+            <a:avLst/>
+          </a:prstGeom>
+        </p:spPr>
+        <p:txBody>
+          <a:bodyPr spcFirstLastPara="1" wrap="square" lIns="91425" tIns="91425" rIns="91425" bIns="91425" anchor="t" anchorCtr="0"/>
+          <a:lstStyle>
+            <a:lvl1pPr marL="457200" lvl="0" indent="-317500">
+              <a:spcBef>
+                <a:spcPts val="0"/>
+              </a:spcBef>
+              <a:spcAft>
+                <a:spcPts val="0"/>
+              </a:spcAft>
+              <a:buSzPts val="1400"/>
+              <a:buChar char="●"/>
+              <a:defRPr sz="1400"/>
+            </a:lvl1pPr>
+            <a:lvl2pPr marL="914400" lvl="1" indent="-304800">
+              <a:spcBef>
+                <a:spcPts val="1600"/>
+              </a:spcBef>
+              <a:spcAft>
+                <a:spcPts val="0"/>
+              </a:spcAft>
+              <a:buSzPts val="1200"/>
+              <a:buChar char="○"/>
+              <a:defRPr sz="1200"/>
+            </a:lvl2pPr>
+            <a:lvl3pPr marL="1371600" lvl="2" indent="-304800">
+              <a:spcBef>
+                <a:spcPts val="1600"/>
+              </a:spcBef>
+              <a:spcAft>
+                <a:spcPts val="0"/>
+              </a:spcAft>
+              <a:buSzPts val="1200"/>
+              <a:buChar char="■"/>
+              <a:defRPr sz="1200"/>
+            </a:lvl3pPr>
+            <a:lvl4pPr marL="1828800" lvl="3" indent="-304800">
+              <a:spcBef>
+                <a:spcPts val="1600"/>
+              </a:spcBef>
+              <a:spcAft>
+                <a:spcPts val="0"/>
+              </a:spcAft>
+              <a:buSzPts val="1200"/>
+              <a:buChar char="●"/>
+              <a:defRPr sz="1200"/>
+            </a:lvl4pPr>
+            <a:lvl5pPr marL="2286000" lvl="4" indent="-304800">
+              <a:spcBef>
+                <a:spcPts val="1600"/>
+              </a:spcBef>
+              <a:spcAft>
+                <a:spcPts val="0"/>
+              </a:spcAft>
+              <a:buSzPts val="1200"/>
+              <a:buChar char="○"/>
+              <a:defRPr sz="1200"/>
+            </a:lvl5pPr>
+            <a:lvl6pPr marL="2743200" lvl="5" indent="-304800">
+              <a:spcBef>
+                <a:spcPts val="1600"/>
+              </a:spcBef>
+              <a:spcAft>
+                <a:spcPts val="0"/>
+              </a:spcAft>
+              <a:buSzPts val="1200"/>
+              <a:buChar char="■"/>
+              <a:defRPr sz="1200"/>
+            </a:lvl6pPr>
+            <a:lvl7pPr marL="3200400" lvl="6" indent="-304800">
+              <a:spcBef>
+                <a:spcPts val="1600"/>
+              </a:spcBef>
+              <a:spcAft>
+                <a:spcPts val="0"/>
+              </a:spcAft>
+              <a:buSzPts val="1200"/>
+              <a:buChar char="●"/>
+              <a:defRPr sz="1200"/>
+            </a:lvl7pPr>
+            <a:lvl8pPr marL="3657600" lvl="7" indent="-304800">
+              <a:spcBef>
+                <a:spcPts val="1600"/>
+              </a:spcBef>
+              <a:spcAft>
+                <a:spcPts val="0"/>
+              </a:spcAft>
+              <a:buSzPts val="1200"/>
+              <a:buChar char="○"/>
+              <a:defRPr sz="1200"/>
+            </a:lvl8pPr>
+            <a:lvl9pPr marL="4114800" lvl="8" indent="-304800">
+              <a:spcBef>
+                <a:spcPts val="1600"/>
+              </a:spcBef>
+              <a:spcAft>
+                <a:spcPts val="1600"/>
+              </a:spcAft>
+              <a:buSzPts val="1200"/>
+              <a:buChar char="■"/>
+              <a:defRPr sz="1200"/>
+            </a:lvl9pPr>
+          </a:lstStyle>
+          <a:p>
+            <a:endParaRPr/>
+          </a:p>
+        </p:txBody>
+      </p:sp>
+      <p:sp>
+        <p:nvSpPr>
+          <p:cNvPr id="23" name="Google Shape;23;p5"/>
+          <p:cNvSpPr txBox="1">
+            <a:spLocks noGrp="1"/>
+          </p:cNvSpPr>
+          <p:nvPr>
+            <p:ph type="body" idx="2"/>
+          </p:nvPr>
+        </p:nvSpPr>
+        <p:spPr>
+          <a:xfrm>
+            <a:off x="4832400" y="1152475"/>
+            <a:ext cx="3999900" cy="3416400"/>
+          </a:xfrm>
+          <a:prstGeom prst="rect">
+            <a:avLst/>
+          </a:prstGeom>
+        </p:spPr>
+        <p:txBody>
+          <a:bodyPr spcFirstLastPara="1" wrap="square" lIns="91425" tIns="91425" rIns="91425" bIns="91425" anchor="t" anchorCtr="0"/>
+          <a:lstStyle>
+            <a:lvl1pPr marL="457200" lvl="0" indent="-317500">
+              <a:spcBef>
+                <a:spcPts val="0"/>
+              </a:spcBef>
+              <a:spcAft>
+                <a:spcPts val="0"/>
+              </a:spcAft>
+              <a:buSzPts val="1400"/>
+              <a:buChar char="●"/>
+              <a:defRPr sz="1400"/>
+            </a:lvl1pPr>
+            <a:lvl2pPr marL="914400" lvl="1" indent="-304800">
+              <a:spcBef>
+                <a:spcPts val="1600"/>
+              </a:spcBef>
+              <a:spcAft>
+                <a:spcPts val="0"/>
+              </a:spcAft>
+              <a:buSzPts val="1200"/>
+              <a:buChar char="○"/>
+              <a:defRPr sz="1200"/>
+            </a:lvl2pPr>
+            <a:lvl3pPr marL="1371600" lvl="2" indent="-304800">
+              <a:spcBef>
+                <a:spcPts val="1600"/>
+              </a:spcBef>
+              <a:spcAft>
+                <a:spcPts val="0"/>
+              </a:spcAft>
+              <a:buSzPts val="1200"/>
+              <a:buChar char="■"/>
+              <a:defRPr sz="1200"/>
+            </a:lvl3pPr>
+            <a:lvl4pPr marL="1828800" lvl="3" indent="-304800">
+              <a:spcBef>
+                <a:spcPts val="1600"/>
+              </a:spcBef>
+              <a:spcAft>
+                <a:spcPts val="0"/>
+              </a:spcAft>
+              <a:buSzPts val="1200"/>
+              <a:buChar char="●"/>
+              <a:defRPr sz="1200"/>
+            </a:lvl4pPr>
+            <a:lvl5pPr marL="2286000" lvl="4" indent="-304800">
+              <a:spcBef>
+                <a:spcPts val="1600"/>
+              </a:spcBef>
+              <a:spcAft>
+                <a:spcPts val="0"/>
+              </a:spcAft>
+              <a:buSzPts val="1200"/>
+              <a:buChar char="○"/>
+              <a:defRPr sz="1200"/>
+            </a:lvl5pPr>
+            <a:lvl6pPr marL="2743200" lvl="5" indent="-304800">
+              <a:spcBef>
+                <a:spcPts val="1600"/>
+              </a:spcBef>
+              <a:spcAft>
+                <a:spcPts val="0"/>
+              </a:spcAft>
+              <a:buSzPts val="1200"/>
+              <a:buChar char="■"/>
+              <a:defRPr sz="1200"/>
+            </a:lvl6pPr>
+            <a:lvl7pPr marL="3200400" lvl="6" indent="-304800">
+              <a:spcBef>
+                <a:spcPts val="1600"/>
+              </a:spcBef>
+              <a:spcAft>
+                <a:spcPts val="0"/>
+              </a:spcAft>
+              <a:buSzPts val="1200"/>
+              <a:buChar char="●"/>
+              <a:defRPr sz="1200"/>
+            </a:lvl7pPr>
+            <a:lvl8pPr marL="3657600" lvl="7" indent="-304800">
+              <a:spcBef>
+                <a:spcPts val="1600"/>
+              </a:spcBef>
+              <a:spcAft>
+                <a:spcPts val="0"/>
+              </a:spcAft>
+              <a:buSzPts val="1200"/>
+              <a:buChar char="○"/>
+              <a:defRPr sz="1200"/>
+            </a:lvl8pPr>
+            <a:lvl9pPr marL="4114800" lvl="8" indent="-304800">
+              <a:spcBef>
+                <a:spcPts val="1600"/>
+              </a:spcBef>
+              <a:spcAft>
+                <a:spcPts val="1600"/>
+              </a:spcAft>
+              <a:buSzPts val="1200"/>
+              <a:buChar char="■"/>
+              <a:defRPr sz="1200"/>
+            </a:lvl9pPr>
+          </a:lstStyle>
+          <a:p>
+            <a:endParaRPr/>
+          </a:p>
+        </p:txBody>
+      </p:sp>
+      <p:sp>
+        <p:nvSpPr>
+          <p:cNvPr id="24" name="Google Shape;24;p5"/>
+          <p:cNvSpPr txBox="1">
+            <a:spLocks noGrp="1"/>
+          </p:cNvSpPr>
+          <p:nvPr>
+            <p:ph type="sldNum" idx="12"/>
+          </p:nvPr>
+        </p:nvSpPr>
+        <p:spPr>
+          <a:xfrm>
+            <a:off x="8472458" y="4663217"/>
+            <a:ext cx="548700" cy="393600"/>
+          </a:xfrm>
+          <a:prstGeom prst="rect">
+            <a:avLst/>
+          </a:prstGeom>
+        </p:spPr>
+        <p:txBody>
+          <a:bodyPr spcFirstLastPara="1" wrap="square" lIns="91425" tIns="91425" rIns="91425" bIns="91425" anchor="ctr" anchorCtr="0">
+            <a:noAutofit/>
+          </a:bodyPr>
+          <a:lstStyle>
+            <a:lvl1pPr lvl="0">
+              <a:buNone/>
+              <a:defRPr/>
+            </a:lvl1pPr>
+            <a:lvl2pPr lvl="1">
+              <a:buNone/>
+              <a:defRPr/>
+            </a:lvl2pPr>
+            <a:lvl3pPr lvl="2">
+              <a:buNone/>
+              <a:defRPr/>
+            </a:lvl3pPr>
+            <a:lvl4pPr lvl="3">
+              <a:buNone/>
+              <a:defRPr/>
+            </a:lvl4pPr>
+            <a:lvl5pPr lvl="4">
+              <a:buNone/>
+              <a:defRPr/>
+            </a:lvl5pPr>
+            <a:lvl6pPr lvl="5">
+              <a:buNone/>
+              <a:defRPr/>
+            </a:lvl6pPr>
+            <a:lvl7pPr lvl="6">
+              <a:buNone/>
+              <a:defRPr/>
+            </a:lvl7pPr>
+            <a:lvl8pPr lvl="7">
+              <a:buNone/>
+              <a:defRPr/>
+            </a:lvl8pPr>
+            <a:lvl9pPr lvl="8">
+              <a:buNone/>
+              <a:defRPr/>
+            </a:lvl9pPr>
+          </a:lstStyle>
+          <a:p>
+            <a:pPr marL="0" lvl="0" indent="0">
+              <a:spcBef>
+                <a:spcPts val="0"/>
+              </a:spcBef>
+              <a:spcAft>
+                <a:spcPts val="0"/>
+              </a:spcAft>
+              <a:buNone/>
+            </a:pPr>
+            <a:fld id="{00000000-1234-1234-1234-123412341234}" type="slidenum">
+              <a:rPr lang="ru"/>
+              <a:t>‹#›</a:t>
+            </a:fld>
+            <a:endParaRPr/>
+          </a:p>
+        </p:txBody>
+      </p:sp>
+    </p:spTree>
+    <p:extLst>
+      <p:ext uri="{BB962C8B-B14F-4D97-AF65-F5344CB8AC3E}">
+        <p14:creationId xmlns:p14="http://schemas.microsoft.com/office/powerpoint/2010/main" val="3470656681"/>
+      </p:ext>
+    </p:extLst>
+  </p:cSld>
+  <p:clrMapOvr>
+    <a:masterClrMapping/>
+  </p:clrMapOvr>
+</p:sldLayout>
+</file>
+
+<file path=ppt/slideLayouts/slideLayout26.xml><?xml version="1.0" encoding="utf-8"?>
+<p:sldLayout xmlns:a="http://schemas.openxmlformats.org/drawingml/2006/main" xmlns:r="http://schemas.openxmlformats.org/officeDocument/2006/relationships" xmlns:p="http://schemas.openxmlformats.org/presentationml/2006/main" type="blank" preserve="1">
   <p:cSld name="Blank Slide">
     <p:spTree>
       <p:nvGrpSpPr>
@@ -1988,11 +2679,14 @@
       </p:grpSpPr>
     </p:spTree>
   </p:cSld>
+  <p:clrMapOvr>
+    <a:masterClrMapping/>
+  </p:clrMapOvr>
 </p:sldLayout>
 </file>
 
-<file path=ppt/slideLayouts/slideLayout26.xml><?xml version="1.0" encoding="utf-8"?>
-<p:sldLayout xmlns:a="http://schemas.openxmlformats.org/drawingml/2006/main" xmlns:p="http://schemas.openxmlformats.org/presentationml/2006/main" xmlns:r="http://schemas.openxmlformats.org/officeDocument/2006/relationships" xmlns:p14="http://schemas.microsoft.com/office/powerpoint/2010/main" xmlns:p15="http://schemas.microsoft.com/office/powerpoint/2012/main" xmlns:mc="http://schemas.openxmlformats.org/markup-compatibility/2006" type="tx" preserve="1">
+<file path=ppt/slideLayouts/slideLayout27.xml><?xml version="1.0" encoding="utf-8"?>
+<p:sldLayout xmlns:a="http://schemas.openxmlformats.org/drawingml/2006/main" xmlns:r="http://schemas.openxmlformats.org/officeDocument/2006/relationships" xmlns:p="http://schemas.openxmlformats.org/presentationml/2006/main" type="tx" preserve="1">
   <p:cSld name="Title Slide">
     <p:spTree>
       <p:nvGrpSpPr>
@@ -2028,10 +2722,11 @@
           </a:prstGeom>
         </p:spPr>
         <p:txBody>
-          <a:bodyPr lIns="0" rIns="0" tIns="0" bIns="0" anchor="ctr"/>
+          <a:bodyPr lIns="0" tIns="0" rIns="0" bIns="0" anchor="ctr"/>
+          <a:lstStyle/>
           <a:p>
             <a:pPr algn="ctr"/>
-            <a:endParaRPr b="0" lang="ru-RU" sz="4400" spc="-1" strike="noStrike">
+            <a:endParaRPr lang="ru-RU" sz="4400" b="0" strike="noStrike" spc="-1">
               <a:latin typeface="Arial"/>
             </a:endParaRPr>
           </a:p>
@@ -2057,10 +2752,11 @@
           </a:prstGeom>
         </p:spPr>
         <p:txBody>
-          <a:bodyPr lIns="0" rIns="0" tIns="0" bIns="0" anchor="ctr"/>
+          <a:bodyPr lIns="0" tIns="0" rIns="0" bIns="0" anchor="ctr"/>
+          <a:lstStyle/>
           <a:p>
             <a:pPr algn="ctr"/>
-            <a:endParaRPr b="0" lang="ru-RU" sz="3200" spc="-1" strike="noStrike">
+            <a:endParaRPr lang="ru-RU" sz="3200" b="0" strike="noStrike" spc="-1">
               <a:latin typeface="Arial"/>
             </a:endParaRPr>
           </a:p>
@@ -2068,11 +2764,14 @@
       </p:sp>
     </p:spTree>
   </p:cSld>
+  <p:clrMapOvr>
+    <a:masterClrMapping/>
+  </p:clrMapOvr>
 </p:sldLayout>
 </file>
 
-<file path=ppt/slideLayouts/slideLayout27.xml><?xml version="1.0" encoding="utf-8"?>
-<p:sldLayout xmlns:a="http://schemas.openxmlformats.org/drawingml/2006/main" xmlns:p="http://schemas.openxmlformats.org/presentationml/2006/main" xmlns:r="http://schemas.openxmlformats.org/officeDocument/2006/relationships" xmlns:p14="http://schemas.microsoft.com/office/powerpoint/2010/main" xmlns:p15="http://schemas.microsoft.com/office/powerpoint/2012/main" xmlns:mc="http://schemas.openxmlformats.org/markup-compatibility/2006" type="obj" preserve="1">
+<file path=ppt/slideLayouts/slideLayout28.xml><?xml version="1.0" encoding="utf-8"?>
+<p:sldLayout xmlns:a="http://schemas.openxmlformats.org/drawingml/2006/main" xmlns:r="http://schemas.openxmlformats.org/officeDocument/2006/relationships" xmlns:p="http://schemas.openxmlformats.org/presentationml/2006/main" type="obj" preserve="1">
   <p:cSld name="Title, Content">
     <p:spTree>
       <p:nvGrpSpPr>
@@ -2108,10 +2807,11 @@
           </a:prstGeom>
         </p:spPr>
         <p:txBody>
-          <a:bodyPr lIns="0" rIns="0" tIns="0" bIns="0" anchor="ctr"/>
+          <a:bodyPr lIns="0" tIns="0" rIns="0" bIns="0" anchor="ctr"/>
+          <a:lstStyle/>
           <a:p>
             <a:pPr algn="ctr"/>
-            <a:endParaRPr b="0" lang="ru-RU" sz="4400" spc="-1" strike="noStrike">
+            <a:endParaRPr lang="ru-RU" sz="4400" b="0" strike="noStrike" spc="-1">
               <a:latin typeface="Arial"/>
             </a:endParaRPr>
           </a:p>
@@ -2137,11 +2837,12 @@
           </a:prstGeom>
         </p:spPr>
         <p:txBody>
-          <a:bodyPr lIns="0" rIns="0" tIns="0" bIns="0">
+          <a:bodyPr lIns="0" tIns="0" rIns="0" bIns="0">
             <a:normAutofit/>
           </a:bodyPr>
-          <a:p>
-            <a:endParaRPr b="0" lang="ru-RU" sz="3200" spc="-1" strike="noStrike">
+          <a:lstStyle/>
+          <a:p>
+            <a:endParaRPr lang="ru-RU" sz="3200" b="0" strike="noStrike" spc="-1">
               <a:latin typeface="Arial"/>
             </a:endParaRPr>
           </a:p>
@@ -2149,11 +2850,14 @@
       </p:sp>
     </p:spTree>
   </p:cSld>
+  <p:clrMapOvr>
+    <a:masterClrMapping/>
+  </p:clrMapOvr>
 </p:sldLayout>
 </file>
 
-<file path=ppt/slideLayouts/slideLayout28.xml><?xml version="1.0" encoding="utf-8"?>
-<p:sldLayout xmlns:a="http://schemas.openxmlformats.org/drawingml/2006/main" xmlns:p="http://schemas.openxmlformats.org/presentationml/2006/main" xmlns:r="http://schemas.openxmlformats.org/officeDocument/2006/relationships" xmlns:p14="http://schemas.microsoft.com/office/powerpoint/2010/main" xmlns:p15="http://schemas.microsoft.com/office/powerpoint/2012/main" xmlns:mc="http://schemas.openxmlformats.org/markup-compatibility/2006" type="twoObj" preserve="1">
+<file path=ppt/slideLayouts/slideLayout29.xml><?xml version="1.0" encoding="utf-8"?>
+<p:sldLayout xmlns:a="http://schemas.openxmlformats.org/drawingml/2006/main" xmlns:r="http://schemas.openxmlformats.org/officeDocument/2006/relationships" xmlns:p="http://schemas.openxmlformats.org/presentationml/2006/main" type="twoObj" preserve="1">
   <p:cSld name="Title, 2 Content">
     <p:spTree>
       <p:nvGrpSpPr>
@@ -2189,10 +2893,11 @@
           </a:prstGeom>
         </p:spPr>
         <p:txBody>
-          <a:bodyPr lIns="0" rIns="0" tIns="0" bIns="0" anchor="ctr"/>
+          <a:bodyPr lIns="0" tIns="0" rIns="0" bIns="0" anchor="ctr"/>
+          <a:lstStyle/>
           <a:p>
             <a:pPr algn="ctr"/>
-            <a:endParaRPr b="0" lang="ru-RU" sz="4400" spc="-1" strike="noStrike">
+            <a:endParaRPr lang="ru-RU" sz="4400" b="0" strike="noStrike" spc="-1">
               <a:latin typeface="Arial"/>
             </a:endParaRPr>
           </a:p>
@@ -2218,11 +2923,12 @@
           </a:prstGeom>
         </p:spPr>
         <p:txBody>
-          <a:bodyPr lIns="0" rIns="0" tIns="0" bIns="0">
+          <a:bodyPr lIns="0" tIns="0" rIns="0" bIns="0">
             <a:normAutofit/>
           </a:bodyPr>
-          <a:p>
-            <a:endParaRPr b="0" lang="ru-RU" sz="3200" spc="-1" strike="noStrike">
+          <a:lstStyle/>
+          <a:p>
+            <a:endParaRPr lang="ru-RU" sz="3200" b="0" strike="noStrike" spc="-1">
               <a:latin typeface="Arial"/>
             </a:endParaRPr>
           </a:p>
@@ -2248,11 +2954,12 @@
           </a:prstGeom>
         </p:spPr>
         <p:txBody>
-          <a:bodyPr lIns="0" rIns="0" tIns="0" bIns="0">
+          <a:bodyPr lIns="0" tIns="0" rIns="0" bIns="0">
             <a:normAutofit/>
           </a:bodyPr>
-          <a:p>
-            <a:endParaRPr b="0" lang="ru-RU" sz="3200" spc="-1" strike="noStrike">
+          <a:lstStyle/>
+          <a:p>
+            <a:endParaRPr lang="ru-RU" sz="3200" b="0" strike="noStrike" spc="-1">
               <a:latin typeface="Arial"/>
             </a:endParaRPr>
           </a:p>
@@ -2260,11 +2967,100 @@
       </p:sp>
     </p:spTree>
   </p:cSld>
+  <p:clrMapOvr>
+    <a:masterClrMapping/>
+  </p:clrMapOvr>
 </p:sldLayout>
 </file>
 
-<file path=ppt/slideLayouts/slideLayout29.xml><?xml version="1.0" encoding="utf-8"?>
-<p:sldLayout xmlns:a="http://schemas.openxmlformats.org/drawingml/2006/main" xmlns:p="http://schemas.openxmlformats.org/presentationml/2006/main" xmlns:r="http://schemas.openxmlformats.org/officeDocument/2006/relationships" xmlns:p14="http://schemas.microsoft.com/office/powerpoint/2010/main" xmlns:p15="http://schemas.microsoft.com/office/powerpoint/2012/main" xmlns:mc="http://schemas.openxmlformats.org/markup-compatibility/2006" type="titleOnly" preserve="1">
+<file path=ppt/slideLayouts/slideLayout3.xml><?xml version="1.0" encoding="utf-8"?>
+<p:sldLayout xmlns:a="http://schemas.openxmlformats.org/drawingml/2006/main" xmlns:r="http://schemas.openxmlformats.org/officeDocument/2006/relationships" xmlns:p="http://schemas.openxmlformats.org/presentationml/2006/main" type="obj" preserve="1">
+  <p:cSld name="Title, Content">
+    <p:spTree>
+      <p:nvGrpSpPr>
+        <p:cNvPr id="1" name=""/>
+        <p:cNvGrpSpPr/>
+        <p:nvPr/>
+      </p:nvGrpSpPr>
+      <p:grpSpPr>
+        <a:xfrm>
+          <a:off x="0" y="0"/>
+          <a:ext cx="0" cy="0"/>
+          <a:chOff x="0" y="0"/>
+          <a:chExt cx="0" cy="0"/>
+        </a:xfrm>
+      </p:grpSpPr>
+      <p:sp>
+        <p:nvSpPr>
+          <p:cNvPr id="4" name="PlaceHolder 1"/>
+          <p:cNvSpPr>
+            <a:spLocks noGrp="1"/>
+          </p:cNvSpPr>
+          <p:nvPr>
+            <p:ph type="title"/>
+          </p:nvPr>
+        </p:nvSpPr>
+        <p:spPr>
+          <a:xfrm>
+            <a:off x="311760" y="105840"/>
+            <a:ext cx="8519760" cy="1250280"/>
+          </a:xfrm>
+          <a:prstGeom prst="rect">
+            <a:avLst/>
+          </a:prstGeom>
+        </p:spPr>
+        <p:txBody>
+          <a:bodyPr lIns="0" tIns="0" rIns="0" bIns="0" anchor="ctr"/>
+          <a:lstStyle/>
+          <a:p>
+            <a:pPr algn="ctr"/>
+            <a:endParaRPr lang="ru-RU" sz="4400" b="0" strike="noStrike" spc="-1">
+              <a:latin typeface="Arial"/>
+            </a:endParaRPr>
+          </a:p>
+        </p:txBody>
+      </p:sp>
+      <p:sp>
+        <p:nvSpPr>
+          <p:cNvPr id="5" name="PlaceHolder 2"/>
+          <p:cNvSpPr>
+            <a:spLocks noGrp="1"/>
+          </p:cNvSpPr>
+          <p:nvPr>
+            <p:ph type="body"/>
+          </p:nvPr>
+        </p:nvSpPr>
+        <p:spPr>
+          <a:xfrm>
+            <a:off x="311760" y="1152360"/>
+            <a:ext cx="1951200" cy="3415680"/>
+          </a:xfrm>
+          <a:prstGeom prst="rect">
+            <a:avLst/>
+          </a:prstGeom>
+        </p:spPr>
+        <p:txBody>
+          <a:bodyPr lIns="0" tIns="0" rIns="0" bIns="0">
+            <a:normAutofit/>
+          </a:bodyPr>
+          <a:lstStyle/>
+          <a:p>
+            <a:endParaRPr lang="ru-RU" sz="3200" b="0" strike="noStrike" spc="-1">
+              <a:latin typeface="Arial"/>
+            </a:endParaRPr>
+          </a:p>
+        </p:txBody>
+      </p:sp>
+    </p:spTree>
+  </p:cSld>
+  <p:clrMapOvr>
+    <a:masterClrMapping/>
+  </p:clrMapOvr>
+</p:sldLayout>
+</file>
+
+<file path=ppt/slideLayouts/slideLayout30.xml><?xml version="1.0" encoding="utf-8"?>
+<p:sldLayout xmlns:a="http://schemas.openxmlformats.org/drawingml/2006/main" xmlns:r="http://schemas.openxmlformats.org/officeDocument/2006/relationships" xmlns:p="http://schemas.openxmlformats.org/presentationml/2006/main" type="titleOnly" preserve="1">
   <p:cSld name="Title Only">
     <p:spTree>
       <p:nvGrpSpPr>
@@ -2300,10 +3096,11 @@
           </a:prstGeom>
         </p:spPr>
         <p:txBody>
-          <a:bodyPr lIns="0" rIns="0" tIns="0" bIns="0" anchor="ctr"/>
+          <a:bodyPr lIns="0" tIns="0" rIns="0" bIns="0" anchor="ctr"/>
+          <a:lstStyle/>
           <a:p>
             <a:pPr algn="ctr"/>
-            <a:endParaRPr b="0" lang="ru-RU" sz="4400" spc="-1" strike="noStrike">
+            <a:endParaRPr lang="ru-RU" sz="4400" b="0" strike="noStrike" spc="-1">
               <a:latin typeface="Arial"/>
             </a:endParaRPr>
           </a:p>
@@ -2311,92 +3108,14 @@
       </p:sp>
     </p:spTree>
   </p:cSld>
+  <p:clrMapOvr>
+    <a:masterClrMapping/>
+  </p:clrMapOvr>
 </p:sldLayout>
 </file>
 
-<file path=ppt/slideLayouts/slideLayout3.xml><?xml version="1.0" encoding="utf-8"?>
-<p:sldLayout xmlns:a="http://schemas.openxmlformats.org/drawingml/2006/main" xmlns:p="http://schemas.openxmlformats.org/presentationml/2006/main" xmlns:r="http://schemas.openxmlformats.org/officeDocument/2006/relationships" xmlns:p14="http://schemas.microsoft.com/office/powerpoint/2010/main" xmlns:p15="http://schemas.microsoft.com/office/powerpoint/2012/main" xmlns:mc="http://schemas.openxmlformats.org/markup-compatibility/2006" type="obj" preserve="1">
-  <p:cSld name="Title, Content">
-    <p:spTree>
-      <p:nvGrpSpPr>
-        <p:cNvPr id="1" name=""/>
-        <p:cNvGrpSpPr/>
-        <p:nvPr/>
-      </p:nvGrpSpPr>
-      <p:grpSpPr>
-        <a:xfrm>
-          <a:off x="0" y="0"/>
-          <a:ext cx="0" cy="0"/>
-          <a:chOff x="0" y="0"/>
-          <a:chExt cx="0" cy="0"/>
-        </a:xfrm>
-      </p:grpSpPr>
-      <p:sp>
-        <p:nvSpPr>
-          <p:cNvPr id="4" name="PlaceHolder 1"/>
-          <p:cNvSpPr>
-            <a:spLocks noGrp="1"/>
-          </p:cNvSpPr>
-          <p:nvPr>
-            <p:ph type="title"/>
-          </p:nvPr>
-        </p:nvSpPr>
-        <p:spPr>
-          <a:xfrm>
-            <a:off x="311760" y="105840"/>
-            <a:ext cx="8519760" cy="1250280"/>
-          </a:xfrm>
-          <a:prstGeom prst="rect">
-            <a:avLst/>
-          </a:prstGeom>
-        </p:spPr>
-        <p:txBody>
-          <a:bodyPr lIns="0" rIns="0" tIns="0" bIns="0" anchor="ctr"/>
-          <a:p>
-            <a:pPr algn="ctr"/>
-            <a:endParaRPr b="0" lang="ru-RU" sz="4400" spc="-1" strike="noStrike">
-              <a:latin typeface="Arial"/>
-            </a:endParaRPr>
-          </a:p>
-        </p:txBody>
-      </p:sp>
-      <p:sp>
-        <p:nvSpPr>
-          <p:cNvPr id="5" name="PlaceHolder 2"/>
-          <p:cNvSpPr>
-            <a:spLocks noGrp="1"/>
-          </p:cNvSpPr>
-          <p:nvPr>
-            <p:ph type="body"/>
-          </p:nvPr>
-        </p:nvSpPr>
-        <p:spPr>
-          <a:xfrm>
-            <a:off x="311760" y="1152360"/>
-            <a:ext cx="1951200" cy="3415680"/>
-          </a:xfrm>
-          <a:prstGeom prst="rect">
-            <a:avLst/>
-          </a:prstGeom>
-        </p:spPr>
-        <p:txBody>
-          <a:bodyPr lIns="0" rIns="0" tIns="0" bIns="0">
-            <a:normAutofit/>
-          </a:bodyPr>
-          <a:p>
-            <a:endParaRPr b="0" lang="ru-RU" sz="3200" spc="-1" strike="noStrike">
-              <a:latin typeface="Arial"/>
-            </a:endParaRPr>
-          </a:p>
-        </p:txBody>
-      </p:sp>
-    </p:spTree>
-  </p:cSld>
-</p:sldLayout>
-</file>
-
-<file path=ppt/slideLayouts/slideLayout30.xml><?xml version="1.0" encoding="utf-8"?>
-<p:sldLayout xmlns:a="http://schemas.openxmlformats.org/drawingml/2006/main" xmlns:p="http://schemas.openxmlformats.org/presentationml/2006/main" xmlns:r="http://schemas.openxmlformats.org/officeDocument/2006/relationships" xmlns:p14="http://schemas.microsoft.com/office/powerpoint/2010/main" xmlns:p15="http://schemas.microsoft.com/office/powerpoint/2012/main" xmlns:mc="http://schemas.openxmlformats.org/markup-compatibility/2006" type="objOnly" preserve="1">
+<file path=ppt/slideLayouts/slideLayout31.xml><?xml version="1.0" encoding="utf-8"?>
+<p:sldLayout xmlns:a="http://schemas.openxmlformats.org/drawingml/2006/main" xmlns:r="http://schemas.openxmlformats.org/officeDocument/2006/relationships" xmlns:p="http://schemas.openxmlformats.org/presentationml/2006/main" type="objOnly" preserve="1">
   <p:cSld name="Centered Text">
     <p:spTree>
       <p:nvGrpSpPr>
@@ -2432,10 +3151,11 @@
           </a:prstGeom>
         </p:spPr>
         <p:txBody>
-          <a:bodyPr lIns="0" rIns="0" tIns="0" bIns="0" anchor="ctr"/>
+          <a:bodyPr lIns="0" tIns="0" rIns="0" bIns="0" anchor="ctr"/>
+          <a:lstStyle/>
           <a:p>
             <a:pPr algn="ctr"/>
-            <a:endParaRPr b="0" lang="ru-RU" sz="3200" spc="-1" strike="noStrike">
+            <a:endParaRPr lang="ru-RU" sz="3200" b="0" strike="noStrike" spc="-1">
               <a:latin typeface="Arial"/>
             </a:endParaRPr>
           </a:p>
@@ -2443,11 +3163,14 @@
       </p:sp>
     </p:spTree>
   </p:cSld>
+  <p:clrMapOvr>
+    <a:masterClrMapping/>
+  </p:clrMapOvr>
 </p:sldLayout>
 </file>
 
-<file path=ppt/slideLayouts/slideLayout31.xml><?xml version="1.0" encoding="utf-8"?>
-<p:sldLayout xmlns:a="http://schemas.openxmlformats.org/drawingml/2006/main" xmlns:p="http://schemas.openxmlformats.org/presentationml/2006/main" xmlns:r="http://schemas.openxmlformats.org/officeDocument/2006/relationships" xmlns:p14="http://schemas.microsoft.com/office/powerpoint/2010/main" xmlns:p15="http://schemas.microsoft.com/office/powerpoint/2012/main" xmlns:mc="http://schemas.openxmlformats.org/markup-compatibility/2006" type="twoObjAndObj" preserve="1">
+<file path=ppt/slideLayouts/slideLayout32.xml><?xml version="1.0" encoding="utf-8"?>
+<p:sldLayout xmlns:a="http://schemas.openxmlformats.org/drawingml/2006/main" xmlns:r="http://schemas.openxmlformats.org/officeDocument/2006/relationships" xmlns:p="http://schemas.openxmlformats.org/presentationml/2006/main" type="twoObjAndObj" preserve="1">
   <p:cSld name="Title, 2 Content and Content">
     <p:spTree>
       <p:nvGrpSpPr>
@@ -2483,10 +3206,11 @@
           </a:prstGeom>
         </p:spPr>
         <p:txBody>
-          <a:bodyPr lIns="0" rIns="0" tIns="0" bIns="0" anchor="ctr"/>
+          <a:bodyPr lIns="0" tIns="0" rIns="0" bIns="0" anchor="ctr"/>
+          <a:lstStyle/>
           <a:p>
             <a:pPr algn="ctr"/>
-            <a:endParaRPr b="0" lang="ru-RU" sz="4400" spc="-1" strike="noStrike">
+            <a:endParaRPr lang="ru-RU" sz="4400" b="0" strike="noStrike" spc="-1">
               <a:latin typeface="Arial"/>
             </a:endParaRPr>
           </a:p>
@@ -2512,11 +3236,12 @@
           </a:prstGeom>
         </p:spPr>
         <p:txBody>
-          <a:bodyPr lIns="0" rIns="0" tIns="0" bIns="0">
+          <a:bodyPr lIns="0" tIns="0" rIns="0" bIns="0">
             <a:normAutofit/>
           </a:bodyPr>
-          <a:p>
-            <a:endParaRPr b="0" lang="ru-RU" sz="3200" spc="-1" strike="noStrike">
+          <a:lstStyle/>
+          <a:p>
+            <a:endParaRPr lang="ru-RU" sz="3200" b="0" strike="noStrike" spc="-1">
               <a:latin typeface="Arial"/>
             </a:endParaRPr>
           </a:p>
@@ -2542,11 +3267,12 @@
           </a:prstGeom>
         </p:spPr>
         <p:txBody>
-          <a:bodyPr lIns="0" rIns="0" tIns="0" bIns="0">
+          <a:bodyPr lIns="0" tIns="0" rIns="0" bIns="0">
             <a:normAutofit/>
           </a:bodyPr>
-          <a:p>
-            <a:endParaRPr b="0" lang="ru-RU" sz="3200" spc="-1" strike="noStrike">
+          <a:lstStyle/>
+          <a:p>
+            <a:endParaRPr lang="ru-RU" sz="3200" b="0" strike="noStrike" spc="-1">
               <a:latin typeface="Arial"/>
             </a:endParaRPr>
           </a:p>
@@ -2572,11 +3298,12 @@
           </a:prstGeom>
         </p:spPr>
         <p:txBody>
-          <a:bodyPr lIns="0" rIns="0" tIns="0" bIns="0">
+          <a:bodyPr lIns="0" tIns="0" rIns="0" bIns="0">
             <a:normAutofit/>
           </a:bodyPr>
-          <a:p>
-            <a:endParaRPr b="0" lang="ru-RU" sz="3200" spc="-1" strike="noStrike">
+          <a:lstStyle/>
+          <a:p>
+            <a:endParaRPr lang="ru-RU" sz="3200" b="0" strike="noStrike" spc="-1">
               <a:latin typeface="Arial"/>
             </a:endParaRPr>
           </a:p>
@@ -2584,11 +3311,14 @@
       </p:sp>
     </p:spTree>
   </p:cSld>
+  <p:clrMapOvr>
+    <a:masterClrMapping/>
+  </p:clrMapOvr>
 </p:sldLayout>
 </file>
 
-<file path=ppt/slideLayouts/slideLayout32.xml><?xml version="1.0" encoding="utf-8"?>
-<p:sldLayout xmlns:a="http://schemas.openxmlformats.org/drawingml/2006/main" xmlns:p="http://schemas.openxmlformats.org/presentationml/2006/main" xmlns:r="http://schemas.openxmlformats.org/officeDocument/2006/relationships" xmlns:p14="http://schemas.microsoft.com/office/powerpoint/2010/main" xmlns:p15="http://schemas.microsoft.com/office/powerpoint/2012/main" xmlns:mc="http://schemas.openxmlformats.org/markup-compatibility/2006" type="objAndTwoObj" preserve="1">
+<file path=ppt/slideLayouts/slideLayout33.xml><?xml version="1.0" encoding="utf-8"?>
+<p:sldLayout xmlns:a="http://schemas.openxmlformats.org/drawingml/2006/main" xmlns:r="http://schemas.openxmlformats.org/officeDocument/2006/relationships" xmlns:p="http://schemas.openxmlformats.org/presentationml/2006/main" type="objAndTwoObj" preserve="1">
   <p:cSld name="Title Content and 2 Content">
     <p:spTree>
       <p:nvGrpSpPr>
@@ -2624,10 +3354,11 @@
           </a:prstGeom>
         </p:spPr>
         <p:txBody>
-          <a:bodyPr lIns="0" rIns="0" tIns="0" bIns="0" anchor="ctr"/>
+          <a:bodyPr lIns="0" tIns="0" rIns="0" bIns="0" anchor="ctr"/>
+          <a:lstStyle/>
           <a:p>
             <a:pPr algn="ctr"/>
-            <a:endParaRPr b="0" lang="ru-RU" sz="4400" spc="-1" strike="noStrike">
+            <a:endParaRPr lang="ru-RU" sz="4400" b="0" strike="noStrike" spc="-1">
               <a:latin typeface="Arial"/>
             </a:endParaRPr>
           </a:p>
@@ -2653,11 +3384,12 @@
           </a:prstGeom>
         </p:spPr>
         <p:txBody>
-          <a:bodyPr lIns="0" rIns="0" tIns="0" bIns="0">
+          <a:bodyPr lIns="0" tIns="0" rIns="0" bIns="0">
             <a:normAutofit/>
           </a:bodyPr>
-          <a:p>
-            <a:endParaRPr b="0" lang="ru-RU" sz="3200" spc="-1" strike="noStrike">
+          <a:lstStyle/>
+          <a:p>
+            <a:endParaRPr lang="ru-RU" sz="3200" b="0" strike="noStrike" spc="-1">
               <a:latin typeface="Arial"/>
             </a:endParaRPr>
           </a:p>
@@ -2683,11 +3415,12 @@
           </a:prstGeom>
         </p:spPr>
         <p:txBody>
-          <a:bodyPr lIns="0" rIns="0" tIns="0" bIns="0">
+          <a:bodyPr lIns="0" tIns="0" rIns="0" bIns="0">
             <a:normAutofit/>
           </a:bodyPr>
-          <a:p>
-            <a:endParaRPr b="0" lang="ru-RU" sz="3200" spc="-1" strike="noStrike">
+          <a:lstStyle/>
+          <a:p>
+            <a:endParaRPr lang="ru-RU" sz="3200" b="0" strike="noStrike" spc="-1">
               <a:latin typeface="Arial"/>
             </a:endParaRPr>
           </a:p>
@@ -2713,11 +3446,12 @@
           </a:prstGeom>
         </p:spPr>
         <p:txBody>
-          <a:bodyPr lIns="0" rIns="0" tIns="0" bIns="0">
+          <a:bodyPr lIns="0" tIns="0" rIns="0" bIns="0">
             <a:normAutofit/>
           </a:bodyPr>
-          <a:p>
-            <a:endParaRPr b="0" lang="ru-RU" sz="3200" spc="-1" strike="noStrike">
+          <a:lstStyle/>
+          <a:p>
+            <a:endParaRPr lang="ru-RU" sz="3200" b="0" strike="noStrike" spc="-1">
               <a:latin typeface="Arial"/>
             </a:endParaRPr>
           </a:p>
@@ -2725,11 +3459,14 @@
       </p:sp>
     </p:spTree>
   </p:cSld>
+  <p:clrMapOvr>
+    <a:masterClrMapping/>
+  </p:clrMapOvr>
 </p:sldLayout>
 </file>
 
-<file path=ppt/slideLayouts/slideLayout33.xml><?xml version="1.0" encoding="utf-8"?>
-<p:sldLayout xmlns:a="http://schemas.openxmlformats.org/drawingml/2006/main" xmlns:p="http://schemas.openxmlformats.org/presentationml/2006/main" xmlns:r="http://schemas.openxmlformats.org/officeDocument/2006/relationships" xmlns:p14="http://schemas.microsoft.com/office/powerpoint/2010/main" xmlns:p15="http://schemas.microsoft.com/office/powerpoint/2012/main" xmlns:mc="http://schemas.openxmlformats.org/markup-compatibility/2006" type="twoObjOverTx" preserve="1">
+<file path=ppt/slideLayouts/slideLayout34.xml><?xml version="1.0" encoding="utf-8"?>
+<p:sldLayout xmlns:a="http://schemas.openxmlformats.org/drawingml/2006/main" xmlns:r="http://schemas.openxmlformats.org/officeDocument/2006/relationships" xmlns:p="http://schemas.openxmlformats.org/presentationml/2006/main" type="twoObjOverTx" preserve="1">
   <p:cSld name="Title, 2 Content over Content">
     <p:spTree>
       <p:nvGrpSpPr>
@@ -2765,10 +3502,11 @@
           </a:prstGeom>
         </p:spPr>
         <p:txBody>
-          <a:bodyPr lIns="0" rIns="0" tIns="0" bIns="0" anchor="ctr"/>
+          <a:bodyPr lIns="0" tIns="0" rIns="0" bIns="0" anchor="ctr"/>
+          <a:lstStyle/>
           <a:p>
             <a:pPr algn="ctr"/>
-            <a:endParaRPr b="0" lang="ru-RU" sz="4400" spc="-1" strike="noStrike">
+            <a:endParaRPr lang="ru-RU" sz="4400" b="0" strike="noStrike" spc="-1">
               <a:latin typeface="Arial"/>
             </a:endParaRPr>
           </a:p>
@@ -2794,11 +3532,12 @@
           </a:prstGeom>
         </p:spPr>
         <p:txBody>
-          <a:bodyPr lIns="0" rIns="0" tIns="0" bIns="0">
+          <a:bodyPr lIns="0" tIns="0" rIns="0" bIns="0">
             <a:normAutofit/>
           </a:bodyPr>
-          <a:p>
-            <a:endParaRPr b="0" lang="ru-RU" sz="3200" spc="-1" strike="noStrike">
+          <a:lstStyle/>
+          <a:p>
+            <a:endParaRPr lang="ru-RU" sz="3200" b="0" strike="noStrike" spc="-1">
               <a:latin typeface="Arial"/>
             </a:endParaRPr>
           </a:p>
@@ -2824,11 +3563,12 @@
           </a:prstGeom>
         </p:spPr>
         <p:txBody>
-          <a:bodyPr lIns="0" rIns="0" tIns="0" bIns="0">
+          <a:bodyPr lIns="0" tIns="0" rIns="0" bIns="0">
             <a:normAutofit/>
           </a:bodyPr>
-          <a:p>
-            <a:endParaRPr b="0" lang="ru-RU" sz="3200" spc="-1" strike="noStrike">
+          <a:lstStyle/>
+          <a:p>
+            <a:endParaRPr lang="ru-RU" sz="3200" b="0" strike="noStrike" spc="-1">
               <a:latin typeface="Arial"/>
             </a:endParaRPr>
           </a:p>
@@ -2854,11 +3594,12 @@
           </a:prstGeom>
         </p:spPr>
         <p:txBody>
-          <a:bodyPr lIns="0" rIns="0" tIns="0" bIns="0">
+          <a:bodyPr lIns="0" tIns="0" rIns="0" bIns="0">
             <a:normAutofit/>
           </a:bodyPr>
-          <a:p>
-            <a:endParaRPr b="0" lang="ru-RU" sz="3200" spc="-1" strike="noStrike">
+          <a:lstStyle/>
+          <a:p>
+            <a:endParaRPr lang="ru-RU" sz="3200" b="0" strike="noStrike" spc="-1">
               <a:latin typeface="Arial"/>
             </a:endParaRPr>
           </a:p>
@@ -2866,11 +3607,14 @@
       </p:sp>
     </p:spTree>
   </p:cSld>
+  <p:clrMapOvr>
+    <a:masterClrMapping/>
+  </p:clrMapOvr>
 </p:sldLayout>
 </file>
 
-<file path=ppt/slideLayouts/slideLayout34.xml><?xml version="1.0" encoding="utf-8"?>
-<p:sldLayout xmlns:a="http://schemas.openxmlformats.org/drawingml/2006/main" xmlns:p="http://schemas.openxmlformats.org/presentationml/2006/main" xmlns:r="http://schemas.openxmlformats.org/officeDocument/2006/relationships" xmlns:p14="http://schemas.microsoft.com/office/powerpoint/2010/main" xmlns:p15="http://schemas.microsoft.com/office/powerpoint/2012/main" xmlns:mc="http://schemas.openxmlformats.org/markup-compatibility/2006" type="objOverTx" preserve="1">
+<file path=ppt/slideLayouts/slideLayout35.xml><?xml version="1.0" encoding="utf-8"?>
+<p:sldLayout xmlns:a="http://schemas.openxmlformats.org/drawingml/2006/main" xmlns:r="http://schemas.openxmlformats.org/officeDocument/2006/relationships" xmlns:p="http://schemas.openxmlformats.org/presentationml/2006/main" type="objOverTx" preserve="1">
   <p:cSld name="Title, Content over Content">
     <p:spTree>
       <p:nvGrpSpPr>
@@ -2906,10 +3650,11 @@
           </a:prstGeom>
         </p:spPr>
         <p:txBody>
-          <a:bodyPr lIns="0" rIns="0" tIns="0" bIns="0" anchor="ctr"/>
+          <a:bodyPr lIns="0" tIns="0" rIns="0" bIns="0" anchor="ctr"/>
+          <a:lstStyle/>
           <a:p>
             <a:pPr algn="ctr"/>
-            <a:endParaRPr b="0" lang="ru-RU" sz="4400" spc="-1" strike="noStrike">
+            <a:endParaRPr lang="ru-RU" sz="4400" b="0" strike="noStrike" spc="-1">
               <a:latin typeface="Arial"/>
             </a:endParaRPr>
           </a:p>
@@ -2935,11 +3680,12 @@
           </a:prstGeom>
         </p:spPr>
         <p:txBody>
-          <a:bodyPr lIns="0" rIns="0" tIns="0" bIns="0">
+          <a:bodyPr lIns="0" tIns="0" rIns="0" bIns="0">
             <a:normAutofit/>
           </a:bodyPr>
-          <a:p>
-            <a:endParaRPr b="0" lang="ru-RU" sz="3200" spc="-1" strike="noStrike">
+          <a:lstStyle/>
+          <a:p>
+            <a:endParaRPr lang="ru-RU" sz="3200" b="0" strike="noStrike" spc="-1">
               <a:latin typeface="Arial"/>
             </a:endParaRPr>
           </a:p>
@@ -2965,11 +3711,12 @@
           </a:prstGeom>
         </p:spPr>
         <p:txBody>
-          <a:bodyPr lIns="0" rIns="0" tIns="0" bIns="0">
+          <a:bodyPr lIns="0" tIns="0" rIns="0" bIns="0">
             <a:normAutofit/>
           </a:bodyPr>
-          <a:p>
-            <a:endParaRPr b="0" lang="ru-RU" sz="3200" spc="-1" strike="noStrike">
+          <a:lstStyle/>
+          <a:p>
+            <a:endParaRPr lang="ru-RU" sz="3200" b="0" strike="noStrike" spc="-1">
               <a:latin typeface="Arial"/>
             </a:endParaRPr>
           </a:p>
@@ -2977,11 +3724,14 @@
       </p:sp>
     </p:spTree>
   </p:cSld>
+  <p:clrMapOvr>
+    <a:masterClrMapping/>
+  </p:clrMapOvr>
 </p:sldLayout>
 </file>
 
-<file path=ppt/slideLayouts/slideLayout35.xml><?xml version="1.0" encoding="utf-8"?>
-<p:sldLayout xmlns:a="http://schemas.openxmlformats.org/drawingml/2006/main" xmlns:p="http://schemas.openxmlformats.org/presentationml/2006/main" xmlns:r="http://schemas.openxmlformats.org/officeDocument/2006/relationships" xmlns:p14="http://schemas.microsoft.com/office/powerpoint/2010/main" xmlns:p15="http://schemas.microsoft.com/office/powerpoint/2012/main" xmlns:mc="http://schemas.openxmlformats.org/markup-compatibility/2006" type="fourObj" preserve="1">
+<file path=ppt/slideLayouts/slideLayout36.xml><?xml version="1.0" encoding="utf-8"?>
+<p:sldLayout xmlns:a="http://schemas.openxmlformats.org/drawingml/2006/main" xmlns:r="http://schemas.openxmlformats.org/officeDocument/2006/relationships" xmlns:p="http://schemas.openxmlformats.org/presentationml/2006/main" type="fourObj" preserve="1">
   <p:cSld name="Title, 4 Content">
     <p:spTree>
       <p:nvGrpSpPr>
@@ -3017,10 +3767,11 @@
           </a:prstGeom>
         </p:spPr>
         <p:txBody>
-          <a:bodyPr lIns="0" rIns="0" tIns="0" bIns="0" anchor="ctr"/>
+          <a:bodyPr lIns="0" tIns="0" rIns="0" bIns="0" anchor="ctr"/>
+          <a:lstStyle/>
           <a:p>
             <a:pPr algn="ctr"/>
-            <a:endParaRPr b="0" lang="ru-RU" sz="4400" spc="-1" strike="noStrike">
+            <a:endParaRPr lang="ru-RU" sz="4400" b="0" strike="noStrike" spc="-1">
               <a:latin typeface="Arial"/>
             </a:endParaRPr>
           </a:p>
@@ -3046,11 +3797,12 @@
           </a:prstGeom>
         </p:spPr>
         <p:txBody>
-          <a:bodyPr lIns="0" rIns="0" tIns="0" bIns="0">
+          <a:bodyPr lIns="0" tIns="0" rIns="0" bIns="0">
             <a:normAutofit/>
           </a:bodyPr>
-          <a:p>
-            <a:endParaRPr b="0" lang="ru-RU" sz="3200" spc="-1" strike="noStrike">
+          <a:lstStyle/>
+          <a:p>
+            <a:endParaRPr lang="ru-RU" sz="3200" b="0" strike="noStrike" spc="-1">
               <a:latin typeface="Arial"/>
             </a:endParaRPr>
           </a:p>
@@ -3076,11 +3828,12 @@
           </a:prstGeom>
         </p:spPr>
         <p:txBody>
-          <a:bodyPr lIns="0" rIns="0" tIns="0" bIns="0">
+          <a:bodyPr lIns="0" tIns="0" rIns="0" bIns="0">
             <a:normAutofit/>
           </a:bodyPr>
-          <a:p>
-            <a:endParaRPr b="0" lang="ru-RU" sz="3200" spc="-1" strike="noStrike">
+          <a:lstStyle/>
+          <a:p>
+            <a:endParaRPr lang="ru-RU" sz="3200" b="0" strike="noStrike" spc="-1">
               <a:latin typeface="Arial"/>
             </a:endParaRPr>
           </a:p>
@@ -3106,11 +3859,12 @@
           </a:prstGeom>
         </p:spPr>
         <p:txBody>
-          <a:bodyPr lIns="0" rIns="0" tIns="0" bIns="0">
+          <a:bodyPr lIns="0" tIns="0" rIns="0" bIns="0">
             <a:normAutofit/>
           </a:bodyPr>
-          <a:p>
-            <a:endParaRPr b="0" lang="ru-RU" sz="3200" spc="-1" strike="noStrike">
+          <a:lstStyle/>
+          <a:p>
+            <a:endParaRPr lang="ru-RU" sz="3200" b="0" strike="noStrike" spc="-1">
               <a:latin typeface="Arial"/>
             </a:endParaRPr>
           </a:p>
@@ -3136,11 +3890,12 @@
           </a:prstGeom>
         </p:spPr>
         <p:txBody>
-          <a:bodyPr lIns="0" rIns="0" tIns="0" bIns="0">
+          <a:bodyPr lIns="0" tIns="0" rIns="0" bIns="0">
             <a:normAutofit/>
           </a:bodyPr>
-          <a:p>
-            <a:endParaRPr b="0" lang="ru-RU" sz="3200" spc="-1" strike="noStrike">
+          <a:lstStyle/>
+          <a:p>
+            <a:endParaRPr lang="ru-RU" sz="3200" b="0" strike="noStrike" spc="-1">
               <a:latin typeface="Arial"/>
             </a:endParaRPr>
           </a:p>
@@ -3148,11 +3903,14 @@
       </p:sp>
     </p:spTree>
   </p:cSld>
+  <p:clrMapOvr>
+    <a:masterClrMapping/>
+  </p:clrMapOvr>
 </p:sldLayout>
 </file>
 
-<file path=ppt/slideLayouts/slideLayout36.xml><?xml version="1.0" encoding="utf-8"?>
-<p:sldLayout xmlns:a="http://schemas.openxmlformats.org/drawingml/2006/main" xmlns:p="http://schemas.openxmlformats.org/presentationml/2006/main" xmlns:r="http://schemas.openxmlformats.org/officeDocument/2006/relationships" xmlns:p14="http://schemas.microsoft.com/office/powerpoint/2010/main" xmlns:p15="http://schemas.microsoft.com/office/powerpoint/2012/main" xmlns:mc="http://schemas.openxmlformats.org/markup-compatibility/2006" type="blank" preserve="1">
+<file path=ppt/slideLayouts/slideLayout37.xml><?xml version="1.0" encoding="utf-8"?>
+<p:sldLayout xmlns:a="http://schemas.openxmlformats.org/drawingml/2006/main" xmlns:r="http://schemas.openxmlformats.org/officeDocument/2006/relationships" xmlns:p="http://schemas.openxmlformats.org/presentationml/2006/main" type="blank" preserve="1">
   <p:cSld name="Title, 6 Content">
     <p:spTree>
       <p:nvGrpSpPr>
@@ -3188,10 +3946,11 @@
           </a:prstGeom>
         </p:spPr>
         <p:txBody>
-          <a:bodyPr lIns="0" rIns="0" tIns="0" bIns="0" anchor="ctr"/>
+          <a:bodyPr lIns="0" tIns="0" rIns="0" bIns="0" anchor="ctr"/>
+          <a:lstStyle/>
           <a:p>
             <a:pPr algn="ctr"/>
-            <a:endParaRPr b="0" lang="ru-RU" sz="4400" spc="-1" strike="noStrike">
+            <a:endParaRPr lang="ru-RU" sz="4400" b="0" strike="noStrike" spc="-1">
               <a:latin typeface="Arial"/>
             </a:endParaRPr>
           </a:p>
@@ -3217,11 +3976,12 @@
           </a:prstGeom>
         </p:spPr>
         <p:txBody>
-          <a:bodyPr lIns="0" rIns="0" tIns="0" bIns="0">
+          <a:bodyPr lIns="0" tIns="0" rIns="0" bIns="0">
             <a:normAutofit/>
           </a:bodyPr>
-          <a:p>
-            <a:endParaRPr b="0" lang="ru-RU" sz="3200" spc="-1" strike="noStrike">
+          <a:lstStyle/>
+          <a:p>
+            <a:endParaRPr lang="ru-RU" sz="3200" b="0" strike="noStrike" spc="-1">
               <a:latin typeface="Arial"/>
             </a:endParaRPr>
           </a:p>
@@ -3247,11 +4007,12 @@
           </a:prstGeom>
         </p:spPr>
         <p:txBody>
-          <a:bodyPr lIns="0" rIns="0" tIns="0" bIns="0">
+          <a:bodyPr lIns="0" tIns="0" rIns="0" bIns="0">
             <a:normAutofit/>
           </a:bodyPr>
-          <a:p>
-            <a:endParaRPr b="0" lang="ru-RU" sz="3200" spc="-1" strike="noStrike">
+          <a:lstStyle/>
+          <a:p>
+            <a:endParaRPr lang="ru-RU" sz="3200" b="0" strike="noStrike" spc="-1">
               <a:latin typeface="Arial"/>
             </a:endParaRPr>
           </a:p>
@@ -3277,11 +4038,12 @@
           </a:prstGeom>
         </p:spPr>
         <p:txBody>
-          <a:bodyPr lIns="0" rIns="0" tIns="0" bIns="0">
+          <a:bodyPr lIns="0" tIns="0" rIns="0" bIns="0">
             <a:normAutofit/>
           </a:bodyPr>
-          <a:p>
-            <a:endParaRPr b="0" lang="ru-RU" sz="3200" spc="-1" strike="noStrike">
+          <a:lstStyle/>
+          <a:p>
+            <a:endParaRPr lang="ru-RU" sz="3200" b="0" strike="noStrike" spc="-1">
               <a:latin typeface="Arial"/>
             </a:endParaRPr>
           </a:p>
@@ -3307,11 +4069,12 @@
           </a:prstGeom>
         </p:spPr>
         <p:txBody>
-          <a:bodyPr lIns="0" rIns="0" tIns="0" bIns="0">
+          <a:bodyPr lIns="0" tIns="0" rIns="0" bIns="0">
             <a:normAutofit/>
           </a:bodyPr>
-          <a:p>
-            <a:endParaRPr b="0" lang="ru-RU" sz="3200" spc="-1" strike="noStrike">
+          <a:lstStyle/>
+          <a:p>
+            <a:endParaRPr lang="ru-RU" sz="3200" b="0" strike="noStrike" spc="-1">
               <a:latin typeface="Arial"/>
             </a:endParaRPr>
           </a:p>
@@ -3337,11 +4100,12 @@
           </a:prstGeom>
         </p:spPr>
         <p:txBody>
-          <a:bodyPr lIns="0" rIns="0" tIns="0" bIns="0">
+          <a:bodyPr lIns="0" tIns="0" rIns="0" bIns="0">
             <a:normAutofit/>
           </a:bodyPr>
-          <a:p>
-            <a:endParaRPr b="0" lang="ru-RU" sz="3200" spc="-1" strike="noStrike">
+          <a:lstStyle/>
+          <a:p>
+            <a:endParaRPr lang="ru-RU" sz="3200" b="0" strike="noStrike" spc="-1">
               <a:latin typeface="Arial"/>
             </a:endParaRPr>
           </a:p>
@@ -3367,11 +4131,12 @@
           </a:prstGeom>
         </p:spPr>
         <p:txBody>
-          <a:bodyPr lIns="0" rIns="0" tIns="0" bIns="0">
+          <a:bodyPr lIns="0" tIns="0" rIns="0" bIns="0">
             <a:normAutofit/>
           </a:bodyPr>
-          <a:p>
-            <a:endParaRPr b="0" lang="ru-RU" sz="3200" spc="-1" strike="noStrike">
+          <a:lstStyle/>
+          <a:p>
+            <a:endParaRPr lang="ru-RU" sz="3200" b="0" strike="noStrike" spc="-1">
               <a:latin typeface="Arial"/>
             </a:endParaRPr>
           </a:p>
@@ -3379,11 +4144,14 @@
       </p:sp>
     </p:spTree>
   </p:cSld>
+  <p:clrMapOvr>
+    <a:masterClrMapping/>
+  </p:clrMapOvr>
 </p:sldLayout>
 </file>
 
 <file path=ppt/slideLayouts/slideLayout4.xml><?xml version="1.0" encoding="utf-8"?>
-<p:sldLayout xmlns:a="http://schemas.openxmlformats.org/drawingml/2006/main" xmlns:p="http://schemas.openxmlformats.org/presentationml/2006/main" xmlns:r="http://schemas.openxmlformats.org/officeDocument/2006/relationships" xmlns:p14="http://schemas.microsoft.com/office/powerpoint/2010/main" xmlns:p15="http://schemas.microsoft.com/office/powerpoint/2012/main" xmlns:mc="http://schemas.openxmlformats.org/markup-compatibility/2006" type="twoObj" preserve="1">
+<p:sldLayout xmlns:a="http://schemas.openxmlformats.org/drawingml/2006/main" xmlns:r="http://schemas.openxmlformats.org/officeDocument/2006/relationships" xmlns:p="http://schemas.openxmlformats.org/presentationml/2006/main" type="twoObj" preserve="1">
   <p:cSld name="Title, 2 Content">
     <p:spTree>
       <p:nvGrpSpPr>
@@ -3419,10 +4187,11 @@
           </a:prstGeom>
         </p:spPr>
         <p:txBody>
-          <a:bodyPr lIns="0" rIns="0" tIns="0" bIns="0" anchor="ctr"/>
+          <a:bodyPr lIns="0" tIns="0" rIns="0" bIns="0" anchor="ctr"/>
+          <a:lstStyle/>
           <a:p>
             <a:pPr algn="ctr"/>
-            <a:endParaRPr b="0" lang="ru-RU" sz="4400" spc="-1" strike="noStrike">
+            <a:endParaRPr lang="ru-RU" sz="4400" b="0" strike="noStrike" spc="-1">
               <a:latin typeface="Arial"/>
             </a:endParaRPr>
           </a:p>
@@ -3448,11 +4217,12 @@
           </a:prstGeom>
         </p:spPr>
         <p:txBody>
-          <a:bodyPr lIns="0" rIns="0" tIns="0" bIns="0">
+          <a:bodyPr lIns="0" tIns="0" rIns="0" bIns="0">
             <a:normAutofit/>
           </a:bodyPr>
-          <a:p>
-            <a:endParaRPr b="0" lang="ru-RU" sz="3200" spc="-1" strike="noStrike">
+          <a:lstStyle/>
+          <a:p>
+            <a:endParaRPr lang="ru-RU" sz="3200" b="0" strike="noStrike" spc="-1">
               <a:latin typeface="Arial"/>
             </a:endParaRPr>
           </a:p>
@@ -3478,11 +4248,12 @@
           </a:prstGeom>
         </p:spPr>
         <p:txBody>
-          <a:bodyPr lIns="0" rIns="0" tIns="0" bIns="0">
+          <a:bodyPr lIns="0" tIns="0" rIns="0" bIns="0">
             <a:normAutofit/>
           </a:bodyPr>
-          <a:p>
-            <a:endParaRPr b="0" lang="ru-RU" sz="3200" spc="-1" strike="noStrike">
+          <a:lstStyle/>
+          <a:p>
+            <a:endParaRPr lang="ru-RU" sz="3200" b="0" strike="noStrike" spc="-1">
               <a:latin typeface="Arial"/>
             </a:endParaRPr>
           </a:p>
@@ -3490,11 +4261,14 @@
       </p:sp>
     </p:spTree>
   </p:cSld>
+  <p:clrMapOvr>
+    <a:masterClrMapping/>
+  </p:clrMapOvr>
 </p:sldLayout>
 </file>
 
 <file path=ppt/slideLayouts/slideLayout5.xml><?xml version="1.0" encoding="utf-8"?>
-<p:sldLayout xmlns:a="http://schemas.openxmlformats.org/drawingml/2006/main" xmlns:p="http://schemas.openxmlformats.org/presentationml/2006/main" xmlns:r="http://schemas.openxmlformats.org/officeDocument/2006/relationships" xmlns:p14="http://schemas.microsoft.com/office/powerpoint/2010/main" xmlns:p15="http://schemas.microsoft.com/office/powerpoint/2012/main" xmlns:mc="http://schemas.openxmlformats.org/markup-compatibility/2006" type="titleOnly" preserve="1">
+<p:sldLayout xmlns:a="http://schemas.openxmlformats.org/drawingml/2006/main" xmlns:r="http://schemas.openxmlformats.org/officeDocument/2006/relationships" xmlns:p="http://schemas.openxmlformats.org/presentationml/2006/main" type="titleOnly" preserve="1">
   <p:cSld name="Title Only">
     <p:spTree>
       <p:nvGrpSpPr>
@@ -3530,10 +4304,11 @@
           </a:prstGeom>
         </p:spPr>
         <p:txBody>
-          <a:bodyPr lIns="0" rIns="0" tIns="0" bIns="0" anchor="ctr"/>
+          <a:bodyPr lIns="0" tIns="0" rIns="0" bIns="0" anchor="ctr"/>
+          <a:lstStyle/>
           <a:p>
             <a:pPr algn="ctr"/>
-            <a:endParaRPr b="0" lang="ru-RU" sz="4400" spc="-1" strike="noStrike">
+            <a:endParaRPr lang="ru-RU" sz="4400" b="0" strike="noStrike" spc="-1">
               <a:latin typeface="Arial"/>
             </a:endParaRPr>
           </a:p>
@@ -3541,11 +4316,14 @@
       </p:sp>
     </p:spTree>
   </p:cSld>
+  <p:clrMapOvr>
+    <a:masterClrMapping/>
+  </p:clrMapOvr>
 </p:sldLayout>
 </file>
 
 <file path=ppt/slideLayouts/slideLayout6.xml><?xml version="1.0" encoding="utf-8"?>
-<p:sldLayout xmlns:a="http://schemas.openxmlformats.org/drawingml/2006/main" xmlns:p="http://schemas.openxmlformats.org/presentationml/2006/main" xmlns:r="http://schemas.openxmlformats.org/officeDocument/2006/relationships" xmlns:p14="http://schemas.microsoft.com/office/powerpoint/2010/main" xmlns:p15="http://schemas.microsoft.com/office/powerpoint/2012/main" xmlns:mc="http://schemas.openxmlformats.org/markup-compatibility/2006" type="objOnly" preserve="1">
+<p:sldLayout xmlns:a="http://schemas.openxmlformats.org/drawingml/2006/main" xmlns:r="http://schemas.openxmlformats.org/officeDocument/2006/relationships" xmlns:p="http://schemas.openxmlformats.org/presentationml/2006/main" type="objOnly" preserve="1">
   <p:cSld name="Centered Text">
     <p:spTree>
       <p:nvGrpSpPr>
@@ -3581,10 +4359,11 @@
           </a:prstGeom>
         </p:spPr>
         <p:txBody>
-          <a:bodyPr lIns="0" rIns="0" tIns="0" bIns="0" anchor="ctr"/>
+          <a:bodyPr lIns="0" tIns="0" rIns="0" bIns="0" anchor="ctr"/>
+          <a:lstStyle/>
           <a:p>
             <a:pPr algn="ctr"/>
-            <a:endParaRPr b="0" lang="ru-RU" sz="3200" spc="-1" strike="noStrike">
+            <a:endParaRPr lang="ru-RU" sz="3200" b="0" strike="noStrike" spc="-1">
               <a:latin typeface="Arial"/>
             </a:endParaRPr>
           </a:p>
@@ -3592,11 +4371,14 @@
       </p:sp>
     </p:spTree>
   </p:cSld>
+  <p:clrMapOvr>
+    <a:masterClrMapping/>
+  </p:clrMapOvr>
 </p:sldLayout>
 </file>
 
 <file path=ppt/slideLayouts/slideLayout7.xml><?xml version="1.0" encoding="utf-8"?>
-<p:sldLayout xmlns:a="http://schemas.openxmlformats.org/drawingml/2006/main" xmlns:p="http://schemas.openxmlformats.org/presentationml/2006/main" xmlns:r="http://schemas.openxmlformats.org/officeDocument/2006/relationships" xmlns:p14="http://schemas.microsoft.com/office/powerpoint/2010/main" xmlns:p15="http://schemas.microsoft.com/office/powerpoint/2012/main" xmlns:mc="http://schemas.openxmlformats.org/markup-compatibility/2006" type="twoObjAndObj" preserve="1">
+<p:sldLayout xmlns:a="http://schemas.openxmlformats.org/drawingml/2006/main" xmlns:r="http://schemas.openxmlformats.org/officeDocument/2006/relationships" xmlns:p="http://schemas.openxmlformats.org/presentationml/2006/main" type="twoObjAndObj" preserve="1">
   <p:cSld name="Title, 2 Content and Content">
     <p:spTree>
       <p:nvGrpSpPr>
@@ -3632,10 +4414,11 @@
           </a:prstGeom>
         </p:spPr>
         <p:txBody>
-          <a:bodyPr lIns="0" rIns="0" tIns="0" bIns="0" anchor="ctr"/>
+          <a:bodyPr lIns="0" tIns="0" rIns="0" bIns="0" anchor="ctr"/>
+          <a:lstStyle/>
           <a:p>
             <a:pPr algn="ctr"/>
-            <a:endParaRPr b="0" lang="ru-RU" sz="4400" spc="-1" strike="noStrike">
+            <a:endParaRPr lang="ru-RU" sz="4400" b="0" strike="noStrike" spc="-1">
               <a:latin typeface="Arial"/>
             </a:endParaRPr>
           </a:p>
@@ -3661,11 +4444,12 @@
           </a:prstGeom>
         </p:spPr>
         <p:txBody>
-          <a:bodyPr lIns="0" rIns="0" tIns="0" bIns="0">
+          <a:bodyPr lIns="0" tIns="0" rIns="0" bIns="0">
             <a:normAutofit/>
           </a:bodyPr>
-          <a:p>
-            <a:endParaRPr b="0" lang="ru-RU" sz="3200" spc="-1" strike="noStrike">
+          <a:lstStyle/>
+          <a:p>
+            <a:endParaRPr lang="ru-RU" sz="3200" b="0" strike="noStrike" spc="-1">
               <a:latin typeface="Arial"/>
             </a:endParaRPr>
           </a:p>
@@ -3691,11 +4475,12 @@
           </a:prstGeom>
         </p:spPr>
         <p:txBody>
-          <a:bodyPr lIns="0" rIns="0" tIns="0" bIns="0">
+          <a:bodyPr lIns="0" tIns="0" rIns="0" bIns="0">
             <a:normAutofit/>
           </a:bodyPr>
-          <a:p>
-            <a:endParaRPr b="0" lang="ru-RU" sz="3200" spc="-1" strike="noStrike">
+          <a:lstStyle/>
+          <a:p>
+            <a:endParaRPr lang="ru-RU" sz="3200" b="0" strike="noStrike" spc="-1">
               <a:latin typeface="Arial"/>
             </a:endParaRPr>
           </a:p>
@@ -3721,11 +4506,12 @@
           </a:prstGeom>
         </p:spPr>
         <p:txBody>
-          <a:bodyPr lIns="0" rIns="0" tIns="0" bIns="0">
+          <a:bodyPr lIns="0" tIns="0" rIns="0" bIns="0">
             <a:normAutofit/>
           </a:bodyPr>
-          <a:p>
-            <a:endParaRPr b="0" lang="ru-RU" sz="3200" spc="-1" strike="noStrike">
+          <a:lstStyle/>
+          <a:p>
+            <a:endParaRPr lang="ru-RU" sz="3200" b="0" strike="noStrike" spc="-1">
               <a:latin typeface="Arial"/>
             </a:endParaRPr>
           </a:p>
@@ -3733,11 +4519,14 @@
       </p:sp>
     </p:spTree>
   </p:cSld>
+  <p:clrMapOvr>
+    <a:masterClrMapping/>
+  </p:clrMapOvr>
 </p:sldLayout>
 </file>
 
 <file path=ppt/slideLayouts/slideLayout8.xml><?xml version="1.0" encoding="utf-8"?>
-<p:sldLayout xmlns:a="http://schemas.openxmlformats.org/drawingml/2006/main" xmlns:p="http://schemas.openxmlformats.org/presentationml/2006/main" xmlns:r="http://schemas.openxmlformats.org/officeDocument/2006/relationships" xmlns:p14="http://schemas.microsoft.com/office/powerpoint/2010/main" xmlns:p15="http://schemas.microsoft.com/office/powerpoint/2012/main" xmlns:mc="http://schemas.openxmlformats.org/markup-compatibility/2006" type="objAndTwoObj" preserve="1">
+<p:sldLayout xmlns:a="http://schemas.openxmlformats.org/drawingml/2006/main" xmlns:r="http://schemas.openxmlformats.org/officeDocument/2006/relationships" xmlns:p="http://schemas.openxmlformats.org/presentationml/2006/main" type="objAndTwoObj" preserve="1">
   <p:cSld name="Title Content and 2 Content">
     <p:spTree>
       <p:nvGrpSpPr>
@@ -3773,10 +4562,11 @@
           </a:prstGeom>
         </p:spPr>
         <p:txBody>
-          <a:bodyPr lIns="0" rIns="0" tIns="0" bIns="0" anchor="ctr"/>
+          <a:bodyPr lIns="0" tIns="0" rIns="0" bIns="0" anchor="ctr"/>
+          <a:lstStyle/>
           <a:p>
             <a:pPr algn="ctr"/>
-            <a:endParaRPr b="0" lang="ru-RU" sz="4400" spc="-1" strike="noStrike">
+            <a:endParaRPr lang="ru-RU" sz="4400" b="0" strike="noStrike" spc="-1">
               <a:latin typeface="Arial"/>
             </a:endParaRPr>
           </a:p>
@@ -3802,11 +4592,12 @@
           </a:prstGeom>
         </p:spPr>
         <p:txBody>
-          <a:bodyPr lIns="0" rIns="0" tIns="0" bIns="0">
+          <a:bodyPr lIns="0" tIns="0" rIns="0" bIns="0">
             <a:normAutofit/>
           </a:bodyPr>
-          <a:p>
-            <a:endParaRPr b="0" lang="ru-RU" sz="3200" spc="-1" strike="noStrike">
+          <a:lstStyle/>
+          <a:p>
+            <a:endParaRPr lang="ru-RU" sz="3200" b="0" strike="noStrike" spc="-1">
               <a:latin typeface="Arial"/>
             </a:endParaRPr>
           </a:p>
@@ -3832,11 +4623,12 @@
           </a:prstGeom>
         </p:spPr>
         <p:txBody>
-          <a:bodyPr lIns="0" rIns="0" tIns="0" bIns="0">
+          <a:bodyPr lIns="0" tIns="0" rIns="0" bIns="0">
             <a:normAutofit/>
           </a:bodyPr>
-          <a:p>
-            <a:endParaRPr b="0" lang="ru-RU" sz="3200" spc="-1" strike="noStrike">
+          <a:lstStyle/>
+          <a:p>
+            <a:endParaRPr lang="ru-RU" sz="3200" b="0" strike="noStrike" spc="-1">
               <a:latin typeface="Arial"/>
             </a:endParaRPr>
           </a:p>
@@ -3862,11 +4654,12 @@
           </a:prstGeom>
         </p:spPr>
         <p:txBody>
-          <a:bodyPr lIns="0" rIns="0" tIns="0" bIns="0">
+          <a:bodyPr lIns="0" tIns="0" rIns="0" bIns="0">
             <a:normAutofit/>
           </a:bodyPr>
-          <a:p>
-            <a:endParaRPr b="0" lang="ru-RU" sz="3200" spc="-1" strike="noStrike">
+          <a:lstStyle/>
+          <a:p>
+            <a:endParaRPr lang="ru-RU" sz="3200" b="0" strike="noStrike" spc="-1">
               <a:latin typeface="Arial"/>
             </a:endParaRPr>
           </a:p>
@@ -3874,11 +4667,14 @@
       </p:sp>
     </p:spTree>
   </p:cSld>
+  <p:clrMapOvr>
+    <a:masterClrMapping/>
+  </p:clrMapOvr>
 </p:sldLayout>
 </file>
 
 <file path=ppt/slideLayouts/slideLayout9.xml><?xml version="1.0" encoding="utf-8"?>
-<p:sldLayout xmlns:a="http://schemas.openxmlformats.org/drawingml/2006/main" xmlns:p="http://schemas.openxmlformats.org/presentationml/2006/main" xmlns:r="http://schemas.openxmlformats.org/officeDocument/2006/relationships" xmlns:p14="http://schemas.microsoft.com/office/powerpoint/2010/main" xmlns:p15="http://schemas.microsoft.com/office/powerpoint/2012/main" xmlns:mc="http://schemas.openxmlformats.org/markup-compatibility/2006" type="twoObjOverTx" preserve="1">
+<p:sldLayout xmlns:a="http://schemas.openxmlformats.org/drawingml/2006/main" xmlns:r="http://schemas.openxmlformats.org/officeDocument/2006/relationships" xmlns:p="http://schemas.openxmlformats.org/presentationml/2006/main" type="twoObjOverTx" preserve="1">
   <p:cSld name="Title, 2 Content over Content">
     <p:spTree>
       <p:nvGrpSpPr>
@@ -3914,10 +4710,11 @@
           </a:prstGeom>
         </p:spPr>
         <p:txBody>
-          <a:bodyPr lIns="0" rIns="0" tIns="0" bIns="0" anchor="ctr"/>
+          <a:bodyPr lIns="0" tIns="0" rIns="0" bIns="0" anchor="ctr"/>
+          <a:lstStyle/>
           <a:p>
             <a:pPr algn="ctr"/>
-            <a:endParaRPr b="0" lang="ru-RU" sz="4400" spc="-1" strike="noStrike">
+            <a:endParaRPr lang="ru-RU" sz="4400" b="0" strike="noStrike" spc="-1">
               <a:latin typeface="Arial"/>
             </a:endParaRPr>
           </a:p>
@@ -3943,11 +4740,12 @@
           </a:prstGeom>
         </p:spPr>
         <p:txBody>
-          <a:bodyPr lIns="0" rIns="0" tIns="0" bIns="0">
+          <a:bodyPr lIns="0" tIns="0" rIns="0" bIns="0">
             <a:normAutofit/>
           </a:bodyPr>
-          <a:p>
-            <a:endParaRPr b="0" lang="ru-RU" sz="3200" spc="-1" strike="noStrike">
+          <a:lstStyle/>
+          <a:p>
+            <a:endParaRPr lang="ru-RU" sz="3200" b="0" strike="noStrike" spc="-1">
               <a:latin typeface="Arial"/>
             </a:endParaRPr>
           </a:p>
@@ -3973,11 +4771,12 @@
           </a:prstGeom>
         </p:spPr>
         <p:txBody>
-          <a:bodyPr lIns="0" rIns="0" tIns="0" bIns="0">
+          <a:bodyPr lIns="0" tIns="0" rIns="0" bIns="0">
             <a:normAutofit/>
           </a:bodyPr>
-          <a:p>
-            <a:endParaRPr b="0" lang="ru-RU" sz="3200" spc="-1" strike="noStrike">
+          <a:lstStyle/>
+          <a:p>
+            <a:endParaRPr lang="ru-RU" sz="3200" b="0" strike="noStrike" spc="-1">
               <a:latin typeface="Arial"/>
             </a:endParaRPr>
           </a:p>
@@ -4003,11 +4802,12 @@
           </a:prstGeom>
         </p:spPr>
         <p:txBody>
-          <a:bodyPr lIns="0" rIns="0" tIns="0" bIns="0">
+          <a:bodyPr lIns="0" tIns="0" rIns="0" bIns="0">
             <a:normAutofit/>
           </a:bodyPr>
-          <a:p>
-            <a:endParaRPr b="0" lang="ru-RU" sz="3200" spc="-1" strike="noStrike">
+          <a:lstStyle/>
+          <a:p>
+            <a:endParaRPr lang="ru-RU" sz="3200" b="0" strike="noStrike" spc="-1">
               <a:latin typeface="Arial"/>
             </a:endParaRPr>
           </a:p>
@@ -4015,17 +4815,21 @@
       </p:sp>
     </p:spTree>
   </p:cSld>
+  <p:clrMapOvr>
+    <a:masterClrMapping/>
+  </p:clrMapOvr>
 </p:sldLayout>
 </file>
 
 <file path=ppt/slideMasters/slideMaster1.xml><?xml version="1.0" encoding="utf-8"?>
-<p:sldMaster xmlns:a="http://schemas.openxmlformats.org/drawingml/2006/main" xmlns:p="http://schemas.openxmlformats.org/presentationml/2006/main" xmlns:r="http://schemas.openxmlformats.org/officeDocument/2006/relationships" xmlns:p14="http://schemas.microsoft.com/office/powerpoint/2010/main" xmlns:p15="http://schemas.microsoft.com/office/powerpoint/2012/main" xmlns:mc="http://schemas.openxmlformats.org/markup-compatibility/2006">
+<p:sldMaster xmlns:a="http://schemas.openxmlformats.org/drawingml/2006/main" xmlns:r="http://schemas.openxmlformats.org/officeDocument/2006/relationships" xmlns:p="http://schemas.openxmlformats.org/presentationml/2006/main">
   <p:cSld>
     <p:bg>
       <p:bgPr>
         <a:solidFill>
-          <a:srgbClr val="ffffff"/>
+          <a:srgbClr val="FFFFFF"/>
         </a:solidFill>
+        <a:effectLst/>
       </p:bgPr>
     </p:bg>
     <p:spTree>
@@ -4044,7 +4848,7 @@
       </p:grpSpPr>
       <p:sp>
         <p:nvSpPr>
-          <p:cNvPr id="0" name="PlaceHolder 1"/>
+          <p:cNvPr id="2" name="PlaceHolder 1"/>
           <p:cNvSpPr>
             <a:spLocks noGrp="1"/>
           </p:cNvSpPr>
@@ -4062,23 +4866,21 @@
           </a:prstGeom>
         </p:spPr>
         <p:txBody>
-          <a:bodyPr lIns="0" rIns="0" tIns="0" bIns="0" anchor="ctr"/>
-          <a:p>
-            <a:r>
-              <a:rPr b="0" lang="ru-RU" sz="1800" spc="-1" strike="noStrike">
+          <a:bodyPr lIns="0" tIns="0" rIns="0" bIns="0" anchor="ctr"/>
+          <a:lstStyle/>
+          <a:p>
+            <a:r>
+              <a:rPr lang="ru-RU" sz="1800" b="0" strike="noStrike" spc="-1">
                 <a:latin typeface="Arial"/>
               </a:rPr>
               <a:t>Для правки текста заглавия щёлкните мышью</a:t>
             </a:r>
-            <a:endParaRPr b="0" lang="ru-RU" sz="1800" spc="-1" strike="noStrike">
-              <a:latin typeface="Arial"/>
-            </a:endParaRPr>
-          </a:p>
-        </p:txBody>
-      </p:sp>
-      <p:sp>
-        <p:nvSpPr>
-          <p:cNvPr id="1" name="PlaceHolder 2"/>
+          </a:p>
+        </p:txBody>
+      </p:sp>
+      <p:sp>
+        <p:nvSpPr>
+          <p:cNvPr id="3" name="PlaceHolder 2"/>
           <p:cNvSpPr>
             <a:spLocks noGrp="1"/>
           </p:cNvSpPr>
@@ -4096,9 +4898,10 @@
           </a:prstGeom>
         </p:spPr>
         <p:txBody>
-          <a:bodyPr lIns="0" rIns="0" tIns="0" bIns="0">
+          <a:bodyPr lIns="0" tIns="0" rIns="0" bIns="0">
             <a:normAutofit/>
           </a:bodyPr>
+          <a:lstStyle/>
           <a:p>
             <a:pPr marL="432000" indent="-324000">
               <a:spcBef>
@@ -4112,17 +4915,14 @@
               <a:buChar char=""/>
             </a:pPr>
             <a:r>
-              <a:rPr b="0" lang="ru-RU" sz="3200" spc="-1" strike="noStrike">
+              <a:rPr lang="ru-RU" sz="3200" b="0" strike="noStrike" spc="-1">
                 <a:latin typeface="Arial"/>
               </a:rPr>
               <a:t>Для правки структуры щёлкните мышью</a:t>
             </a:r>
-            <a:endParaRPr b="0" lang="ru-RU" sz="3200" spc="-1" strike="noStrike">
-              <a:latin typeface="Arial"/>
-            </a:endParaRPr>
-          </a:p>
-          <a:p>
-            <a:pPr lvl="1" marL="864000" indent="-324000">
+          </a:p>
+          <a:p>
+            <a:pPr marL="864000" lvl="1" indent="-324000">
               <a:spcBef>
                 <a:spcPts val="1134"/>
               </a:spcBef>
@@ -4134,17 +4934,14 @@
               <a:buChar char=""/>
             </a:pPr>
             <a:r>
-              <a:rPr b="0" lang="ru-RU" sz="2800" spc="-1" strike="noStrike">
+              <a:rPr lang="ru-RU" sz="2800" b="0" strike="noStrike" spc="-1">
                 <a:latin typeface="Arial"/>
               </a:rPr>
               <a:t>Второй уровень структуры</a:t>
             </a:r>
-            <a:endParaRPr b="0" lang="ru-RU" sz="2800" spc="-1" strike="noStrike">
-              <a:latin typeface="Arial"/>
-            </a:endParaRPr>
-          </a:p>
-          <a:p>
-            <a:pPr lvl="2" marL="1296000" indent="-288000">
+          </a:p>
+          <a:p>
+            <a:pPr marL="1296000" lvl="2" indent="-288000">
               <a:spcBef>
                 <a:spcPts val="850"/>
               </a:spcBef>
@@ -4156,17 +4953,14 @@
               <a:buChar char=""/>
             </a:pPr>
             <a:r>
-              <a:rPr b="0" lang="ru-RU" sz="2400" spc="-1" strike="noStrike">
+              <a:rPr lang="ru-RU" sz="2400" b="0" strike="noStrike" spc="-1">
                 <a:latin typeface="Arial"/>
               </a:rPr>
               <a:t>Третий уровень структуры</a:t>
             </a:r>
-            <a:endParaRPr b="0" lang="ru-RU" sz="2400" spc="-1" strike="noStrike">
-              <a:latin typeface="Arial"/>
-            </a:endParaRPr>
-          </a:p>
-          <a:p>
-            <a:pPr lvl="3" marL="1728000" indent="-216000">
+          </a:p>
+          <a:p>
+            <a:pPr marL="1728000" lvl="3" indent="-216000">
               <a:spcBef>
                 <a:spcPts val="567"/>
               </a:spcBef>
@@ -4178,17 +4972,14 @@
               <a:buChar char=""/>
             </a:pPr>
             <a:r>
-              <a:rPr b="0" lang="ru-RU" sz="2000" spc="-1" strike="noStrike">
+              <a:rPr lang="ru-RU" sz="2000" b="0" strike="noStrike" spc="-1">
                 <a:latin typeface="Arial"/>
               </a:rPr>
               <a:t>Четвёртый уровень структуры</a:t>
             </a:r>
-            <a:endParaRPr b="0" lang="ru-RU" sz="2000" spc="-1" strike="noStrike">
-              <a:latin typeface="Arial"/>
-            </a:endParaRPr>
-          </a:p>
-          <a:p>
-            <a:pPr lvl="4" marL="2160000" indent="-216000">
+          </a:p>
+          <a:p>
+            <a:pPr marL="2160000" lvl="4" indent="-216000">
               <a:spcBef>
                 <a:spcPts val="283"/>
               </a:spcBef>
@@ -4200,17 +4991,14 @@
               <a:buChar char=""/>
             </a:pPr>
             <a:r>
-              <a:rPr b="0" lang="ru-RU" sz="2000" spc="-1" strike="noStrike">
+              <a:rPr lang="ru-RU" sz="2000" b="0" strike="noStrike" spc="-1">
                 <a:latin typeface="Arial"/>
               </a:rPr>
               <a:t>Пятый уровень структуры</a:t>
             </a:r>
-            <a:endParaRPr b="0" lang="ru-RU" sz="2000" spc="-1" strike="noStrike">
-              <a:latin typeface="Arial"/>
-            </a:endParaRPr>
-          </a:p>
-          <a:p>
-            <a:pPr lvl="5" marL="2592000" indent="-216000">
+          </a:p>
+          <a:p>
+            <a:pPr marL="2592000" lvl="5" indent="-216000">
               <a:spcBef>
                 <a:spcPts val="283"/>
               </a:spcBef>
@@ -4222,17 +5010,14 @@
               <a:buChar char=""/>
             </a:pPr>
             <a:r>
-              <a:rPr b="0" lang="ru-RU" sz="2000" spc="-1" strike="noStrike">
+              <a:rPr lang="ru-RU" sz="2000" b="0" strike="noStrike" spc="-1">
                 <a:latin typeface="Arial"/>
               </a:rPr>
               <a:t>Шестой уровень структуры</a:t>
             </a:r>
-            <a:endParaRPr b="0" lang="ru-RU" sz="2000" spc="-1" strike="noStrike">
-              <a:latin typeface="Arial"/>
-            </a:endParaRPr>
-          </a:p>
-          <a:p>
-            <a:pPr lvl="6" marL="3024000" indent="-216000">
+          </a:p>
+          <a:p>
+            <a:pPr marL="3024000" lvl="6" indent="-216000">
               <a:spcBef>
                 <a:spcPts val="283"/>
               </a:spcBef>
@@ -4244,45 +5029,323 @@
               <a:buChar char=""/>
             </a:pPr>
             <a:r>
-              <a:rPr b="0" lang="ru-RU" sz="2000" spc="-1" strike="noStrike">
+              <a:rPr lang="ru-RU" sz="2000" b="0" strike="noStrike" spc="-1">
                 <a:latin typeface="Arial"/>
               </a:rPr>
               <a:t>Седьмой уровень структуры</a:t>
             </a:r>
-            <a:endParaRPr b="0" lang="ru-RU" sz="2000" spc="-1" strike="noStrike">
-              <a:latin typeface="Arial"/>
-            </a:endParaRPr>
           </a:p>
         </p:txBody>
       </p:sp>
     </p:spTree>
   </p:cSld>
-  <p:clrMap bg1="lt1" bg2="lt2" tx1="dk1" tx2="dk2" accent1="accent1" accent2="accent2" accent3="accent3" accent4="accent4" accent5="accent5" accent6="accent6" hlink="hlink" folHlink="folHlink"/>
+  <p:clrMap bg1="lt1" tx1="dk1" bg2="lt2" tx2="dk2" accent1="accent1" accent2="accent2" accent3="accent3" accent4="accent4" accent5="accent5" accent6="accent6" hlink="hlink" folHlink="folHlink"/>
   <p:sldLayoutIdLst>
-    <p:sldLayoutId id="2147483649" r:id="rId2"/>
-    <p:sldLayoutId id="2147483650" r:id="rId3"/>
-    <p:sldLayoutId id="2147483651" r:id="rId4"/>
-    <p:sldLayoutId id="2147483652" r:id="rId5"/>
-    <p:sldLayoutId id="2147483653" r:id="rId6"/>
-    <p:sldLayoutId id="2147483654" r:id="rId7"/>
-    <p:sldLayoutId id="2147483655" r:id="rId8"/>
-    <p:sldLayoutId id="2147483656" r:id="rId9"/>
-    <p:sldLayoutId id="2147483657" r:id="rId10"/>
-    <p:sldLayoutId id="2147483658" r:id="rId11"/>
-    <p:sldLayoutId id="2147483659" r:id="rId12"/>
-    <p:sldLayoutId id="2147483660" r:id="rId13"/>
+    <p:sldLayoutId id="2147483649" r:id="rId1"/>
+    <p:sldLayoutId id="2147483650" r:id="rId2"/>
+    <p:sldLayoutId id="2147483651" r:id="rId3"/>
+    <p:sldLayoutId id="2147483652" r:id="rId4"/>
+    <p:sldLayoutId id="2147483653" r:id="rId5"/>
+    <p:sldLayoutId id="2147483654" r:id="rId6"/>
+    <p:sldLayoutId id="2147483655" r:id="rId7"/>
+    <p:sldLayoutId id="2147483656" r:id="rId8"/>
+    <p:sldLayoutId id="2147483657" r:id="rId9"/>
+    <p:sldLayoutId id="2147483658" r:id="rId10"/>
+    <p:sldLayoutId id="2147483659" r:id="rId11"/>
+    <p:sldLayoutId id="2147483660" r:id="rId12"/>
   </p:sldLayoutIdLst>
+  <p:txStyles>
+    <p:titleStyle>
+      <a:lvl1pPr algn="l" defTabSz="914400" rtl="0" eaLnBrk="1" latinLnBrk="0" hangingPunct="1">
+        <a:lnSpc>
+          <a:spcPct val="90000"/>
+        </a:lnSpc>
+        <a:spcBef>
+          <a:spcPct val="0"/>
+        </a:spcBef>
+        <a:buNone/>
+        <a:defRPr sz="4400" kern="1200">
+          <a:solidFill>
+            <a:schemeClr val="tx1"/>
+          </a:solidFill>
+          <a:latin typeface="+mj-lt"/>
+          <a:ea typeface="+mj-ea"/>
+          <a:cs typeface="+mj-cs"/>
+        </a:defRPr>
+      </a:lvl1pPr>
+    </p:titleStyle>
+    <p:bodyStyle>
+      <a:lvl1pPr marL="228600" indent="-228600" algn="l" defTabSz="914400" rtl="0" eaLnBrk="1" latinLnBrk="0" hangingPunct="1">
+        <a:lnSpc>
+          <a:spcPct val="90000"/>
+        </a:lnSpc>
+        <a:spcBef>
+          <a:spcPts val="1000"/>
+        </a:spcBef>
+        <a:buFont typeface="Arial" panose="020B0604020202020204" pitchFamily="34" charset="0"/>
+        <a:buChar char="•"/>
+        <a:defRPr sz="2800" kern="1200">
+          <a:solidFill>
+            <a:schemeClr val="tx1"/>
+          </a:solidFill>
+          <a:latin typeface="+mn-lt"/>
+          <a:ea typeface="+mn-ea"/>
+          <a:cs typeface="+mn-cs"/>
+        </a:defRPr>
+      </a:lvl1pPr>
+      <a:lvl2pPr marL="685800" indent="-228600" algn="l" defTabSz="914400" rtl="0" eaLnBrk="1" latinLnBrk="0" hangingPunct="1">
+        <a:lnSpc>
+          <a:spcPct val="90000"/>
+        </a:lnSpc>
+        <a:spcBef>
+          <a:spcPts val="500"/>
+        </a:spcBef>
+        <a:buFont typeface="Arial" panose="020B0604020202020204" pitchFamily="34" charset="0"/>
+        <a:buChar char="•"/>
+        <a:defRPr sz="2400" kern="1200">
+          <a:solidFill>
+            <a:schemeClr val="tx1"/>
+          </a:solidFill>
+          <a:latin typeface="+mn-lt"/>
+          <a:ea typeface="+mn-ea"/>
+          <a:cs typeface="+mn-cs"/>
+        </a:defRPr>
+      </a:lvl2pPr>
+      <a:lvl3pPr marL="1143000" indent="-228600" algn="l" defTabSz="914400" rtl="0" eaLnBrk="1" latinLnBrk="0" hangingPunct="1">
+        <a:lnSpc>
+          <a:spcPct val="90000"/>
+        </a:lnSpc>
+        <a:spcBef>
+          <a:spcPts val="500"/>
+        </a:spcBef>
+        <a:buFont typeface="Arial" panose="020B0604020202020204" pitchFamily="34" charset="0"/>
+        <a:buChar char="•"/>
+        <a:defRPr sz="2000" kern="1200">
+          <a:solidFill>
+            <a:schemeClr val="tx1"/>
+          </a:solidFill>
+          <a:latin typeface="+mn-lt"/>
+          <a:ea typeface="+mn-ea"/>
+          <a:cs typeface="+mn-cs"/>
+        </a:defRPr>
+      </a:lvl3pPr>
+      <a:lvl4pPr marL="1600200" indent="-228600" algn="l" defTabSz="914400" rtl="0" eaLnBrk="1" latinLnBrk="0" hangingPunct="1">
+        <a:lnSpc>
+          <a:spcPct val="90000"/>
+        </a:lnSpc>
+        <a:spcBef>
+          <a:spcPts val="500"/>
+        </a:spcBef>
+        <a:buFont typeface="Arial" panose="020B0604020202020204" pitchFamily="34" charset="0"/>
+        <a:buChar char="•"/>
+        <a:defRPr sz="1800" kern="1200">
+          <a:solidFill>
+            <a:schemeClr val="tx1"/>
+          </a:solidFill>
+          <a:latin typeface="+mn-lt"/>
+          <a:ea typeface="+mn-ea"/>
+          <a:cs typeface="+mn-cs"/>
+        </a:defRPr>
+      </a:lvl4pPr>
+      <a:lvl5pPr marL="2057400" indent="-228600" algn="l" defTabSz="914400" rtl="0" eaLnBrk="1" latinLnBrk="0" hangingPunct="1">
+        <a:lnSpc>
+          <a:spcPct val="90000"/>
+        </a:lnSpc>
+        <a:spcBef>
+          <a:spcPts val="500"/>
+        </a:spcBef>
+        <a:buFont typeface="Arial" panose="020B0604020202020204" pitchFamily="34" charset="0"/>
+        <a:buChar char="•"/>
+        <a:defRPr sz="1800" kern="1200">
+          <a:solidFill>
+            <a:schemeClr val="tx1"/>
+          </a:solidFill>
+          <a:latin typeface="+mn-lt"/>
+          <a:ea typeface="+mn-ea"/>
+          <a:cs typeface="+mn-cs"/>
+        </a:defRPr>
+      </a:lvl5pPr>
+      <a:lvl6pPr marL="2514600" indent="-228600" algn="l" defTabSz="914400" rtl="0" eaLnBrk="1" latinLnBrk="0" hangingPunct="1">
+        <a:lnSpc>
+          <a:spcPct val="90000"/>
+        </a:lnSpc>
+        <a:spcBef>
+          <a:spcPts val="500"/>
+        </a:spcBef>
+        <a:buFont typeface="Arial" panose="020B0604020202020204" pitchFamily="34" charset="0"/>
+        <a:buChar char="•"/>
+        <a:defRPr sz="1800" kern="1200">
+          <a:solidFill>
+            <a:schemeClr val="tx1"/>
+          </a:solidFill>
+          <a:latin typeface="+mn-lt"/>
+          <a:ea typeface="+mn-ea"/>
+          <a:cs typeface="+mn-cs"/>
+        </a:defRPr>
+      </a:lvl6pPr>
+      <a:lvl7pPr marL="2971800" indent="-228600" algn="l" defTabSz="914400" rtl="0" eaLnBrk="1" latinLnBrk="0" hangingPunct="1">
+        <a:lnSpc>
+          <a:spcPct val="90000"/>
+        </a:lnSpc>
+        <a:spcBef>
+          <a:spcPts val="500"/>
+        </a:spcBef>
+        <a:buFont typeface="Arial" panose="020B0604020202020204" pitchFamily="34" charset="0"/>
+        <a:buChar char="•"/>
+        <a:defRPr sz="1800" kern="1200">
+          <a:solidFill>
+            <a:schemeClr val="tx1"/>
+          </a:solidFill>
+          <a:latin typeface="+mn-lt"/>
+          <a:ea typeface="+mn-ea"/>
+          <a:cs typeface="+mn-cs"/>
+        </a:defRPr>
+      </a:lvl7pPr>
+      <a:lvl8pPr marL="3429000" indent="-228600" algn="l" defTabSz="914400" rtl="0" eaLnBrk="1" latinLnBrk="0" hangingPunct="1">
+        <a:lnSpc>
+          <a:spcPct val="90000"/>
+        </a:lnSpc>
+        <a:spcBef>
+          <a:spcPts val="500"/>
+        </a:spcBef>
+        <a:buFont typeface="Arial" panose="020B0604020202020204" pitchFamily="34" charset="0"/>
+        <a:buChar char="•"/>
+        <a:defRPr sz="1800" kern="1200">
+          <a:solidFill>
+            <a:schemeClr val="tx1"/>
+          </a:solidFill>
+          <a:latin typeface="+mn-lt"/>
+          <a:ea typeface="+mn-ea"/>
+          <a:cs typeface="+mn-cs"/>
+        </a:defRPr>
+      </a:lvl8pPr>
+      <a:lvl9pPr marL="3886200" indent="-228600" algn="l" defTabSz="914400" rtl="0" eaLnBrk="1" latinLnBrk="0" hangingPunct="1">
+        <a:lnSpc>
+          <a:spcPct val="90000"/>
+        </a:lnSpc>
+        <a:spcBef>
+          <a:spcPts val="500"/>
+        </a:spcBef>
+        <a:buFont typeface="Arial" panose="020B0604020202020204" pitchFamily="34" charset="0"/>
+        <a:buChar char="•"/>
+        <a:defRPr sz="1800" kern="1200">
+          <a:solidFill>
+            <a:schemeClr val="tx1"/>
+          </a:solidFill>
+          <a:latin typeface="+mn-lt"/>
+          <a:ea typeface="+mn-ea"/>
+          <a:cs typeface="+mn-cs"/>
+        </a:defRPr>
+      </a:lvl9pPr>
+    </p:bodyStyle>
+    <p:otherStyle>
+      <a:defPPr>
+        <a:defRPr lang="ru-RU"/>
+      </a:defPPr>
+      <a:lvl1pPr marL="0" algn="l" defTabSz="914400" rtl="0" eaLnBrk="1" latinLnBrk="0" hangingPunct="1">
+        <a:defRPr sz="1800" kern="1200">
+          <a:solidFill>
+            <a:schemeClr val="tx1"/>
+          </a:solidFill>
+          <a:latin typeface="+mn-lt"/>
+          <a:ea typeface="+mn-ea"/>
+          <a:cs typeface="+mn-cs"/>
+        </a:defRPr>
+      </a:lvl1pPr>
+      <a:lvl2pPr marL="457200" algn="l" defTabSz="914400" rtl="0" eaLnBrk="1" latinLnBrk="0" hangingPunct="1">
+        <a:defRPr sz="1800" kern="1200">
+          <a:solidFill>
+            <a:schemeClr val="tx1"/>
+          </a:solidFill>
+          <a:latin typeface="+mn-lt"/>
+          <a:ea typeface="+mn-ea"/>
+          <a:cs typeface="+mn-cs"/>
+        </a:defRPr>
+      </a:lvl2pPr>
+      <a:lvl3pPr marL="914400" algn="l" defTabSz="914400" rtl="0" eaLnBrk="1" latinLnBrk="0" hangingPunct="1">
+        <a:defRPr sz="1800" kern="1200">
+          <a:solidFill>
+            <a:schemeClr val="tx1"/>
+          </a:solidFill>
+          <a:latin typeface="+mn-lt"/>
+          <a:ea typeface="+mn-ea"/>
+          <a:cs typeface="+mn-cs"/>
+        </a:defRPr>
+      </a:lvl3pPr>
+      <a:lvl4pPr marL="1371600" algn="l" defTabSz="914400" rtl="0" eaLnBrk="1" latinLnBrk="0" hangingPunct="1">
+        <a:defRPr sz="1800" kern="1200">
+          <a:solidFill>
+            <a:schemeClr val="tx1"/>
+          </a:solidFill>
+          <a:latin typeface="+mn-lt"/>
+          <a:ea typeface="+mn-ea"/>
+          <a:cs typeface="+mn-cs"/>
+        </a:defRPr>
+      </a:lvl4pPr>
+      <a:lvl5pPr marL="1828800" algn="l" defTabSz="914400" rtl="0" eaLnBrk="1" latinLnBrk="0" hangingPunct="1">
+        <a:defRPr sz="1800" kern="1200">
+          <a:solidFill>
+            <a:schemeClr val="tx1"/>
+          </a:solidFill>
+          <a:latin typeface="+mn-lt"/>
+          <a:ea typeface="+mn-ea"/>
+          <a:cs typeface="+mn-cs"/>
+        </a:defRPr>
+      </a:lvl5pPr>
+      <a:lvl6pPr marL="2286000" algn="l" defTabSz="914400" rtl="0" eaLnBrk="1" latinLnBrk="0" hangingPunct="1">
+        <a:defRPr sz="1800" kern="1200">
+          <a:solidFill>
+            <a:schemeClr val="tx1"/>
+          </a:solidFill>
+          <a:latin typeface="+mn-lt"/>
+          <a:ea typeface="+mn-ea"/>
+          <a:cs typeface="+mn-cs"/>
+        </a:defRPr>
+      </a:lvl6pPr>
+      <a:lvl7pPr marL="2743200" algn="l" defTabSz="914400" rtl="0" eaLnBrk="1" latinLnBrk="0" hangingPunct="1">
+        <a:defRPr sz="1800" kern="1200">
+          <a:solidFill>
+            <a:schemeClr val="tx1"/>
+          </a:solidFill>
+          <a:latin typeface="+mn-lt"/>
+          <a:ea typeface="+mn-ea"/>
+          <a:cs typeface="+mn-cs"/>
+        </a:defRPr>
+      </a:lvl7pPr>
+      <a:lvl8pPr marL="3200400" algn="l" defTabSz="914400" rtl="0" eaLnBrk="1" latinLnBrk="0" hangingPunct="1">
+        <a:defRPr sz="1800" kern="1200">
+          <a:solidFill>
+            <a:schemeClr val="tx1"/>
+          </a:solidFill>
+          <a:latin typeface="+mn-lt"/>
+          <a:ea typeface="+mn-ea"/>
+          <a:cs typeface="+mn-cs"/>
+        </a:defRPr>
+      </a:lvl8pPr>
+      <a:lvl9pPr marL="3657600" algn="l" defTabSz="914400" rtl="0" eaLnBrk="1" latinLnBrk="0" hangingPunct="1">
+        <a:defRPr sz="1800" kern="1200">
+          <a:solidFill>
+            <a:schemeClr val="tx1"/>
+          </a:solidFill>
+          <a:latin typeface="+mn-lt"/>
+          <a:ea typeface="+mn-ea"/>
+          <a:cs typeface="+mn-cs"/>
+        </a:defRPr>
+      </a:lvl9pPr>
+    </p:otherStyle>
+  </p:txStyles>
 </p:sldMaster>
 </file>
 
 <file path=ppt/slideMasters/slideMaster2.xml><?xml version="1.0" encoding="utf-8"?>
-<p:sldMaster xmlns:a="http://schemas.openxmlformats.org/drawingml/2006/main" xmlns:p="http://schemas.openxmlformats.org/presentationml/2006/main" xmlns:r="http://schemas.openxmlformats.org/officeDocument/2006/relationships" xmlns:p14="http://schemas.microsoft.com/office/powerpoint/2010/main" xmlns:p15="http://schemas.microsoft.com/office/powerpoint/2012/main" xmlns:mc="http://schemas.openxmlformats.org/markup-compatibility/2006">
+<p:sldMaster xmlns:a="http://schemas.openxmlformats.org/drawingml/2006/main" xmlns:r="http://schemas.openxmlformats.org/officeDocument/2006/relationships" xmlns:p="http://schemas.openxmlformats.org/presentationml/2006/main">
   <p:cSld>
     <p:bg>
       <p:bgPr>
         <a:solidFill>
           <a:srgbClr val="000000"/>
         </a:solidFill>
+        <a:effectLst/>
       </p:bgPr>
     </p:bg>
     <p:spTree>
@@ -4319,18 +5382,16 @@
           </a:prstGeom>
         </p:spPr>
         <p:txBody>
-          <a:bodyPr lIns="0" rIns="0" tIns="0" bIns="0" anchor="ctr"/>
+          <a:bodyPr lIns="0" tIns="0" rIns="0" bIns="0" anchor="ctr"/>
+          <a:lstStyle/>
           <a:p>
             <a:pPr algn="ctr"/>
             <a:r>
-              <a:rPr b="0" lang="ru-RU" sz="4400" spc="-1" strike="noStrike">
+              <a:rPr lang="ru-RU" sz="4400" b="0" strike="noStrike" spc="-1">
                 <a:latin typeface="Arial"/>
               </a:rPr>
               <a:t>Для правки текста заглавия щёлкните мышью</a:t>
             </a:r>
-            <a:endParaRPr b="0" lang="ru-RU" sz="4400" spc="-1" strike="noStrike">
-              <a:latin typeface="Arial"/>
-            </a:endParaRPr>
           </a:p>
         </p:txBody>
       </p:sp>
@@ -4354,193 +5415,455 @@
           </a:prstGeom>
         </p:spPr>
         <p:txBody>
-          <a:bodyPr lIns="0" rIns="0" tIns="0" bIns="0">
+          <a:bodyPr lIns="0" tIns="0" rIns="0" bIns="0">
             <a:normAutofit/>
           </a:bodyPr>
+          <a:lstStyle/>
           <a:p>
             <a:pPr marL="432000" indent="-324000">
               <a:spcBef>
                 <a:spcPts val="1417"/>
               </a:spcBef>
               <a:buClr>
-                <a:srgbClr val="ffffff"/>
+                <a:srgbClr val="FFFFFF"/>
               </a:buClr>
               <a:buSzPct val="45000"/>
               <a:buFont typeface="Wingdings" charset="2"/>
               <a:buChar char=""/>
             </a:pPr>
             <a:r>
-              <a:rPr b="0" lang="ru-RU" sz="3200" spc="-1" strike="noStrike">
+              <a:rPr lang="ru-RU" sz="3200" b="0" strike="noStrike" spc="-1">
                 <a:latin typeface="Arial"/>
               </a:rPr>
               <a:t>Для правки структуры щёлкните мышью</a:t>
             </a:r>
-            <a:endParaRPr b="0" lang="ru-RU" sz="3200" spc="-1" strike="noStrike">
-              <a:latin typeface="Arial"/>
-            </a:endParaRPr>
-          </a:p>
-          <a:p>
-            <a:pPr lvl="1" marL="864000" indent="-324000">
+          </a:p>
+          <a:p>
+            <a:pPr marL="864000" lvl="1" indent="-324000">
               <a:spcBef>
                 <a:spcPts val="1134"/>
               </a:spcBef>
               <a:buClr>
-                <a:srgbClr val="ffffff"/>
+                <a:srgbClr val="FFFFFF"/>
               </a:buClr>
               <a:buSzPct val="75000"/>
               <a:buFont typeface="Symbol" charset="2"/>
               <a:buChar char=""/>
             </a:pPr>
             <a:r>
-              <a:rPr b="0" lang="ru-RU" sz="2800" spc="-1" strike="noStrike">
+              <a:rPr lang="ru-RU" sz="2800" b="0" strike="noStrike" spc="-1">
                 <a:latin typeface="Arial"/>
               </a:rPr>
               <a:t>Второй уровень структуры</a:t>
             </a:r>
-            <a:endParaRPr b="0" lang="ru-RU" sz="2800" spc="-1" strike="noStrike">
-              <a:latin typeface="Arial"/>
-            </a:endParaRPr>
-          </a:p>
-          <a:p>
-            <a:pPr lvl="2" marL="1296000" indent="-288000">
+          </a:p>
+          <a:p>
+            <a:pPr marL="1296000" lvl="2" indent="-288000">
               <a:spcBef>
                 <a:spcPts val="850"/>
               </a:spcBef>
               <a:buClr>
-                <a:srgbClr val="ffffff"/>
+                <a:srgbClr val="FFFFFF"/>
               </a:buClr>
               <a:buSzPct val="45000"/>
               <a:buFont typeface="Wingdings" charset="2"/>
               <a:buChar char=""/>
             </a:pPr>
             <a:r>
-              <a:rPr b="0" lang="ru-RU" sz="2400" spc="-1" strike="noStrike">
+              <a:rPr lang="ru-RU" sz="2400" b="0" strike="noStrike" spc="-1">
                 <a:latin typeface="Arial"/>
               </a:rPr>
               <a:t>Третий уровень структуры</a:t>
             </a:r>
-            <a:endParaRPr b="0" lang="ru-RU" sz="2400" spc="-1" strike="noStrike">
-              <a:latin typeface="Arial"/>
-            </a:endParaRPr>
-          </a:p>
-          <a:p>
-            <a:pPr lvl="3" marL="1728000" indent="-216000">
+          </a:p>
+          <a:p>
+            <a:pPr marL="1728000" lvl="3" indent="-216000">
               <a:spcBef>
                 <a:spcPts val="567"/>
               </a:spcBef>
               <a:buClr>
-                <a:srgbClr val="ffffff"/>
+                <a:srgbClr val="FFFFFF"/>
               </a:buClr>
               <a:buSzPct val="75000"/>
               <a:buFont typeface="Symbol" charset="2"/>
               <a:buChar char=""/>
             </a:pPr>
             <a:r>
-              <a:rPr b="0" lang="ru-RU" sz="2000" spc="-1" strike="noStrike">
+              <a:rPr lang="ru-RU" sz="2000" b="0" strike="noStrike" spc="-1">
                 <a:latin typeface="Arial"/>
               </a:rPr>
               <a:t>Четвёртый уровень структуры</a:t>
             </a:r>
-            <a:endParaRPr b="0" lang="ru-RU" sz="2000" spc="-1" strike="noStrike">
-              <a:latin typeface="Arial"/>
-            </a:endParaRPr>
-          </a:p>
-          <a:p>
-            <a:pPr lvl="4" marL="2160000" indent="-216000">
+          </a:p>
+          <a:p>
+            <a:pPr marL="2160000" lvl="4" indent="-216000">
               <a:spcBef>
                 <a:spcPts val="283"/>
               </a:spcBef>
               <a:buClr>
-                <a:srgbClr val="ffffff"/>
+                <a:srgbClr val="FFFFFF"/>
               </a:buClr>
               <a:buSzPct val="45000"/>
               <a:buFont typeface="Wingdings" charset="2"/>
               <a:buChar char=""/>
             </a:pPr>
             <a:r>
-              <a:rPr b="0" lang="ru-RU" sz="2000" spc="-1" strike="noStrike">
+              <a:rPr lang="ru-RU" sz="2000" b="0" strike="noStrike" spc="-1">
                 <a:latin typeface="Arial"/>
               </a:rPr>
               <a:t>Пятый уровень структуры</a:t>
             </a:r>
-            <a:endParaRPr b="0" lang="ru-RU" sz="2000" spc="-1" strike="noStrike">
-              <a:latin typeface="Arial"/>
-            </a:endParaRPr>
-          </a:p>
-          <a:p>
-            <a:pPr lvl="5" marL="2592000" indent="-216000">
+          </a:p>
+          <a:p>
+            <a:pPr marL="2592000" lvl="5" indent="-216000">
               <a:spcBef>
                 <a:spcPts val="283"/>
               </a:spcBef>
               <a:buClr>
-                <a:srgbClr val="ffffff"/>
+                <a:srgbClr val="FFFFFF"/>
               </a:buClr>
               <a:buSzPct val="45000"/>
               <a:buFont typeface="Wingdings" charset="2"/>
               <a:buChar char=""/>
             </a:pPr>
             <a:r>
-              <a:rPr b="0" lang="ru-RU" sz="2000" spc="-1" strike="noStrike">
+              <a:rPr lang="ru-RU" sz="2000" b="0" strike="noStrike" spc="-1">
                 <a:latin typeface="Arial"/>
               </a:rPr>
               <a:t>Шестой уровень структуры</a:t>
             </a:r>
-            <a:endParaRPr b="0" lang="ru-RU" sz="2000" spc="-1" strike="noStrike">
-              <a:latin typeface="Arial"/>
-            </a:endParaRPr>
-          </a:p>
-          <a:p>
-            <a:pPr lvl="6" marL="3024000" indent="-216000">
+          </a:p>
+          <a:p>
+            <a:pPr marL="3024000" lvl="6" indent="-216000">
               <a:spcBef>
                 <a:spcPts val="283"/>
               </a:spcBef>
               <a:buClr>
-                <a:srgbClr val="ffffff"/>
+                <a:srgbClr val="FFFFFF"/>
               </a:buClr>
               <a:buSzPct val="45000"/>
               <a:buFont typeface="Wingdings" charset="2"/>
               <a:buChar char=""/>
             </a:pPr>
             <a:r>
-              <a:rPr b="0" lang="ru-RU" sz="2000" spc="-1" strike="noStrike">
+              <a:rPr lang="ru-RU" sz="2000" b="0" strike="noStrike" spc="-1">
                 <a:latin typeface="Arial"/>
               </a:rPr>
               <a:t>Седьмой уровень структуры</a:t>
             </a:r>
-            <a:endParaRPr b="0" lang="ru-RU" sz="2000" spc="-1" strike="noStrike">
-              <a:latin typeface="Arial"/>
-            </a:endParaRPr>
           </a:p>
         </p:txBody>
       </p:sp>
     </p:spTree>
   </p:cSld>
-  <p:clrMap bg1="lt1" bg2="lt2" tx1="dk1" tx2="dk2" accent1="accent1" accent2="accent2" accent3="accent3" accent4="accent4" accent5="accent5" accent6="accent6" hlink="hlink" folHlink="folHlink"/>
+  <p:clrMap bg1="lt1" tx1="dk1" bg2="lt2" tx2="dk2" accent1="accent1" accent2="accent2" accent3="accent3" accent4="accent4" accent5="accent5" accent6="accent6" hlink="hlink" folHlink="folHlink"/>
   <p:sldLayoutIdLst>
-    <p:sldLayoutId id="2147483662" r:id="rId2"/>
-    <p:sldLayoutId id="2147483663" r:id="rId3"/>
-    <p:sldLayoutId id="2147483664" r:id="rId4"/>
-    <p:sldLayoutId id="2147483665" r:id="rId5"/>
-    <p:sldLayoutId id="2147483666" r:id="rId6"/>
-    <p:sldLayoutId id="2147483667" r:id="rId7"/>
-    <p:sldLayoutId id="2147483668" r:id="rId8"/>
-    <p:sldLayoutId id="2147483669" r:id="rId9"/>
-    <p:sldLayoutId id="2147483670" r:id="rId10"/>
-    <p:sldLayoutId id="2147483671" r:id="rId11"/>
-    <p:sldLayoutId id="2147483672" r:id="rId12"/>
-    <p:sldLayoutId id="2147483673" r:id="rId13"/>
+    <p:sldLayoutId id="2147483662" r:id="rId1"/>
+    <p:sldLayoutId id="2147483663" r:id="rId2"/>
+    <p:sldLayoutId id="2147483664" r:id="rId3"/>
+    <p:sldLayoutId id="2147483665" r:id="rId4"/>
+    <p:sldLayoutId id="2147483666" r:id="rId5"/>
+    <p:sldLayoutId id="2147483667" r:id="rId6"/>
+    <p:sldLayoutId id="2147483668" r:id="rId7"/>
+    <p:sldLayoutId id="2147483669" r:id="rId8"/>
+    <p:sldLayoutId id="2147483670" r:id="rId9"/>
+    <p:sldLayoutId id="2147483671" r:id="rId10"/>
+    <p:sldLayoutId id="2147483672" r:id="rId11"/>
+    <p:sldLayoutId id="2147483673" r:id="rId12"/>
+    <p:sldLayoutId id="2147483687" r:id="rId13"/>
   </p:sldLayoutIdLst>
+  <p:txStyles>
+    <p:titleStyle>
+      <a:lvl1pPr algn="l" defTabSz="914400" rtl="0" eaLnBrk="1" latinLnBrk="0" hangingPunct="1">
+        <a:lnSpc>
+          <a:spcPct val="90000"/>
+        </a:lnSpc>
+        <a:spcBef>
+          <a:spcPct val="0"/>
+        </a:spcBef>
+        <a:buNone/>
+        <a:defRPr sz="4400" kern="1200">
+          <a:solidFill>
+            <a:schemeClr val="tx1"/>
+          </a:solidFill>
+          <a:latin typeface="+mj-lt"/>
+          <a:ea typeface="+mj-ea"/>
+          <a:cs typeface="+mj-cs"/>
+        </a:defRPr>
+      </a:lvl1pPr>
+    </p:titleStyle>
+    <p:bodyStyle>
+      <a:lvl1pPr marL="228600" indent="-228600" algn="l" defTabSz="914400" rtl="0" eaLnBrk="1" latinLnBrk="0" hangingPunct="1">
+        <a:lnSpc>
+          <a:spcPct val="90000"/>
+        </a:lnSpc>
+        <a:spcBef>
+          <a:spcPts val="1000"/>
+        </a:spcBef>
+        <a:buFont typeface="Arial" panose="020B0604020202020204" pitchFamily="34" charset="0"/>
+        <a:buChar char="•"/>
+        <a:defRPr sz="2800" kern="1200">
+          <a:solidFill>
+            <a:schemeClr val="tx1"/>
+          </a:solidFill>
+          <a:latin typeface="+mn-lt"/>
+          <a:ea typeface="+mn-ea"/>
+          <a:cs typeface="+mn-cs"/>
+        </a:defRPr>
+      </a:lvl1pPr>
+      <a:lvl2pPr marL="685800" indent="-228600" algn="l" defTabSz="914400" rtl="0" eaLnBrk="1" latinLnBrk="0" hangingPunct="1">
+        <a:lnSpc>
+          <a:spcPct val="90000"/>
+        </a:lnSpc>
+        <a:spcBef>
+          <a:spcPts val="500"/>
+        </a:spcBef>
+        <a:buFont typeface="Arial" panose="020B0604020202020204" pitchFamily="34" charset="0"/>
+        <a:buChar char="•"/>
+        <a:defRPr sz="2400" kern="1200">
+          <a:solidFill>
+            <a:schemeClr val="tx1"/>
+          </a:solidFill>
+          <a:latin typeface="+mn-lt"/>
+          <a:ea typeface="+mn-ea"/>
+          <a:cs typeface="+mn-cs"/>
+        </a:defRPr>
+      </a:lvl2pPr>
+      <a:lvl3pPr marL="1143000" indent="-228600" algn="l" defTabSz="914400" rtl="0" eaLnBrk="1" latinLnBrk="0" hangingPunct="1">
+        <a:lnSpc>
+          <a:spcPct val="90000"/>
+        </a:lnSpc>
+        <a:spcBef>
+          <a:spcPts val="500"/>
+        </a:spcBef>
+        <a:buFont typeface="Arial" panose="020B0604020202020204" pitchFamily="34" charset="0"/>
+        <a:buChar char="•"/>
+        <a:defRPr sz="2000" kern="1200">
+          <a:solidFill>
+            <a:schemeClr val="tx1"/>
+          </a:solidFill>
+          <a:latin typeface="+mn-lt"/>
+          <a:ea typeface="+mn-ea"/>
+          <a:cs typeface="+mn-cs"/>
+        </a:defRPr>
+      </a:lvl3pPr>
+      <a:lvl4pPr marL="1600200" indent="-228600" algn="l" defTabSz="914400" rtl="0" eaLnBrk="1" latinLnBrk="0" hangingPunct="1">
+        <a:lnSpc>
+          <a:spcPct val="90000"/>
+        </a:lnSpc>
+        <a:spcBef>
+          <a:spcPts val="500"/>
+        </a:spcBef>
+        <a:buFont typeface="Arial" panose="020B0604020202020204" pitchFamily="34" charset="0"/>
+        <a:buChar char="•"/>
+        <a:defRPr sz="1800" kern="1200">
+          <a:solidFill>
+            <a:schemeClr val="tx1"/>
+          </a:solidFill>
+          <a:latin typeface="+mn-lt"/>
+          <a:ea typeface="+mn-ea"/>
+          <a:cs typeface="+mn-cs"/>
+        </a:defRPr>
+      </a:lvl4pPr>
+      <a:lvl5pPr marL="2057400" indent="-228600" algn="l" defTabSz="914400" rtl="0" eaLnBrk="1" latinLnBrk="0" hangingPunct="1">
+        <a:lnSpc>
+          <a:spcPct val="90000"/>
+        </a:lnSpc>
+        <a:spcBef>
+          <a:spcPts val="500"/>
+        </a:spcBef>
+        <a:buFont typeface="Arial" panose="020B0604020202020204" pitchFamily="34" charset="0"/>
+        <a:buChar char="•"/>
+        <a:defRPr sz="1800" kern="1200">
+          <a:solidFill>
+            <a:schemeClr val="tx1"/>
+          </a:solidFill>
+          <a:latin typeface="+mn-lt"/>
+          <a:ea typeface="+mn-ea"/>
+          <a:cs typeface="+mn-cs"/>
+        </a:defRPr>
+      </a:lvl5pPr>
+      <a:lvl6pPr marL="2514600" indent="-228600" algn="l" defTabSz="914400" rtl="0" eaLnBrk="1" latinLnBrk="0" hangingPunct="1">
+        <a:lnSpc>
+          <a:spcPct val="90000"/>
+        </a:lnSpc>
+        <a:spcBef>
+          <a:spcPts val="500"/>
+        </a:spcBef>
+        <a:buFont typeface="Arial" panose="020B0604020202020204" pitchFamily="34" charset="0"/>
+        <a:buChar char="•"/>
+        <a:defRPr sz="1800" kern="1200">
+          <a:solidFill>
+            <a:schemeClr val="tx1"/>
+          </a:solidFill>
+          <a:latin typeface="+mn-lt"/>
+          <a:ea typeface="+mn-ea"/>
+          <a:cs typeface="+mn-cs"/>
+        </a:defRPr>
+      </a:lvl6pPr>
+      <a:lvl7pPr marL="2971800" indent="-228600" algn="l" defTabSz="914400" rtl="0" eaLnBrk="1" latinLnBrk="0" hangingPunct="1">
+        <a:lnSpc>
+          <a:spcPct val="90000"/>
+        </a:lnSpc>
+        <a:spcBef>
+          <a:spcPts val="500"/>
+        </a:spcBef>
+        <a:buFont typeface="Arial" panose="020B0604020202020204" pitchFamily="34" charset="0"/>
+        <a:buChar char="•"/>
+        <a:defRPr sz="1800" kern="1200">
+          <a:solidFill>
+            <a:schemeClr val="tx1"/>
+          </a:solidFill>
+          <a:latin typeface="+mn-lt"/>
+          <a:ea typeface="+mn-ea"/>
+          <a:cs typeface="+mn-cs"/>
+        </a:defRPr>
+      </a:lvl7pPr>
+      <a:lvl8pPr marL="3429000" indent="-228600" algn="l" defTabSz="914400" rtl="0" eaLnBrk="1" latinLnBrk="0" hangingPunct="1">
+        <a:lnSpc>
+          <a:spcPct val="90000"/>
+        </a:lnSpc>
+        <a:spcBef>
+          <a:spcPts val="500"/>
+        </a:spcBef>
+        <a:buFont typeface="Arial" panose="020B0604020202020204" pitchFamily="34" charset="0"/>
+        <a:buChar char="•"/>
+        <a:defRPr sz="1800" kern="1200">
+          <a:solidFill>
+            <a:schemeClr val="tx1"/>
+          </a:solidFill>
+          <a:latin typeface="+mn-lt"/>
+          <a:ea typeface="+mn-ea"/>
+          <a:cs typeface="+mn-cs"/>
+        </a:defRPr>
+      </a:lvl8pPr>
+      <a:lvl9pPr marL="3886200" indent="-228600" algn="l" defTabSz="914400" rtl="0" eaLnBrk="1" latinLnBrk="0" hangingPunct="1">
+        <a:lnSpc>
+          <a:spcPct val="90000"/>
+        </a:lnSpc>
+        <a:spcBef>
+          <a:spcPts val="500"/>
+        </a:spcBef>
+        <a:buFont typeface="Arial" panose="020B0604020202020204" pitchFamily="34" charset="0"/>
+        <a:buChar char="•"/>
+        <a:defRPr sz="1800" kern="1200">
+          <a:solidFill>
+            <a:schemeClr val="tx1"/>
+          </a:solidFill>
+          <a:latin typeface="+mn-lt"/>
+          <a:ea typeface="+mn-ea"/>
+          <a:cs typeface="+mn-cs"/>
+        </a:defRPr>
+      </a:lvl9pPr>
+    </p:bodyStyle>
+    <p:otherStyle>
+      <a:defPPr>
+        <a:defRPr lang="ru-RU"/>
+      </a:defPPr>
+      <a:lvl1pPr marL="0" algn="l" defTabSz="914400" rtl="0" eaLnBrk="1" latinLnBrk="0" hangingPunct="1">
+        <a:defRPr sz="1800" kern="1200">
+          <a:solidFill>
+            <a:schemeClr val="tx1"/>
+          </a:solidFill>
+          <a:latin typeface="+mn-lt"/>
+          <a:ea typeface="+mn-ea"/>
+          <a:cs typeface="+mn-cs"/>
+        </a:defRPr>
+      </a:lvl1pPr>
+      <a:lvl2pPr marL="457200" algn="l" defTabSz="914400" rtl="0" eaLnBrk="1" latinLnBrk="0" hangingPunct="1">
+        <a:defRPr sz="1800" kern="1200">
+          <a:solidFill>
+            <a:schemeClr val="tx1"/>
+          </a:solidFill>
+          <a:latin typeface="+mn-lt"/>
+          <a:ea typeface="+mn-ea"/>
+          <a:cs typeface="+mn-cs"/>
+        </a:defRPr>
+      </a:lvl2pPr>
+      <a:lvl3pPr marL="914400" algn="l" defTabSz="914400" rtl="0" eaLnBrk="1" latinLnBrk="0" hangingPunct="1">
+        <a:defRPr sz="1800" kern="1200">
+          <a:solidFill>
+            <a:schemeClr val="tx1"/>
+          </a:solidFill>
+          <a:latin typeface="+mn-lt"/>
+          <a:ea typeface="+mn-ea"/>
+          <a:cs typeface="+mn-cs"/>
+        </a:defRPr>
+      </a:lvl3pPr>
+      <a:lvl4pPr marL="1371600" algn="l" defTabSz="914400" rtl="0" eaLnBrk="1" latinLnBrk="0" hangingPunct="1">
+        <a:defRPr sz="1800" kern="1200">
+          <a:solidFill>
+            <a:schemeClr val="tx1"/>
+          </a:solidFill>
+          <a:latin typeface="+mn-lt"/>
+          <a:ea typeface="+mn-ea"/>
+          <a:cs typeface="+mn-cs"/>
+        </a:defRPr>
+      </a:lvl4pPr>
+      <a:lvl5pPr marL="1828800" algn="l" defTabSz="914400" rtl="0" eaLnBrk="1" latinLnBrk="0" hangingPunct="1">
+        <a:defRPr sz="1800" kern="1200">
+          <a:solidFill>
+            <a:schemeClr val="tx1"/>
+          </a:solidFill>
+          <a:latin typeface="+mn-lt"/>
+          <a:ea typeface="+mn-ea"/>
+          <a:cs typeface="+mn-cs"/>
+        </a:defRPr>
+      </a:lvl5pPr>
+      <a:lvl6pPr marL="2286000" algn="l" defTabSz="914400" rtl="0" eaLnBrk="1" latinLnBrk="0" hangingPunct="1">
+        <a:defRPr sz="1800" kern="1200">
+          <a:solidFill>
+            <a:schemeClr val="tx1"/>
+          </a:solidFill>
+          <a:latin typeface="+mn-lt"/>
+          <a:ea typeface="+mn-ea"/>
+          <a:cs typeface="+mn-cs"/>
+        </a:defRPr>
+      </a:lvl6pPr>
+      <a:lvl7pPr marL="2743200" algn="l" defTabSz="914400" rtl="0" eaLnBrk="1" latinLnBrk="0" hangingPunct="1">
+        <a:defRPr sz="1800" kern="1200">
+          <a:solidFill>
+            <a:schemeClr val="tx1"/>
+          </a:solidFill>
+          <a:latin typeface="+mn-lt"/>
+          <a:ea typeface="+mn-ea"/>
+          <a:cs typeface="+mn-cs"/>
+        </a:defRPr>
+      </a:lvl7pPr>
+      <a:lvl8pPr marL="3200400" algn="l" defTabSz="914400" rtl="0" eaLnBrk="1" latinLnBrk="0" hangingPunct="1">
+        <a:defRPr sz="1800" kern="1200">
+          <a:solidFill>
+            <a:schemeClr val="tx1"/>
+          </a:solidFill>
+          <a:latin typeface="+mn-lt"/>
+          <a:ea typeface="+mn-ea"/>
+          <a:cs typeface="+mn-cs"/>
+        </a:defRPr>
+      </a:lvl8pPr>
+      <a:lvl9pPr marL="3657600" algn="l" defTabSz="914400" rtl="0" eaLnBrk="1" latinLnBrk="0" hangingPunct="1">
+        <a:defRPr sz="1800" kern="1200">
+          <a:solidFill>
+            <a:schemeClr val="tx1"/>
+          </a:solidFill>
+          <a:latin typeface="+mn-lt"/>
+          <a:ea typeface="+mn-ea"/>
+          <a:cs typeface="+mn-cs"/>
+        </a:defRPr>
+      </a:lvl9pPr>
+    </p:otherStyle>
+  </p:txStyles>
 </p:sldMaster>
 </file>
 
 <file path=ppt/slideMasters/slideMaster3.xml><?xml version="1.0" encoding="utf-8"?>
-<p:sldMaster xmlns:a="http://schemas.openxmlformats.org/drawingml/2006/main" xmlns:p="http://schemas.openxmlformats.org/presentationml/2006/main" xmlns:r="http://schemas.openxmlformats.org/officeDocument/2006/relationships" xmlns:p14="http://schemas.microsoft.com/office/powerpoint/2010/main" xmlns:p15="http://schemas.microsoft.com/office/powerpoint/2012/main" xmlns:mc="http://schemas.openxmlformats.org/markup-compatibility/2006">
+<p:sldMaster xmlns:a="http://schemas.openxmlformats.org/drawingml/2006/main" xmlns:r="http://schemas.openxmlformats.org/officeDocument/2006/relationships" xmlns:p="http://schemas.openxmlformats.org/presentationml/2006/main">
   <p:cSld>
     <p:bg>
       <p:bgPr>
         <a:solidFill>
-          <a:srgbClr val="ffffff"/>
+          <a:srgbClr val="FFFFFF"/>
         </a:solidFill>
+        <a:effectLst/>
       </p:bgPr>
     </p:bg>
     <p:spTree>
@@ -4577,17 +5900,15 @@
           </a:prstGeom>
         </p:spPr>
         <p:txBody>
-          <a:bodyPr lIns="0" rIns="0" tIns="0" bIns="0" anchor="ctr"/>
-          <a:p>
-            <a:r>
-              <a:rPr b="0" lang="ru-RU" sz="1800" spc="-1" strike="noStrike">
+          <a:bodyPr lIns="0" tIns="0" rIns="0" bIns="0" anchor="ctr"/>
+          <a:lstStyle/>
+          <a:p>
+            <a:r>
+              <a:rPr lang="ru-RU" sz="1800" b="0" strike="noStrike" spc="-1">
                 <a:latin typeface="Arial"/>
               </a:rPr>
               <a:t>Для правки текста заглавия щёлкните мышью</a:t>
             </a:r>
-            <a:endParaRPr b="0" lang="ru-RU" sz="1800" spc="-1" strike="noStrike">
-              <a:latin typeface="Arial"/>
-            </a:endParaRPr>
           </a:p>
         </p:txBody>
       </p:sp>
@@ -4611,9 +5932,10 @@
           </a:prstGeom>
         </p:spPr>
         <p:txBody>
-          <a:bodyPr lIns="0" rIns="0" tIns="0" bIns="0">
+          <a:bodyPr lIns="0" tIns="0" rIns="0" bIns="0">
             <a:normAutofit/>
           </a:bodyPr>
+          <a:lstStyle/>
           <a:p>
             <a:pPr marL="432000" indent="-324000">
               <a:spcBef>
@@ -4627,17 +5949,14 @@
               <a:buChar char=""/>
             </a:pPr>
             <a:r>
-              <a:rPr b="0" lang="ru-RU" sz="1800" spc="-1" strike="noStrike">
+              <a:rPr lang="ru-RU" sz="1800" b="0" strike="noStrike" spc="-1">
                 <a:latin typeface="Arial"/>
               </a:rPr>
               <a:t>Для правки структуры щёлкните мышью</a:t>
             </a:r>
-            <a:endParaRPr b="0" lang="ru-RU" sz="1800" spc="-1" strike="noStrike">
-              <a:latin typeface="Arial"/>
-            </a:endParaRPr>
-          </a:p>
-          <a:p>
-            <a:pPr lvl="1" marL="864000" indent="-324000">
+          </a:p>
+          <a:p>
+            <a:pPr marL="864000" lvl="1" indent="-324000">
               <a:spcBef>
                 <a:spcPts val="1134"/>
               </a:spcBef>
@@ -4649,17 +5968,14 @@
               <a:buChar char=""/>
             </a:pPr>
             <a:r>
-              <a:rPr b="0" lang="ru-RU" sz="1800" spc="-1" strike="noStrike">
+              <a:rPr lang="ru-RU" sz="1800" b="0" strike="noStrike" spc="-1">
                 <a:latin typeface="Arial"/>
               </a:rPr>
               <a:t>Второй уровень структуры</a:t>
             </a:r>
-            <a:endParaRPr b="0" lang="ru-RU" sz="1800" spc="-1" strike="noStrike">
-              <a:latin typeface="Arial"/>
-            </a:endParaRPr>
-          </a:p>
-          <a:p>
-            <a:pPr lvl="2" marL="1296000" indent="-288000">
+          </a:p>
+          <a:p>
+            <a:pPr marL="1296000" lvl="2" indent="-288000">
               <a:spcBef>
                 <a:spcPts val="850"/>
               </a:spcBef>
@@ -4671,17 +5987,14 @@
               <a:buChar char=""/>
             </a:pPr>
             <a:r>
-              <a:rPr b="0" lang="ru-RU" sz="1800" spc="-1" strike="noStrike">
+              <a:rPr lang="ru-RU" sz="1800" b="0" strike="noStrike" spc="-1">
                 <a:latin typeface="Arial"/>
               </a:rPr>
               <a:t>Третий уровень структуры</a:t>
             </a:r>
-            <a:endParaRPr b="0" lang="ru-RU" sz="1800" spc="-1" strike="noStrike">
-              <a:latin typeface="Arial"/>
-            </a:endParaRPr>
-          </a:p>
-          <a:p>
-            <a:pPr lvl="3" marL="1728000" indent="-216000">
+          </a:p>
+          <a:p>
+            <a:pPr marL="1728000" lvl="3" indent="-216000">
               <a:spcBef>
                 <a:spcPts val="567"/>
               </a:spcBef>
@@ -4693,17 +6006,14 @@
               <a:buChar char=""/>
             </a:pPr>
             <a:r>
-              <a:rPr b="0" lang="ru-RU" sz="1800" spc="-1" strike="noStrike">
+              <a:rPr lang="ru-RU" sz="1800" b="0" strike="noStrike" spc="-1">
                 <a:latin typeface="Arial"/>
               </a:rPr>
               <a:t>Четвёртый уровень структуры</a:t>
             </a:r>
-            <a:endParaRPr b="0" lang="ru-RU" sz="1800" spc="-1" strike="noStrike">
-              <a:latin typeface="Arial"/>
-            </a:endParaRPr>
-          </a:p>
-          <a:p>
-            <a:pPr lvl="4" marL="2160000" indent="-216000">
+          </a:p>
+          <a:p>
+            <a:pPr marL="2160000" lvl="4" indent="-216000">
               <a:spcBef>
                 <a:spcPts val="283"/>
               </a:spcBef>
@@ -4715,17 +6025,14 @@
               <a:buChar char=""/>
             </a:pPr>
             <a:r>
-              <a:rPr b="0" lang="ru-RU" sz="1800" spc="-1" strike="noStrike">
+              <a:rPr lang="ru-RU" sz="1800" b="0" strike="noStrike" spc="-1">
                 <a:latin typeface="Arial"/>
               </a:rPr>
               <a:t>Пятый уровень структуры</a:t>
             </a:r>
-            <a:endParaRPr b="0" lang="ru-RU" sz="1800" spc="-1" strike="noStrike">
-              <a:latin typeface="Arial"/>
-            </a:endParaRPr>
-          </a:p>
-          <a:p>
-            <a:pPr lvl="5" marL="2592000" indent="-216000">
+          </a:p>
+          <a:p>
+            <a:pPr marL="2592000" lvl="5" indent="-216000">
               <a:spcBef>
                 <a:spcPts val="283"/>
               </a:spcBef>
@@ -4737,17 +6044,14 @@
               <a:buChar char=""/>
             </a:pPr>
             <a:r>
-              <a:rPr b="0" lang="ru-RU" sz="1800" spc="-1" strike="noStrike">
+              <a:rPr lang="ru-RU" sz="1800" b="0" strike="noStrike" spc="-1">
                 <a:latin typeface="Arial"/>
               </a:rPr>
               <a:t>Шестой уровень структуры</a:t>
             </a:r>
-            <a:endParaRPr b="0" lang="ru-RU" sz="1800" spc="-1" strike="noStrike">
-              <a:latin typeface="Arial"/>
-            </a:endParaRPr>
-          </a:p>
-          <a:p>
-            <a:pPr lvl="6" marL="3024000" indent="-216000">
+          </a:p>
+          <a:p>
+            <a:pPr marL="3024000" lvl="6" indent="-216000">
               <a:spcBef>
                 <a:spcPts val="283"/>
               </a:spcBef>
@@ -4759,14 +6063,11 @@
               <a:buChar char=""/>
             </a:pPr>
             <a:r>
-              <a:rPr b="0" lang="ru-RU" sz="1800" spc="-1" strike="noStrike">
+              <a:rPr lang="ru-RU" sz="1800" b="0" strike="noStrike" spc="-1">
                 <a:latin typeface="Arial"/>
               </a:rPr>
               <a:t>Седьмой уровень структуры</a:t>
             </a:r>
-            <a:endParaRPr b="0" lang="ru-RU" sz="1800" spc="-1" strike="noStrike">
-              <a:latin typeface="Arial"/>
-            </a:endParaRPr>
           </a:p>
         </p:txBody>
       </p:sp>
@@ -4790,9 +6091,10 @@
           </a:prstGeom>
         </p:spPr>
         <p:txBody>
-          <a:bodyPr lIns="0" rIns="0" tIns="0" bIns="0">
+          <a:bodyPr lIns="0" tIns="0" rIns="0" bIns="0">
             <a:normAutofit/>
           </a:bodyPr>
+          <a:lstStyle/>
           <a:p>
             <a:pPr marL="432000" indent="-324000">
               <a:spcBef>
@@ -4806,17 +6108,14 @@
               <a:buChar char=""/>
             </a:pPr>
             <a:r>
-              <a:rPr b="0" lang="ru-RU" sz="1800" spc="-1" strike="noStrike">
+              <a:rPr lang="ru-RU" sz="1800" b="0" strike="noStrike" spc="-1">
                 <a:latin typeface="Arial"/>
               </a:rPr>
               <a:t>Для правки структуры щёлкните мышью</a:t>
             </a:r>
-            <a:endParaRPr b="0" lang="ru-RU" sz="1800" spc="-1" strike="noStrike">
-              <a:latin typeface="Arial"/>
-            </a:endParaRPr>
-          </a:p>
-          <a:p>
-            <a:pPr lvl="1" marL="864000" indent="-324000">
+          </a:p>
+          <a:p>
+            <a:pPr marL="864000" lvl="1" indent="-324000">
               <a:spcBef>
                 <a:spcPts val="1134"/>
               </a:spcBef>
@@ -4828,17 +6127,14 @@
               <a:buChar char=""/>
             </a:pPr>
             <a:r>
-              <a:rPr b="0" lang="ru-RU" sz="1800" spc="-1" strike="noStrike">
+              <a:rPr lang="ru-RU" sz="1800" b="0" strike="noStrike" spc="-1">
                 <a:latin typeface="Arial"/>
               </a:rPr>
               <a:t>Второй уровень структуры</a:t>
             </a:r>
-            <a:endParaRPr b="0" lang="ru-RU" sz="1800" spc="-1" strike="noStrike">
-              <a:latin typeface="Arial"/>
-            </a:endParaRPr>
-          </a:p>
-          <a:p>
-            <a:pPr lvl="2" marL="1296000" indent="-288000">
+          </a:p>
+          <a:p>
+            <a:pPr marL="1296000" lvl="2" indent="-288000">
               <a:spcBef>
                 <a:spcPts val="850"/>
               </a:spcBef>
@@ -4850,17 +6146,14 @@
               <a:buChar char=""/>
             </a:pPr>
             <a:r>
-              <a:rPr b="0" lang="ru-RU" sz="1800" spc="-1" strike="noStrike">
+              <a:rPr lang="ru-RU" sz="1800" b="0" strike="noStrike" spc="-1">
                 <a:latin typeface="Arial"/>
               </a:rPr>
               <a:t>Третий уровень структуры</a:t>
             </a:r>
-            <a:endParaRPr b="0" lang="ru-RU" sz="1800" spc="-1" strike="noStrike">
-              <a:latin typeface="Arial"/>
-            </a:endParaRPr>
-          </a:p>
-          <a:p>
-            <a:pPr lvl="3" marL="1728000" indent="-216000">
+          </a:p>
+          <a:p>
+            <a:pPr marL="1728000" lvl="3" indent="-216000">
               <a:spcBef>
                 <a:spcPts val="567"/>
               </a:spcBef>
@@ -4872,17 +6165,14 @@
               <a:buChar char=""/>
             </a:pPr>
             <a:r>
-              <a:rPr b="0" lang="ru-RU" sz="1800" spc="-1" strike="noStrike">
+              <a:rPr lang="ru-RU" sz="1800" b="0" strike="noStrike" spc="-1">
                 <a:latin typeface="Arial"/>
               </a:rPr>
               <a:t>Четвёртый уровень структуры</a:t>
             </a:r>
-            <a:endParaRPr b="0" lang="ru-RU" sz="1800" spc="-1" strike="noStrike">
-              <a:latin typeface="Arial"/>
-            </a:endParaRPr>
-          </a:p>
-          <a:p>
-            <a:pPr lvl="4" marL="2160000" indent="-216000">
+          </a:p>
+          <a:p>
+            <a:pPr marL="2160000" lvl="4" indent="-216000">
               <a:spcBef>
                 <a:spcPts val="283"/>
               </a:spcBef>
@@ -4894,17 +6184,14 @@
               <a:buChar char=""/>
             </a:pPr>
             <a:r>
-              <a:rPr b="0" lang="ru-RU" sz="1800" spc="-1" strike="noStrike">
+              <a:rPr lang="ru-RU" sz="1800" b="0" strike="noStrike" spc="-1">
                 <a:latin typeface="Arial"/>
               </a:rPr>
               <a:t>Пятый уровень структуры</a:t>
             </a:r>
-            <a:endParaRPr b="0" lang="ru-RU" sz="1800" spc="-1" strike="noStrike">
-              <a:latin typeface="Arial"/>
-            </a:endParaRPr>
-          </a:p>
-          <a:p>
-            <a:pPr lvl="5" marL="2592000" indent="-216000">
+          </a:p>
+          <a:p>
+            <a:pPr marL="2592000" lvl="5" indent="-216000">
               <a:spcBef>
                 <a:spcPts val="283"/>
               </a:spcBef>
@@ -4916,17 +6203,14 @@
               <a:buChar char=""/>
             </a:pPr>
             <a:r>
-              <a:rPr b="0" lang="ru-RU" sz="1800" spc="-1" strike="noStrike">
+              <a:rPr lang="ru-RU" sz="1800" b="0" strike="noStrike" spc="-1">
                 <a:latin typeface="Arial"/>
               </a:rPr>
               <a:t>Шестой уровень структуры</a:t>
             </a:r>
-            <a:endParaRPr b="0" lang="ru-RU" sz="1800" spc="-1" strike="noStrike">
-              <a:latin typeface="Arial"/>
-            </a:endParaRPr>
-          </a:p>
-          <a:p>
-            <a:pPr lvl="6" marL="3024000" indent="-216000">
+          </a:p>
+          <a:p>
+            <a:pPr marL="3024000" lvl="6" indent="-216000">
               <a:spcBef>
                 <a:spcPts val="283"/>
               </a:spcBef>
@@ -4938,45 +6222,323 @@
               <a:buChar char=""/>
             </a:pPr>
             <a:r>
-              <a:rPr b="0" lang="ru-RU" sz="1800" spc="-1" strike="noStrike">
+              <a:rPr lang="ru-RU" sz="1800" b="0" strike="noStrike" spc="-1">
                 <a:latin typeface="Arial"/>
               </a:rPr>
               <a:t>Седьмой уровень структуры</a:t>
             </a:r>
-            <a:endParaRPr b="0" lang="ru-RU" sz="1800" spc="-1" strike="noStrike">
-              <a:latin typeface="Arial"/>
-            </a:endParaRPr>
           </a:p>
         </p:txBody>
       </p:sp>
     </p:spTree>
   </p:cSld>
-  <p:clrMap bg1="lt1" bg2="lt2" tx1="dk1" tx2="dk2" accent1="accent1" accent2="accent2" accent3="accent3" accent4="accent4" accent5="accent5" accent6="accent6" hlink="hlink" folHlink="folHlink"/>
+  <p:clrMap bg1="lt1" tx1="dk1" bg2="lt2" tx2="dk2" accent1="accent1" accent2="accent2" accent3="accent3" accent4="accent4" accent5="accent5" accent6="accent6" hlink="hlink" folHlink="folHlink"/>
   <p:sldLayoutIdLst>
-    <p:sldLayoutId id="2147483675" r:id="rId2"/>
-    <p:sldLayoutId id="2147483676" r:id="rId3"/>
-    <p:sldLayoutId id="2147483677" r:id="rId4"/>
-    <p:sldLayoutId id="2147483678" r:id="rId5"/>
-    <p:sldLayoutId id="2147483679" r:id="rId6"/>
-    <p:sldLayoutId id="2147483680" r:id="rId7"/>
-    <p:sldLayoutId id="2147483681" r:id="rId8"/>
-    <p:sldLayoutId id="2147483682" r:id="rId9"/>
-    <p:sldLayoutId id="2147483683" r:id="rId10"/>
-    <p:sldLayoutId id="2147483684" r:id="rId11"/>
-    <p:sldLayoutId id="2147483685" r:id="rId12"/>
-    <p:sldLayoutId id="2147483686" r:id="rId13"/>
+    <p:sldLayoutId id="2147483675" r:id="rId1"/>
+    <p:sldLayoutId id="2147483676" r:id="rId2"/>
+    <p:sldLayoutId id="2147483677" r:id="rId3"/>
+    <p:sldLayoutId id="2147483678" r:id="rId4"/>
+    <p:sldLayoutId id="2147483679" r:id="rId5"/>
+    <p:sldLayoutId id="2147483680" r:id="rId6"/>
+    <p:sldLayoutId id="2147483681" r:id="rId7"/>
+    <p:sldLayoutId id="2147483682" r:id="rId8"/>
+    <p:sldLayoutId id="2147483683" r:id="rId9"/>
+    <p:sldLayoutId id="2147483684" r:id="rId10"/>
+    <p:sldLayoutId id="2147483685" r:id="rId11"/>
+    <p:sldLayoutId id="2147483686" r:id="rId12"/>
   </p:sldLayoutIdLst>
+  <p:txStyles>
+    <p:titleStyle>
+      <a:lvl1pPr algn="l" defTabSz="914400" rtl="0" eaLnBrk="1" latinLnBrk="0" hangingPunct="1">
+        <a:lnSpc>
+          <a:spcPct val="90000"/>
+        </a:lnSpc>
+        <a:spcBef>
+          <a:spcPct val="0"/>
+        </a:spcBef>
+        <a:buNone/>
+        <a:defRPr sz="4400" kern="1200">
+          <a:solidFill>
+            <a:schemeClr val="tx1"/>
+          </a:solidFill>
+          <a:latin typeface="+mj-lt"/>
+          <a:ea typeface="+mj-ea"/>
+          <a:cs typeface="+mj-cs"/>
+        </a:defRPr>
+      </a:lvl1pPr>
+    </p:titleStyle>
+    <p:bodyStyle>
+      <a:lvl1pPr marL="228600" indent="-228600" algn="l" defTabSz="914400" rtl="0" eaLnBrk="1" latinLnBrk="0" hangingPunct="1">
+        <a:lnSpc>
+          <a:spcPct val="90000"/>
+        </a:lnSpc>
+        <a:spcBef>
+          <a:spcPts val="1000"/>
+        </a:spcBef>
+        <a:buFont typeface="Arial" panose="020B0604020202020204" pitchFamily="34" charset="0"/>
+        <a:buChar char="•"/>
+        <a:defRPr sz="2800" kern="1200">
+          <a:solidFill>
+            <a:schemeClr val="tx1"/>
+          </a:solidFill>
+          <a:latin typeface="+mn-lt"/>
+          <a:ea typeface="+mn-ea"/>
+          <a:cs typeface="+mn-cs"/>
+        </a:defRPr>
+      </a:lvl1pPr>
+      <a:lvl2pPr marL="685800" indent="-228600" algn="l" defTabSz="914400" rtl="0" eaLnBrk="1" latinLnBrk="0" hangingPunct="1">
+        <a:lnSpc>
+          <a:spcPct val="90000"/>
+        </a:lnSpc>
+        <a:spcBef>
+          <a:spcPts val="500"/>
+        </a:spcBef>
+        <a:buFont typeface="Arial" panose="020B0604020202020204" pitchFamily="34" charset="0"/>
+        <a:buChar char="•"/>
+        <a:defRPr sz="2400" kern="1200">
+          <a:solidFill>
+            <a:schemeClr val="tx1"/>
+          </a:solidFill>
+          <a:latin typeface="+mn-lt"/>
+          <a:ea typeface="+mn-ea"/>
+          <a:cs typeface="+mn-cs"/>
+        </a:defRPr>
+      </a:lvl2pPr>
+      <a:lvl3pPr marL="1143000" indent="-228600" algn="l" defTabSz="914400" rtl="0" eaLnBrk="1" latinLnBrk="0" hangingPunct="1">
+        <a:lnSpc>
+          <a:spcPct val="90000"/>
+        </a:lnSpc>
+        <a:spcBef>
+          <a:spcPts val="500"/>
+        </a:spcBef>
+        <a:buFont typeface="Arial" panose="020B0604020202020204" pitchFamily="34" charset="0"/>
+        <a:buChar char="•"/>
+        <a:defRPr sz="2000" kern="1200">
+          <a:solidFill>
+            <a:schemeClr val="tx1"/>
+          </a:solidFill>
+          <a:latin typeface="+mn-lt"/>
+          <a:ea typeface="+mn-ea"/>
+          <a:cs typeface="+mn-cs"/>
+        </a:defRPr>
+      </a:lvl3pPr>
+      <a:lvl4pPr marL="1600200" indent="-228600" algn="l" defTabSz="914400" rtl="0" eaLnBrk="1" latinLnBrk="0" hangingPunct="1">
+        <a:lnSpc>
+          <a:spcPct val="90000"/>
+        </a:lnSpc>
+        <a:spcBef>
+          <a:spcPts val="500"/>
+        </a:spcBef>
+        <a:buFont typeface="Arial" panose="020B0604020202020204" pitchFamily="34" charset="0"/>
+        <a:buChar char="•"/>
+        <a:defRPr sz="1800" kern="1200">
+          <a:solidFill>
+            <a:schemeClr val="tx1"/>
+          </a:solidFill>
+          <a:latin typeface="+mn-lt"/>
+          <a:ea typeface="+mn-ea"/>
+          <a:cs typeface="+mn-cs"/>
+        </a:defRPr>
+      </a:lvl4pPr>
+      <a:lvl5pPr marL="2057400" indent="-228600" algn="l" defTabSz="914400" rtl="0" eaLnBrk="1" latinLnBrk="0" hangingPunct="1">
+        <a:lnSpc>
+          <a:spcPct val="90000"/>
+        </a:lnSpc>
+        <a:spcBef>
+          <a:spcPts val="500"/>
+        </a:spcBef>
+        <a:buFont typeface="Arial" panose="020B0604020202020204" pitchFamily="34" charset="0"/>
+        <a:buChar char="•"/>
+        <a:defRPr sz="1800" kern="1200">
+          <a:solidFill>
+            <a:schemeClr val="tx1"/>
+          </a:solidFill>
+          <a:latin typeface="+mn-lt"/>
+          <a:ea typeface="+mn-ea"/>
+          <a:cs typeface="+mn-cs"/>
+        </a:defRPr>
+      </a:lvl5pPr>
+      <a:lvl6pPr marL="2514600" indent="-228600" algn="l" defTabSz="914400" rtl="0" eaLnBrk="1" latinLnBrk="0" hangingPunct="1">
+        <a:lnSpc>
+          <a:spcPct val="90000"/>
+        </a:lnSpc>
+        <a:spcBef>
+          <a:spcPts val="500"/>
+        </a:spcBef>
+        <a:buFont typeface="Arial" panose="020B0604020202020204" pitchFamily="34" charset="0"/>
+        <a:buChar char="•"/>
+        <a:defRPr sz="1800" kern="1200">
+          <a:solidFill>
+            <a:schemeClr val="tx1"/>
+          </a:solidFill>
+          <a:latin typeface="+mn-lt"/>
+          <a:ea typeface="+mn-ea"/>
+          <a:cs typeface="+mn-cs"/>
+        </a:defRPr>
+      </a:lvl6pPr>
+      <a:lvl7pPr marL="2971800" indent="-228600" algn="l" defTabSz="914400" rtl="0" eaLnBrk="1" latinLnBrk="0" hangingPunct="1">
+        <a:lnSpc>
+          <a:spcPct val="90000"/>
+        </a:lnSpc>
+        <a:spcBef>
+          <a:spcPts val="500"/>
+        </a:spcBef>
+        <a:buFont typeface="Arial" panose="020B0604020202020204" pitchFamily="34" charset="0"/>
+        <a:buChar char="•"/>
+        <a:defRPr sz="1800" kern="1200">
+          <a:solidFill>
+            <a:schemeClr val="tx1"/>
+          </a:solidFill>
+          <a:latin typeface="+mn-lt"/>
+          <a:ea typeface="+mn-ea"/>
+          <a:cs typeface="+mn-cs"/>
+        </a:defRPr>
+      </a:lvl7pPr>
+      <a:lvl8pPr marL="3429000" indent="-228600" algn="l" defTabSz="914400" rtl="0" eaLnBrk="1" latinLnBrk="0" hangingPunct="1">
+        <a:lnSpc>
+          <a:spcPct val="90000"/>
+        </a:lnSpc>
+        <a:spcBef>
+          <a:spcPts val="500"/>
+        </a:spcBef>
+        <a:buFont typeface="Arial" panose="020B0604020202020204" pitchFamily="34" charset="0"/>
+        <a:buChar char="•"/>
+        <a:defRPr sz="1800" kern="1200">
+          <a:solidFill>
+            <a:schemeClr val="tx1"/>
+          </a:solidFill>
+          <a:latin typeface="+mn-lt"/>
+          <a:ea typeface="+mn-ea"/>
+          <a:cs typeface="+mn-cs"/>
+        </a:defRPr>
+      </a:lvl8pPr>
+      <a:lvl9pPr marL="3886200" indent="-228600" algn="l" defTabSz="914400" rtl="0" eaLnBrk="1" latinLnBrk="0" hangingPunct="1">
+        <a:lnSpc>
+          <a:spcPct val="90000"/>
+        </a:lnSpc>
+        <a:spcBef>
+          <a:spcPts val="500"/>
+        </a:spcBef>
+        <a:buFont typeface="Arial" panose="020B0604020202020204" pitchFamily="34" charset="0"/>
+        <a:buChar char="•"/>
+        <a:defRPr sz="1800" kern="1200">
+          <a:solidFill>
+            <a:schemeClr val="tx1"/>
+          </a:solidFill>
+          <a:latin typeface="+mn-lt"/>
+          <a:ea typeface="+mn-ea"/>
+          <a:cs typeface="+mn-cs"/>
+        </a:defRPr>
+      </a:lvl9pPr>
+    </p:bodyStyle>
+    <p:otherStyle>
+      <a:defPPr>
+        <a:defRPr lang="ru-RU"/>
+      </a:defPPr>
+      <a:lvl1pPr marL="0" algn="l" defTabSz="914400" rtl="0" eaLnBrk="1" latinLnBrk="0" hangingPunct="1">
+        <a:defRPr sz="1800" kern="1200">
+          <a:solidFill>
+            <a:schemeClr val="tx1"/>
+          </a:solidFill>
+          <a:latin typeface="+mn-lt"/>
+          <a:ea typeface="+mn-ea"/>
+          <a:cs typeface="+mn-cs"/>
+        </a:defRPr>
+      </a:lvl1pPr>
+      <a:lvl2pPr marL="457200" algn="l" defTabSz="914400" rtl="0" eaLnBrk="1" latinLnBrk="0" hangingPunct="1">
+        <a:defRPr sz="1800" kern="1200">
+          <a:solidFill>
+            <a:schemeClr val="tx1"/>
+          </a:solidFill>
+          <a:latin typeface="+mn-lt"/>
+          <a:ea typeface="+mn-ea"/>
+          <a:cs typeface="+mn-cs"/>
+        </a:defRPr>
+      </a:lvl2pPr>
+      <a:lvl3pPr marL="914400" algn="l" defTabSz="914400" rtl="0" eaLnBrk="1" latinLnBrk="0" hangingPunct="1">
+        <a:defRPr sz="1800" kern="1200">
+          <a:solidFill>
+            <a:schemeClr val="tx1"/>
+          </a:solidFill>
+          <a:latin typeface="+mn-lt"/>
+          <a:ea typeface="+mn-ea"/>
+          <a:cs typeface="+mn-cs"/>
+        </a:defRPr>
+      </a:lvl3pPr>
+      <a:lvl4pPr marL="1371600" algn="l" defTabSz="914400" rtl="0" eaLnBrk="1" latinLnBrk="0" hangingPunct="1">
+        <a:defRPr sz="1800" kern="1200">
+          <a:solidFill>
+            <a:schemeClr val="tx1"/>
+          </a:solidFill>
+          <a:latin typeface="+mn-lt"/>
+          <a:ea typeface="+mn-ea"/>
+          <a:cs typeface="+mn-cs"/>
+        </a:defRPr>
+      </a:lvl4pPr>
+      <a:lvl5pPr marL="1828800" algn="l" defTabSz="914400" rtl="0" eaLnBrk="1" latinLnBrk="0" hangingPunct="1">
+        <a:defRPr sz="1800" kern="1200">
+          <a:solidFill>
+            <a:schemeClr val="tx1"/>
+          </a:solidFill>
+          <a:latin typeface="+mn-lt"/>
+          <a:ea typeface="+mn-ea"/>
+          <a:cs typeface="+mn-cs"/>
+        </a:defRPr>
+      </a:lvl5pPr>
+      <a:lvl6pPr marL="2286000" algn="l" defTabSz="914400" rtl="0" eaLnBrk="1" latinLnBrk="0" hangingPunct="1">
+        <a:defRPr sz="1800" kern="1200">
+          <a:solidFill>
+            <a:schemeClr val="tx1"/>
+          </a:solidFill>
+          <a:latin typeface="+mn-lt"/>
+          <a:ea typeface="+mn-ea"/>
+          <a:cs typeface="+mn-cs"/>
+        </a:defRPr>
+      </a:lvl6pPr>
+      <a:lvl7pPr marL="2743200" algn="l" defTabSz="914400" rtl="0" eaLnBrk="1" latinLnBrk="0" hangingPunct="1">
+        <a:defRPr sz="1800" kern="1200">
+          <a:solidFill>
+            <a:schemeClr val="tx1"/>
+          </a:solidFill>
+          <a:latin typeface="+mn-lt"/>
+          <a:ea typeface="+mn-ea"/>
+          <a:cs typeface="+mn-cs"/>
+        </a:defRPr>
+      </a:lvl7pPr>
+      <a:lvl8pPr marL="3200400" algn="l" defTabSz="914400" rtl="0" eaLnBrk="1" latinLnBrk="0" hangingPunct="1">
+        <a:defRPr sz="1800" kern="1200">
+          <a:solidFill>
+            <a:schemeClr val="tx1"/>
+          </a:solidFill>
+          <a:latin typeface="+mn-lt"/>
+          <a:ea typeface="+mn-ea"/>
+          <a:cs typeface="+mn-cs"/>
+        </a:defRPr>
+      </a:lvl8pPr>
+      <a:lvl9pPr marL="3657600" algn="l" defTabSz="914400" rtl="0" eaLnBrk="1" latinLnBrk="0" hangingPunct="1">
+        <a:defRPr sz="1800" kern="1200">
+          <a:solidFill>
+            <a:schemeClr val="tx1"/>
+          </a:solidFill>
+          <a:latin typeface="+mn-lt"/>
+          <a:ea typeface="+mn-ea"/>
+          <a:cs typeface="+mn-cs"/>
+        </a:defRPr>
+      </a:lvl9pPr>
+    </p:otherStyle>
+  </p:txStyles>
 </p:sldMaster>
 </file>
 
 <file path=ppt/slides/slide1.xml><?xml version="1.0" encoding="utf-8"?>
-<p:sld xmlns:a="http://schemas.openxmlformats.org/drawingml/2006/main" xmlns:p="http://schemas.openxmlformats.org/presentationml/2006/main" xmlns:r="http://schemas.openxmlformats.org/officeDocument/2006/relationships" xmlns:p14="http://schemas.microsoft.com/office/powerpoint/2010/main" xmlns:p15="http://schemas.microsoft.com/office/powerpoint/2012/main" xmlns:mc="http://schemas.openxmlformats.org/markup-compatibility/2006">
+<p:sld xmlns:a="http://schemas.openxmlformats.org/drawingml/2006/main" xmlns:r="http://schemas.openxmlformats.org/officeDocument/2006/relationships" xmlns:p="http://schemas.openxmlformats.org/presentationml/2006/main">
   <p:cSld>
     <p:bg>
       <p:bgPr>
         <a:solidFill>
-          <a:srgbClr val="ffffff"/>
+          <a:srgbClr val="FFFFFF"/>
         </a:solidFill>
+        <a:effectLst/>
       </p:bgPr>
     </p:bg>
     <p:spTree>
@@ -4995,18 +6557,18 @@
       </p:grpSpPr>
       <p:pic>
         <p:nvPicPr>
-          <p:cNvPr id="115" name="" descr=""/>
+          <p:cNvPr id="115" name="Рисунок 114"/>
           <p:cNvPicPr/>
           <p:nvPr/>
         </p:nvPicPr>
         <p:blipFill>
-          <a:blip r:embed="rId1"/>
+          <a:blip r:embed="rId2"/>
           <a:stretch/>
         </p:blipFill>
         <p:spPr>
           <a:xfrm>
-            <a:off x="3424680" y="1322280"/>
-            <a:ext cx="5718960" cy="3218400"/>
+            <a:off x="4688740" y="1824400"/>
+            <a:ext cx="4454899" cy="2716280"/>
           </a:xfrm>
           <a:prstGeom prst="rect">
             <a:avLst/>
@@ -5041,9 +6603,15 @@
           </a:ln>
         </p:spPr>
         <p:style>
-          <a:lnRef idx="0"/>
-          <a:fillRef idx="0"/>
-          <a:effectRef idx="0"/>
+          <a:lnRef idx="0">
+            <a:scrgbClr r="0" g="0" b="0"/>
+          </a:lnRef>
+          <a:fillRef idx="0">
+            <a:scrgbClr r="0" g="0" b="0"/>
+          </a:fillRef>
+          <a:effectRef idx="0">
+            <a:scrgbClr r="0" g="0" b="0"/>
+          </a:effectRef>
           <a:fontRef idx="minor"/>
         </p:style>
       </p:sp>
@@ -5065,19 +6633,25 @@
             </a:avLst>
           </a:prstGeom>
           <a:solidFill>
-            <a:srgbClr val="88af43"/>
+            <a:srgbClr val="88AF43"/>
           </a:solidFill>
           <a:ln w="9360">
             <a:solidFill>
-              <a:srgbClr val="88af43"/>
+              <a:srgbClr val="88AF43"/>
             </a:solidFill>
             <a:round/>
           </a:ln>
         </p:spPr>
         <p:style>
-          <a:lnRef idx="0"/>
-          <a:fillRef idx="0"/>
-          <a:effectRef idx="0"/>
+          <a:lnRef idx="0">
+            <a:scrgbClr r="0" g="0" b="0"/>
+          </a:lnRef>
+          <a:fillRef idx="0">
+            <a:scrgbClr r="0" g="0" b="0"/>
+          </a:fillRef>
+          <a:effectRef idx="0">
+            <a:scrgbClr r="0" g="0" b="0"/>
+          </a:effectRef>
           <a:fontRef idx="minor"/>
         </p:style>
       </p:sp>
@@ -5101,13 +6675,20 @@
           </a:ln>
         </p:spPr>
         <p:style>
-          <a:lnRef idx="0"/>
-          <a:fillRef idx="0"/>
-          <a:effectRef idx="0"/>
+          <a:lnRef idx="0">
+            <a:scrgbClr r="0" g="0" b="0"/>
+          </a:lnRef>
+          <a:fillRef idx="0">
+            <a:scrgbClr r="0" g="0" b="0"/>
+          </a:fillRef>
+          <a:effectRef idx="0">
+            <a:scrgbClr r="0" g="0" b="0"/>
+          </a:effectRef>
           <a:fontRef idx="minor"/>
         </p:style>
         <p:txBody>
-          <a:bodyPr lIns="90000" rIns="90000" tIns="91440" bIns="91440"/>
+          <a:bodyPr lIns="90000" tIns="91440" rIns="90000" bIns="91440"/>
+          <a:lstStyle/>
           <a:p>
             <a:pPr>
               <a:lnSpc>
@@ -5115,23 +6696,86 @@
               </a:lnSpc>
             </a:pPr>
             <a:r>
-              <a:rPr b="0" lang="ru-RU" sz="1800" spc="-1" strike="noStrike">
+              <a:rPr lang="ru-RU" sz="1800" b="0" strike="noStrike" spc="-1" dirty="0">
                 <a:solidFill>
-                  <a:srgbClr val="ffffff"/>
+                  <a:srgbClr val="FFFFFF"/>
                 </a:solidFill>
                 <a:latin typeface="Tahoma"/>
                 <a:ea typeface="Tahoma"/>
               </a:rPr>
-              <a:t>Знакомство с библиотекой Lodash</a:t>
-            </a:r>
-            <a:endParaRPr b="0" lang="ru-RU" sz="1800" spc="-1" strike="noStrike">
-              <a:latin typeface="Arial"/>
-            </a:endParaRPr>
-          </a:p>
-        </p:txBody>
-      </p:sp>
+              <a:t>Знакомство с библиотекой </a:t>
+            </a:r>
+            <a:r>
+              <a:rPr lang="ru-RU" sz="1800" b="0" strike="noStrike" spc="-1" dirty="0" err="1">
+                <a:solidFill>
+                  <a:srgbClr val="FFFFFF"/>
+                </a:solidFill>
+                <a:latin typeface="Tahoma"/>
+                <a:ea typeface="Tahoma"/>
+              </a:rPr>
+              <a:t>Lodash</a:t>
+            </a:r>
+            <a:r>
+              <a:rPr lang="ru-RU" sz="1800" b="0" strike="noStrike" spc="-1" dirty="0">
+                <a:solidFill>
+                  <a:srgbClr val="FFFFFF"/>
+                </a:solidFill>
+                <a:latin typeface="Tahoma"/>
+                <a:ea typeface="Tahoma"/>
+              </a:rPr>
+              <a:t> и </a:t>
+            </a:r>
+            <a:r>
+              <a:rPr lang="en-US" sz="1800" b="0" strike="noStrike" spc="-1" dirty="0" err="1">
+                <a:solidFill>
+                  <a:srgbClr val="FFFFFF"/>
+                </a:solidFill>
+                <a:latin typeface="Tahoma"/>
+                <a:ea typeface="Tahoma"/>
+              </a:rPr>
+              <a:t>axios</a:t>
+            </a:r>
+            <a:endParaRPr lang="ru-RU" sz="1800" b="0" strike="noStrike" spc="-1" dirty="0">
+              <a:latin typeface="Arial"/>
+            </a:endParaRPr>
+          </a:p>
+        </p:txBody>
+      </p:sp>
+      <p:pic>
+        <p:nvPicPr>
+          <p:cNvPr id="8" name="Рисунок 7">
+            <a:extLst>
+              <a:ext uri="{FF2B5EF4-FFF2-40B4-BE49-F238E27FC236}">
+                <a16:creationId xmlns:a16="http://schemas.microsoft.com/office/drawing/2014/main" id="{F9B083CD-17B8-AC49-9CA8-1E4A2F763331}"/>
+              </a:ext>
+            </a:extLst>
+          </p:cNvPr>
+          <p:cNvPicPr>
+            <a:picLocks noChangeAspect="1"/>
+          </p:cNvPicPr>
+          <p:nvPr/>
+        </p:nvPicPr>
+        <p:blipFill>
+          <a:blip r:embed="rId3"/>
+          <a:stretch>
+            <a:fillRect/>
+          </a:stretch>
+        </p:blipFill>
+        <p:spPr>
+          <a:xfrm>
+            <a:off x="380999" y="2522656"/>
+            <a:ext cx="3234267" cy="838888"/>
+          </a:xfrm>
+          <a:prstGeom prst="rect">
+            <a:avLst/>
+          </a:prstGeom>
+        </p:spPr>
+      </p:pic>
     </p:spTree>
   </p:cSld>
+  <p:clrMapOvr>
+    <a:masterClrMapping/>
+  </p:clrMapOvr>
   <p:timing>
     <p:tnLst>
       <p:par>
@@ -5140,14 +6784,574 @@
             <p:seq>
               <p:cTn id="2" dur="indefinite" nodeType="mainSeq"/>
               <p:prevCondLst>
-                <p:cond delay="0" evt="onPrev">
+                <p:cond evt="onPrev" delay="0">
                   <p:tgtEl>
                     <p:sldTgt/>
                   </p:tgtEl>
                 </p:cond>
               </p:prevCondLst>
               <p:nextCondLst>
-                <p:cond delay="0" evt="onNext">
+                <p:cond evt="onNext" delay="0">
+                  <p:tgtEl>
+                    <p:sldTgt/>
+                  </p:tgtEl>
+                </p:cond>
+              </p:nextCondLst>
+            </p:seq>
+          </p:childTnLst>
+        </p:cTn>
+      </p:par>
+    </p:tnLst>
+  </p:timing>
+</p:sld>
+</file>
+
+<file path=ppt/slides/slide10.xml><?xml version="1.0" encoding="utf-8"?>
+<p:sld xmlns:a="http://schemas.openxmlformats.org/drawingml/2006/main" xmlns:r="http://schemas.openxmlformats.org/officeDocument/2006/relationships" xmlns:p="http://schemas.openxmlformats.org/presentationml/2006/main">
+  <p:cSld>
+    <p:spTree>
+      <p:nvGrpSpPr>
+        <p:cNvPr id="1" name=""/>
+        <p:cNvGrpSpPr/>
+        <p:nvPr/>
+      </p:nvGrpSpPr>
+      <p:grpSpPr>
+        <a:xfrm>
+          <a:off x="0" y="0"/>
+          <a:ext cx="0" cy="0"/>
+          <a:chOff x="0" y="0"/>
+          <a:chExt cx="0" cy="0"/>
+        </a:xfrm>
+      </p:grpSpPr>
+      <p:grpSp>
+        <p:nvGrpSpPr>
+          <p:cNvPr id="151" name="Group 1"/>
+          <p:cNvGrpSpPr/>
+          <p:nvPr/>
+        </p:nvGrpSpPr>
+        <p:grpSpPr>
+          <a:xfrm>
+            <a:off x="0" y="0"/>
+            <a:ext cx="9143280" cy="632160"/>
+            <a:chOff x="0" y="0"/>
+            <a:chExt cx="9143280" cy="632160"/>
+          </a:xfrm>
+        </p:grpSpPr>
+        <p:sp>
+          <p:nvSpPr>
+            <p:cNvPr id="152" name="CustomShape 2"/>
+            <p:cNvSpPr/>
+            <p:nvPr/>
+          </p:nvSpPr>
+          <p:spPr>
+            <a:xfrm>
+              <a:off x="0" y="0"/>
+              <a:ext cx="9143280" cy="632160"/>
+            </a:xfrm>
+            <a:prstGeom prst="rect">
+              <a:avLst/>
+            </a:prstGeom>
+            <a:solidFill>
+              <a:srgbClr val="88AF43"/>
+            </a:solidFill>
+            <a:ln w="9360">
+              <a:solidFill>
+                <a:srgbClr val="88AF43"/>
+              </a:solidFill>
+              <a:round/>
+            </a:ln>
+          </p:spPr>
+          <p:style>
+            <a:lnRef idx="0">
+              <a:scrgbClr r="0" g="0" b="0"/>
+            </a:lnRef>
+            <a:fillRef idx="0">
+              <a:scrgbClr r="0" g="0" b="0"/>
+            </a:fillRef>
+            <a:effectRef idx="0">
+              <a:scrgbClr r="0" g="0" b="0"/>
+            </a:effectRef>
+            <a:fontRef idx="minor"/>
+          </p:style>
+        </p:sp>
+        <p:sp>
+          <p:nvSpPr>
+            <p:cNvPr id="153" name="CustomShape 3"/>
+            <p:cNvSpPr/>
+            <p:nvPr/>
+          </p:nvSpPr>
+          <p:spPr>
+            <a:xfrm>
+              <a:off x="181440" y="69840"/>
+              <a:ext cx="5785560" cy="492480"/>
+            </a:xfrm>
+            <a:prstGeom prst="rect">
+              <a:avLst/>
+            </a:prstGeom>
+            <a:noFill/>
+            <a:ln>
+              <a:noFill/>
+            </a:ln>
+          </p:spPr>
+          <p:style>
+            <a:lnRef idx="0">
+              <a:scrgbClr r="0" g="0" b="0"/>
+            </a:lnRef>
+            <a:fillRef idx="0">
+              <a:scrgbClr r="0" g="0" b="0"/>
+            </a:fillRef>
+            <a:effectRef idx="0">
+              <a:scrgbClr r="0" g="0" b="0"/>
+            </a:effectRef>
+            <a:fontRef idx="minor"/>
+          </p:style>
+          <p:txBody>
+            <a:bodyPr lIns="90000" tIns="91440" rIns="90000" bIns="91440"/>
+            <a:lstStyle/>
+            <a:p>
+              <a:pPr>
+                <a:lnSpc>
+                  <a:spcPct val="100000"/>
+                </a:lnSpc>
+              </a:pPr>
+              <a:r>
+                <a:rPr lang="ru-RU" sz="2000" b="0" strike="noStrike" spc="-1">
+                  <a:solidFill>
+                    <a:srgbClr val="FFFFFF"/>
+                  </a:solidFill>
+                  <a:latin typeface="Tahoma"/>
+                  <a:ea typeface="Tahoma"/>
+                </a:rPr>
+                <a:t>Декларативный подход</a:t>
+              </a:r>
+              <a:endParaRPr lang="ru-RU" sz="2000" b="0" strike="noStrike" spc="-1">
+                <a:latin typeface="Arial"/>
+              </a:endParaRPr>
+            </a:p>
+          </p:txBody>
+        </p:sp>
+      </p:grpSp>
+      <p:sp>
+        <p:nvSpPr>
+          <p:cNvPr id="154" name="CustomShape 4"/>
+          <p:cNvSpPr/>
+          <p:nvPr/>
+        </p:nvSpPr>
+        <p:spPr>
+          <a:xfrm>
+            <a:off x="206280" y="864000"/>
+            <a:ext cx="8731080" cy="3959640"/>
+          </a:xfrm>
+          <a:prstGeom prst="rect">
+            <a:avLst/>
+          </a:prstGeom>
+          <a:noFill/>
+          <a:ln>
+            <a:noFill/>
+          </a:ln>
+        </p:spPr>
+        <p:style>
+          <a:lnRef idx="0">
+            <a:scrgbClr r="0" g="0" b="0"/>
+          </a:lnRef>
+          <a:fillRef idx="0">
+            <a:scrgbClr r="0" g="0" b="0"/>
+          </a:fillRef>
+          <a:effectRef idx="0">
+            <a:scrgbClr r="0" g="0" b="0"/>
+          </a:effectRef>
+          <a:fontRef idx="minor"/>
+        </p:style>
+      </p:sp>
+      <p:sp>
+        <p:nvSpPr>
+          <p:cNvPr id="155" name="CustomShape 5"/>
+          <p:cNvSpPr/>
+          <p:nvPr/>
+        </p:nvSpPr>
+        <p:spPr>
+          <a:xfrm>
+            <a:off x="1152000" y="1152000"/>
+            <a:ext cx="5759640" cy="2649960"/>
+          </a:xfrm>
+          <a:prstGeom prst="rect">
+            <a:avLst/>
+          </a:prstGeom>
+          <a:noFill/>
+          <a:ln>
+            <a:noFill/>
+          </a:ln>
+        </p:spPr>
+        <p:style>
+          <a:lnRef idx="0">
+            <a:scrgbClr r="0" g="0" b="0"/>
+          </a:lnRef>
+          <a:fillRef idx="0">
+            <a:scrgbClr r="0" g="0" b="0"/>
+          </a:fillRef>
+          <a:effectRef idx="0">
+            <a:scrgbClr r="0" g="0" b="0"/>
+          </a:effectRef>
+          <a:fontRef idx="minor"/>
+        </p:style>
+        <p:txBody>
+          <a:bodyPr lIns="90000" tIns="45000" rIns="90000" bIns="45000"/>
+          <a:lstStyle/>
+          <a:p>
+            <a:pPr>
+              <a:lnSpc>
+                <a:spcPct val="100000"/>
+              </a:lnSpc>
+            </a:pPr>
+            <a:r>
+              <a:rPr lang="ru-RU" sz="1800" b="0" strike="noStrike" spc="-1">
+                <a:latin typeface="Arial"/>
+              </a:rPr>
+              <a:t>import _ from 'lodash</a:t>
+            </a:r>
+            <a:r>
+              <a:rPr lang="ru-RU" sz="1800" b="1" strike="noStrike" spc="-1">
+                <a:latin typeface="Arial"/>
+              </a:rPr>
+              <a:t>/fp</a:t>
+            </a:r>
+            <a:r>
+              <a:rPr lang="ru-RU" sz="1800" b="0" strike="noStrike" spc="-1">
+                <a:latin typeface="Arial"/>
+              </a:rPr>
+              <a:t>'</a:t>
+            </a:r>
+          </a:p>
+          <a:p>
+            <a:pPr>
+              <a:lnSpc>
+                <a:spcPct val="100000"/>
+              </a:lnSpc>
+            </a:pPr>
+            <a:endParaRPr lang="ru-RU" sz="1800" b="0" strike="noStrike" spc="-1">
+              <a:latin typeface="Arial"/>
+            </a:endParaRPr>
+          </a:p>
+          <a:p>
+            <a:pPr>
+              <a:lnSpc>
+                <a:spcPct val="100000"/>
+              </a:lnSpc>
+            </a:pPr>
+            <a:r>
+              <a:rPr lang="ru-RU" sz="1800" b="0" strike="noStrike" spc="-1">
+                <a:latin typeface="Arial"/>
+              </a:rPr>
+              <a:t>const square = (value) =&gt; value * value</a:t>
+            </a:r>
+          </a:p>
+          <a:p>
+            <a:pPr>
+              <a:lnSpc>
+                <a:spcPct val="100000"/>
+              </a:lnSpc>
+            </a:pPr>
+            <a:endParaRPr lang="ru-RU" sz="1800" b="0" strike="noStrike" spc="-1">
+              <a:latin typeface="Arial"/>
+            </a:endParaRPr>
+          </a:p>
+          <a:p>
+            <a:pPr>
+              <a:lnSpc>
+                <a:spcPct val="100000"/>
+              </a:lnSpc>
+            </a:pPr>
+            <a:r>
+              <a:rPr lang="ru-RU" sz="1800" b="0" strike="noStrike" spc="-1">
+                <a:latin typeface="Arial"/>
+              </a:rPr>
+              <a:t>const squareValue = _.compose(square, _.get('value'))</a:t>
+            </a:r>
+          </a:p>
+          <a:p>
+            <a:pPr>
+              <a:lnSpc>
+                <a:spcPct val="100000"/>
+              </a:lnSpc>
+            </a:pPr>
+            <a:endParaRPr lang="ru-RU" sz="1800" b="0" strike="noStrike" spc="-1">
+              <a:latin typeface="Arial"/>
+            </a:endParaRPr>
+          </a:p>
+          <a:p>
+            <a:pPr>
+              <a:lnSpc>
+                <a:spcPct val="100000"/>
+              </a:lnSpc>
+            </a:pPr>
+            <a:r>
+              <a:rPr lang="ru-RU" sz="1800" b="0" strike="noStrike" spc="-1">
+                <a:latin typeface="Arial"/>
+              </a:rPr>
+              <a:t>console.log(squareValue({ value: 5 })) // 25</a:t>
+            </a:r>
+          </a:p>
+        </p:txBody>
+      </p:sp>
+    </p:spTree>
+  </p:cSld>
+  <p:clrMapOvr>
+    <a:masterClrMapping/>
+  </p:clrMapOvr>
+  <p:timing>
+    <p:tnLst>
+      <p:par>
+        <p:cTn id="1" dur="indefinite" restart="never" nodeType="tmRoot">
+          <p:childTnLst>
+            <p:seq>
+              <p:cTn id="2" dur="indefinite" nodeType="mainSeq"/>
+              <p:prevCondLst>
+                <p:cond evt="onPrev" delay="0">
+                  <p:tgtEl>
+                    <p:sldTgt/>
+                  </p:tgtEl>
+                </p:cond>
+              </p:prevCondLst>
+              <p:nextCondLst>
+                <p:cond evt="onNext" delay="0">
+                  <p:tgtEl>
+                    <p:sldTgt/>
+                  </p:tgtEl>
+                </p:cond>
+              </p:nextCondLst>
+            </p:seq>
+          </p:childTnLst>
+        </p:cTn>
+      </p:par>
+    </p:tnLst>
+  </p:timing>
+</p:sld>
+</file>
+
+<file path=ppt/slides/slide11.xml><?xml version="1.0" encoding="utf-8"?>
+<p:sld xmlns:a="http://schemas.openxmlformats.org/drawingml/2006/main" xmlns:r="http://schemas.openxmlformats.org/officeDocument/2006/relationships" xmlns:p="http://schemas.openxmlformats.org/presentationml/2006/main">
+  <p:cSld>
+    <p:spTree>
+      <p:nvGrpSpPr>
+        <p:cNvPr id="1" name=""/>
+        <p:cNvGrpSpPr/>
+        <p:nvPr/>
+      </p:nvGrpSpPr>
+      <p:grpSpPr>
+        <a:xfrm>
+          <a:off x="0" y="0"/>
+          <a:ext cx="0" cy="0"/>
+          <a:chOff x="0" y="0"/>
+          <a:chExt cx="0" cy="0"/>
+        </a:xfrm>
+      </p:grpSpPr>
+      <p:grpSp>
+        <p:nvGrpSpPr>
+          <p:cNvPr id="156" name="Group 1"/>
+          <p:cNvGrpSpPr/>
+          <p:nvPr/>
+        </p:nvGrpSpPr>
+        <p:grpSpPr>
+          <a:xfrm>
+            <a:off x="0" y="0"/>
+            <a:ext cx="9143280" cy="632160"/>
+            <a:chOff x="0" y="0"/>
+            <a:chExt cx="9143280" cy="632160"/>
+          </a:xfrm>
+        </p:grpSpPr>
+        <p:sp>
+          <p:nvSpPr>
+            <p:cNvPr id="157" name="CustomShape 2"/>
+            <p:cNvSpPr/>
+            <p:nvPr/>
+          </p:nvSpPr>
+          <p:spPr>
+            <a:xfrm>
+              <a:off x="0" y="0"/>
+              <a:ext cx="9143280" cy="632160"/>
+            </a:xfrm>
+            <a:prstGeom prst="rect">
+              <a:avLst/>
+            </a:prstGeom>
+            <a:solidFill>
+              <a:srgbClr val="88AF43"/>
+            </a:solidFill>
+            <a:ln w="9360">
+              <a:solidFill>
+                <a:srgbClr val="88AF43"/>
+              </a:solidFill>
+              <a:round/>
+            </a:ln>
+          </p:spPr>
+          <p:style>
+            <a:lnRef idx="0">
+              <a:scrgbClr r="0" g="0" b="0"/>
+            </a:lnRef>
+            <a:fillRef idx="0">
+              <a:scrgbClr r="0" g="0" b="0"/>
+            </a:fillRef>
+            <a:effectRef idx="0">
+              <a:scrgbClr r="0" g="0" b="0"/>
+            </a:effectRef>
+            <a:fontRef idx="minor"/>
+          </p:style>
+        </p:sp>
+        <p:sp>
+          <p:nvSpPr>
+            <p:cNvPr id="158" name="CustomShape 3"/>
+            <p:cNvSpPr/>
+            <p:nvPr/>
+          </p:nvSpPr>
+          <p:spPr>
+            <a:xfrm>
+              <a:off x="181440" y="69840"/>
+              <a:ext cx="5785560" cy="492480"/>
+            </a:xfrm>
+            <a:prstGeom prst="rect">
+              <a:avLst/>
+            </a:prstGeom>
+            <a:noFill/>
+            <a:ln>
+              <a:noFill/>
+            </a:ln>
+          </p:spPr>
+          <p:style>
+            <a:lnRef idx="0">
+              <a:scrgbClr r="0" g="0" b="0"/>
+            </a:lnRef>
+            <a:fillRef idx="0">
+              <a:scrgbClr r="0" g="0" b="0"/>
+            </a:fillRef>
+            <a:effectRef idx="0">
+              <a:scrgbClr r="0" g="0" b="0"/>
+            </a:effectRef>
+            <a:fontRef idx="minor"/>
+          </p:style>
+          <p:txBody>
+            <a:bodyPr lIns="90000" tIns="91440" rIns="90000" bIns="91440"/>
+            <a:lstStyle/>
+            <a:p>
+              <a:pPr>
+                <a:lnSpc>
+                  <a:spcPct val="100000"/>
+                </a:lnSpc>
+              </a:pPr>
+              <a:r>
+                <a:rPr lang="ru-RU" sz="2000" b="0" strike="noStrike" spc="-1">
+                  <a:solidFill>
+                    <a:srgbClr val="FFFFFF"/>
+                  </a:solidFill>
+                  <a:latin typeface="Tahoma"/>
+                  <a:ea typeface="Tahoma"/>
+                </a:rPr>
+                <a:t>Спасибо за внимание</a:t>
+              </a:r>
+              <a:endParaRPr lang="ru-RU" sz="2000" b="0" strike="noStrike" spc="-1">
+                <a:latin typeface="Arial"/>
+              </a:endParaRPr>
+            </a:p>
+          </p:txBody>
+        </p:sp>
+      </p:grpSp>
+      <p:pic>
+        <p:nvPicPr>
+          <p:cNvPr id="159" name="Рисунок 1"/>
+          <p:cNvPicPr/>
+          <p:nvPr/>
+        </p:nvPicPr>
+        <p:blipFill>
+          <a:blip r:embed="rId2"/>
+          <a:stretch/>
+        </p:blipFill>
+        <p:spPr>
+          <a:xfrm>
+            <a:off x="5828040" y="1304280"/>
+            <a:ext cx="2502000" cy="2552040"/>
+          </a:xfrm>
+          <a:prstGeom prst="rect">
+            <a:avLst/>
+          </a:prstGeom>
+          <a:ln>
+            <a:noFill/>
+          </a:ln>
+        </p:spPr>
+      </p:pic>
+      <p:sp>
+        <p:nvSpPr>
+          <p:cNvPr id="160" name="CustomShape 4"/>
+          <p:cNvSpPr/>
+          <p:nvPr/>
+        </p:nvSpPr>
+        <p:spPr>
+          <a:xfrm>
+            <a:off x="864000" y="2232000"/>
+            <a:ext cx="3383640" cy="345960"/>
+          </a:xfrm>
+          <a:prstGeom prst="rect">
+            <a:avLst/>
+          </a:prstGeom>
+          <a:noFill/>
+          <a:ln>
+            <a:noFill/>
+          </a:ln>
+        </p:spPr>
+        <p:style>
+          <a:lnRef idx="0">
+            <a:scrgbClr r="0" g="0" b="0"/>
+          </a:lnRef>
+          <a:fillRef idx="0">
+            <a:scrgbClr r="0" g="0" b="0"/>
+          </a:fillRef>
+          <a:effectRef idx="0">
+            <a:scrgbClr r="0" g="0" b="0"/>
+          </a:effectRef>
+          <a:fontRef idx="minor"/>
+        </p:style>
+        <p:txBody>
+          <a:bodyPr lIns="90000" tIns="45000" rIns="90000" bIns="45000"/>
+          <a:lstStyle/>
+          <a:p>
+            <a:pPr>
+              <a:lnSpc>
+                <a:spcPct val="100000"/>
+              </a:lnSpc>
+            </a:pPr>
+            <a:r>
+              <a:rPr lang="ru-RU" sz="1800" b="1" strike="noStrike" spc="-1">
+                <a:solidFill>
+                  <a:srgbClr val="662483"/>
+                </a:solidFill>
+                <a:latin typeface="Arial"/>
+              </a:rPr>
+              <a:t>Спасибо за внимание!</a:t>
+            </a:r>
+            <a:endParaRPr lang="ru-RU" sz="1800" b="0" strike="noStrike" spc="-1">
+              <a:latin typeface="Arial"/>
+            </a:endParaRPr>
+          </a:p>
+        </p:txBody>
+      </p:sp>
+    </p:spTree>
+  </p:cSld>
+  <p:clrMapOvr>
+    <a:masterClrMapping/>
+  </p:clrMapOvr>
+  <p:timing>
+    <p:tnLst>
+      <p:par>
+        <p:cTn id="1" dur="indefinite" restart="never" nodeType="tmRoot">
+          <p:childTnLst>
+            <p:seq>
+              <p:cTn id="2" dur="indefinite" nodeType="mainSeq"/>
+              <p:prevCondLst>
+                <p:cond evt="onPrev" delay="0">
+                  <p:tgtEl>
+                    <p:sldTgt/>
+                  </p:tgtEl>
+                </p:cond>
+              </p:prevCondLst>
+              <p:nextCondLst>
+                <p:cond evt="onNext" delay="0">
                   <p:tgtEl>
                     <p:sldTgt/>
                   </p:tgtEl>
@@ -5163,13 +7367,1130 @@
 </file>
 
 <file path=ppt/slides/slide2.xml><?xml version="1.0" encoding="utf-8"?>
-<p:sld xmlns:a="http://schemas.openxmlformats.org/drawingml/2006/main" xmlns:p="http://schemas.openxmlformats.org/presentationml/2006/main" xmlns:r="http://schemas.openxmlformats.org/officeDocument/2006/relationships" xmlns:p14="http://schemas.microsoft.com/office/powerpoint/2010/main" xmlns:p15="http://schemas.microsoft.com/office/powerpoint/2012/main" xmlns:mc="http://schemas.openxmlformats.org/markup-compatibility/2006">
+<p:sld xmlns:a="http://schemas.openxmlformats.org/drawingml/2006/main" xmlns:r="http://schemas.openxmlformats.org/officeDocument/2006/relationships" xmlns:p="http://schemas.openxmlformats.org/presentationml/2006/main">
   <p:cSld>
     <p:bg>
       <p:bgPr>
         <a:solidFill>
-          <a:srgbClr val="ffffff"/>
+          <a:schemeClr val="bg1"/>
         </a:solidFill>
+        <a:effectLst/>
+      </p:bgPr>
+    </p:bg>
+    <p:spTree>
+      <p:nvGrpSpPr>
+        <p:cNvPr id="1" name=""/>
+        <p:cNvGrpSpPr/>
+        <p:nvPr/>
+      </p:nvGrpSpPr>
+      <p:grpSpPr>
+        <a:xfrm>
+          <a:off x="0" y="0"/>
+          <a:ext cx="0" cy="0"/>
+          <a:chOff x="0" y="0"/>
+          <a:chExt cx="0" cy="0"/>
+        </a:xfrm>
+      </p:grpSpPr>
+      <p:sp>
+        <p:nvSpPr>
+          <p:cNvPr id="3" name="Текст 2"/>
+          <p:cNvSpPr>
+            <a:spLocks noGrp="1"/>
+          </p:cNvSpPr>
+          <p:nvPr>
+            <p:ph type="body" idx="1"/>
+          </p:nvPr>
+        </p:nvSpPr>
+        <p:spPr>
+          <a:xfrm>
+            <a:off x="311700" y="702900"/>
+            <a:ext cx="4875936" cy="3865975"/>
+          </a:xfrm>
+        </p:spPr>
+        <p:txBody>
+          <a:bodyPr>
+            <a:normAutofit lnSpcReduction="10000"/>
+          </a:bodyPr>
+          <a:lstStyle/>
+          <a:p>
+            <a:pPr marL="139700" indent="0">
+              <a:lnSpc>
+                <a:spcPct val="150000"/>
+              </a:lnSpc>
+              <a:buNone/>
+            </a:pPr>
+            <a:r>
+              <a:rPr lang="ru-RU" sz="1800" b="1" dirty="0">
+                <a:solidFill>
+                  <a:srgbClr val="662483"/>
+                </a:solidFill>
+                <a:latin typeface="Tahoma"/>
+                <a:ea typeface="Tahoma"/>
+                <a:cs typeface="Tahoma"/>
+                <a:sym typeface="Tahoma"/>
+              </a:rPr>
+              <a:t>Цель </a:t>
+            </a:r>
+            <a:endParaRPr lang="en-US" sz="1800" dirty="0">
+              <a:latin typeface="Tahoma" panose="020B0604030504040204" pitchFamily="34" charset="0"/>
+              <a:ea typeface="Tahoma" panose="020B0604030504040204" pitchFamily="34" charset="0"/>
+              <a:cs typeface="Tahoma" panose="020B0604030504040204" pitchFamily="34" charset="0"/>
+            </a:endParaRPr>
+          </a:p>
+          <a:p>
+            <a:pPr>
+              <a:lnSpc>
+                <a:spcPct val="150000"/>
+              </a:lnSpc>
+            </a:pPr>
+            <a:r>
+              <a:rPr lang="ru-RU" dirty="0">
+                <a:solidFill>
+                  <a:schemeClr val="tx1"/>
+                </a:solidFill>
+                <a:latin typeface="Tahoma" panose="020B0604030504040204" pitchFamily="34" charset="0"/>
+                <a:ea typeface="Tahoma" panose="020B0604030504040204" pitchFamily="34" charset="0"/>
+                <a:cs typeface="Tahoma" panose="020B0604030504040204" pitchFamily="34" charset="0"/>
+              </a:rPr>
+              <a:t>Освоить </a:t>
+            </a:r>
+            <a:r>
+              <a:rPr lang="ru-RU" dirty="0">
+                <a:latin typeface="Tahoma" panose="020B0604030504040204" pitchFamily="34" charset="0"/>
+                <a:ea typeface="Tahoma" panose="020B0604030504040204" pitchFamily="34" charset="0"/>
+                <a:cs typeface="Tahoma" panose="020B0604030504040204" pitchFamily="34" charset="0"/>
+              </a:rPr>
+              <a:t>библиотеку </a:t>
+            </a:r>
+            <a:r>
+              <a:rPr lang="en-US" dirty="0" err="1">
+                <a:latin typeface="Tahoma" panose="020B0604030504040204" pitchFamily="34" charset="0"/>
+                <a:ea typeface="Tahoma" panose="020B0604030504040204" pitchFamily="34" charset="0"/>
+                <a:cs typeface="Tahoma" panose="020B0604030504040204" pitchFamily="34" charset="0"/>
+              </a:rPr>
+              <a:t>lodash</a:t>
+            </a:r>
+            <a:endParaRPr lang="en-US" dirty="0">
+              <a:latin typeface="Tahoma" panose="020B0604030504040204" pitchFamily="34" charset="0"/>
+              <a:ea typeface="Tahoma" panose="020B0604030504040204" pitchFamily="34" charset="0"/>
+              <a:cs typeface="Tahoma" panose="020B0604030504040204" pitchFamily="34" charset="0"/>
+            </a:endParaRPr>
+          </a:p>
+          <a:p>
+            <a:pPr>
+              <a:lnSpc>
+                <a:spcPct val="150000"/>
+              </a:lnSpc>
+            </a:pPr>
+            <a:r>
+              <a:rPr lang="ru-RU" dirty="0">
+                <a:solidFill>
+                  <a:schemeClr val="tx1"/>
+                </a:solidFill>
+                <a:latin typeface="Tahoma" panose="020B0604030504040204" pitchFamily="34" charset="0"/>
+                <a:ea typeface="Tahoma" panose="020B0604030504040204" pitchFamily="34" charset="0"/>
+                <a:cs typeface="Tahoma" panose="020B0604030504040204" pitchFamily="34" charset="0"/>
+              </a:rPr>
+              <a:t>Освоить библиотеку </a:t>
+            </a:r>
+            <a:r>
+              <a:rPr lang="en-US" dirty="0" err="1">
+                <a:solidFill>
+                  <a:schemeClr val="tx1"/>
+                </a:solidFill>
+                <a:latin typeface="Tahoma" panose="020B0604030504040204" pitchFamily="34" charset="0"/>
+                <a:ea typeface="Tahoma" panose="020B0604030504040204" pitchFamily="34" charset="0"/>
+                <a:cs typeface="Tahoma" panose="020B0604030504040204" pitchFamily="34" charset="0"/>
+              </a:rPr>
+              <a:t>axios</a:t>
+            </a:r>
+            <a:endParaRPr lang="en-US" dirty="0">
+              <a:solidFill>
+                <a:schemeClr val="tx1"/>
+              </a:solidFill>
+              <a:latin typeface="Tahoma" panose="020B0604030504040204" pitchFamily="34" charset="0"/>
+              <a:ea typeface="Tahoma" panose="020B0604030504040204" pitchFamily="34" charset="0"/>
+              <a:cs typeface="Tahoma" panose="020B0604030504040204" pitchFamily="34" charset="0"/>
+            </a:endParaRPr>
+          </a:p>
+          <a:p>
+            <a:pPr marL="139700" indent="0">
+              <a:lnSpc>
+                <a:spcPct val="150000"/>
+              </a:lnSpc>
+              <a:buNone/>
+            </a:pPr>
+            <a:endParaRPr lang="ru-RU" dirty="0">
+              <a:solidFill>
+                <a:schemeClr val="tx1"/>
+              </a:solidFill>
+              <a:latin typeface="Tahoma" panose="020B0604030504040204" pitchFamily="34" charset="0"/>
+              <a:ea typeface="Tahoma" panose="020B0604030504040204" pitchFamily="34" charset="0"/>
+              <a:cs typeface="Tahoma" panose="020B0604030504040204" pitchFamily="34" charset="0"/>
+            </a:endParaRPr>
+          </a:p>
+          <a:p>
+            <a:pPr marL="139700" indent="0">
+              <a:lnSpc>
+                <a:spcPct val="150000"/>
+              </a:lnSpc>
+              <a:buNone/>
+            </a:pPr>
+            <a:r>
+              <a:rPr lang="ru-RU" sz="1800" b="1" dirty="0">
+                <a:solidFill>
+                  <a:srgbClr val="662483"/>
+                </a:solidFill>
+                <a:latin typeface="Tahoma"/>
+                <a:ea typeface="Tahoma"/>
+                <a:cs typeface="Tahoma"/>
+                <a:sym typeface="Tahoma"/>
+              </a:rPr>
+              <a:t>Задачи </a:t>
+            </a:r>
+            <a:endParaRPr lang="ru-RU" sz="1800" dirty="0">
+              <a:latin typeface="Tahoma" panose="020B0604030504040204" pitchFamily="34" charset="0"/>
+              <a:ea typeface="Tahoma" panose="020B0604030504040204" pitchFamily="34" charset="0"/>
+              <a:cs typeface="Tahoma" panose="020B0604030504040204" pitchFamily="34" charset="0"/>
+            </a:endParaRPr>
+          </a:p>
+          <a:p>
+            <a:pPr fontAlgn="base">
+              <a:lnSpc>
+                <a:spcPct val="150000"/>
+              </a:lnSpc>
+            </a:pPr>
+            <a:r>
+              <a:rPr lang="ru-RU" dirty="0"/>
+              <a:t>Познакомиться с библиотекой </a:t>
+            </a:r>
+            <a:r>
+              <a:rPr lang="en-US" dirty="0" err="1"/>
+              <a:t>lodash</a:t>
+            </a:r>
+            <a:endParaRPr lang="en-US" dirty="0">
+              <a:solidFill>
+                <a:schemeClr val="tx1"/>
+              </a:solidFill>
+            </a:endParaRPr>
+          </a:p>
+          <a:p>
+            <a:pPr fontAlgn="base">
+              <a:lnSpc>
+                <a:spcPct val="150000"/>
+              </a:lnSpc>
+            </a:pPr>
+            <a:r>
+              <a:rPr lang="ru-RU" dirty="0"/>
+              <a:t>Понять какие проблемы </a:t>
+            </a:r>
+            <a:r>
+              <a:rPr lang="en-US" dirty="0" err="1"/>
+              <a:t>lodash</a:t>
+            </a:r>
+            <a:r>
+              <a:rPr lang="en-US" dirty="0"/>
+              <a:t> </a:t>
+            </a:r>
+            <a:r>
+              <a:rPr lang="ru-RU" dirty="0"/>
+              <a:t>решает</a:t>
+            </a:r>
+            <a:endParaRPr lang="ru-RU" dirty="0">
+              <a:solidFill>
+                <a:schemeClr val="tx1"/>
+              </a:solidFill>
+            </a:endParaRPr>
+          </a:p>
+          <a:p>
+            <a:pPr fontAlgn="base">
+              <a:lnSpc>
+                <a:spcPct val="150000"/>
+              </a:lnSpc>
+            </a:pPr>
+            <a:r>
+              <a:rPr lang="ru-RU" dirty="0">
+                <a:solidFill>
+                  <a:schemeClr val="tx1"/>
+                </a:solidFill>
+              </a:rPr>
+              <a:t>Попрактиковаться в использовании </a:t>
+            </a:r>
+            <a:r>
+              <a:rPr lang="en-US" dirty="0" err="1">
+                <a:solidFill>
+                  <a:schemeClr val="tx1"/>
+                </a:solidFill>
+              </a:rPr>
+              <a:t>lodash</a:t>
+            </a:r>
+            <a:endParaRPr lang="ru-RU" dirty="0">
+              <a:solidFill>
+                <a:schemeClr val="tx1"/>
+              </a:solidFill>
+            </a:endParaRPr>
+          </a:p>
+          <a:p>
+            <a:pPr fontAlgn="base">
+              <a:lnSpc>
+                <a:spcPct val="150000"/>
+              </a:lnSpc>
+            </a:pPr>
+            <a:r>
+              <a:rPr lang="ru-RU" dirty="0"/>
+              <a:t>Познакомиться с библиотекой </a:t>
+            </a:r>
+            <a:r>
+              <a:rPr lang="en-US" dirty="0" err="1"/>
+              <a:t>axios</a:t>
+            </a:r>
+            <a:endParaRPr lang="en-US" dirty="0"/>
+          </a:p>
+          <a:p>
+            <a:pPr fontAlgn="base">
+              <a:lnSpc>
+                <a:spcPct val="150000"/>
+              </a:lnSpc>
+            </a:pPr>
+            <a:r>
+              <a:rPr lang="ru-RU" dirty="0"/>
+              <a:t>Понять какие проблемы </a:t>
+            </a:r>
+            <a:r>
+              <a:rPr lang="en-US" dirty="0" err="1"/>
+              <a:t>axios</a:t>
+            </a:r>
+            <a:r>
+              <a:rPr lang="en-US" dirty="0"/>
+              <a:t> </a:t>
+            </a:r>
+            <a:r>
+              <a:rPr lang="ru-RU" dirty="0"/>
+              <a:t>решает</a:t>
+            </a:r>
+            <a:endParaRPr lang="en-US" dirty="0"/>
+          </a:p>
+          <a:p>
+            <a:pPr fontAlgn="base">
+              <a:lnSpc>
+                <a:spcPct val="150000"/>
+              </a:lnSpc>
+            </a:pPr>
+            <a:r>
+              <a:rPr lang="ru-RU" dirty="0"/>
+              <a:t>Попрактиковаться в использовании </a:t>
+            </a:r>
+            <a:r>
+              <a:rPr lang="en-US" dirty="0" err="1"/>
+              <a:t>axios</a:t>
+            </a:r>
+            <a:endParaRPr lang="ru-RU" dirty="0"/>
+          </a:p>
+          <a:p>
+            <a:pPr marL="139700" indent="0" fontAlgn="base">
+              <a:lnSpc>
+                <a:spcPct val="150000"/>
+              </a:lnSpc>
+              <a:buNone/>
+            </a:pPr>
+            <a:endParaRPr lang="ru-RU" dirty="0"/>
+          </a:p>
+          <a:p>
+            <a:pPr fontAlgn="base">
+              <a:lnSpc>
+                <a:spcPct val="150000"/>
+              </a:lnSpc>
+            </a:pPr>
+            <a:endParaRPr lang="en-US" dirty="0">
+              <a:solidFill>
+                <a:schemeClr val="tx1"/>
+              </a:solidFill>
+            </a:endParaRPr>
+          </a:p>
+          <a:p>
+            <a:pPr fontAlgn="base">
+              <a:lnSpc>
+                <a:spcPct val="150000"/>
+              </a:lnSpc>
+            </a:pPr>
+            <a:endParaRPr lang="ru-RU" dirty="0">
+              <a:solidFill>
+                <a:schemeClr val="tx1"/>
+              </a:solidFill>
+            </a:endParaRPr>
+          </a:p>
+        </p:txBody>
+      </p:sp>
+      <p:grpSp>
+        <p:nvGrpSpPr>
+          <p:cNvPr id="5" name="Google Shape;63;p14"/>
+          <p:cNvGrpSpPr/>
+          <p:nvPr/>
+        </p:nvGrpSpPr>
+        <p:grpSpPr>
+          <a:xfrm>
+            <a:off x="0" y="0"/>
+            <a:ext cx="9144000" cy="633000"/>
+            <a:chOff x="125" y="215925"/>
+            <a:chExt cx="9144000" cy="633000"/>
+          </a:xfrm>
+        </p:grpSpPr>
+        <p:sp>
+          <p:nvSpPr>
+            <p:cNvPr id="6" name="Google Shape;64;p14"/>
+            <p:cNvSpPr/>
+            <p:nvPr/>
+          </p:nvSpPr>
+          <p:spPr>
+            <a:xfrm>
+              <a:off x="125" y="215925"/>
+              <a:ext cx="9144000" cy="633000"/>
+            </a:xfrm>
+            <a:prstGeom prst="rect">
+              <a:avLst/>
+            </a:prstGeom>
+            <a:solidFill>
+              <a:srgbClr val="88AF43"/>
+            </a:solidFill>
+            <a:ln w="9525" cap="flat" cmpd="sng">
+              <a:solidFill>
+                <a:srgbClr val="88AF43"/>
+              </a:solidFill>
+              <a:prstDash val="solid"/>
+              <a:round/>
+              <a:headEnd type="none" w="sm" len="sm"/>
+              <a:tailEnd type="none" w="sm" len="sm"/>
+            </a:ln>
+          </p:spPr>
+          <p:txBody>
+            <a:bodyPr spcFirstLastPara="1" wrap="square" lIns="91425" tIns="91425" rIns="91425" bIns="91425" anchor="ctr" anchorCtr="0">
+              <a:noAutofit/>
+            </a:bodyPr>
+            <a:lstStyle/>
+            <a:p>
+              <a:pPr marL="0" lvl="0" indent="0">
+                <a:spcBef>
+                  <a:spcPts val="0"/>
+                </a:spcBef>
+                <a:spcAft>
+                  <a:spcPts val="0"/>
+                </a:spcAft>
+                <a:buNone/>
+              </a:pPr>
+              <a:endParaRPr/>
+            </a:p>
+          </p:txBody>
+        </p:sp>
+        <p:sp>
+          <p:nvSpPr>
+            <p:cNvPr id="7" name="Google Shape;65;p14"/>
+            <p:cNvSpPr txBox="1"/>
+            <p:nvPr/>
+          </p:nvSpPr>
+          <p:spPr>
+            <a:xfrm>
+              <a:off x="181650" y="285825"/>
+              <a:ext cx="5786400" cy="493200"/>
+            </a:xfrm>
+            <a:prstGeom prst="rect">
+              <a:avLst/>
+            </a:prstGeom>
+            <a:noFill/>
+            <a:ln>
+              <a:noFill/>
+            </a:ln>
+          </p:spPr>
+          <p:txBody>
+            <a:bodyPr spcFirstLastPara="1" wrap="square" lIns="91425" tIns="91425" rIns="91425" bIns="91425" anchor="t" anchorCtr="0">
+              <a:noAutofit/>
+            </a:bodyPr>
+            <a:lstStyle/>
+            <a:p>
+              <a:pPr marL="0" lvl="0" indent="0" rtl="0">
+                <a:spcBef>
+                  <a:spcPts val="0"/>
+                </a:spcBef>
+                <a:spcAft>
+                  <a:spcPts val="0"/>
+                </a:spcAft>
+                <a:buNone/>
+              </a:pPr>
+              <a:r>
+                <a:rPr lang="ru-RU" sz="2000" dirty="0">
+                  <a:solidFill>
+                    <a:srgbClr val="FFFFFF"/>
+                  </a:solidFill>
+                  <a:latin typeface="Tahoma"/>
+                  <a:ea typeface="Tahoma"/>
+                  <a:cs typeface="Tahoma"/>
+                  <a:sym typeface="Tahoma"/>
+                </a:rPr>
+                <a:t>Цель и задачи </a:t>
+              </a:r>
+              <a:r>
+                <a:rPr lang="ru" sz="2000" dirty="0">
+                  <a:solidFill>
+                    <a:srgbClr val="FFFFFF"/>
+                  </a:solidFill>
+                  <a:latin typeface="Tahoma"/>
+                  <a:ea typeface="Tahoma"/>
+                  <a:cs typeface="Tahoma"/>
+                  <a:sym typeface="Tahoma"/>
+                </a:rPr>
+                <a:t>занятия</a:t>
+              </a:r>
+            </a:p>
+          </p:txBody>
+        </p:sp>
+      </p:grpSp>
+      <p:sp>
+        <p:nvSpPr>
+          <p:cNvPr id="8" name="Google Shape;73;p15"/>
+          <p:cNvSpPr/>
+          <p:nvPr/>
+        </p:nvSpPr>
+        <p:spPr>
+          <a:xfrm>
+            <a:off x="0" y="5038200"/>
+            <a:ext cx="9144000" cy="105300"/>
+          </a:xfrm>
+          <a:prstGeom prst="rect">
+            <a:avLst/>
+          </a:prstGeom>
+          <a:solidFill>
+            <a:srgbClr val="662483"/>
+          </a:solidFill>
+          <a:ln w="9525" cap="flat" cmpd="sng">
+            <a:solidFill>
+              <a:srgbClr val="662483"/>
+            </a:solidFill>
+            <a:prstDash val="solid"/>
+            <a:round/>
+            <a:headEnd type="none" w="sm" len="sm"/>
+            <a:tailEnd type="none" w="sm" len="sm"/>
+          </a:ln>
+        </p:spPr>
+        <p:txBody>
+          <a:bodyPr spcFirstLastPara="1" wrap="square" lIns="91425" tIns="91425" rIns="91425" bIns="91425" anchor="ctr" anchorCtr="0">
+            <a:noAutofit/>
+          </a:bodyPr>
+          <a:lstStyle/>
+          <a:p>
+            <a:pPr marL="0" lvl="0" indent="0">
+              <a:spcBef>
+                <a:spcPts val="0"/>
+              </a:spcBef>
+              <a:spcAft>
+                <a:spcPts val="0"/>
+              </a:spcAft>
+              <a:buNone/>
+            </a:pPr>
+            <a:endParaRPr/>
+          </a:p>
+        </p:txBody>
+      </p:sp>
+      <p:pic>
+        <p:nvPicPr>
+          <p:cNvPr id="4" name="Рисунок 3">
+            <a:extLst>
+              <a:ext uri="{FF2B5EF4-FFF2-40B4-BE49-F238E27FC236}">
+                <a16:creationId xmlns:a16="http://schemas.microsoft.com/office/drawing/2014/main" id="{B292344E-851E-334B-9011-B722ACA04B94}"/>
+              </a:ext>
+            </a:extLst>
+          </p:cNvPr>
+          <p:cNvPicPr>
+            <a:picLocks noChangeAspect="1"/>
+          </p:cNvPicPr>
+          <p:nvPr/>
+        </p:nvPicPr>
+        <p:blipFill>
+          <a:blip r:embed="rId2"/>
+          <a:stretch>
+            <a:fillRect/>
+          </a:stretch>
+        </p:blipFill>
+        <p:spPr>
+          <a:xfrm>
+            <a:off x="6172199" y="1102325"/>
+            <a:ext cx="1270000" cy="1270000"/>
+          </a:xfrm>
+          <a:prstGeom prst="rect">
+            <a:avLst/>
+          </a:prstGeom>
+        </p:spPr>
+      </p:pic>
+      <p:pic>
+        <p:nvPicPr>
+          <p:cNvPr id="12" name="Рисунок 11">
+            <a:extLst>
+              <a:ext uri="{FF2B5EF4-FFF2-40B4-BE49-F238E27FC236}">
+                <a16:creationId xmlns:a16="http://schemas.microsoft.com/office/drawing/2014/main" id="{52DCF295-4D22-4F4E-A112-99F652783821}"/>
+              </a:ext>
+            </a:extLst>
+          </p:cNvPr>
+          <p:cNvPicPr>
+            <a:picLocks noChangeAspect="1"/>
+          </p:cNvPicPr>
+          <p:nvPr/>
+        </p:nvPicPr>
+        <p:blipFill>
+          <a:blip r:embed="rId3"/>
+          <a:stretch>
+            <a:fillRect/>
+          </a:stretch>
+        </p:blipFill>
+        <p:spPr>
+          <a:xfrm>
+            <a:off x="5333999" y="2879431"/>
+            <a:ext cx="3234267" cy="838888"/>
+          </a:xfrm>
+          <a:prstGeom prst="rect">
+            <a:avLst/>
+          </a:prstGeom>
+        </p:spPr>
+      </p:pic>
+    </p:spTree>
+    <p:extLst>
+      <p:ext uri="{BB962C8B-B14F-4D97-AF65-F5344CB8AC3E}">
+        <p14:creationId xmlns:p14="http://schemas.microsoft.com/office/powerpoint/2010/main" val="3966406052"/>
+      </p:ext>
+    </p:extLst>
+  </p:cSld>
+  <p:clrMapOvr>
+    <a:masterClrMapping/>
+  </p:clrMapOvr>
+</p:sld>
+</file>
+
+<file path=ppt/slides/slide3.xml><?xml version="1.0" encoding="utf-8"?>
+<p:sld xmlns:a="http://schemas.openxmlformats.org/drawingml/2006/main" xmlns:r="http://schemas.openxmlformats.org/officeDocument/2006/relationships" xmlns:p="http://schemas.openxmlformats.org/presentationml/2006/main">
+  <p:cSld>
+    <p:bg>
+      <p:bgPr>
+        <a:solidFill>
+          <a:schemeClr val="bg1"/>
+        </a:solidFill>
+        <a:effectLst/>
+      </p:bgPr>
+    </p:bg>
+    <p:spTree>
+      <p:nvGrpSpPr>
+        <p:cNvPr id="1" name=""/>
+        <p:cNvGrpSpPr/>
+        <p:nvPr/>
+      </p:nvGrpSpPr>
+      <p:grpSpPr>
+        <a:xfrm>
+          <a:off x="0" y="0"/>
+          <a:ext cx="0" cy="0"/>
+          <a:chOff x="0" y="0"/>
+          <a:chExt cx="0" cy="0"/>
+        </a:xfrm>
+      </p:grpSpPr>
+      <p:grpSp>
+        <p:nvGrpSpPr>
+          <p:cNvPr id="5" name="Google Shape;63;p14"/>
+          <p:cNvGrpSpPr/>
+          <p:nvPr/>
+        </p:nvGrpSpPr>
+        <p:grpSpPr>
+          <a:xfrm>
+            <a:off x="0" y="0"/>
+            <a:ext cx="9144000" cy="633000"/>
+            <a:chOff x="125" y="215925"/>
+            <a:chExt cx="9144000" cy="633000"/>
+          </a:xfrm>
+        </p:grpSpPr>
+        <p:sp>
+          <p:nvSpPr>
+            <p:cNvPr id="6" name="Google Shape;64;p14"/>
+            <p:cNvSpPr/>
+            <p:nvPr/>
+          </p:nvSpPr>
+          <p:spPr>
+            <a:xfrm>
+              <a:off x="125" y="215925"/>
+              <a:ext cx="9144000" cy="633000"/>
+            </a:xfrm>
+            <a:prstGeom prst="rect">
+              <a:avLst/>
+            </a:prstGeom>
+            <a:solidFill>
+              <a:srgbClr val="88AF43"/>
+            </a:solidFill>
+            <a:ln w="9525" cap="flat" cmpd="sng">
+              <a:solidFill>
+                <a:srgbClr val="88AF43"/>
+              </a:solidFill>
+              <a:prstDash val="solid"/>
+              <a:round/>
+              <a:headEnd type="none" w="sm" len="sm"/>
+              <a:tailEnd type="none" w="sm" len="sm"/>
+            </a:ln>
+          </p:spPr>
+          <p:txBody>
+            <a:bodyPr spcFirstLastPara="1" wrap="square" lIns="91425" tIns="91425" rIns="91425" bIns="91425" anchor="ctr" anchorCtr="0">
+              <a:noAutofit/>
+            </a:bodyPr>
+            <a:lstStyle/>
+            <a:p>
+              <a:pPr marL="0" lvl="0" indent="0">
+                <a:spcBef>
+                  <a:spcPts val="0"/>
+                </a:spcBef>
+                <a:spcAft>
+                  <a:spcPts val="0"/>
+                </a:spcAft>
+                <a:buNone/>
+              </a:pPr>
+              <a:endParaRPr/>
+            </a:p>
+          </p:txBody>
+        </p:sp>
+        <p:sp>
+          <p:nvSpPr>
+            <p:cNvPr id="7" name="Google Shape;65;p14"/>
+            <p:cNvSpPr txBox="1"/>
+            <p:nvPr/>
+          </p:nvSpPr>
+          <p:spPr>
+            <a:xfrm>
+              <a:off x="181650" y="285825"/>
+              <a:ext cx="5786400" cy="493200"/>
+            </a:xfrm>
+            <a:prstGeom prst="rect">
+              <a:avLst/>
+            </a:prstGeom>
+            <a:noFill/>
+            <a:ln>
+              <a:noFill/>
+            </a:ln>
+          </p:spPr>
+          <p:txBody>
+            <a:bodyPr spcFirstLastPara="1" wrap="square" lIns="91425" tIns="91425" rIns="91425" bIns="91425" anchor="t" anchorCtr="0">
+              <a:noAutofit/>
+            </a:bodyPr>
+            <a:lstStyle/>
+            <a:p>
+              <a:pPr lvl="0"/>
+              <a:r>
+                <a:rPr lang="ru" sz="2000" dirty="0">
+                  <a:solidFill>
+                    <a:srgbClr val="FFFFFF"/>
+                  </a:solidFill>
+                  <a:latin typeface="Tahoma"/>
+                  <a:ea typeface="Tahoma"/>
+                  <a:cs typeface="Tahoma"/>
+                  <a:sym typeface="Tahoma"/>
+                </a:rPr>
+                <a:t>План занятия</a:t>
+              </a:r>
+            </a:p>
+          </p:txBody>
+        </p:sp>
+      </p:grpSp>
+      <p:sp>
+        <p:nvSpPr>
+          <p:cNvPr id="8" name="Google Shape;73;p15"/>
+          <p:cNvSpPr/>
+          <p:nvPr/>
+        </p:nvSpPr>
+        <p:spPr>
+          <a:xfrm>
+            <a:off x="0" y="5038200"/>
+            <a:ext cx="9144000" cy="105300"/>
+          </a:xfrm>
+          <a:prstGeom prst="rect">
+            <a:avLst/>
+          </a:prstGeom>
+          <a:solidFill>
+            <a:srgbClr val="662483"/>
+          </a:solidFill>
+          <a:ln w="9525" cap="flat" cmpd="sng">
+            <a:solidFill>
+              <a:srgbClr val="662483"/>
+            </a:solidFill>
+            <a:prstDash val="solid"/>
+            <a:round/>
+            <a:headEnd type="none" w="sm" len="sm"/>
+            <a:tailEnd type="none" w="sm" len="sm"/>
+          </a:ln>
+        </p:spPr>
+        <p:txBody>
+          <a:bodyPr spcFirstLastPara="1" wrap="square" lIns="91425" tIns="91425" rIns="91425" bIns="91425" anchor="ctr" anchorCtr="0">
+            <a:noAutofit/>
+          </a:bodyPr>
+          <a:lstStyle/>
+          <a:p>
+            <a:pPr marL="0" lvl="0" indent="0">
+              <a:spcBef>
+                <a:spcPts val="0"/>
+              </a:spcBef>
+              <a:spcAft>
+                <a:spcPts val="0"/>
+              </a:spcAft>
+              <a:buNone/>
+            </a:pPr>
+            <a:endParaRPr/>
+          </a:p>
+        </p:txBody>
+      </p:sp>
+      <p:pic>
+        <p:nvPicPr>
+          <p:cNvPr id="4" name="Рисунок 3">
+            <a:extLst>
+              <a:ext uri="{FF2B5EF4-FFF2-40B4-BE49-F238E27FC236}">
+                <a16:creationId xmlns:a16="http://schemas.microsoft.com/office/drawing/2014/main" id="{B292344E-851E-334B-9011-B722ACA04B94}"/>
+              </a:ext>
+            </a:extLst>
+          </p:cNvPr>
+          <p:cNvPicPr>
+            <a:picLocks noChangeAspect="1"/>
+          </p:cNvPicPr>
+          <p:nvPr/>
+        </p:nvPicPr>
+        <p:blipFill>
+          <a:blip r:embed="rId2"/>
+          <a:stretch>
+            <a:fillRect/>
+          </a:stretch>
+        </p:blipFill>
+        <p:spPr>
+          <a:xfrm>
+            <a:off x="6172199" y="1102325"/>
+            <a:ext cx="1270000" cy="1270000"/>
+          </a:xfrm>
+          <a:prstGeom prst="rect">
+            <a:avLst/>
+          </a:prstGeom>
+        </p:spPr>
+      </p:pic>
+      <p:pic>
+        <p:nvPicPr>
+          <p:cNvPr id="12" name="Рисунок 11">
+            <a:extLst>
+              <a:ext uri="{FF2B5EF4-FFF2-40B4-BE49-F238E27FC236}">
+                <a16:creationId xmlns:a16="http://schemas.microsoft.com/office/drawing/2014/main" id="{52DCF295-4D22-4F4E-A112-99F652783821}"/>
+              </a:ext>
+            </a:extLst>
+          </p:cNvPr>
+          <p:cNvPicPr>
+            <a:picLocks noChangeAspect="1"/>
+          </p:cNvPicPr>
+          <p:nvPr/>
+        </p:nvPicPr>
+        <p:blipFill>
+          <a:blip r:embed="rId3"/>
+          <a:stretch>
+            <a:fillRect/>
+          </a:stretch>
+        </p:blipFill>
+        <p:spPr>
+          <a:xfrm>
+            <a:off x="5333999" y="2879431"/>
+            <a:ext cx="3234267" cy="838888"/>
+          </a:xfrm>
+          <a:prstGeom prst="rect">
+            <a:avLst/>
+          </a:prstGeom>
+        </p:spPr>
+      </p:pic>
+      <p:sp>
+        <p:nvSpPr>
+          <p:cNvPr id="11" name="Текст 2">
+            <a:extLst>
+              <a:ext uri="{FF2B5EF4-FFF2-40B4-BE49-F238E27FC236}">
+                <a16:creationId xmlns:a16="http://schemas.microsoft.com/office/drawing/2014/main" id="{F63A2100-2D71-0944-A99C-0B3C83220EF4}"/>
+              </a:ext>
+            </a:extLst>
+          </p:cNvPr>
+          <p:cNvSpPr>
+            <a:spLocks noGrp="1"/>
+          </p:cNvSpPr>
+          <p:nvPr>
+            <p:ph type="body" idx="1"/>
+          </p:nvPr>
+        </p:nvSpPr>
+        <p:spPr>
+          <a:xfrm>
+            <a:off x="298636" y="930405"/>
+            <a:ext cx="5200733" cy="3902851"/>
+          </a:xfrm>
+        </p:spPr>
+        <p:txBody>
+          <a:bodyPr>
+            <a:normAutofit fontScale="92500"/>
+          </a:bodyPr>
+          <a:lstStyle/>
+          <a:p>
+            <a:pPr>
+              <a:lnSpc>
+                <a:spcPct val="150000"/>
+              </a:lnSpc>
+            </a:pPr>
+            <a:r>
+              <a:rPr lang="ru-RU" dirty="0"/>
+              <a:t>Зачем нужны утилитарные библиотеки</a:t>
+            </a:r>
+            <a:endParaRPr lang="en-US" dirty="0">
+              <a:solidFill>
+                <a:schemeClr val="tx1"/>
+              </a:solidFill>
+            </a:endParaRPr>
+          </a:p>
+          <a:p>
+            <a:pPr>
+              <a:lnSpc>
+                <a:spcPct val="150000"/>
+              </a:lnSpc>
+            </a:pPr>
+            <a:r>
+              <a:rPr lang="ru-RU" dirty="0"/>
+              <a:t>История появления библиотеки </a:t>
+            </a:r>
+            <a:r>
+              <a:rPr lang="en-US" dirty="0" err="1"/>
+              <a:t>lodash</a:t>
+            </a:r>
+            <a:endParaRPr lang="ru-RU" dirty="0">
+              <a:solidFill>
+                <a:schemeClr val="tx1"/>
+              </a:solidFill>
+            </a:endParaRPr>
+          </a:p>
+          <a:p>
+            <a:pPr fontAlgn="base">
+              <a:lnSpc>
+                <a:spcPct val="150000"/>
+              </a:lnSpc>
+            </a:pPr>
+            <a:r>
+              <a:rPr lang="ru-RU" dirty="0"/>
+              <a:t>Возможности библиотеки </a:t>
+            </a:r>
+            <a:r>
+              <a:rPr lang="en-US" dirty="0" err="1"/>
+              <a:t>lodash</a:t>
+            </a:r>
+            <a:r>
+              <a:rPr lang="en-US" dirty="0"/>
+              <a:t> (</a:t>
+            </a:r>
+            <a:r>
+              <a:rPr lang="ru-RU" dirty="0"/>
+              <a:t>примеры использования</a:t>
+            </a:r>
+            <a:r>
+              <a:rPr lang="en-US" dirty="0"/>
+              <a:t>)</a:t>
+            </a:r>
+            <a:endParaRPr lang="ru-RU" dirty="0">
+              <a:solidFill>
+                <a:schemeClr val="tx1"/>
+              </a:solidFill>
+            </a:endParaRPr>
+          </a:p>
+          <a:p>
+            <a:pPr fontAlgn="base">
+              <a:lnSpc>
+                <a:spcPct val="150000"/>
+              </a:lnSpc>
+            </a:pPr>
+            <a:r>
+              <a:rPr lang="ru-RU" dirty="0"/>
+              <a:t>Проблемы которые решает библиотека </a:t>
+            </a:r>
+            <a:r>
+              <a:rPr lang="en-US" dirty="0" err="1"/>
+              <a:t>lodash</a:t>
+            </a:r>
+            <a:endParaRPr lang="en-US" dirty="0"/>
+          </a:p>
+          <a:p>
+            <a:pPr fontAlgn="base">
+              <a:lnSpc>
+                <a:spcPct val="150000"/>
+              </a:lnSpc>
+            </a:pPr>
+            <a:r>
+              <a:rPr lang="en-US" dirty="0" err="1">
+                <a:solidFill>
+                  <a:schemeClr val="tx1"/>
+                </a:solidFill>
+              </a:rPr>
+              <a:t>Lodash</a:t>
+            </a:r>
+            <a:r>
+              <a:rPr lang="en-US" dirty="0">
+                <a:solidFill>
+                  <a:schemeClr val="tx1"/>
+                </a:solidFill>
+              </a:rPr>
+              <a:t> </a:t>
+            </a:r>
+            <a:r>
+              <a:rPr lang="ru-RU" dirty="0">
+                <a:solidFill>
+                  <a:schemeClr val="tx1"/>
+                </a:solidFill>
+              </a:rPr>
+              <a:t>и функциональное программирование (тут простой пример)</a:t>
+            </a:r>
+            <a:endParaRPr lang="en-US" dirty="0">
+              <a:solidFill>
+                <a:schemeClr val="tx1"/>
+              </a:solidFill>
+            </a:endParaRPr>
+          </a:p>
+          <a:p>
+            <a:pPr fontAlgn="base">
+              <a:lnSpc>
+                <a:spcPct val="150000"/>
+              </a:lnSpc>
+            </a:pPr>
+            <a:r>
+              <a:rPr lang="ru-RU" dirty="0"/>
+              <a:t>История появления библиотеки </a:t>
+            </a:r>
+            <a:r>
+              <a:rPr lang="en-US" dirty="0" err="1"/>
+              <a:t>axios</a:t>
+            </a:r>
+            <a:endParaRPr lang="ru-RU" dirty="0">
+              <a:solidFill>
+                <a:schemeClr val="tx1"/>
+              </a:solidFill>
+            </a:endParaRPr>
+          </a:p>
+          <a:p>
+            <a:pPr fontAlgn="base">
+              <a:lnSpc>
+                <a:spcPct val="150000"/>
+              </a:lnSpc>
+            </a:pPr>
+            <a:r>
+              <a:rPr lang="en-US" dirty="0">
+                <a:solidFill>
+                  <a:schemeClr val="tx1"/>
+                </a:solidFill>
+              </a:rPr>
+              <a:t>GET </a:t>
+            </a:r>
+            <a:r>
+              <a:rPr lang="ru-RU" dirty="0">
+                <a:solidFill>
+                  <a:schemeClr val="tx1"/>
+                </a:solidFill>
+              </a:rPr>
+              <a:t>и </a:t>
+            </a:r>
+            <a:r>
+              <a:rPr lang="en-US" dirty="0">
+                <a:solidFill>
+                  <a:schemeClr val="tx1"/>
+                </a:solidFill>
+              </a:rPr>
+              <a:t>POST </a:t>
+            </a:r>
+            <a:r>
+              <a:rPr lang="ru-RU" dirty="0">
+                <a:solidFill>
+                  <a:schemeClr val="tx1"/>
+                </a:solidFill>
+              </a:rPr>
+              <a:t>через библиотеку </a:t>
+            </a:r>
+            <a:r>
+              <a:rPr lang="en-US" dirty="0" err="1">
+                <a:solidFill>
+                  <a:schemeClr val="tx1"/>
+                </a:solidFill>
+              </a:rPr>
+              <a:t>axios</a:t>
+            </a:r>
+            <a:r>
+              <a:rPr lang="ru-RU" dirty="0">
+                <a:solidFill>
+                  <a:schemeClr val="tx1"/>
+                </a:solidFill>
+              </a:rPr>
+              <a:t> (пример с простыми параметрами)</a:t>
+            </a:r>
+          </a:p>
+          <a:p>
+            <a:pPr fontAlgn="base">
+              <a:lnSpc>
+                <a:spcPct val="150000"/>
+              </a:lnSpc>
+            </a:pPr>
+            <a:r>
+              <a:rPr lang="en-US" dirty="0" err="1">
+                <a:solidFill>
+                  <a:schemeClr val="tx1"/>
+                </a:solidFill>
+              </a:rPr>
+              <a:t>Axios</a:t>
+            </a:r>
+            <a:r>
+              <a:rPr lang="en-US" dirty="0"/>
+              <a:t> interceptors</a:t>
+            </a:r>
+            <a:r>
+              <a:rPr lang="ru-RU" dirty="0"/>
+              <a:t> (простой пример как можно менять ответ и делать </a:t>
+            </a:r>
+            <a:r>
+              <a:rPr lang="ru-RU" dirty="0" err="1"/>
+              <a:t>редирект</a:t>
+            </a:r>
+            <a:r>
+              <a:rPr lang="ru-RU" dirty="0"/>
+              <a:t>)</a:t>
+            </a:r>
+            <a:endParaRPr lang="en-US" dirty="0"/>
+          </a:p>
+          <a:p>
+            <a:pPr fontAlgn="base">
+              <a:lnSpc>
+                <a:spcPct val="150000"/>
+              </a:lnSpc>
+            </a:pPr>
+            <a:r>
+              <a:rPr lang="ru-RU" dirty="0">
+                <a:solidFill>
+                  <a:schemeClr val="tx1"/>
+                </a:solidFill>
+                <a:latin typeface="Tahoma" panose="020B0604030504040204" pitchFamily="34" charset="0"/>
+                <a:ea typeface="Tahoma" panose="020B0604030504040204" pitchFamily="34" charset="0"/>
+                <a:cs typeface="Tahoma" panose="020B0604030504040204" pitchFamily="34" charset="0"/>
+              </a:rPr>
+              <a:t>Ответы на вопросы</a:t>
+            </a:r>
+          </a:p>
+        </p:txBody>
+      </p:sp>
+    </p:spTree>
+    <p:extLst>
+      <p:ext uri="{BB962C8B-B14F-4D97-AF65-F5344CB8AC3E}">
+        <p14:creationId xmlns:p14="http://schemas.microsoft.com/office/powerpoint/2010/main" val="1506609117"/>
+      </p:ext>
+    </p:extLst>
+  </p:cSld>
+  <p:clrMapOvr>
+    <a:masterClrMapping/>
+  </p:clrMapOvr>
+</p:sld>
+</file>
+
+<file path=ppt/slides/slide4.xml><?xml version="1.0" encoding="utf-8"?>
+<p:sld xmlns:a="http://schemas.openxmlformats.org/drawingml/2006/main" xmlns:r="http://schemas.openxmlformats.org/officeDocument/2006/relationships" xmlns:p="http://schemas.openxmlformats.org/presentationml/2006/main">
+  <p:cSld>
+    <p:bg>
+      <p:bgPr>
+        <a:solidFill>
+          <a:srgbClr val="FFFFFF"/>
+        </a:solidFill>
+        <a:effectLst/>
       </p:bgPr>
     </p:bg>
     <p:spTree>
@@ -5215,19 +8536,25 @@
               <a:avLst/>
             </a:prstGeom>
             <a:solidFill>
-              <a:srgbClr val="88af43"/>
+              <a:srgbClr val="88AF43"/>
             </a:solidFill>
             <a:ln w="9360">
               <a:solidFill>
-                <a:srgbClr val="88af43"/>
+                <a:srgbClr val="88AF43"/>
               </a:solidFill>
               <a:round/>
             </a:ln>
           </p:spPr>
           <p:style>
-            <a:lnRef idx="0"/>
-            <a:fillRef idx="0"/>
-            <a:effectRef idx="0"/>
+            <a:lnRef idx="0">
+              <a:scrgbClr r="0" g="0" b="0"/>
+            </a:lnRef>
+            <a:fillRef idx="0">
+              <a:scrgbClr r="0" g="0" b="0"/>
+            </a:fillRef>
+            <a:effectRef idx="0">
+              <a:scrgbClr r="0" g="0" b="0"/>
+            </a:effectRef>
             <a:fontRef idx="minor"/>
           </p:style>
         </p:sp>
@@ -5251,13 +8578,20 @@
             </a:ln>
           </p:spPr>
           <p:style>
-            <a:lnRef idx="0"/>
-            <a:fillRef idx="0"/>
-            <a:effectRef idx="0"/>
+            <a:lnRef idx="0">
+              <a:scrgbClr r="0" g="0" b="0"/>
+            </a:lnRef>
+            <a:fillRef idx="0">
+              <a:scrgbClr r="0" g="0" b="0"/>
+            </a:fillRef>
+            <a:effectRef idx="0">
+              <a:scrgbClr r="0" g="0" b="0"/>
+            </a:effectRef>
             <a:fontRef idx="minor"/>
           </p:style>
           <p:txBody>
-            <a:bodyPr lIns="90000" rIns="90000" tIns="91440" bIns="91440"/>
+            <a:bodyPr lIns="90000" tIns="91440" rIns="90000" bIns="91440"/>
+            <a:lstStyle/>
             <a:p>
               <a:pPr>
                 <a:lnSpc>
@@ -5265,16 +8599,16 @@
                 </a:lnSpc>
               </a:pPr>
               <a:r>
-                <a:rPr b="0" lang="ru-RU" sz="2000" spc="-1" strike="noStrike">
+                <a:rPr lang="ru-RU" sz="2000" b="0" strike="noStrike" spc="-1" dirty="0">
                   <a:solidFill>
-                    <a:srgbClr val="ffffff"/>
+                    <a:srgbClr val="FFFFFF"/>
                   </a:solidFill>
                   <a:latin typeface="Tahoma"/>
                   <a:ea typeface="Tahoma"/>
                 </a:rPr>
                 <a:t>Что за библиотека и почему её следует использовать</a:t>
               </a:r>
-              <a:endParaRPr b="0" lang="ru-RU" sz="2000" spc="-1" strike="noStrike">
+              <a:endParaRPr lang="ru-RU" sz="2000" b="0" strike="noStrike" spc="-1" dirty="0">
                 <a:latin typeface="Arial"/>
               </a:endParaRPr>
             </a:p>
@@ -5306,9 +8640,15 @@
           </a:ln>
         </p:spPr>
         <p:style>
-          <a:lnRef idx="0"/>
-          <a:fillRef idx="0"/>
-          <a:effectRef idx="0"/>
+          <a:lnRef idx="0">
+            <a:scrgbClr r="0" g="0" b="0"/>
+          </a:lnRef>
+          <a:fillRef idx="0">
+            <a:scrgbClr r="0" g="0" b="0"/>
+          </a:fillRef>
+          <a:effectRef idx="0">
+            <a:scrgbClr r="0" g="0" b="0"/>
+          </a:effectRef>
           <a:fontRef idx="minor"/>
         </p:style>
       </p:sp>
@@ -5332,13 +8672,20 @@
           </a:ln>
         </p:spPr>
         <p:style>
-          <a:lnRef idx="0"/>
-          <a:fillRef idx="0"/>
-          <a:effectRef idx="0"/>
+          <a:lnRef idx="0">
+            <a:scrgbClr r="0" g="0" b="0"/>
+          </a:lnRef>
+          <a:fillRef idx="0">
+            <a:scrgbClr r="0" g="0" b="0"/>
+          </a:fillRef>
+          <a:effectRef idx="0">
+            <a:scrgbClr r="0" g="0" b="0"/>
+          </a:effectRef>
           <a:fontRef idx="minor"/>
         </p:style>
         <p:txBody>
-          <a:bodyPr lIns="90000" rIns="90000" tIns="45000" bIns="45000"/>
+          <a:bodyPr lIns="90000" tIns="45000" rIns="90000" bIns="45000"/>
+          <a:lstStyle/>
           <a:p>
             <a:pPr>
               <a:lnSpc>
@@ -5346,7 +8693,7 @@
               </a:lnSpc>
             </a:pPr>
             <a:r>
-              <a:rPr b="1" lang="ru-RU" sz="1800" spc="-1" strike="noStrike">
+              <a:rPr lang="ru-RU" sz="1800" b="1" strike="noStrike" spc="-1">
                 <a:solidFill>
                   <a:srgbClr val="662483"/>
                 </a:solidFill>
@@ -5355,7 +8702,7 @@
               </a:rPr>
               <a:t>Наименование библиотеки </a:t>
             </a:r>
-            <a:endParaRPr b="0" lang="ru-RU" sz="1800" spc="-1" strike="noStrike">
+            <a:endParaRPr lang="ru-RU" sz="1800" b="0" strike="noStrike" spc="-1">
               <a:latin typeface="Arial"/>
             </a:endParaRPr>
           </a:p>
@@ -5372,36 +8719,16 @@
               </a:spcAft>
             </a:pPr>
             <a:r>
-              <a:rPr b="0" lang="ru-RU" sz="1800" spc="-1" strike="noStrike">
+              <a:rPr lang="ru-RU" sz="1800" b="0" strike="noStrike" spc="-1">
                 <a:solidFill>
                   <a:srgbClr val="000000"/>
                 </a:solidFill>
                 <a:latin typeface="Tahoma"/>
                 <a:ea typeface="Tahoma"/>
               </a:rPr>
-              <a:t>Название родилось от английских слов Lower dash. Именно </a:t>
-            </a:r>
-            <a:r>
-              <a:rPr b="0" lang="ru-RU" sz="1800" spc="-1" strike="noStrike">
-                <a:solidFill>
-                  <a:srgbClr val="000000"/>
-                </a:solidFill>
-                <a:latin typeface="Tahoma"/>
-                <a:ea typeface="Tahoma"/>
-              </a:rPr>
-              <a:t>таким символом принято именовать глобальный объект </a:t>
-            </a:r>
-            <a:r>
-              <a:rPr b="0" lang="ru-RU" sz="1800" spc="-1" strike="noStrike">
-                <a:solidFill>
-                  <a:srgbClr val="000000"/>
-                </a:solidFill>
-                <a:latin typeface="Tahoma"/>
-                <a:ea typeface="Tahoma"/>
-              </a:rPr>
-              <a:t>библиотеки</a:t>
-            </a:r>
-            <a:endParaRPr b="0" lang="ru-RU" sz="1800" spc="-1" strike="noStrike">
+              <a:t>Название родилось от английских слов Lower dash. Именно таким символом принято именовать глобальный объект библиотеки</a:t>
+            </a:r>
+            <a:endParaRPr lang="ru-RU" sz="1800" b="0" strike="noStrike" spc="-1">
               <a:latin typeface="Arial"/>
             </a:endParaRPr>
           </a:p>
@@ -5418,7 +8745,7 @@
               </a:spcAft>
             </a:pPr>
             <a:r>
-              <a:rPr b="1" lang="ru-RU" sz="1800" spc="-1" strike="noStrike">
+              <a:rPr lang="ru-RU" sz="1800" b="1" strike="noStrike" spc="-1">
                 <a:solidFill>
                   <a:srgbClr val="662483"/>
                 </a:solidFill>
@@ -5427,7 +8754,7 @@
               </a:rPr>
               <a:t>Почему мы рекомедуем её использовать</a:t>
             </a:r>
-            <a:endParaRPr b="0" lang="ru-RU" sz="1800" spc="-1" strike="noStrike">
+            <a:endParaRPr lang="ru-RU" sz="1800" b="0" strike="noStrike" spc="-1">
               <a:latin typeface="Arial"/>
             </a:endParaRPr>
           </a:p>
@@ -5450,26 +8777,16 @@
               <a:buChar char=""/>
             </a:pPr>
             <a:r>
-              <a:rPr b="0" lang="ru-RU" sz="1800" spc="-1" strike="noStrike">
+              <a:rPr lang="ru-RU" sz="1800" b="0" strike="noStrike" spc="-1">
                 <a:solidFill>
                   <a:srgbClr val="000000"/>
                 </a:solidFill>
                 <a:latin typeface="Tahoma"/>
                 <a:ea typeface="Tahoma"/>
               </a:rPr>
-              <a:t> </a:t>
-            </a:r>
-            <a:r>
-              <a:rPr b="0" lang="ru-RU" sz="1800" spc="-1" strike="noStrike">
-                <a:solidFill>
-                  <a:srgbClr val="000000"/>
-                </a:solidFill>
-                <a:latin typeface="Tahoma"/>
-                <a:ea typeface="Tahoma"/>
-              </a:rPr>
-              <a:t>Упрощение логики программы</a:t>
-            </a:r>
-            <a:endParaRPr b="0" lang="ru-RU" sz="1800" spc="-1" strike="noStrike">
+              <a:t> Упрощение логики программы</a:t>
+            </a:r>
+            <a:endParaRPr lang="ru-RU" sz="1800" b="0" strike="noStrike" spc="-1">
               <a:latin typeface="Arial"/>
             </a:endParaRPr>
           </a:p>
@@ -5492,36 +8809,16 @@
               <a:buChar char=""/>
             </a:pPr>
             <a:r>
-              <a:rPr b="0" lang="ru-RU" sz="1800" spc="-1" strike="noStrike">
+              <a:rPr lang="ru-RU" sz="1800" b="0" strike="noStrike" spc="-1">
                 <a:solidFill>
                   <a:srgbClr val="000000"/>
                 </a:solidFill>
                 <a:latin typeface="Tahoma"/>
                 <a:ea typeface="Tahoma"/>
               </a:rPr>
-              <a:t> </a:t>
-            </a:r>
-            <a:r>
-              <a:rPr b="0" lang="ru-RU" sz="1800" spc="-1" strike="noStrike">
-                <a:solidFill>
-                  <a:srgbClr val="000000"/>
-                </a:solidFill>
-                <a:latin typeface="Tahoma"/>
-                <a:ea typeface="Tahoma"/>
-              </a:rPr>
-              <a:t>Возможность лучшей тестируемости за счёт возможности </a:t>
-            </a:r>
-            <a:r>
-              <a:rPr b="0" lang="ru-RU" sz="1800" spc="-1" strike="noStrike">
-                <a:solidFill>
-                  <a:srgbClr val="000000"/>
-                </a:solidFill>
-                <a:latin typeface="Tahoma"/>
-                <a:ea typeface="Tahoma"/>
-              </a:rPr>
-              <a:t>декомпозиции</a:t>
-            </a:r>
-            <a:endParaRPr b="0" lang="ru-RU" sz="1800" spc="-1" strike="noStrike">
+              <a:t> Возможность лучшей тестируемости за счёт возможности декомпозиции</a:t>
+            </a:r>
+            <a:endParaRPr lang="ru-RU" sz="1800" b="0" strike="noStrike" spc="-1">
               <a:latin typeface="Arial"/>
             </a:endParaRPr>
           </a:p>
@@ -5544,26 +8841,16 @@
               <a:buChar char=""/>
             </a:pPr>
             <a:r>
-              <a:rPr b="0" lang="ru-RU" sz="1800" spc="-1" strike="noStrike">
+              <a:rPr lang="ru-RU" sz="1800" b="0" strike="noStrike" spc="-1">
                 <a:solidFill>
                   <a:srgbClr val="000000"/>
                 </a:solidFill>
                 <a:latin typeface="Tahoma"/>
                 <a:ea typeface="Tahoma"/>
               </a:rPr>
-              <a:t> </a:t>
-            </a:r>
-            <a:r>
-              <a:rPr b="0" lang="ru-RU" sz="1800" spc="-1" strike="noStrike">
-                <a:solidFill>
-                  <a:srgbClr val="000000"/>
-                </a:solidFill>
-                <a:latin typeface="Tahoma"/>
-                <a:ea typeface="Tahoma"/>
-              </a:rPr>
-              <a:t>Более компактный и читаемый код</a:t>
-            </a:r>
-            <a:endParaRPr b="0" lang="ru-RU" sz="1800" spc="-1" strike="noStrike">
+              <a:t> Более компактный и читаемый код</a:t>
+            </a:r>
+            <a:endParaRPr lang="ru-RU" sz="1800" b="0" strike="noStrike" spc="-1">
               <a:latin typeface="Arial"/>
             </a:endParaRPr>
           </a:p>
@@ -5573,30 +8860,38 @@
                 <a:spcPct val="100000"/>
               </a:lnSpc>
             </a:pPr>
-            <a:endParaRPr b="0" lang="ru-RU" sz="1800" spc="-1" strike="noStrike">
+            <a:endParaRPr lang="ru-RU" sz="1800" b="0" strike="noStrike" spc="-1">
               <a:latin typeface="Arial"/>
             </a:endParaRPr>
           </a:p>
         </p:txBody>
       </p:sp>
     </p:spTree>
+    <p:extLst>
+      <p:ext uri="{BB962C8B-B14F-4D97-AF65-F5344CB8AC3E}">
+        <p14:creationId xmlns:p14="http://schemas.microsoft.com/office/powerpoint/2010/main" val="1248190374"/>
+      </p:ext>
+    </p:extLst>
   </p:cSld>
+  <p:clrMapOvr>
+    <a:masterClrMapping/>
+  </p:clrMapOvr>
   <p:timing>
     <p:tnLst>
       <p:par>
-        <p:cTn id="3" dur="indefinite" restart="never" nodeType="tmRoot">
+        <p:cTn id="1" dur="indefinite" restart="never" nodeType="tmRoot">
           <p:childTnLst>
             <p:seq>
-              <p:cTn id="4" dur="indefinite" nodeType="mainSeq"/>
+              <p:cTn id="2" dur="indefinite" nodeType="mainSeq"/>
               <p:prevCondLst>
-                <p:cond delay="0" evt="onPrev">
+                <p:cond evt="onPrev" delay="0">
                   <p:tgtEl>
                     <p:sldTgt/>
                   </p:tgtEl>
                 </p:cond>
               </p:prevCondLst>
               <p:nextCondLst>
-                <p:cond delay="0" evt="onNext">
+                <p:cond evt="onNext" delay="0">
                   <p:tgtEl>
                     <p:sldTgt/>
                   </p:tgtEl>
@@ -5611,14 +8906,15 @@
 </p:sld>
 </file>
 
-<file path=ppt/slides/slide3.xml><?xml version="1.0" encoding="utf-8"?>
-<p:sld xmlns:a="http://schemas.openxmlformats.org/drawingml/2006/main" xmlns:p="http://schemas.openxmlformats.org/presentationml/2006/main" xmlns:r="http://schemas.openxmlformats.org/officeDocument/2006/relationships" xmlns:p14="http://schemas.microsoft.com/office/powerpoint/2010/main" xmlns:p15="http://schemas.microsoft.com/office/powerpoint/2012/main" xmlns:mc="http://schemas.openxmlformats.org/markup-compatibility/2006">
+<file path=ppt/slides/slide5.xml><?xml version="1.0" encoding="utf-8"?>
+<p:sld xmlns:a="http://schemas.openxmlformats.org/drawingml/2006/main" xmlns:r="http://schemas.openxmlformats.org/officeDocument/2006/relationships" xmlns:p="http://schemas.openxmlformats.org/presentationml/2006/main">
   <p:cSld>
     <p:bg>
       <p:bgPr>
         <a:solidFill>
-          <a:srgbClr val="ffffff"/>
+          <a:srgbClr val="FFFFFF"/>
         </a:solidFill>
+        <a:effectLst/>
       </p:bgPr>
     </p:bg>
     <p:spTree>
@@ -5664,19 +8960,25 @@
               <a:avLst/>
             </a:prstGeom>
             <a:solidFill>
-              <a:srgbClr val="88af43"/>
+              <a:srgbClr val="88AF43"/>
             </a:solidFill>
             <a:ln w="9360">
               <a:solidFill>
-                <a:srgbClr val="88af43"/>
+                <a:srgbClr val="88AF43"/>
               </a:solidFill>
               <a:round/>
             </a:ln>
           </p:spPr>
           <p:style>
-            <a:lnRef idx="0"/>
-            <a:fillRef idx="0"/>
-            <a:effectRef idx="0"/>
+            <a:lnRef idx="0">
+              <a:scrgbClr r="0" g="0" b="0"/>
+            </a:lnRef>
+            <a:fillRef idx="0">
+              <a:scrgbClr r="0" g="0" b="0"/>
+            </a:fillRef>
+            <a:effectRef idx="0">
+              <a:scrgbClr r="0" g="0" b="0"/>
+            </a:effectRef>
             <a:fontRef idx="minor"/>
           </p:style>
         </p:sp>
@@ -5700,13 +9002,20 @@
             </a:ln>
           </p:spPr>
           <p:style>
-            <a:lnRef idx="0"/>
-            <a:fillRef idx="0"/>
-            <a:effectRef idx="0"/>
+            <a:lnRef idx="0">
+              <a:scrgbClr r="0" g="0" b="0"/>
+            </a:lnRef>
+            <a:fillRef idx="0">
+              <a:scrgbClr r="0" g="0" b="0"/>
+            </a:fillRef>
+            <a:effectRef idx="0">
+              <a:scrgbClr r="0" g="0" b="0"/>
+            </a:effectRef>
             <a:fontRef idx="minor"/>
           </p:style>
           <p:txBody>
-            <a:bodyPr lIns="90000" rIns="90000" tIns="91440" bIns="91440"/>
+            <a:bodyPr lIns="90000" tIns="91440" rIns="90000" bIns="91440"/>
+            <a:lstStyle/>
             <a:p>
               <a:pPr>
                 <a:lnSpc>
@@ -5714,16 +9023,16 @@
                 </a:lnSpc>
               </a:pPr>
               <a:r>
-                <a:rPr b="0" lang="ru-RU" sz="2000" spc="-1" strike="noStrike">
+                <a:rPr lang="ru-RU" sz="2000" b="0" strike="noStrike" spc="-1">
                   <a:solidFill>
-                    <a:srgbClr val="ffffff"/>
+                    <a:srgbClr val="FFFFFF"/>
                   </a:solidFill>
                   <a:latin typeface="Tahoma"/>
                   <a:ea typeface="Tahoma"/>
                 </a:rPr>
                 <a:t>Основные способы использования</a:t>
               </a:r>
-              <a:endParaRPr b="0" lang="ru-RU" sz="2000" spc="-1" strike="noStrike">
+              <a:endParaRPr lang="ru-RU" sz="2000" b="0" strike="noStrike" spc="-1">
                 <a:latin typeface="Arial"/>
               </a:endParaRPr>
             </a:p>
@@ -5750,13 +9059,20 @@
           </a:ln>
         </p:spPr>
         <p:style>
-          <a:lnRef idx="0"/>
-          <a:fillRef idx="0"/>
-          <a:effectRef idx="0"/>
+          <a:lnRef idx="0">
+            <a:scrgbClr r="0" g="0" b="0"/>
+          </a:lnRef>
+          <a:fillRef idx="0">
+            <a:scrgbClr r="0" g="0" b="0"/>
+          </a:fillRef>
+          <a:effectRef idx="0">
+            <a:scrgbClr r="0" g="0" b="0"/>
+          </a:effectRef>
           <a:fontRef idx="minor"/>
         </p:style>
         <p:txBody>
-          <a:bodyPr lIns="90000" rIns="90000" tIns="45000" bIns="45000"/>
+          <a:bodyPr lIns="90000" tIns="45000" rIns="90000" bIns="45000"/>
+          <a:lstStyle/>
           <a:p>
             <a:pPr>
               <a:lnSpc>
@@ -5764,7 +9080,7 @@
               </a:lnSpc>
             </a:pPr>
             <a:r>
-              <a:rPr b="1" lang="ru-RU" sz="1800" spc="-1" strike="noStrike">
+              <a:rPr lang="ru-RU" sz="1800" b="1" strike="noStrike" spc="-1">
                 <a:solidFill>
                   <a:srgbClr val="662483"/>
                 </a:solidFill>
@@ -5773,7 +9089,7 @@
               </a:rPr>
               <a:t>Основные способы использования </a:t>
             </a:r>
-            <a:endParaRPr b="0" lang="ru-RU" sz="1800" spc="-1" strike="noStrike">
+            <a:endParaRPr lang="ru-RU" sz="1800" b="0" strike="noStrike" spc="-1">
               <a:latin typeface="Arial"/>
             </a:endParaRPr>
           </a:p>
@@ -5795,26 +9111,16 @@
               <a:buAutoNum type="arabicParenR"/>
             </a:pPr>
             <a:r>
-              <a:rPr b="0" lang="ru-RU" sz="1800" spc="-1" strike="noStrike">
+              <a:rPr lang="ru-RU" sz="1800" b="0" strike="noStrike" spc="-1">
                 <a:solidFill>
                   <a:srgbClr val="000000"/>
                 </a:solidFill>
                 <a:latin typeface="Tahoma"/>
                 <a:ea typeface="Tahoma"/>
               </a:rPr>
-              <a:t> </a:t>
-            </a:r>
-            <a:r>
-              <a:rPr b="0" lang="ru-RU" sz="1800" spc="-1" strike="noStrike">
-                <a:solidFill>
-                  <a:srgbClr val="000000"/>
-                </a:solidFill>
-                <a:latin typeface="Tahoma"/>
-                <a:ea typeface="Tahoma"/>
-              </a:rPr>
-              <a:t>Прямое использование вызовов функций при императивном подходе к программированию</a:t>
-            </a:r>
-            <a:endParaRPr b="0" lang="ru-RU" sz="1800" spc="-1" strike="noStrike">
+              <a:t> Прямое использование вызовов функций при императивном подходе к программированию</a:t>
+            </a:r>
+            <a:endParaRPr lang="ru-RU" sz="1800" b="0" strike="noStrike" spc="-1">
               <a:latin typeface="Arial"/>
             </a:endParaRPr>
           </a:p>
@@ -5836,31 +9142,21 @@
               <a:buAutoNum type="arabicParenR"/>
             </a:pPr>
             <a:r>
-              <a:rPr b="0" lang="ru-RU" sz="1800" spc="-1" strike="noStrike">
+              <a:rPr lang="ru-RU" sz="1800" b="0" strike="noStrike" spc="-1">
                 <a:solidFill>
                   <a:srgbClr val="000000"/>
                 </a:solidFill>
                 <a:latin typeface="Tahoma"/>
                 <a:ea typeface="Tahoma"/>
               </a:rPr>
-              <a:t> </a:t>
-            </a:r>
-            <a:r>
-              <a:rPr b="0" lang="ru-RU" sz="1800" spc="-1" strike="noStrike">
-                <a:solidFill>
-                  <a:srgbClr val="000000"/>
-                </a:solidFill>
-                <a:latin typeface="Tahoma"/>
-                <a:ea typeface="Tahoma"/>
-              </a:rPr>
-              <a:t>Использование библиотеки в использовании декларативного подхода:</a:t>
-            </a:r>
-            <a:endParaRPr b="0" lang="ru-RU" sz="1800" spc="-1" strike="noStrike">
-              <a:latin typeface="Arial"/>
-            </a:endParaRPr>
-          </a:p>
-          <a:p>
-            <a:pPr lvl="1" marL="432000" indent="-215640">
+              <a:t> Использование библиотеки в использовании декларативного подхода:</a:t>
+            </a:r>
+            <a:endParaRPr lang="ru-RU" sz="1800" b="0" strike="noStrike" spc="-1">
+              <a:latin typeface="Arial"/>
+            </a:endParaRPr>
+          </a:p>
+          <a:p>
+            <a:pPr marL="432000" lvl="1" indent="-215640">
               <a:lnSpc>
                 <a:spcPct val="100000"/>
               </a:lnSpc>
@@ -5877,31 +9173,21 @@
               <a:buAutoNum type="arabicParenR"/>
             </a:pPr>
             <a:r>
-              <a:rPr b="0" lang="ru-RU" sz="1800" spc="-1" strike="noStrike">
+              <a:rPr lang="ru-RU" sz="1800" b="0" strike="noStrike" spc="-1">
                 <a:solidFill>
                   <a:srgbClr val="000000"/>
                 </a:solidFill>
                 <a:latin typeface="Tahoma"/>
                 <a:ea typeface="Tahoma"/>
               </a:rPr>
-              <a:t> </a:t>
-            </a:r>
-            <a:r>
-              <a:rPr b="0" lang="ru-RU" sz="1800" spc="-1" strike="noStrike">
-                <a:solidFill>
-                  <a:srgbClr val="000000"/>
-                </a:solidFill>
-                <a:latin typeface="Tahoma"/>
-                <a:ea typeface="Tahoma"/>
-              </a:rPr>
-              <a:t>Монадические вычисления</a:t>
-            </a:r>
-            <a:endParaRPr b="0" lang="ru-RU" sz="1800" spc="-1" strike="noStrike">
-              <a:latin typeface="Arial"/>
-            </a:endParaRPr>
-          </a:p>
-          <a:p>
-            <a:pPr lvl="1" marL="432000" indent="-215640">
+              <a:t> Монадические вычисления</a:t>
+            </a:r>
+            <a:endParaRPr lang="ru-RU" sz="1800" b="0" strike="noStrike" spc="-1">
+              <a:latin typeface="Arial"/>
+            </a:endParaRPr>
+          </a:p>
+          <a:p>
+            <a:pPr marL="432000" lvl="1" indent="-215640">
               <a:lnSpc>
                 <a:spcPct val="100000"/>
               </a:lnSpc>
@@ -5918,26 +9204,16 @@
               <a:buAutoNum type="arabicParenR"/>
             </a:pPr>
             <a:r>
-              <a:rPr b="0" lang="ru-RU" sz="1800" spc="-1" strike="noStrike">
+              <a:rPr lang="ru-RU" sz="1800" b="0" strike="noStrike" spc="-1">
                 <a:solidFill>
                   <a:srgbClr val="000000"/>
                 </a:solidFill>
                 <a:latin typeface="Tahoma"/>
                 <a:ea typeface="Tahoma"/>
               </a:rPr>
-              <a:t> </a:t>
-            </a:r>
-            <a:r>
-              <a:rPr b="0" lang="ru-RU" sz="1800" spc="-1" strike="noStrike">
-                <a:solidFill>
-                  <a:srgbClr val="000000"/>
-                </a:solidFill>
-                <a:latin typeface="Tahoma"/>
-                <a:ea typeface="Tahoma"/>
-              </a:rPr>
-              <a:t>Композиционные вычисления</a:t>
-            </a:r>
-            <a:endParaRPr b="0" lang="ru-RU" sz="1800" spc="-1" strike="noStrike">
+              <a:t> Композиционные вычисления</a:t>
+            </a:r>
+            <a:endParaRPr lang="ru-RU" sz="1800" b="0" strike="noStrike" spc="-1">
               <a:latin typeface="Arial"/>
             </a:endParaRPr>
           </a:p>
@@ -5947,7 +9223,7 @@
                 <a:spcPct val="100000"/>
               </a:lnSpc>
             </a:pPr>
-            <a:endParaRPr b="0" lang="ru-RU" sz="1800" spc="-1" strike="noStrike">
+            <a:endParaRPr lang="ru-RU" sz="1800" b="0" strike="noStrike" spc="-1">
               <a:latin typeface="Arial"/>
             </a:endParaRPr>
           </a:p>
@@ -5978,30 +9254,39 @@
           </a:ln>
         </p:spPr>
         <p:style>
-          <a:lnRef idx="0"/>
-          <a:fillRef idx="0"/>
-          <a:effectRef idx="0"/>
+          <a:lnRef idx="0">
+            <a:scrgbClr r="0" g="0" b="0"/>
+          </a:lnRef>
+          <a:fillRef idx="0">
+            <a:scrgbClr r="0" g="0" b="0"/>
+          </a:fillRef>
+          <a:effectRef idx="0">
+            <a:scrgbClr r="0" g="0" b="0"/>
+          </a:effectRef>
           <a:fontRef idx="minor"/>
         </p:style>
       </p:sp>
     </p:spTree>
   </p:cSld>
+  <p:clrMapOvr>
+    <a:masterClrMapping/>
+  </p:clrMapOvr>
   <p:timing>
     <p:tnLst>
       <p:par>
-        <p:cTn id="5" dur="indefinite" restart="never" nodeType="tmRoot">
+        <p:cTn id="1" dur="indefinite" restart="never" nodeType="tmRoot">
           <p:childTnLst>
             <p:seq>
-              <p:cTn id="6" dur="indefinite" nodeType="mainSeq"/>
+              <p:cTn id="2" dur="indefinite" nodeType="mainSeq"/>
               <p:prevCondLst>
-                <p:cond delay="0" evt="onPrev">
+                <p:cond evt="onPrev" delay="0">
                   <p:tgtEl>
                     <p:sldTgt/>
                   </p:tgtEl>
                 </p:cond>
               </p:prevCondLst>
               <p:nextCondLst>
-                <p:cond delay="0" evt="onNext">
+                <p:cond evt="onNext" delay="0">
                   <p:tgtEl>
                     <p:sldTgt/>
                   </p:tgtEl>
@@ -6016,14 +9301,15 @@
 </p:sld>
 </file>
 
-<file path=ppt/slides/slide4.xml><?xml version="1.0" encoding="utf-8"?>
-<p:sld xmlns:a="http://schemas.openxmlformats.org/drawingml/2006/main" xmlns:p="http://schemas.openxmlformats.org/presentationml/2006/main" xmlns:r="http://schemas.openxmlformats.org/officeDocument/2006/relationships" xmlns:p14="http://schemas.microsoft.com/office/powerpoint/2010/main" xmlns:p15="http://schemas.microsoft.com/office/powerpoint/2012/main" xmlns:mc="http://schemas.openxmlformats.org/markup-compatibility/2006">
+<file path=ppt/slides/slide6.xml><?xml version="1.0" encoding="utf-8"?>
+<p:sld xmlns:a="http://schemas.openxmlformats.org/drawingml/2006/main" xmlns:r="http://schemas.openxmlformats.org/officeDocument/2006/relationships" xmlns:p="http://schemas.openxmlformats.org/presentationml/2006/main">
   <p:cSld>
     <p:bg>
       <p:bgPr>
         <a:solidFill>
-          <a:srgbClr val="ffffff"/>
+          <a:srgbClr val="FFFFFF"/>
         </a:solidFill>
+        <a:effectLst/>
       </p:bgPr>
     </p:bg>
     <p:spTree>
@@ -6069,19 +9355,25 @@
               <a:avLst/>
             </a:prstGeom>
             <a:solidFill>
-              <a:srgbClr val="88af43"/>
+              <a:srgbClr val="88AF43"/>
             </a:solidFill>
             <a:ln w="9360">
               <a:solidFill>
-                <a:srgbClr val="88af43"/>
+                <a:srgbClr val="88AF43"/>
               </a:solidFill>
               <a:round/>
             </a:ln>
           </p:spPr>
           <p:style>
-            <a:lnRef idx="0"/>
-            <a:fillRef idx="0"/>
-            <a:effectRef idx="0"/>
+            <a:lnRef idx="0">
+              <a:scrgbClr r="0" g="0" b="0"/>
+            </a:lnRef>
+            <a:fillRef idx="0">
+              <a:scrgbClr r="0" g="0" b="0"/>
+            </a:fillRef>
+            <a:effectRef idx="0">
+              <a:scrgbClr r="0" g="0" b="0"/>
+            </a:effectRef>
             <a:fontRef idx="minor"/>
           </p:style>
         </p:sp>
@@ -6105,13 +9397,20 @@
             </a:ln>
           </p:spPr>
           <p:style>
-            <a:lnRef idx="0"/>
-            <a:fillRef idx="0"/>
-            <a:effectRef idx="0"/>
+            <a:lnRef idx="0">
+              <a:scrgbClr r="0" g="0" b="0"/>
+            </a:lnRef>
+            <a:fillRef idx="0">
+              <a:scrgbClr r="0" g="0" b="0"/>
+            </a:fillRef>
+            <a:effectRef idx="0">
+              <a:scrgbClr r="0" g="0" b="0"/>
+            </a:effectRef>
             <a:fontRef idx="minor"/>
           </p:style>
           <p:txBody>
-            <a:bodyPr lIns="90000" rIns="90000" tIns="91440" bIns="91440"/>
+            <a:bodyPr lIns="90000" tIns="91440" rIns="90000" bIns="91440"/>
+            <a:lstStyle/>
             <a:p>
               <a:pPr>
                 <a:lnSpc>
@@ -6119,16 +9418,16 @@
                 </a:lnSpc>
               </a:pPr>
               <a:r>
-                <a:rPr b="0" lang="ru-RU" sz="2000" spc="-1" strike="noStrike">
+                <a:rPr lang="ru-RU" sz="2000" b="0" strike="noStrike" spc="-1">
                   <a:solidFill>
-                    <a:srgbClr val="ffffff"/>
+                    <a:srgbClr val="FFFFFF"/>
                   </a:solidFill>
                   <a:latin typeface="Tahoma"/>
                   <a:ea typeface="Tahoma"/>
                 </a:rPr>
                 <a:t>Типы функций, представленные в библиотеке</a:t>
               </a:r>
-              <a:endParaRPr b="0" lang="ru-RU" sz="2000" spc="-1" strike="noStrike">
+              <a:endParaRPr lang="ru-RU" sz="2000" b="0" strike="noStrike" spc="-1">
                 <a:latin typeface="Arial"/>
               </a:endParaRPr>
             </a:p>
@@ -6155,13 +9454,20 @@
           </a:ln>
         </p:spPr>
         <p:style>
-          <a:lnRef idx="0"/>
-          <a:fillRef idx="0"/>
-          <a:effectRef idx="0"/>
+          <a:lnRef idx="0">
+            <a:scrgbClr r="0" g="0" b="0"/>
+          </a:lnRef>
+          <a:fillRef idx="0">
+            <a:scrgbClr r="0" g="0" b="0"/>
+          </a:fillRef>
+          <a:effectRef idx="0">
+            <a:scrgbClr r="0" g="0" b="0"/>
+          </a:effectRef>
           <a:fontRef idx="minor"/>
         </p:style>
         <p:txBody>
-          <a:bodyPr lIns="90000" rIns="90000" tIns="45000" bIns="45000"/>
+          <a:bodyPr lIns="90000" tIns="45000" rIns="90000" bIns="45000"/>
+          <a:lstStyle/>
           <a:p>
             <a:pPr>
               <a:lnSpc>
@@ -6169,7 +9475,7 @@
               </a:lnSpc>
             </a:pPr>
             <a:r>
-              <a:rPr b="1" lang="ru-RU" sz="1800" spc="-1" strike="noStrike">
+              <a:rPr lang="ru-RU" sz="1800" b="1" strike="noStrike" spc="-1">
                 <a:solidFill>
                   <a:srgbClr val="662483"/>
                 </a:solidFill>
@@ -6178,7 +9484,7 @@
               </a:rPr>
               <a:t>Простые типы данных</a:t>
             </a:r>
-            <a:endParaRPr b="0" lang="ru-RU" sz="1800" spc="-1" strike="noStrike">
+            <a:endParaRPr lang="ru-RU" sz="1800" b="0" strike="noStrike" spc="-1">
               <a:latin typeface="Arial"/>
             </a:endParaRPr>
           </a:p>
@@ -6201,26 +9507,16 @@
               <a:buChar char=""/>
             </a:pPr>
             <a:r>
-              <a:rPr b="0" lang="ru-RU" sz="1800" spc="-1" strike="noStrike">
+              <a:rPr lang="ru-RU" sz="1800" b="0" strike="noStrike" spc="-1">
                 <a:solidFill>
                   <a:srgbClr val="000000"/>
                 </a:solidFill>
                 <a:latin typeface="Tahoma"/>
                 <a:ea typeface="Tahoma"/>
               </a:rPr>
-              <a:t> </a:t>
-            </a:r>
-            <a:r>
-              <a:rPr b="0" lang="ru-RU" sz="1800" spc="-1" strike="noStrike">
-                <a:solidFill>
-                  <a:srgbClr val="000000"/>
-                </a:solidFill>
-                <a:latin typeface="Tahoma"/>
-                <a:ea typeface="Tahoma"/>
-              </a:rPr>
-              <a:t>Math</a:t>
-            </a:r>
-            <a:endParaRPr b="0" lang="ru-RU" sz="1800" spc="-1" strike="noStrike">
+              <a:t> Math</a:t>
+            </a:r>
+            <a:endParaRPr lang="ru-RU" sz="1800" b="0" strike="noStrike" spc="-1">
               <a:latin typeface="Arial"/>
             </a:endParaRPr>
           </a:p>
@@ -6243,26 +9539,16 @@
               <a:buChar char=""/>
             </a:pPr>
             <a:r>
-              <a:rPr b="0" lang="ru-RU" sz="1800" spc="-1" strike="noStrike">
+              <a:rPr lang="ru-RU" sz="1800" b="0" strike="noStrike" spc="-1">
                 <a:solidFill>
                   <a:srgbClr val="000000"/>
                 </a:solidFill>
                 <a:latin typeface="Tahoma"/>
                 <a:ea typeface="Tahoma"/>
               </a:rPr>
-              <a:t> </a:t>
-            </a:r>
-            <a:r>
-              <a:rPr b="0" lang="ru-RU" sz="1800" spc="-1" strike="noStrike">
-                <a:solidFill>
-                  <a:srgbClr val="000000"/>
-                </a:solidFill>
-                <a:latin typeface="Tahoma"/>
-                <a:ea typeface="Tahoma"/>
-              </a:rPr>
-              <a:t>String</a:t>
-            </a:r>
-            <a:endParaRPr b="0" lang="ru-RU" sz="1800" spc="-1" strike="noStrike">
+              <a:t> String</a:t>
+            </a:r>
+            <a:endParaRPr lang="ru-RU" sz="1800" b="0" strike="noStrike" spc="-1">
               <a:latin typeface="Arial"/>
             </a:endParaRPr>
           </a:p>
@@ -6285,26 +9571,16 @@
               <a:buChar char=""/>
             </a:pPr>
             <a:r>
-              <a:rPr b="0" lang="ru-RU" sz="1800" spc="-1" strike="noStrike">
+              <a:rPr lang="ru-RU" sz="1800" b="0" strike="noStrike" spc="-1">
                 <a:solidFill>
                   <a:srgbClr val="000000"/>
                 </a:solidFill>
                 <a:latin typeface="Tahoma"/>
                 <a:ea typeface="Tahoma"/>
               </a:rPr>
-              <a:t> </a:t>
-            </a:r>
-            <a:r>
-              <a:rPr b="0" lang="ru-RU" sz="1800" spc="-1" strike="noStrike">
-                <a:solidFill>
-                  <a:srgbClr val="000000"/>
-                </a:solidFill>
-                <a:latin typeface="Tahoma"/>
-                <a:ea typeface="Tahoma"/>
-              </a:rPr>
-              <a:t>Lang</a:t>
-            </a:r>
-            <a:endParaRPr b="0" lang="ru-RU" sz="1800" spc="-1" strike="noStrike">
+              <a:t> Lang</a:t>
+            </a:r>
+            <a:endParaRPr lang="ru-RU" sz="1800" b="0" strike="noStrike" spc="-1">
               <a:latin typeface="Arial"/>
             </a:endParaRPr>
           </a:p>
@@ -6315,7 +9591,7 @@
               </a:lnSpc>
             </a:pPr>
             <a:r>
-              <a:rPr b="1" lang="ru-RU" sz="1800" spc="-1" strike="noStrike">
+              <a:rPr lang="ru-RU" sz="1800" b="1" strike="noStrike" spc="-1">
                 <a:solidFill>
                   <a:srgbClr val="662483"/>
                 </a:solidFill>
@@ -6324,7 +9600,7 @@
               </a:rPr>
               <a:t>Монадические функции</a:t>
             </a:r>
-            <a:endParaRPr b="0" lang="ru-RU" sz="1800" spc="-1" strike="noStrike">
+            <a:endParaRPr lang="ru-RU" sz="1800" b="0" strike="noStrike" spc="-1">
               <a:latin typeface="Arial"/>
             </a:endParaRPr>
           </a:p>
@@ -6347,7 +9623,7 @@
               <a:buChar char=""/>
             </a:pPr>
             <a:r>
-              <a:rPr b="0" lang="ru-RU" sz="1800" spc="-1" strike="noStrike">
+              <a:rPr lang="ru-RU" sz="1800" b="0" strike="noStrike" spc="-1">
                 <a:solidFill>
                   <a:srgbClr val="000000"/>
                 </a:solidFill>
@@ -6356,7 +9632,7 @@
               </a:rPr>
               <a:t>Seq</a:t>
             </a:r>
-            <a:endParaRPr b="0" lang="ru-RU" sz="1800" spc="-1" strike="noStrike">
+            <a:endParaRPr lang="ru-RU" sz="1800" b="0" strike="noStrike" spc="-1">
               <a:latin typeface="Arial"/>
             </a:endParaRPr>
           </a:p>
@@ -6366,7 +9642,7 @@
                 <a:spcPct val="100000"/>
               </a:lnSpc>
             </a:pPr>
-            <a:endParaRPr b="0" lang="ru-RU" sz="1800" spc="-1" strike="noStrike">
+            <a:endParaRPr lang="ru-RU" sz="1800" b="0" strike="noStrike" spc="-1">
               <a:latin typeface="Arial"/>
             </a:endParaRPr>
           </a:p>
@@ -6397,9 +9673,15 @@
           </a:ln>
         </p:spPr>
         <p:style>
-          <a:lnRef idx="0"/>
-          <a:fillRef idx="0"/>
-          <a:effectRef idx="0"/>
+          <a:lnRef idx="0">
+            <a:scrgbClr r="0" g="0" b="0"/>
+          </a:lnRef>
+          <a:fillRef idx="0">
+            <a:scrgbClr r="0" g="0" b="0"/>
+          </a:fillRef>
+          <a:effectRef idx="0">
+            <a:scrgbClr r="0" g="0" b="0"/>
+          </a:effectRef>
           <a:fontRef idx="minor"/>
         </p:style>
       </p:sp>
@@ -6423,13 +9705,20 @@
           </a:ln>
         </p:spPr>
         <p:style>
-          <a:lnRef idx="0"/>
-          <a:fillRef idx="0"/>
-          <a:effectRef idx="0"/>
+          <a:lnRef idx="0">
+            <a:scrgbClr r="0" g="0" b="0"/>
+          </a:lnRef>
+          <a:fillRef idx="0">
+            <a:scrgbClr r="0" g="0" b="0"/>
+          </a:fillRef>
+          <a:effectRef idx="0">
+            <a:scrgbClr r="0" g="0" b="0"/>
+          </a:effectRef>
           <a:fontRef idx="minor"/>
         </p:style>
         <p:txBody>
-          <a:bodyPr lIns="90000" rIns="90000" tIns="45000" bIns="45000"/>
+          <a:bodyPr lIns="90000" tIns="45000" rIns="90000" bIns="45000"/>
+          <a:lstStyle/>
           <a:p>
             <a:pPr>
               <a:lnSpc>
@@ -6437,7 +9726,7 @@
               </a:lnSpc>
             </a:pPr>
             <a:r>
-              <a:rPr b="1" lang="ru-RU" sz="1800" spc="-1" strike="noStrike">
+              <a:rPr lang="ru-RU" sz="1800" b="1" strike="noStrike" spc="-1">
                 <a:solidFill>
                   <a:srgbClr val="662483"/>
                 </a:solidFill>
@@ -6446,7 +9735,7 @@
               </a:rPr>
               <a:t>Сложные типы данных:</a:t>
             </a:r>
-            <a:endParaRPr b="0" lang="ru-RU" sz="1800" spc="-1" strike="noStrike">
+            <a:endParaRPr lang="ru-RU" sz="1800" b="0" strike="noStrike" spc="-1">
               <a:latin typeface="Arial"/>
             </a:endParaRPr>
           </a:p>
@@ -6469,7 +9758,7 @@
               <a:buChar char=""/>
             </a:pPr>
             <a:r>
-              <a:rPr b="0" lang="ru-RU" sz="1800" spc="-1" strike="noStrike">
+              <a:rPr lang="ru-RU" sz="1800" b="0" strike="noStrike" spc="-1">
                 <a:solidFill>
                   <a:srgbClr val="000000"/>
                 </a:solidFill>
@@ -6478,7 +9767,7 @@
               </a:rPr>
               <a:t>Array</a:t>
             </a:r>
-            <a:endParaRPr b="0" lang="ru-RU" sz="1800" spc="-1" strike="noStrike">
+            <a:endParaRPr lang="ru-RU" sz="1800" b="0" strike="noStrike" spc="-1">
               <a:latin typeface="Arial"/>
             </a:endParaRPr>
           </a:p>
@@ -6501,7 +9790,7 @@
               <a:buChar char=""/>
             </a:pPr>
             <a:r>
-              <a:rPr b="0" lang="ru-RU" sz="1800" spc="-1" strike="noStrike">
+              <a:rPr lang="ru-RU" sz="1800" b="0" strike="noStrike" spc="-1">
                 <a:solidFill>
                   <a:srgbClr val="000000"/>
                 </a:solidFill>
@@ -6510,7 +9799,7 @@
               </a:rPr>
               <a:t>Collection</a:t>
             </a:r>
-            <a:endParaRPr b="0" lang="ru-RU" sz="1800" spc="-1" strike="noStrike">
+            <a:endParaRPr lang="ru-RU" sz="1800" b="0" strike="noStrike" spc="-1">
               <a:latin typeface="Arial"/>
             </a:endParaRPr>
           </a:p>
@@ -6533,7 +9822,7 @@
               <a:buChar char=""/>
             </a:pPr>
             <a:r>
-              <a:rPr b="0" lang="ru-RU" sz="1800" spc="-1" strike="noStrike">
+              <a:rPr lang="ru-RU" sz="1800" b="0" strike="noStrike" spc="-1">
                 <a:solidFill>
                   <a:srgbClr val="000000"/>
                 </a:solidFill>
@@ -6542,7 +9831,7 @@
               </a:rPr>
               <a:t>Object</a:t>
             </a:r>
-            <a:endParaRPr b="0" lang="ru-RU" sz="1800" spc="-1" strike="noStrike">
+            <a:endParaRPr lang="ru-RU" sz="1800" b="0" strike="noStrike" spc="-1">
               <a:latin typeface="Arial"/>
             </a:endParaRPr>
           </a:p>
@@ -6553,7 +9842,7 @@
               </a:lnSpc>
             </a:pPr>
             <a:r>
-              <a:rPr b="1" lang="ru-RU" sz="1800" spc="-1" strike="noStrike">
+              <a:rPr lang="ru-RU" sz="1800" b="1" strike="noStrike" spc="-1">
                 <a:solidFill>
                   <a:srgbClr val="662483"/>
                 </a:solidFill>
@@ -6562,7 +9851,7 @@
               </a:rPr>
               <a:t>Работа с функциями</a:t>
             </a:r>
-            <a:endParaRPr b="0" lang="ru-RU" sz="1800" spc="-1" strike="noStrike">
+            <a:endParaRPr lang="ru-RU" sz="1800" b="0" strike="noStrike" spc="-1">
               <a:latin typeface="Arial"/>
             </a:endParaRPr>
           </a:p>
@@ -6585,7 +9874,7 @@
               <a:buChar char=""/>
             </a:pPr>
             <a:r>
-              <a:rPr b="0" lang="ru-RU" sz="1800" spc="-1" strike="noStrike">
+              <a:rPr lang="ru-RU" sz="1800" b="0" strike="noStrike" spc="-1">
                 <a:solidFill>
                   <a:srgbClr val="000000"/>
                 </a:solidFill>
@@ -6594,7 +9883,7 @@
               </a:rPr>
               <a:t>Function</a:t>
             </a:r>
-            <a:endParaRPr b="0" lang="ru-RU" sz="1800" spc="-1" strike="noStrike">
+            <a:endParaRPr lang="ru-RU" sz="1800" b="0" strike="noStrike" spc="-1">
               <a:latin typeface="Arial"/>
             </a:endParaRPr>
           </a:p>
@@ -6617,7 +9906,7 @@
               <a:buChar char=""/>
             </a:pPr>
             <a:r>
-              <a:rPr b="0" lang="ru-RU" sz="1800" spc="-1" strike="noStrike">
+              <a:rPr lang="ru-RU" sz="1800" b="0" strike="noStrike" spc="-1">
                 <a:solidFill>
                   <a:srgbClr val="000000"/>
                 </a:solidFill>
@@ -6626,7 +9915,7 @@
               </a:rPr>
               <a:t>Util</a:t>
             </a:r>
-            <a:endParaRPr b="0" lang="ru-RU" sz="1800" spc="-1" strike="noStrike">
+            <a:endParaRPr lang="ru-RU" sz="1800" b="0" strike="noStrike" spc="-1">
               <a:latin typeface="Arial"/>
             </a:endParaRPr>
           </a:p>
@@ -6636,7 +9925,7 @@
                 <a:spcPct val="100000"/>
               </a:lnSpc>
             </a:pPr>
-            <a:endParaRPr b="0" lang="ru-RU" sz="1800" spc="-1" strike="noStrike">
+            <a:endParaRPr lang="ru-RU" sz="1800" b="0" strike="noStrike" spc="-1">
               <a:latin typeface="Arial"/>
             </a:endParaRPr>
           </a:p>
@@ -6644,22 +9933,25 @@
       </p:sp>
     </p:spTree>
   </p:cSld>
+  <p:clrMapOvr>
+    <a:masterClrMapping/>
+  </p:clrMapOvr>
   <p:timing>
     <p:tnLst>
       <p:par>
-        <p:cTn id="7" dur="indefinite" restart="never" nodeType="tmRoot">
+        <p:cTn id="1" dur="indefinite" restart="never" nodeType="tmRoot">
           <p:childTnLst>
             <p:seq>
-              <p:cTn id="8" dur="indefinite" nodeType="mainSeq"/>
+              <p:cTn id="2" dur="indefinite" nodeType="mainSeq"/>
               <p:prevCondLst>
-                <p:cond delay="0" evt="onPrev">
+                <p:cond evt="onPrev" delay="0">
                   <p:tgtEl>
                     <p:sldTgt/>
                   </p:tgtEl>
                 </p:cond>
               </p:prevCondLst>
               <p:nextCondLst>
-                <p:cond delay="0" evt="onNext">
+                <p:cond evt="onNext" delay="0">
                   <p:tgtEl>
                     <p:sldTgt/>
                   </p:tgtEl>
@@ -6674,8 +9966,8 @@
 </p:sld>
 </file>
 
-<file path=ppt/slides/slide5.xml><?xml version="1.0" encoding="utf-8"?>
-<p:sld xmlns:a="http://schemas.openxmlformats.org/drawingml/2006/main" xmlns:p="http://schemas.openxmlformats.org/presentationml/2006/main" xmlns:r="http://schemas.openxmlformats.org/officeDocument/2006/relationships" xmlns:p14="http://schemas.microsoft.com/office/powerpoint/2010/main" xmlns:p15="http://schemas.microsoft.com/office/powerpoint/2012/main" xmlns:mc="http://schemas.openxmlformats.org/markup-compatibility/2006">
+<file path=ppt/slides/slide7.xml><?xml version="1.0" encoding="utf-8"?>
+<p:sld xmlns:a="http://schemas.openxmlformats.org/drawingml/2006/main" xmlns:r="http://schemas.openxmlformats.org/officeDocument/2006/relationships" xmlns:p="http://schemas.openxmlformats.org/presentationml/2006/main">
   <p:cSld>
     <p:spTree>
       <p:nvGrpSpPr>
@@ -6711,13 +10003,20 @@
           </a:ln>
         </p:spPr>
         <p:style>
-          <a:lnRef idx="0"/>
-          <a:fillRef idx="0"/>
-          <a:effectRef idx="0"/>
+          <a:lnRef idx="0">
+            <a:scrgbClr r="0" g="0" b="0"/>
+          </a:lnRef>
+          <a:fillRef idx="0">
+            <a:scrgbClr r="0" g="0" b="0"/>
+          </a:fillRef>
+          <a:effectRef idx="0">
+            <a:scrgbClr r="0" g="0" b="0"/>
+          </a:effectRef>
           <a:fontRef idx="minor"/>
         </p:style>
         <p:txBody>
-          <a:bodyPr lIns="90000" rIns="90000" tIns="91440" bIns="91440"/>
+          <a:bodyPr lIns="90000" tIns="91440" rIns="90000" bIns="91440"/>
+          <a:lstStyle/>
           <a:p>
             <a:pPr marL="139680">
               <a:lnSpc>
@@ -6725,7 +10024,7 @@
               </a:lnSpc>
             </a:pPr>
             <a:r>
-              <a:rPr b="1" lang="ru-RU" sz="1800" spc="-1" strike="noStrike">
+              <a:rPr lang="ru-RU" sz="1800" b="1" strike="noStrike" spc="-1">
                 <a:solidFill>
                   <a:srgbClr val="662483"/>
                 </a:solidFill>
@@ -6734,7 +10033,7 @@
               </a:rPr>
               <a:t>Задача </a:t>
             </a:r>
-            <a:endParaRPr b="0" lang="ru-RU" sz="1800" spc="-1" strike="noStrike">
+            <a:endParaRPr lang="ru-RU" sz="1800" b="0" strike="noStrike" spc="-1">
               <a:latin typeface="Arial"/>
             </a:endParaRPr>
           </a:p>
@@ -6750,7 +10049,7 @@
               <a:buChar char="●"/>
             </a:pPr>
             <a:r>
-              <a:rPr b="0" lang="ru-RU" sz="1400" spc="-1" strike="noStrike">
+              <a:rPr lang="ru-RU" sz="1400" b="0" strike="noStrike" spc="-1">
                 <a:solidFill>
                   <a:srgbClr val="000000"/>
                 </a:solidFill>
@@ -6759,7 +10058,7 @@
               </a:rPr>
               <a:t>Разработать функцию, получающую на вход объект, возвращающую квадрат значения свойства «value»</a:t>
             </a:r>
-            <a:endParaRPr b="0" lang="ru-RU" sz="1400" spc="-1" strike="noStrike">
+            <a:endParaRPr lang="ru-RU" sz="1400" b="0" strike="noStrike" spc="-1">
               <a:latin typeface="Arial"/>
             </a:endParaRPr>
           </a:p>
@@ -6794,19 +10093,25 @@
               <a:avLst/>
             </a:prstGeom>
             <a:solidFill>
-              <a:srgbClr val="88af43"/>
+              <a:srgbClr val="88AF43"/>
             </a:solidFill>
             <a:ln w="9360">
               <a:solidFill>
-                <a:srgbClr val="88af43"/>
+                <a:srgbClr val="88AF43"/>
               </a:solidFill>
               <a:round/>
             </a:ln>
           </p:spPr>
           <p:style>
-            <a:lnRef idx="0"/>
-            <a:fillRef idx="0"/>
-            <a:effectRef idx="0"/>
+            <a:lnRef idx="0">
+              <a:scrgbClr r="0" g="0" b="0"/>
+            </a:lnRef>
+            <a:fillRef idx="0">
+              <a:scrgbClr r="0" g="0" b="0"/>
+            </a:fillRef>
+            <a:effectRef idx="0">
+              <a:scrgbClr r="0" g="0" b="0"/>
+            </a:effectRef>
             <a:fontRef idx="minor"/>
           </p:style>
         </p:sp>
@@ -6830,13 +10135,20 @@
             </a:ln>
           </p:spPr>
           <p:style>
-            <a:lnRef idx="0"/>
-            <a:fillRef idx="0"/>
-            <a:effectRef idx="0"/>
+            <a:lnRef idx="0">
+              <a:scrgbClr r="0" g="0" b="0"/>
+            </a:lnRef>
+            <a:fillRef idx="0">
+              <a:scrgbClr r="0" g="0" b="0"/>
+            </a:fillRef>
+            <a:effectRef idx="0">
+              <a:scrgbClr r="0" g="0" b="0"/>
+            </a:effectRef>
             <a:fontRef idx="minor"/>
           </p:style>
           <p:txBody>
-            <a:bodyPr lIns="90000" rIns="90000" tIns="91440" bIns="91440"/>
+            <a:bodyPr lIns="90000" tIns="91440" rIns="90000" bIns="91440"/>
+            <a:lstStyle/>
             <a:p>
               <a:pPr>
                 <a:lnSpc>
@@ -6844,16 +10156,16 @@
                 </a:lnSpc>
               </a:pPr>
               <a:r>
-                <a:rPr b="0" lang="ru-RU" sz="2000" spc="-1" strike="noStrike">
+                <a:rPr lang="ru-RU" sz="2000" b="0" strike="noStrike" spc="-1">
                   <a:solidFill>
-                    <a:srgbClr val="ffffff"/>
+                    <a:srgbClr val="FFFFFF"/>
                   </a:solidFill>
                   <a:latin typeface="Tahoma"/>
                   <a:ea typeface="Tahoma"/>
                 </a:rPr>
                 <a:t>Примеры</a:t>
               </a:r>
-              <a:endParaRPr b="0" lang="ru-RU" sz="2000" spc="-1" strike="noStrike">
+              <a:endParaRPr lang="ru-RU" sz="2000" b="0" strike="noStrike" spc="-1">
                 <a:latin typeface="Arial"/>
               </a:endParaRPr>
             </a:p>
@@ -6885,20 +10197,26 @@
           </a:ln>
         </p:spPr>
         <p:style>
-          <a:lnRef idx="0"/>
-          <a:fillRef idx="0"/>
-          <a:effectRef idx="0"/>
+          <a:lnRef idx="0">
+            <a:scrgbClr r="0" g="0" b="0"/>
+          </a:lnRef>
+          <a:fillRef idx="0">
+            <a:scrgbClr r="0" g="0" b="0"/>
+          </a:fillRef>
+          <a:effectRef idx="0">
+            <a:scrgbClr r="0" g="0" b="0"/>
+          </a:effectRef>
           <a:fontRef idx="minor"/>
         </p:style>
       </p:sp>
       <p:pic>
         <p:nvPicPr>
-          <p:cNvPr id="140" name="Рисунок 1" descr=""/>
+          <p:cNvPr id="140" name="Рисунок 1"/>
           <p:cNvPicPr/>
           <p:nvPr/>
         </p:nvPicPr>
         <p:blipFill>
-          <a:blip r:embed="rId1"/>
+          <a:blip r:embed="rId2"/>
           <a:stretch/>
         </p:blipFill>
         <p:spPr>
@@ -6916,22 +10234,25 @@
       </p:pic>
     </p:spTree>
   </p:cSld>
+  <p:clrMapOvr>
+    <a:masterClrMapping/>
+  </p:clrMapOvr>
   <p:timing>
     <p:tnLst>
       <p:par>
-        <p:cTn id="9" dur="indefinite" restart="never" nodeType="tmRoot">
+        <p:cTn id="1" dur="indefinite" restart="never" nodeType="tmRoot">
           <p:childTnLst>
             <p:seq>
-              <p:cTn id="10" dur="indefinite" nodeType="mainSeq"/>
+              <p:cTn id="2" dur="indefinite" nodeType="mainSeq"/>
               <p:prevCondLst>
-                <p:cond delay="0" evt="onPrev">
+                <p:cond evt="onPrev" delay="0">
                   <p:tgtEl>
                     <p:sldTgt/>
                   </p:tgtEl>
                 </p:cond>
               </p:prevCondLst>
               <p:nextCondLst>
-                <p:cond delay="0" evt="onNext">
+                <p:cond evt="onNext" delay="0">
                   <p:tgtEl>
                     <p:sldTgt/>
                   </p:tgtEl>
@@ -6946,8 +10267,8 @@
 </p:sld>
 </file>
 
-<file path=ppt/slides/slide6.xml><?xml version="1.0" encoding="utf-8"?>
-<p:sld xmlns:a="http://schemas.openxmlformats.org/drawingml/2006/main" xmlns:p="http://schemas.openxmlformats.org/presentationml/2006/main" xmlns:r="http://schemas.openxmlformats.org/officeDocument/2006/relationships" xmlns:p14="http://schemas.microsoft.com/office/powerpoint/2010/main" xmlns:p15="http://schemas.microsoft.com/office/powerpoint/2012/main" xmlns:mc="http://schemas.openxmlformats.org/markup-compatibility/2006">
+<file path=ppt/slides/slide8.xml><?xml version="1.0" encoding="utf-8"?>
+<p:sld xmlns:a="http://schemas.openxmlformats.org/drawingml/2006/main" xmlns:r="http://schemas.openxmlformats.org/officeDocument/2006/relationships" xmlns:p="http://schemas.openxmlformats.org/presentationml/2006/main">
   <p:cSld>
     <p:spTree>
       <p:nvGrpSpPr>
@@ -6992,19 +10313,25 @@
               <a:avLst/>
             </a:prstGeom>
             <a:solidFill>
-              <a:srgbClr val="88af43"/>
+              <a:srgbClr val="88AF43"/>
             </a:solidFill>
             <a:ln w="9360">
               <a:solidFill>
-                <a:srgbClr val="88af43"/>
+                <a:srgbClr val="88AF43"/>
               </a:solidFill>
               <a:round/>
             </a:ln>
           </p:spPr>
           <p:style>
-            <a:lnRef idx="0"/>
-            <a:fillRef idx="0"/>
-            <a:effectRef idx="0"/>
+            <a:lnRef idx="0">
+              <a:scrgbClr r="0" g="0" b="0"/>
+            </a:lnRef>
+            <a:fillRef idx="0">
+              <a:scrgbClr r="0" g="0" b="0"/>
+            </a:fillRef>
+            <a:effectRef idx="0">
+              <a:scrgbClr r="0" g="0" b="0"/>
+            </a:effectRef>
             <a:fontRef idx="minor"/>
           </p:style>
         </p:sp>
@@ -7028,13 +10355,20 @@
             </a:ln>
           </p:spPr>
           <p:style>
-            <a:lnRef idx="0"/>
-            <a:fillRef idx="0"/>
-            <a:effectRef idx="0"/>
+            <a:lnRef idx="0">
+              <a:scrgbClr r="0" g="0" b="0"/>
+            </a:lnRef>
+            <a:fillRef idx="0">
+              <a:scrgbClr r="0" g="0" b="0"/>
+            </a:fillRef>
+            <a:effectRef idx="0">
+              <a:scrgbClr r="0" g="0" b="0"/>
+            </a:effectRef>
             <a:fontRef idx="minor"/>
           </p:style>
           <p:txBody>
-            <a:bodyPr lIns="90000" rIns="90000" tIns="91440" bIns="91440"/>
+            <a:bodyPr lIns="90000" tIns="91440" rIns="90000" bIns="91440"/>
+            <a:lstStyle/>
             <a:p>
               <a:pPr>
                 <a:lnSpc>
@@ -7042,16 +10376,16 @@
                 </a:lnSpc>
               </a:pPr>
               <a:r>
-                <a:rPr b="0" lang="ru-RU" sz="2000" spc="-1" strike="noStrike">
+                <a:rPr lang="ru-RU" sz="2000" b="0" strike="noStrike" spc="-1">
                   <a:solidFill>
-                    <a:srgbClr val="ffffff"/>
+                    <a:srgbClr val="FFFFFF"/>
                   </a:solidFill>
                   <a:latin typeface="Tahoma"/>
                   <a:ea typeface="Tahoma"/>
                 </a:rPr>
                 <a:t>Императивный подход</a:t>
               </a:r>
-              <a:endParaRPr b="0" lang="ru-RU" sz="2000" spc="-1" strike="noStrike">
+              <a:endParaRPr lang="ru-RU" sz="2000" b="0" strike="noStrike" spc="-1">
                 <a:latin typeface="Arial"/>
               </a:endParaRPr>
             </a:p>
@@ -7078,9 +10412,15 @@
           </a:ln>
         </p:spPr>
         <p:style>
-          <a:lnRef idx="0"/>
-          <a:fillRef idx="0"/>
-          <a:effectRef idx="0"/>
+          <a:lnRef idx="0">
+            <a:scrgbClr r="0" g="0" b="0"/>
+          </a:lnRef>
+          <a:fillRef idx="0">
+            <a:scrgbClr r="0" g="0" b="0"/>
+          </a:fillRef>
+          <a:effectRef idx="0">
+            <a:scrgbClr r="0" g="0" b="0"/>
+          </a:effectRef>
           <a:fontRef idx="minor"/>
         </p:style>
       </p:sp>
@@ -7104,13 +10444,20 @@
           </a:ln>
         </p:spPr>
         <p:style>
-          <a:lnRef idx="0"/>
-          <a:fillRef idx="0"/>
-          <a:effectRef idx="0"/>
+          <a:lnRef idx="0">
+            <a:scrgbClr r="0" g="0" b="0"/>
+          </a:lnRef>
+          <a:fillRef idx="0">
+            <a:scrgbClr r="0" g="0" b="0"/>
+          </a:fillRef>
+          <a:effectRef idx="0">
+            <a:scrgbClr r="0" g="0" b="0"/>
+          </a:effectRef>
           <a:fontRef idx="minor"/>
         </p:style>
         <p:txBody>
-          <a:bodyPr lIns="90000" rIns="90000" tIns="45000" bIns="45000"/>
+          <a:bodyPr lIns="90000" tIns="45000" rIns="90000" bIns="45000"/>
+          <a:lstStyle/>
           <a:p>
             <a:pPr>
               <a:lnSpc>
@@ -7118,14 +10465,11 @@
               </a:lnSpc>
             </a:pPr>
             <a:r>
-              <a:rPr b="0" lang="ru-RU" sz="1800" spc="-1" strike="noStrike">
+              <a:rPr lang="ru-RU" sz="1800" b="0" strike="noStrike" spc="-1">
                 <a:latin typeface="Arial"/>
               </a:rPr>
               <a:t>import _ from 'lodash'</a:t>
             </a:r>
-            <a:endParaRPr b="0" lang="ru-RU" sz="1800" spc="-1" strike="noStrike">
-              <a:latin typeface="Arial"/>
-            </a:endParaRPr>
           </a:p>
           <a:p>
             <a:pPr>
@@ -7133,7 +10477,7 @@
                 <a:spcPct val="100000"/>
               </a:lnSpc>
             </a:pPr>
-            <a:endParaRPr b="0" lang="ru-RU" sz="1800" spc="-1" strike="noStrike">
+            <a:endParaRPr lang="ru-RU" sz="1800" b="0" strike="noStrike" spc="-1">
               <a:latin typeface="Arial"/>
             </a:endParaRPr>
           </a:p>
@@ -7144,14 +10488,11 @@
               </a:lnSpc>
             </a:pPr>
             <a:r>
-              <a:rPr b="0" lang="ru-RU" sz="1800" spc="-1" strike="noStrike">
+              <a:rPr lang="ru-RU" sz="1800" b="0" strike="noStrike" spc="-1">
                 <a:latin typeface="Arial"/>
               </a:rPr>
               <a:t>const square = (value) =&gt; value * value</a:t>
             </a:r>
-            <a:endParaRPr b="0" lang="ru-RU" sz="1800" spc="-1" strike="noStrike">
-              <a:latin typeface="Arial"/>
-            </a:endParaRPr>
           </a:p>
           <a:p>
             <a:pPr>
@@ -7159,7 +10500,7 @@
                 <a:spcPct val="100000"/>
               </a:lnSpc>
             </a:pPr>
-            <a:endParaRPr b="0" lang="ru-RU" sz="1800" spc="-1" strike="noStrike">
+            <a:endParaRPr lang="ru-RU" sz="1800" b="0" strike="noStrike" spc="-1">
               <a:latin typeface="Arial"/>
             </a:endParaRPr>
           </a:p>
@@ -7170,14 +10511,11 @@
               </a:lnSpc>
             </a:pPr>
             <a:r>
-              <a:rPr b="0" lang="ru-RU" sz="1800" spc="-1" strike="noStrike">
+              <a:rPr lang="ru-RU" sz="1800" b="0" strike="noStrike" spc="-1">
                 <a:latin typeface="Arial"/>
               </a:rPr>
               <a:t>const squareValue = (source) =&gt; {</a:t>
             </a:r>
-            <a:endParaRPr b="0" lang="ru-RU" sz="1800" spc="-1" strike="noStrike">
-              <a:latin typeface="Arial"/>
-            </a:endParaRPr>
           </a:p>
           <a:p>
             <a:pPr>
@@ -7186,20 +10524,11 @@
               </a:lnSpc>
             </a:pPr>
             <a:r>
-              <a:rPr b="0" lang="ru-RU" sz="1800" spc="-1" strike="noStrike">
+              <a:rPr lang="ru-RU" sz="1800" b="0" strike="noStrike" spc="-1">
                 <a:latin typeface="Arial"/>
               </a:rPr>
-              <a:t>  </a:t>
-            </a:r>
-            <a:r>
-              <a:rPr b="0" lang="ru-RU" sz="1800" spc="-1" strike="noStrike">
-                <a:latin typeface="Arial"/>
-              </a:rPr>
-              <a:t>const value = _.get(source, 'value')</a:t>
-            </a:r>
-            <a:endParaRPr b="0" lang="ru-RU" sz="1800" spc="-1" strike="noStrike">
-              <a:latin typeface="Arial"/>
-            </a:endParaRPr>
+              <a:t>  const value = _.get(source, 'value')</a:t>
+            </a:r>
           </a:p>
           <a:p>
             <a:pPr>
@@ -7208,20 +10537,11 @@
               </a:lnSpc>
             </a:pPr>
             <a:r>
-              <a:rPr b="0" lang="ru-RU" sz="1800" spc="-1" strike="noStrike">
+              <a:rPr lang="ru-RU" sz="1800" b="0" strike="noStrike" spc="-1">
                 <a:latin typeface="Arial"/>
               </a:rPr>
-              <a:t>  </a:t>
-            </a:r>
-            <a:r>
-              <a:rPr b="0" lang="ru-RU" sz="1800" spc="-1" strike="noStrike">
-                <a:latin typeface="Arial"/>
-              </a:rPr>
-              <a:t>return square(value)</a:t>
-            </a:r>
-            <a:endParaRPr b="0" lang="ru-RU" sz="1800" spc="-1" strike="noStrike">
-              <a:latin typeface="Arial"/>
-            </a:endParaRPr>
+              <a:t>  return square(value)</a:t>
+            </a:r>
           </a:p>
           <a:p>
             <a:pPr>
@@ -7230,14 +10550,11 @@
               </a:lnSpc>
             </a:pPr>
             <a:r>
-              <a:rPr b="0" lang="ru-RU" sz="1800" spc="-1" strike="noStrike">
+              <a:rPr lang="ru-RU" sz="1800" b="0" strike="noStrike" spc="-1">
                 <a:latin typeface="Arial"/>
               </a:rPr>
               <a:t>}</a:t>
             </a:r>
-            <a:endParaRPr b="0" lang="ru-RU" sz="1800" spc="-1" strike="noStrike">
-              <a:latin typeface="Arial"/>
-            </a:endParaRPr>
           </a:p>
           <a:p>
             <a:pPr>
@@ -7245,7 +10562,7 @@
                 <a:spcPct val="100000"/>
               </a:lnSpc>
             </a:pPr>
-            <a:endParaRPr b="0" lang="ru-RU" sz="1800" spc="-1" strike="noStrike">
+            <a:endParaRPr lang="ru-RU" sz="1800" b="0" strike="noStrike" spc="-1">
               <a:latin typeface="Arial"/>
             </a:endParaRPr>
           </a:p>
@@ -7256,35 +10573,35 @@
               </a:lnSpc>
             </a:pPr>
             <a:r>
-              <a:rPr b="0" lang="ru-RU" sz="1800" spc="-1" strike="noStrike">
+              <a:rPr lang="ru-RU" sz="1800" b="0" strike="noStrike" spc="-1">
                 <a:latin typeface="Arial"/>
               </a:rPr>
               <a:t>console.log(squareValue({ value: 5 })) // 25</a:t>
             </a:r>
-            <a:endParaRPr b="0" lang="ru-RU" sz="1800" spc="-1" strike="noStrike">
-              <a:latin typeface="Arial"/>
-            </a:endParaRPr>
           </a:p>
         </p:txBody>
       </p:sp>
     </p:spTree>
   </p:cSld>
+  <p:clrMapOvr>
+    <a:masterClrMapping/>
+  </p:clrMapOvr>
   <p:timing>
     <p:tnLst>
       <p:par>
-        <p:cTn id="11" dur="indefinite" restart="never" nodeType="tmRoot">
+        <p:cTn id="1" dur="indefinite" restart="never" nodeType="tmRoot">
           <p:childTnLst>
             <p:seq>
-              <p:cTn id="12" dur="indefinite" nodeType="mainSeq"/>
+              <p:cTn id="2" dur="indefinite" nodeType="mainSeq"/>
               <p:prevCondLst>
-                <p:cond delay="0" evt="onPrev">
+                <p:cond evt="onPrev" delay="0">
                   <p:tgtEl>
                     <p:sldTgt/>
                   </p:tgtEl>
                 </p:cond>
               </p:prevCondLst>
               <p:nextCondLst>
-                <p:cond delay="0" evt="onNext">
+                <p:cond evt="onNext" delay="0">
                   <p:tgtEl>
                     <p:sldTgt/>
                   </p:tgtEl>
@@ -7299,8 +10616,8 @@
 </p:sld>
 </file>
 
-<file path=ppt/slides/slide7.xml><?xml version="1.0" encoding="utf-8"?>
-<p:sld xmlns:a="http://schemas.openxmlformats.org/drawingml/2006/main" xmlns:p="http://schemas.openxmlformats.org/presentationml/2006/main" xmlns:r="http://schemas.openxmlformats.org/officeDocument/2006/relationships" xmlns:p14="http://schemas.microsoft.com/office/powerpoint/2010/main" xmlns:p15="http://schemas.microsoft.com/office/powerpoint/2012/main" xmlns:mc="http://schemas.openxmlformats.org/markup-compatibility/2006">
+<file path=ppt/slides/slide9.xml><?xml version="1.0" encoding="utf-8"?>
+<p:sld xmlns:a="http://schemas.openxmlformats.org/drawingml/2006/main" xmlns:r="http://schemas.openxmlformats.org/officeDocument/2006/relationships" xmlns:p="http://schemas.openxmlformats.org/presentationml/2006/main">
   <p:cSld>
     <p:spTree>
       <p:nvGrpSpPr>
@@ -7345,19 +10662,25 @@
               <a:avLst/>
             </a:prstGeom>
             <a:solidFill>
-              <a:srgbClr val="88af43"/>
+              <a:srgbClr val="88AF43"/>
             </a:solidFill>
             <a:ln w="9360">
               <a:solidFill>
-                <a:srgbClr val="88af43"/>
+                <a:srgbClr val="88AF43"/>
               </a:solidFill>
               <a:round/>
             </a:ln>
           </p:spPr>
           <p:style>
-            <a:lnRef idx="0"/>
-            <a:fillRef idx="0"/>
-            <a:effectRef idx="0"/>
+            <a:lnRef idx="0">
+              <a:scrgbClr r="0" g="0" b="0"/>
+            </a:lnRef>
+            <a:fillRef idx="0">
+              <a:scrgbClr r="0" g="0" b="0"/>
+            </a:fillRef>
+            <a:effectRef idx="0">
+              <a:scrgbClr r="0" g="0" b="0"/>
+            </a:effectRef>
             <a:fontRef idx="minor"/>
           </p:style>
         </p:sp>
@@ -7381,13 +10704,20 @@
             </a:ln>
           </p:spPr>
           <p:style>
-            <a:lnRef idx="0"/>
-            <a:fillRef idx="0"/>
-            <a:effectRef idx="0"/>
+            <a:lnRef idx="0">
+              <a:scrgbClr r="0" g="0" b="0"/>
+            </a:lnRef>
+            <a:fillRef idx="0">
+              <a:scrgbClr r="0" g="0" b="0"/>
+            </a:fillRef>
+            <a:effectRef idx="0">
+              <a:scrgbClr r="0" g="0" b="0"/>
+            </a:effectRef>
             <a:fontRef idx="minor"/>
           </p:style>
           <p:txBody>
-            <a:bodyPr lIns="90000" rIns="90000" tIns="91440" bIns="91440"/>
+            <a:bodyPr lIns="90000" tIns="91440" rIns="90000" bIns="91440"/>
+            <a:lstStyle/>
             <a:p>
               <a:pPr>
                 <a:lnSpc>
@@ -7395,16 +10725,16 @@
                 </a:lnSpc>
               </a:pPr>
               <a:r>
-                <a:rPr b="0" lang="ru-RU" sz="2000" spc="-1" strike="noStrike">
+                <a:rPr lang="ru-RU" sz="2000" b="0" strike="noStrike" spc="-1">
                   <a:solidFill>
-                    <a:srgbClr val="ffffff"/>
+                    <a:srgbClr val="FFFFFF"/>
                   </a:solidFill>
                   <a:latin typeface="Tahoma"/>
                   <a:ea typeface="Tahoma"/>
                 </a:rPr>
                 <a:t>Монадический подход</a:t>
               </a:r>
-              <a:endParaRPr b="0" lang="ru-RU" sz="2000" spc="-1" strike="noStrike">
+              <a:endParaRPr lang="ru-RU" sz="2000" b="0" strike="noStrike" spc="-1">
                 <a:latin typeface="Arial"/>
               </a:endParaRPr>
             </a:p>
@@ -7431,9 +10761,15 @@
           </a:ln>
         </p:spPr>
         <p:style>
-          <a:lnRef idx="0"/>
-          <a:fillRef idx="0"/>
-          <a:effectRef idx="0"/>
+          <a:lnRef idx="0">
+            <a:scrgbClr r="0" g="0" b="0"/>
+          </a:lnRef>
+          <a:fillRef idx="0">
+            <a:scrgbClr r="0" g="0" b="0"/>
+          </a:fillRef>
+          <a:effectRef idx="0">
+            <a:scrgbClr r="0" g="0" b="0"/>
+          </a:effectRef>
           <a:fontRef idx="minor"/>
         </p:style>
       </p:sp>
@@ -7457,13 +10793,20 @@
           </a:ln>
         </p:spPr>
         <p:style>
-          <a:lnRef idx="0"/>
-          <a:fillRef idx="0"/>
-          <a:effectRef idx="0"/>
+          <a:lnRef idx="0">
+            <a:scrgbClr r="0" g="0" b="0"/>
+          </a:lnRef>
+          <a:fillRef idx="0">
+            <a:scrgbClr r="0" g="0" b="0"/>
+          </a:fillRef>
+          <a:effectRef idx="0">
+            <a:scrgbClr r="0" g="0" b="0"/>
+          </a:effectRef>
           <a:fontRef idx="minor"/>
         </p:style>
         <p:txBody>
-          <a:bodyPr lIns="90000" rIns="90000" tIns="45000" bIns="45000"/>
+          <a:bodyPr lIns="90000" tIns="45000" rIns="90000" bIns="45000"/>
+          <a:lstStyle/>
           <a:p>
             <a:pPr>
               <a:lnSpc>
@@ -7471,14 +10814,11 @@
               </a:lnSpc>
             </a:pPr>
             <a:r>
-              <a:rPr b="0" lang="ru-RU" sz="1800" spc="-1" strike="noStrike">
+              <a:rPr lang="ru-RU" sz="1800" b="0" strike="noStrike" spc="-1">
                 <a:latin typeface="Arial"/>
               </a:rPr>
               <a:t>import _ from 'lodash'</a:t>
             </a:r>
-            <a:endParaRPr b="0" lang="ru-RU" sz="1800" spc="-1" strike="noStrike">
-              <a:latin typeface="Arial"/>
-            </a:endParaRPr>
           </a:p>
           <a:p>
             <a:pPr>
@@ -7486,7 +10826,7 @@
                 <a:spcPct val="100000"/>
               </a:lnSpc>
             </a:pPr>
-            <a:endParaRPr b="0" lang="ru-RU" sz="1800" spc="-1" strike="noStrike">
+            <a:endParaRPr lang="ru-RU" sz="1800" b="0" strike="noStrike" spc="-1">
               <a:latin typeface="Arial"/>
             </a:endParaRPr>
           </a:p>
@@ -7497,14 +10837,11 @@
               </a:lnSpc>
             </a:pPr>
             <a:r>
-              <a:rPr b="0" lang="ru-RU" sz="1800" spc="-1" strike="noStrike">
+              <a:rPr lang="ru-RU" sz="1800" b="0" strike="noStrike" spc="-1">
                 <a:latin typeface="Arial"/>
               </a:rPr>
               <a:t>const square = (value) =&gt; value * value</a:t>
             </a:r>
-            <a:endParaRPr b="0" lang="ru-RU" sz="1800" spc="-1" strike="noStrike">
-              <a:latin typeface="Arial"/>
-            </a:endParaRPr>
           </a:p>
           <a:p>
             <a:pPr>
@@ -7512,7 +10849,7 @@
                 <a:spcPct val="100000"/>
               </a:lnSpc>
             </a:pPr>
-            <a:endParaRPr b="0" lang="ru-RU" sz="1800" spc="-1" strike="noStrike">
+            <a:endParaRPr lang="ru-RU" sz="1800" b="0" strike="noStrike" spc="-1">
               <a:latin typeface="Arial"/>
             </a:endParaRPr>
           </a:p>
@@ -7523,14 +10860,11 @@
               </a:lnSpc>
             </a:pPr>
             <a:r>
-              <a:rPr b="0" lang="ru-RU" sz="1800" spc="-1" strike="noStrike">
+              <a:rPr lang="ru-RU" sz="1800" b="0" strike="noStrike" spc="-1">
                 <a:latin typeface="Arial"/>
               </a:rPr>
               <a:t>const squareValue = (source) =&gt; _(source)</a:t>
             </a:r>
-            <a:endParaRPr b="0" lang="ru-RU" sz="1800" spc="-1" strike="noStrike">
-              <a:latin typeface="Arial"/>
-            </a:endParaRPr>
           </a:p>
           <a:p>
             <a:pPr>
@@ -7539,20 +10873,11 @@
               </a:lnSpc>
             </a:pPr>
             <a:r>
-              <a:rPr b="0" lang="ru-RU" sz="1800" spc="-1" strike="noStrike">
+              <a:rPr lang="ru-RU" sz="1800" b="0" strike="noStrike" spc="-1">
                 <a:latin typeface="Arial"/>
               </a:rPr>
-              <a:t>  </a:t>
-            </a:r>
-            <a:r>
-              <a:rPr b="0" lang="ru-RU" sz="1800" spc="-1" strike="noStrike">
-                <a:latin typeface="Arial"/>
-              </a:rPr>
-              <a:t>.chain()</a:t>
-            </a:r>
-            <a:endParaRPr b="0" lang="ru-RU" sz="1800" spc="-1" strike="noStrike">
-              <a:latin typeface="Arial"/>
-            </a:endParaRPr>
+              <a:t>  .chain()</a:t>
+            </a:r>
           </a:p>
           <a:p>
             <a:pPr>
@@ -7561,20 +10886,11 @@
               </a:lnSpc>
             </a:pPr>
             <a:r>
-              <a:rPr b="0" lang="ru-RU" sz="1800" spc="-1" strike="noStrike">
+              <a:rPr lang="ru-RU" sz="1800" b="0" strike="noStrike" spc="-1">
                 <a:latin typeface="Arial"/>
               </a:rPr>
-              <a:t>  </a:t>
-            </a:r>
-            <a:r>
-              <a:rPr b="0" lang="ru-RU" sz="1800" spc="-1" strike="noStrike">
-                <a:latin typeface="Arial"/>
-              </a:rPr>
-              <a:t>.get('value')</a:t>
-            </a:r>
-            <a:endParaRPr b="0" lang="ru-RU" sz="1800" spc="-1" strike="noStrike">
-              <a:latin typeface="Arial"/>
-            </a:endParaRPr>
+              <a:t>  .get('value')</a:t>
+            </a:r>
           </a:p>
           <a:p>
             <a:pPr>
@@ -7583,20 +10899,11 @@
               </a:lnSpc>
             </a:pPr>
             <a:r>
-              <a:rPr b="0" lang="ru-RU" sz="1800" spc="-1" strike="noStrike">
+              <a:rPr lang="ru-RU" sz="1800" b="0" strike="noStrike" spc="-1">
                 <a:latin typeface="Arial"/>
               </a:rPr>
-              <a:t>  </a:t>
-            </a:r>
-            <a:r>
-              <a:rPr b="0" lang="ru-RU" sz="1800" spc="-1" strike="noStrike">
-                <a:latin typeface="Arial"/>
-              </a:rPr>
-              <a:t>.thru(square)</a:t>
-            </a:r>
-            <a:endParaRPr b="0" lang="ru-RU" sz="1800" spc="-1" strike="noStrike">
-              <a:latin typeface="Arial"/>
-            </a:endParaRPr>
+              <a:t>  .thru(square)</a:t>
+            </a:r>
           </a:p>
           <a:p>
             <a:pPr>
@@ -7605,20 +10912,11 @@
               </a:lnSpc>
             </a:pPr>
             <a:r>
-              <a:rPr b="0" lang="ru-RU" sz="1800" spc="-1" strike="noStrike">
+              <a:rPr lang="ru-RU" sz="1800" b="0" strike="noStrike" spc="-1">
                 <a:latin typeface="Arial"/>
               </a:rPr>
-              <a:t>  </a:t>
-            </a:r>
-            <a:r>
-              <a:rPr b="0" lang="ru-RU" sz="1800" spc="-1" strike="noStrike">
-                <a:latin typeface="Arial"/>
-              </a:rPr>
-              <a:t>.value()</a:t>
-            </a:r>
-            <a:endParaRPr b="0" lang="ru-RU" sz="1800" spc="-1" strike="noStrike">
-              <a:latin typeface="Arial"/>
-            </a:endParaRPr>
+              <a:t>  .value()</a:t>
+            </a:r>
           </a:p>
           <a:p>
             <a:pPr>
@@ -7626,7 +10924,7 @@
                 <a:spcPct val="100000"/>
               </a:lnSpc>
             </a:pPr>
-            <a:endParaRPr b="0" lang="ru-RU" sz="1800" spc="-1" strike="noStrike">
+            <a:endParaRPr lang="ru-RU" sz="1800" b="0" strike="noStrike" spc="-1">
               <a:latin typeface="Arial"/>
             </a:endParaRPr>
           </a:p>
@@ -7637,555 +10935,35 @@
               </a:lnSpc>
             </a:pPr>
             <a:r>
-              <a:rPr b="0" lang="ru-RU" sz="1800" spc="-1" strike="noStrike">
+              <a:rPr lang="ru-RU" sz="1800" b="0" strike="noStrike" spc="-1">
                 <a:latin typeface="Arial"/>
               </a:rPr>
               <a:t>console.log(squareValue({ value: 5 })) // 25</a:t>
             </a:r>
-            <a:endParaRPr b="0" lang="ru-RU" sz="1800" spc="-1" strike="noStrike">
-              <a:latin typeface="Arial"/>
-            </a:endParaRPr>
           </a:p>
         </p:txBody>
       </p:sp>
     </p:spTree>
   </p:cSld>
+  <p:clrMapOvr>
+    <a:masterClrMapping/>
+  </p:clrMapOvr>
   <p:timing>
     <p:tnLst>
       <p:par>
-        <p:cTn id="13" dur="indefinite" restart="never" nodeType="tmRoot">
+        <p:cTn id="1" dur="indefinite" restart="never" nodeType="tmRoot">
           <p:childTnLst>
             <p:seq>
-              <p:cTn id="14" dur="indefinite" nodeType="mainSeq"/>
+              <p:cTn id="2" dur="indefinite" nodeType="mainSeq"/>
               <p:prevCondLst>
-                <p:cond delay="0" evt="onPrev">
+                <p:cond evt="onPrev" delay="0">
                   <p:tgtEl>
                     <p:sldTgt/>
                   </p:tgtEl>
                 </p:cond>
               </p:prevCondLst>
               <p:nextCondLst>
-                <p:cond delay="0" evt="onNext">
-                  <p:tgtEl>
-                    <p:sldTgt/>
-                  </p:tgtEl>
-                </p:cond>
-              </p:nextCondLst>
-            </p:seq>
-          </p:childTnLst>
-        </p:cTn>
-      </p:par>
-    </p:tnLst>
-  </p:timing>
-</p:sld>
-</file>
-
-<file path=ppt/slides/slide8.xml><?xml version="1.0" encoding="utf-8"?>
-<p:sld xmlns:a="http://schemas.openxmlformats.org/drawingml/2006/main" xmlns:p="http://schemas.openxmlformats.org/presentationml/2006/main" xmlns:r="http://schemas.openxmlformats.org/officeDocument/2006/relationships" xmlns:p14="http://schemas.microsoft.com/office/powerpoint/2010/main" xmlns:p15="http://schemas.microsoft.com/office/powerpoint/2012/main" xmlns:mc="http://schemas.openxmlformats.org/markup-compatibility/2006">
-  <p:cSld>
-    <p:spTree>
-      <p:nvGrpSpPr>
-        <p:cNvPr id="1" name=""/>
-        <p:cNvGrpSpPr/>
-        <p:nvPr/>
-      </p:nvGrpSpPr>
-      <p:grpSpPr>
-        <a:xfrm>
-          <a:off x="0" y="0"/>
-          <a:ext cx="0" cy="0"/>
-          <a:chOff x="0" y="0"/>
-          <a:chExt cx="0" cy="0"/>
-        </a:xfrm>
-      </p:grpSpPr>
-      <p:grpSp>
-        <p:nvGrpSpPr>
-          <p:cNvPr id="151" name="Group 1"/>
-          <p:cNvGrpSpPr/>
-          <p:nvPr/>
-        </p:nvGrpSpPr>
-        <p:grpSpPr>
-          <a:xfrm>
-            <a:off x="0" y="0"/>
-            <a:ext cx="9143280" cy="632160"/>
-            <a:chOff x="0" y="0"/>
-            <a:chExt cx="9143280" cy="632160"/>
-          </a:xfrm>
-        </p:grpSpPr>
-        <p:sp>
-          <p:nvSpPr>
-            <p:cNvPr id="152" name="CustomShape 2"/>
-            <p:cNvSpPr/>
-            <p:nvPr/>
-          </p:nvSpPr>
-          <p:spPr>
-            <a:xfrm>
-              <a:off x="0" y="0"/>
-              <a:ext cx="9143280" cy="632160"/>
-            </a:xfrm>
-            <a:prstGeom prst="rect">
-              <a:avLst/>
-            </a:prstGeom>
-            <a:solidFill>
-              <a:srgbClr val="88af43"/>
-            </a:solidFill>
-            <a:ln w="9360">
-              <a:solidFill>
-                <a:srgbClr val="88af43"/>
-              </a:solidFill>
-              <a:round/>
-            </a:ln>
-          </p:spPr>
-          <p:style>
-            <a:lnRef idx="0"/>
-            <a:fillRef idx="0"/>
-            <a:effectRef idx="0"/>
-            <a:fontRef idx="minor"/>
-          </p:style>
-        </p:sp>
-        <p:sp>
-          <p:nvSpPr>
-            <p:cNvPr id="153" name="CustomShape 3"/>
-            <p:cNvSpPr/>
-            <p:nvPr/>
-          </p:nvSpPr>
-          <p:spPr>
-            <a:xfrm>
-              <a:off x="181440" y="69840"/>
-              <a:ext cx="5785560" cy="492480"/>
-            </a:xfrm>
-            <a:prstGeom prst="rect">
-              <a:avLst/>
-            </a:prstGeom>
-            <a:noFill/>
-            <a:ln>
-              <a:noFill/>
-            </a:ln>
-          </p:spPr>
-          <p:style>
-            <a:lnRef idx="0"/>
-            <a:fillRef idx="0"/>
-            <a:effectRef idx="0"/>
-            <a:fontRef idx="minor"/>
-          </p:style>
-          <p:txBody>
-            <a:bodyPr lIns="90000" rIns="90000" tIns="91440" bIns="91440"/>
-            <a:p>
-              <a:pPr>
-                <a:lnSpc>
-                  <a:spcPct val="100000"/>
-                </a:lnSpc>
-              </a:pPr>
-              <a:r>
-                <a:rPr b="0" lang="ru-RU" sz="2000" spc="-1" strike="noStrike">
-                  <a:solidFill>
-                    <a:srgbClr val="ffffff"/>
-                  </a:solidFill>
-                  <a:latin typeface="Tahoma"/>
-                  <a:ea typeface="Tahoma"/>
-                </a:rPr>
-                <a:t>Декларативный подход</a:t>
-              </a:r>
-              <a:endParaRPr b="0" lang="ru-RU" sz="2000" spc="-1" strike="noStrike">
-                <a:latin typeface="Arial"/>
-              </a:endParaRPr>
-            </a:p>
-          </p:txBody>
-        </p:sp>
-      </p:grpSp>
-      <p:sp>
-        <p:nvSpPr>
-          <p:cNvPr id="154" name="CustomShape 4"/>
-          <p:cNvSpPr/>
-          <p:nvPr/>
-        </p:nvSpPr>
-        <p:spPr>
-          <a:xfrm>
-            <a:off x="206280" y="864000"/>
-            <a:ext cx="8731080" cy="3959640"/>
-          </a:xfrm>
-          <a:prstGeom prst="rect">
-            <a:avLst/>
-          </a:prstGeom>
-          <a:noFill/>
-          <a:ln>
-            <a:noFill/>
-          </a:ln>
-        </p:spPr>
-        <p:style>
-          <a:lnRef idx="0"/>
-          <a:fillRef idx="0"/>
-          <a:effectRef idx="0"/>
-          <a:fontRef idx="minor"/>
-        </p:style>
-      </p:sp>
-      <p:sp>
-        <p:nvSpPr>
-          <p:cNvPr id="155" name="CustomShape 5"/>
-          <p:cNvSpPr/>
-          <p:nvPr/>
-        </p:nvSpPr>
-        <p:spPr>
-          <a:xfrm>
-            <a:off x="1152000" y="1152000"/>
-            <a:ext cx="5759640" cy="2649960"/>
-          </a:xfrm>
-          <a:prstGeom prst="rect">
-            <a:avLst/>
-          </a:prstGeom>
-          <a:noFill/>
-          <a:ln>
-            <a:noFill/>
-          </a:ln>
-        </p:spPr>
-        <p:style>
-          <a:lnRef idx="0"/>
-          <a:fillRef idx="0"/>
-          <a:effectRef idx="0"/>
-          <a:fontRef idx="minor"/>
-        </p:style>
-        <p:txBody>
-          <a:bodyPr lIns="90000" rIns="90000" tIns="45000" bIns="45000"/>
-          <a:p>
-            <a:pPr>
-              <a:lnSpc>
-                <a:spcPct val="100000"/>
-              </a:lnSpc>
-            </a:pPr>
-            <a:r>
-              <a:rPr b="0" lang="ru-RU" sz="1800" spc="-1" strike="noStrike">
-                <a:latin typeface="Arial"/>
-              </a:rPr>
-              <a:t>import _ from 'lodash</a:t>
-            </a:r>
-            <a:r>
-              <a:rPr b="1" lang="ru-RU" sz="1800" spc="-1" strike="noStrike">
-                <a:latin typeface="Arial"/>
-              </a:rPr>
-              <a:t>/fp</a:t>
-            </a:r>
-            <a:r>
-              <a:rPr b="0" lang="ru-RU" sz="1800" spc="-1" strike="noStrike">
-                <a:latin typeface="Arial"/>
-              </a:rPr>
-              <a:t>'</a:t>
-            </a:r>
-            <a:endParaRPr b="0" lang="ru-RU" sz="1800" spc="-1" strike="noStrike">
-              <a:latin typeface="Arial"/>
-            </a:endParaRPr>
-          </a:p>
-          <a:p>
-            <a:pPr>
-              <a:lnSpc>
-                <a:spcPct val="100000"/>
-              </a:lnSpc>
-            </a:pPr>
-            <a:endParaRPr b="0" lang="ru-RU" sz="1800" spc="-1" strike="noStrike">
-              <a:latin typeface="Arial"/>
-            </a:endParaRPr>
-          </a:p>
-          <a:p>
-            <a:pPr>
-              <a:lnSpc>
-                <a:spcPct val="100000"/>
-              </a:lnSpc>
-            </a:pPr>
-            <a:r>
-              <a:rPr b="0" lang="ru-RU" sz="1800" spc="-1" strike="noStrike">
-                <a:latin typeface="Arial"/>
-              </a:rPr>
-              <a:t>const square = (value) =&gt; value * value</a:t>
-            </a:r>
-            <a:endParaRPr b="0" lang="ru-RU" sz="1800" spc="-1" strike="noStrike">
-              <a:latin typeface="Arial"/>
-            </a:endParaRPr>
-          </a:p>
-          <a:p>
-            <a:pPr>
-              <a:lnSpc>
-                <a:spcPct val="100000"/>
-              </a:lnSpc>
-            </a:pPr>
-            <a:endParaRPr b="0" lang="ru-RU" sz="1800" spc="-1" strike="noStrike">
-              <a:latin typeface="Arial"/>
-            </a:endParaRPr>
-          </a:p>
-          <a:p>
-            <a:pPr>
-              <a:lnSpc>
-                <a:spcPct val="100000"/>
-              </a:lnSpc>
-            </a:pPr>
-            <a:r>
-              <a:rPr b="0" lang="ru-RU" sz="1800" spc="-1" strike="noStrike">
-                <a:latin typeface="Arial"/>
-              </a:rPr>
-              <a:t>const squareValue = _.compose(square, _.get('value'))</a:t>
-            </a:r>
-            <a:endParaRPr b="0" lang="ru-RU" sz="1800" spc="-1" strike="noStrike">
-              <a:latin typeface="Arial"/>
-            </a:endParaRPr>
-          </a:p>
-          <a:p>
-            <a:pPr>
-              <a:lnSpc>
-                <a:spcPct val="100000"/>
-              </a:lnSpc>
-            </a:pPr>
-            <a:endParaRPr b="0" lang="ru-RU" sz="1800" spc="-1" strike="noStrike">
-              <a:latin typeface="Arial"/>
-            </a:endParaRPr>
-          </a:p>
-          <a:p>
-            <a:pPr>
-              <a:lnSpc>
-                <a:spcPct val="100000"/>
-              </a:lnSpc>
-            </a:pPr>
-            <a:r>
-              <a:rPr b="0" lang="ru-RU" sz="1800" spc="-1" strike="noStrike">
-                <a:latin typeface="Arial"/>
-              </a:rPr>
-              <a:t>console.log(squareValue({ value: 5 })) // 25</a:t>
-            </a:r>
-            <a:endParaRPr b="0" lang="ru-RU" sz="1800" spc="-1" strike="noStrike">
-              <a:latin typeface="Arial"/>
-            </a:endParaRPr>
-          </a:p>
-        </p:txBody>
-      </p:sp>
-    </p:spTree>
-  </p:cSld>
-  <p:timing>
-    <p:tnLst>
-      <p:par>
-        <p:cTn id="15" dur="indefinite" restart="never" nodeType="tmRoot">
-          <p:childTnLst>
-            <p:seq>
-              <p:cTn id="16" dur="indefinite" nodeType="mainSeq"/>
-              <p:prevCondLst>
-                <p:cond delay="0" evt="onPrev">
-                  <p:tgtEl>
-                    <p:sldTgt/>
-                  </p:tgtEl>
-                </p:cond>
-              </p:prevCondLst>
-              <p:nextCondLst>
-                <p:cond delay="0" evt="onNext">
-                  <p:tgtEl>
-                    <p:sldTgt/>
-                  </p:tgtEl>
-                </p:cond>
-              </p:nextCondLst>
-            </p:seq>
-          </p:childTnLst>
-        </p:cTn>
-      </p:par>
-    </p:tnLst>
-  </p:timing>
-</p:sld>
-</file>
-
-<file path=ppt/slides/slide9.xml><?xml version="1.0" encoding="utf-8"?>
-<p:sld xmlns:a="http://schemas.openxmlformats.org/drawingml/2006/main" xmlns:p="http://schemas.openxmlformats.org/presentationml/2006/main" xmlns:r="http://schemas.openxmlformats.org/officeDocument/2006/relationships" xmlns:p14="http://schemas.microsoft.com/office/powerpoint/2010/main" xmlns:p15="http://schemas.microsoft.com/office/powerpoint/2012/main" xmlns:mc="http://schemas.openxmlformats.org/markup-compatibility/2006">
-  <p:cSld>
-    <p:spTree>
-      <p:nvGrpSpPr>
-        <p:cNvPr id="1" name=""/>
-        <p:cNvGrpSpPr/>
-        <p:nvPr/>
-      </p:nvGrpSpPr>
-      <p:grpSpPr>
-        <a:xfrm>
-          <a:off x="0" y="0"/>
-          <a:ext cx="0" cy="0"/>
-          <a:chOff x="0" y="0"/>
-          <a:chExt cx="0" cy="0"/>
-        </a:xfrm>
-      </p:grpSpPr>
-      <p:grpSp>
-        <p:nvGrpSpPr>
-          <p:cNvPr id="156" name="Group 1"/>
-          <p:cNvGrpSpPr/>
-          <p:nvPr/>
-        </p:nvGrpSpPr>
-        <p:grpSpPr>
-          <a:xfrm>
-            <a:off x="0" y="0"/>
-            <a:ext cx="9143280" cy="632160"/>
-            <a:chOff x="0" y="0"/>
-            <a:chExt cx="9143280" cy="632160"/>
-          </a:xfrm>
-        </p:grpSpPr>
-        <p:sp>
-          <p:nvSpPr>
-            <p:cNvPr id="157" name="CustomShape 2"/>
-            <p:cNvSpPr/>
-            <p:nvPr/>
-          </p:nvSpPr>
-          <p:spPr>
-            <a:xfrm>
-              <a:off x="0" y="0"/>
-              <a:ext cx="9143280" cy="632160"/>
-            </a:xfrm>
-            <a:prstGeom prst="rect">
-              <a:avLst/>
-            </a:prstGeom>
-            <a:solidFill>
-              <a:srgbClr val="88af43"/>
-            </a:solidFill>
-            <a:ln w="9360">
-              <a:solidFill>
-                <a:srgbClr val="88af43"/>
-              </a:solidFill>
-              <a:round/>
-            </a:ln>
-          </p:spPr>
-          <p:style>
-            <a:lnRef idx="0"/>
-            <a:fillRef idx="0"/>
-            <a:effectRef idx="0"/>
-            <a:fontRef idx="minor"/>
-          </p:style>
-        </p:sp>
-        <p:sp>
-          <p:nvSpPr>
-            <p:cNvPr id="158" name="CustomShape 3"/>
-            <p:cNvSpPr/>
-            <p:nvPr/>
-          </p:nvSpPr>
-          <p:spPr>
-            <a:xfrm>
-              <a:off x="181440" y="69840"/>
-              <a:ext cx="5785560" cy="492480"/>
-            </a:xfrm>
-            <a:prstGeom prst="rect">
-              <a:avLst/>
-            </a:prstGeom>
-            <a:noFill/>
-            <a:ln>
-              <a:noFill/>
-            </a:ln>
-          </p:spPr>
-          <p:style>
-            <a:lnRef idx="0"/>
-            <a:fillRef idx="0"/>
-            <a:effectRef idx="0"/>
-            <a:fontRef idx="minor"/>
-          </p:style>
-          <p:txBody>
-            <a:bodyPr lIns="90000" rIns="90000" tIns="91440" bIns="91440"/>
-            <a:p>
-              <a:pPr>
-                <a:lnSpc>
-                  <a:spcPct val="100000"/>
-                </a:lnSpc>
-              </a:pPr>
-              <a:r>
-                <a:rPr b="0" lang="ru-RU" sz="2000" spc="-1" strike="noStrike">
-                  <a:solidFill>
-                    <a:srgbClr val="ffffff"/>
-                  </a:solidFill>
-                  <a:latin typeface="Tahoma"/>
-                  <a:ea typeface="Tahoma"/>
-                </a:rPr>
-                <a:t>Спасибо за внимание</a:t>
-              </a:r>
-              <a:endParaRPr b="0" lang="ru-RU" sz="2000" spc="-1" strike="noStrike">
-                <a:latin typeface="Arial"/>
-              </a:endParaRPr>
-            </a:p>
-          </p:txBody>
-        </p:sp>
-      </p:grpSp>
-      <p:pic>
-        <p:nvPicPr>
-          <p:cNvPr id="159" name="Рисунок 1" descr=""/>
-          <p:cNvPicPr/>
-          <p:nvPr/>
-        </p:nvPicPr>
-        <p:blipFill>
-          <a:blip r:embed="rId1"/>
-          <a:stretch/>
-        </p:blipFill>
-        <p:spPr>
-          <a:xfrm>
-            <a:off x="5828040" y="1304280"/>
-            <a:ext cx="2502000" cy="2552040"/>
-          </a:xfrm>
-          <a:prstGeom prst="rect">
-            <a:avLst/>
-          </a:prstGeom>
-          <a:ln>
-            <a:noFill/>
-          </a:ln>
-        </p:spPr>
-      </p:pic>
-      <p:sp>
-        <p:nvSpPr>
-          <p:cNvPr id="160" name="CustomShape 4"/>
-          <p:cNvSpPr/>
-          <p:nvPr/>
-        </p:nvSpPr>
-        <p:spPr>
-          <a:xfrm>
-            <a:off x="864000" y="2232000"/>
-            <a:ext cx="3383640" cy="345960"/>
-          </a:xfrm>
-          <a:prstGeom prst="rect">
-            <a:avLst/>
-          </a:prstGeom>
-          <a:noFill/>
-          <a:ln>
-            <a:noFill/>
-          </a:ln>
-        </p:spPr>
-        <p:style>
-          <a:lnRef idx="0"/>
-          <a:fillRef idx="0"/>
-          <a:effectRef idx="0"/>
-          <a:fontRef idx="minor"/>
-        </p:style>
-        <p:txBody>
-          <a:bodyPr lIns="90000" rIns="90000" tIns="45000" bIns="45000"/>
-          <a:p>
-            <a:pPr>
-              <a:lnSpc>
-                <a:spcPct val="100000"/>
-              </a:lnSpc>
-            </a:pPr>
-            <a:r>
-              <a:rPr b="1" lang="ru-RU" sz="1800" spc="-1" strike="noStrike">
-                <a:solidFill>
-                  <a:srgbClr val="662483"/>
-                </a:solidFill>
-                <a:latin typeface="Arial"/>
-              </a:rPr>
-              <a:t>Спасибо за внимание!</a:t>
-            </a:r>
-            <a:endParaRPr b="0" lang="ru-RU" sz="1800" spc="-1" strike="noStrike">
-              <a:latin typeface="Arial"/>
-            </a:endParaRPr>
-          </a:p>
-        </p:txBody>
-      </p:sp>
-    </p:spTree>
-  </p:cSld>
-  <p:timing>
-    <p:tnLst>
-      <p:par>
-        <p:cTn id="17" dur="indefinite" restart="never" nodeType="tmRoot">
-          <p:childTnLst>
-            <p:seq>
-              <p:cTn id="18" dur="indefinite" nodeType="mainSeq"/>
-              <p:prevCondLst>
-                <p:cond delay="0" evt="onPrev">
-                  <p:tgtEl>
-                    <p:sldTgt/>
-                  </p:tgtEl>
-                </p:cond>
-              </p:prevCondLst>
-              <p:nextCondLst>
-                <p:cond delay="0" evt="onNext">
+                <p:cond evt="onNext" delay="0">
                   <p:tgtEl>
                     <p:sldTgt/>
                   </p:tgtEl>
@@ -8211,34 +10989,34 @@
         <a:sysClr val="window" lastClr="FFFFFF"/>
       </a:lt1>
       <a:dk2>
-        <a:srgbClr val="44546a"/>
+        <a:srgbClr val="44546A"/>
       </a:dk2>
       <a:lt2>
-        <a:srgbClr val="e7e6e6"/>
+        <a:srgbClr val="E7E6E6"/>
       </a:lt2>
       <a:accent1>
-        <a:srgbClr val="4472c4"/>
+        <a:srgbClr val="4472C4"/>
       </a:accent1>
       <a:accent2>
-        <a:srgbClr val="ed7d31"/>
+        <a:srgbClr val="ED7D31"/>
       </a:accent2>
       <a:accent3>
-        <a:srgbClr val="a5a5a5"/>
+        <a:srgbClr val="A5A5A5"/>
       </a:accent3>
       <a:accent4>
-        <a:srgbClr val="ffc000"/>
+        <a:srgbClr val="FFC000"/>
       </a:accent4>
       <a:accent5>
-        <a:srgbClr val="5b9bd5"/>
+        <a:srgbClr val="5B9BD5"/>
       </a:accent5>
       <a:accent6>
-        <a:srgbClr val="70ad47"/>
+        <a:srgbClr val="70AD47"/>
       </a:accent6>
       <a:hlink>
-        <a:srgbClr val="0563c1"/>
+        <a:srgbClr val="0563C1"/>
       </a:hlink>
       <a:folHlink>
-        <a:srgbClr val="954f72"/>
+        <a:srgbClr val="954F72"/>
       </a:folHlink>
     </a:clrScheme>
     <a:fontScheme name="Office">
@@ -8420,6 +11198,8 @@
       </a:bgFillStyleLst>
     </a:fmtScheme>
   </a:themeElements>
+  <a:objectDefaults/>
+  <a:extraClrSchemeLst/>
 </a:theme>
 </file>
 
@@ -8434,34 +11214,34 @@
         <a:sysClr val="window" lastClr="FFFFFF"/>
       </a:lt1>
       <a:dk2>
-        <a:srgbClr val="44546a"/>
+        <a:srgbClr val="44546A"/>
       </a:dk2>
       <a:lt2>
-        <a:srgbClr val="e7e6e6"/>
+        <a:srgbClr val="E7E6E6"/>
       </a:lt2>
       <a:accent1>
-        <a:srgbClr val="4472c4"/>
+        <a:srgbClr val="4472C4"/>
       </a:accent1>
       <a:accent2>
-        <a:srgbClr val="ed7d31"/>
+        <a:srgbClr val="ED7D31"/>
       </a:accent2>
       <a:accent3>
-        <a:srgbClr val="a5a5a5"/>
+        <a:srgbClr val="A5A5A5"/>
       </a:accent3>
       <a:accent4>
-        <a:srgbClr val="ffc000"/>
+        <a:srgbClr val="FFC000"/>
       </a:accent4>
       <a:accent5>
-        <a:srgbClr val="5b9bd5"/>
+        <a:srgbClr val="5B9BD5"/>
       </a:accent5>
       <a:accent6>
-        <a:srgbClr val="70ad47"/>
+        <a:srgbClr val="70AD47"/>
       </a:accent6>
       <a:hlink>
-        <a:srgbClr val="0563c1"/>
+        <a:srgbClr val="0563C1"/>
       </a:hlink>
       <a:folHlink>
-        <a:srgbClr val="954f72"/>
+        <a:srgbClr val="954F72"/>
       </a:folHlink>
     </a:clrScheme>
     <a:fontScheme name="Office">
@@ -8643,6 +11423,8 @@
       </a:bgFillStyleLst>
     </a:fmtScheme>
   </a:themeElements>
+  <a:objectDefaults/>
+  <a:extraClrSchemeLst/>
 </a:theme>
 </file>
 
@@ -8657,34 +11439,34 @@
         <a:sysClr val="window" lastClr="FFFFFF"/>
       </a:lt1>
       <a:dk2>
-        <a:srgbClr val="44546a"/>
+        <a:srgbClr val="44546A"/>
       </a:dk2>
       <a:lt2>
-        <a:srgbClr val="e7e6e6"/>
+        <a:srgbClr val="E7E6E6"/>
       </a:lt2>
       <a:accent1>
-        <a:srgbClr val="4472c4"/>
+        <a:srgbClr val="4472C4"/>
       </a:accent1>
       <a:accent2>
-        <a:srgbClr val="ed7d31"/>
+        <a:srgbClr val="ED7D31"/>
       </a:accent2>
       <a:accent3>
-        <a:srgbClr val="a5a5a5"/>
+        <a:srgbClr val="A5A5A5"/>
       </a:accent3>
       <a:accent4>
-        <a:srgbClr val="ffc000"/>
+        <a:srgbClr val="FFC000"/>
       </a:accent4>
       <a:accent5>
-        <a:srgbClr val="5b9bd5"/>
+        <a:srgbClr val="5B9BD5"/>
       </a:accent5>
       <a:accent6>
-        <a:srgbClr val="70ad47"/>
+        <a:srgbClr val="70AD47"/>
       </a:accent6>
       <a:hlink>
-        <a:srgbClr val="0563c1"/>
+        <a:srgbClr val="0563C1"/>
       </a:hlink>
       <a:folHlink>
-        <a:srgbClr val="954f72"/>
+        <a:srgbClr val="954F72"/>
       </a:folHlink>
     </a:clrScheme>
     <a:fontScheme name="Office">
@@ -8866,5 +11648,7 @@
       </a:bgFillStyleLst>
     </a:fmtScheme>
   </a:themeElements>
+  <a:objectDefaults/>
+  <a:extraClrSchemeLst/>
 </a:theme>
 </file>